--- a/Powerpoints/6 DiffnDiff (WIP).pptx
+++ b/Powerpoints/6 DiffnDiff (WIP).pptx
@@ -5,7 +5,7 @@
     <p:sldMasterId id="2147483648" r:id="rId1"/>
   </p:sldMasterIdLst>
   <p:notesMasterIdLst>
-    <p:notesMasterId r:id="rId28"/>
+    <p:notesMasterId r:id="rId32"/>
   </p:notesMasterIdLst>
   <p:sldIdLst>
     <p:sldId id="257" r:id="rId2"/>
@@ -22,18 +22,22 @@
     <p:sldId id="313" r:id="rId13"/>
     <p:sldId id="314" r:id="rId14"/>
     <p:sldId id="315" r:id="rId15"/>
-    <p:sldId id="319" r:id="rId16"/>
-    <p:sldId id="316" r:id="rId17"/>
-    <p:sldId id="324" r:id="rId18"/>
-    <p:sldId id="325" r:id="rId19"/>
-    <p:sldId id="326" r:id="rId20"/>
-    <p:sldId id="327" r:id="rId21"/>
-    <p:sldId id="328" r:id="rId22"/>
-    <p:sldId id="320" r:id="rId23"/>
-    <p:sldId id="321" r:id="rId24"/>
-    <p:sldId id="322" r:id="rId25"/>
-    <p:sldId id="305" r:id="rId26"/>
-    <p:sldId id="323" r:id="rId27"/>
+    <p:sldId id="332" r:id="rId16"/>
+    <p:sldId id="329" r:id="rId17"/>
+    <p:sldId id="330" r:id="rId18"/>
+    <p:sldId id="331" r:id="rId19"/>
+    <p:sldId id="319" r:id="rId20"/>
+    <p:sldId id="316" r:id="rId21"/>
+    <p:sldId id="324" r:id="rId22"/>
+    <p:sldId id="325" r:id="rId23"/>
+    <p:sldId id="326" r:id="rId24"/>
+    <p:sldId id="327" r:id="rId25"/>
+    <p:sldId id="328" r:id="rId26"/>
+    <p:sldId id="333" r:id="rId27"/>
+    <p:sldId id="321" r:id="rId28"/>
+    <p:sldId id="322" r:id="rId29"/>
+    <p:sldId id="305" r:id="rId30"/>
+    <p:sldId id="323" r:id="rId31"/>
   </p:sldIdLst>
   <p:sldSz cx="12192000" cy="6858000"/>
   <p:notesSz cx="6858000" cy="9144000"/>
@@ -132,6 +136,11 @@
       </a:defRPr>
     </a:lvl9pPr>
   </p:defaultTextStyle>
+  <p:extLst>
+    <p:ext uri="{EFAFB233-063F-42B5-8137-9DF3F51BA10A}">
+      <p15:sldGuideLst xmlns:p15="http://schemas.microsoft.com/office/powerpoint/2012/main"/>
+    </p:ext>
+  </p:extLst>
 </p:presentation>
 </file>
 
@@ -217,7 +226,7 @@
           <a:p>
             <a:fld id="{BC90CB22-C839-6149-99A7-A90D8892B5C9}" type="datetimeFigureOut">
               <a:rPr lang="en-US" smtClean="0"/>
-              <a:t>1/3/22</a:t>
+              <a:t>6/12/22</a:t>
             </a:fld>
             <a:endParaRPr lang="en-US"/>
           </a:p>
@@ -546,19 +555,7 @@
             </a:r>
             <a:r>
               <a:rPr lang="en-US" dirty="0"/>
-              <a:t> instead of the subject fixed effects is that it gives you more flexibility for modifications such as dynamic learning or dynamic discrete choice models. These are very </a:t>
-            </a:r>
-            <a:r>
-              <a:rPr lang="en-US" dirty="0" err="1"/>
-              <a:t>uch</a:t>
-            </a:r>
-            <a:r>
-              <a:rPr lang="en-US" dirty="0"/>
-              <a:t> outside the scope of </a:t>
-            </a:r>
-            <a:r>
-              <a:rPr lang="en-US"/>
-              <a:t>these materials.</a:t>
+              <a:t> instead of the subject fixed effects is that it gives you more flexibility for modifications such as dynamic learning or dynamic discrete choice models. These are very much outside the scope of these materials.</a:t>
             </a:r>
           </a:p>
         </p:txBody>
@@ -590,6 +587,129 @@
     <p:extLst>
       <p:ext uri="{BB962C8B-B14F-4D97-AF65-F5344CB8AC3E}">
         <p14:creationId xmlns:p14="http://schemas.microsoft.com/office/powerpoint/2010/main" val="55496366"/>
+      </p:ext>
+    </p:extLst>
+  </p:cSld>
+  <p:clrMapOvr>
+    <a:masterClrMapping/>
+  </p:clrMapOvr>
+</p:notes>
+</file>
+
+<file path=ppt/notesSlides/notesSlide2.xml><?xml version="1.0" encoding="utf-8"?>
+<p:notes xmlns:a="http://schemas.openxmlformats.org/drawingml/2006/main" xmlns:r="http://schemas.openxmlformats.org/officeDocument/2006/relationships" xmlns:p="http://schemas.openxmlformats.org/presentationml/2006/main">
+  <p:cSld>
+    <p:spTree>
+      <p:nvGrpSpPr>
+        <p:cNvPr id="1" name=""/>
+        <p:cNvGrpSpPr/>
+        <p:nvPr/>
+      </p:nvGrpSpPr>
+      <p:grpSpPr>
+        <a:xfrm>
+          <a:off x="0" y="0"/>
+          <a:ext cx="0" cy="0"/>
+          <a:chOff x="0" y="0"/>
+          <a:chExt cx="0" cy="0"/>
+        </a:xfrm>
+      </p:grpSpPr>
+      <p:sp>
+        <p:nvSpPr>
+          <p:cNvPr id="2" name="Slide Image Placeholder 1"/>
+          <p:cNvSpPr>
+            <a:spLocks noGrp="1" noRot="1" noChangeAspect="1"/>
+          </p:cNvSpPr>
+          <p:nvPr>
+            <p:ph type="sldImg"/>
+          </p:nvPr>
+        </p:nvSpPr>
+        <p:spPr/>
+      </p:sp>
+      <p:sp>
+        <p:nvSpPr>
+          <p:cNvPr id="3" name="Notes Placeholder 2"/>
+          <p:cNvSpPr>
+            <a:spLocks noGrp="1"/>
+          </p:cNvSpPr>
+          <p:nvPr>
+            <p:ph type="body" idx="1"/>
+          </p:nvPr>
+        </p:nvSpPr>
+        <p:spPr/>
+        <p:txBody>
+          <a:bodyPr/>
+          <a:lstStyle/>
+          <a:p>
+            <a:pPr marL="0" marR="0" lvl="0" indent="0" algn="l" defTabSz="914400" rtl="0" eaLnBrk="1" fontAlgn="auto" latinLnBrk="0" hangingPunct="1">
+              <a:lnSpc>
+                <a:spcPct val="100000"/>
+              </a:lnSpc>
+              <a:spcBef>
+                <a:spcPts val="0"/>
+              </a:spcBef>
+              <a:spcAft>
+                <a:spcPts val="0"/>
+              </a:spcAft>
+              <a:buClrTx/>
+              <a:buSzTx/>
+              <a:buFontTx/>
+              <a:buNone/>
+              <a:tabLst/>
+              <a:defRPr/>
+            </a:pPr>
+            <a:r>
+              <a:rPr lang="en-US" dirty="0"/>
+              <a:t>In applications, we cannot as easily assume that we assume enough data to meet the </a:t>
+            </a:r>
+            <a:r>
+              <a:rPr lang="en-US" dirty="0" err="1"/>
+              <a:t>unconfoundedness</a:t>
+            </a:r>
+            <a:r>
+              <a:rPr lang="en-US" dirty="0"/>
+              <a:t> assumption, and this is another vote for </a:t>
+            </a:r>
+            <a:r>
+              <a:rPr lang="en-US" dirty="0" err="1"/>
+              <a:t>DnD</a:t>
+            </a:r>
+            <a:r>
+              <a:rPr lang="en-US" dirty="0"/>
+              <a:t> models.</a:t>
+            </a:r>
+          </a:p>
+          <a:p>
+            <a:endParaRPr lang="en-US" dirty="0"/>
+          </a:p>
+        </p:txBody>
+      </p:sp>
+      <p:sp>
+        <p:nvSpPr>
+          <p:cNvPr id="4" name="Slide Number Placeholder 3"/>
+          <p:cNvSpPr>
+            <a:spLocks noGrp="1"/>
+          </p:cNvSpPr>
+          <p:nvPr>
+            <p:ph type="sldNum" sz="quarter" idx="5"/>
+          </p:nvPr>
+        </p:nvSpPr>
+        <p:spPr/>
+        <p:txBody>
+          <a:bodyPr/>
+          <a:lstStyle/>
+          <a:p>
+            <a:fld id="{34814EBF-23B0-C640-95FE-808FB0AFD5B4}" type="slidenum">
+              <a:rPr lang="en-US" smtClean="0"/>
+              <a:t>17</a:t>
+            </a:fld>
+            <a:endParaRPr lang="en-US"/>
+          </a:p>
+        </p:txBody>
+      </p:sp>
+    </p:spTree>
+    <p:extLst>
+      <p:ext uri="{BB962C8B-B14F-4D97-AF65-F5344CB8AC3E}">
+        <p14:creationId xmlns:p14="http://schemas.microsoft.com/office/powerpoint/2010/main" val="1438727380"/>
       </p:ext>
     </p:extLst>
   </p:cSld>
@@ -746,7 +866,7 @@
           <a:p>
             <a:fld id="{6A51730C-A43A-674C-AA66-C618CC514046}" type="datetimeFigureOut">
               <a:rPr lang="en-US" smtClean="0"/>
-              <a:t>1/2/22</a:t>
+              <a:t>6/12/22</a:t>
             </a:fld>
             <a:endParaRPr lang="en-US"/>
           </a:p>
@@ -944,7 +1064,7 @@
           <a:p>
             <a:fld id="{6A51730C-A43A-674C-AA66-C618CC514046}" type="datetimeFigureOut">
               <a:rPr lang="en-US" smtClean="0"/>
-              <a:t>1/2/22</a:t>
+              <a:t>6/12/22</a:t>
             </a:fld>
             <a:endParaRPr lang="en-US"/>
           </a:p>
@@ -1152,7 +1272,7 @@
           <a:p>
             <a:fld id="{6A51730C-A43A-674C-AA66-C618CC514046}" type="datetimeFigureOut">
               <a:rPr lang="en-US" smtClean="0"/>
-              <a:t>1/2/22</a:t>
+              <a:t>6/12/22</a:t>
             </a:fld>
             <a:endParaRPr lang="en-US"/>
           </a:p>
@@ -1350,7 +1470,7 @@
           <a:p>
             <a:fld id="{6A51730C-A43A-674C-AA66-C618CC514046}" type="datetimeFigureOut">
               <a:rPr lang="en-US" smtClean="0"/>
-              <a:t>1/2/22</a:t>
+              <a:t>6/12/22</a:t>
             </a:fld>
             <a:endParaRPr lang="en-US"/>
           </a:p>
@@ -1625,7 +1745,7 @@
           <a:p>
             <a:fld id="{6A51730C-A43A-674C-AA66-C618CC514046}" type="datetimeFigureOut">
               <a:rPr lang="en-US" smtClean="0"/>
-              <a:t>1/2/22</a:t>
+              <a:t>6/12/22</a:t>
             </a:fld>
             <a:endParaRPr lang="en-US"/>
           </a:p>
@@ -1890,7 +2010,7 @@
           <a:p>
             <a:fld id="{6A51730C-A43A-674C-AA66-C618CC514046}" type="datetimeFigureOut">
               <a:rPr lang="en-US" smtClean="0"/>
-              <a:t>1/2/22</a:t>
+              <a:t>6/12/22</a:t>
             </a:fld>
             <a:endParaRPr lang="en-US"/>
           </a:p>
@@ -2302,7 +2422,7 @@
           <a:p>
             <a:fld id="{6A51730C-A43A-674C-AA66-C618CC514046}" type="datetimeFigureOut">
               <a:rPr lang="en-US" smtClean="0"/>
-              <a:t>1/2/22</a:t>
+              <a:t>6/12/22</a:t>
             </a:fld>
             <a:endParaRPr lang="en-US"/>
           </a:p>
@@ -2443,7 +2563,7 @@
           <a:p>
             <a:fld id="{6A51730C-A43A-674C-AA66-C618CC514046}" type="datetimeFigureOut">
               <a:rPr lang="en-US" smtClean="0"/>
-              <a:t>1/2/22</a:t>
+              <a:t>6/12/22</a:t>
             </a:fld>
             <a:endParaRPr lang="en-US"/>
           </a:p>
@@ -2556,7 +2676,7 @@
           <a:p>
             <a:fld id="{6A51730C-A43A-674C-AA66-C618CC514046}" type="datetimeFigureOut">
               <a:rPr lang="en-US" smtClean="0"/>
-              <a:t>1/2/22</a:t>
+              <a:t>6/12/22</a:t>
             </a:fld>
             <a:endParaRPr lang="en-US"/>
           </a:p>
@@ -2867,7 +2987,7 @@
           <a:p>
             <a:fld id="{6A51730C-A43A-674C-AA66-C618CC514046}" type="datetimeFigureOut">
               <a:rPr lang="en-US" smtClean="0"/>
-              <a:t>1/2/22</a:t>
+              <a:t>6/12/22</a:t>
             </a:fld>
             <a:endParaRPr lang="en-US"/>
           </a:p>
@@ -3155,7 +3275,7 @@
           <a:p>
             <a:fld id="{6A51730C-A43A-674C-AA66-C618CC514046}" type="datetimeFigureOut">
               <a:rPr lang="en-US" smtClean="0"/>
-              <a:t>1/2/22</a:t>
+              <a:t>6/12/22</a:t>
             </a:fld>
             <a:endParaRPr lang="en-US"/>
           </a:p>
@@ -3396,7 +3516,7 @@
           <a:p>
             <a:fld id="{6A51730C-A43A-674C-AA66-C618CC514046}" type="datetimeFigureOut">
               <a:rPr lang="en-US" smtClean="0"/>
-              <a:t>1/2/22</a:t>
+              <a:t>6/12/22</a:t>
             </a:fld>
             <a:endParaRPr lang="en-US"/>
           </a:p>
@@ -3941,8 +4061,8 @@
           </a:p>
         </p:txBody>
       </p:sp>
-      <mc:AlternateContent xmlns:mc="http://schemas.openxmlformats.org/markup-compatibility/2006">
-        <mc:Choice xmlns:a14="http://schemas.microsoft.com/office/drawing/2010/main" Requires="a14">
+      <mc:AlternateContent xmlns:mc="http://schemas.openxmlformats.org/markup-compatibility/2006" xmlns:a14="http://schemas.microsoft.com/office/drawing/2010/main">
+        <mc:Choice Requires="a14">
           <p:sp>
             <p:nvSpPr>
               <p:cNvPr id="3" name="Content Placeholder 2">
@@ -4219,7 +4339,7 @@
                         </a:solidFill>
                         <a:latin typeface="Cambria Math" panose="02040503050406030204" pitchFamily="18" charset="0"/>
                       </a:rPr>
-                      <m:t>-</m:t>
+                      <m:t>−</m:t>
                     </m:r>
                     <m:r>
                       <m:rPr>
@@ -4770,16 +4890,7 @@
                                 </a:solidFill>
                                 <a:latin typeface="Cambria Math" panose="02040503050406030204" pitchFamily="18" charset="0"/>
                               </a:rPr>
-                              <m:t>≥</m:t>
-                            </m:r>
-                            <m:r>
-                              <a:rPr lang="en-US" b="0" i="1" smtClean="0">
-                                <a:solidFill>
-                                  <a:srgbClr val="00B050"/>
-                                </a:solidFill>
-                                <a:latin typeface="Cambria Math" panose="02040503050406030204" pitchFamily="18" charset="0"/>
-                              </a:rPr>
-                              <m:t>0</m:t>
+                              <m:t>≥0</m:t>
                             </m:r>
                           </m:sub>
                         </m:sSub>
@@ -4928,16 +5039,7 @@
                                 </a:solidFill>
                                 <a:latin typeface="Cambria Math" panose="02040503050406030204" pitchFamily="18" charset="0"/>
                               </a:rPr>
-                              <m:t>≥</m:t>
-                            </m:r>
-                            <m:r>
-                              <a:rPr lang="en-US" b="0" i="1" smtClean="0">
-                                <a:solidFill>
-                                  <a:schemeClr val="tx1"/>
-                                </a:solidFill>
-                                <a:latin typeface="Cambria Math" panose="02040503050406030204" pitchFamily="18" charset="0"/>
-                              </a:rPr>
-                              <m:t>0 , </m:t>
+                              <m:t>≥0 , </m:t>
                             </m:r>
                             <m:r>
                               <a:rPr lang="en-US" b="0" i="1" smtClean="0">
@@ -5485,7 +5587,7 @@
             </p:txBody>
           </p:sp>
         </mc:Choice>
-        <mc:Fallback>
+        <mc:Fallback xmlns="">
           <p:sp>
             <p:nvSpPr>
               <p:cNvPr id="3" name="Content Placeholder 2">
@@ -6733,16 +6835,7 @@
                             </a:solidFill>
                             <a:latin typeface="Cambria Math" panose="02040503050406030204" pitchFamily="18" charset="0"/>
                           </a:rPr>
-                          <m:t>&lt;</m:t>
-                        </m:r>
-                        <m:r>
-                          <a:rPr lang="en-US" b="0" i="1" smtClean="0">
-                            <a:solidFill>
-                              <a:schemeClr val="tx1"/>
-                            </a:solidFill>
-                            <a:latin typeface="Cambria Math" panose="02040503050406030204" pitchFamily="18" charset="0"/>
-                          </a:rPr>
-                          <m:t>0, </m:t>
+                          <m:t>&lt;0, </m:t>
                         </m:r>
                         <m:r>
                           <a:rPr lang="en-US" b="0" i="1" smtClean="0">
@@ -7283,7 +7376,7 @@
                         <m:ctrlPr>
                           <a:rPr lang="en-US" b="0" i="1" smtClean="0">
                             <a:solidFill>
-                              <a:schemeClr val="tx1"/>
+                              <a:schemeClr val="accent2"/>
                             </a:solidFill>
                             <a:latin typeface="Cambria Math" panose="02040503050406030204" pitchFamily="18" charset="0"/>
                           </a:rPr>
@@ -7295,7 +7388,7 @@
                             <m:ctrlPr>
                               <a:rPr lang="en-US" b="0" i="1" smtClean="0">
                                 <a:solidFill>
-                                  <a:schemeClr val="tx1"/>
+                                  <a:schemeClr val="accent2"/>
                                 </a:solidFill>
                                 <a:latin typeface="Cambria Math" panose="02040503050406030204" pitchFamily="18" charset="0"/>
                               </a:rPr>
@@ -7305,7 +7398,7 @@
                             <m:r>
                               <a:rPr lang="en-US" b="0" i="1" smtClean="0">
                                 <a:solidFill>
-                                  <a:schemeClr val="tx1"/>
+                                  <a:schemeClr val="accent2"/>
                                 </a:solidFill>
                                 <a:latin typeface="Cambria Math" panose="02040503050406030204" pitchFamily="18" charset="0"/>
                               </a:rPr>
@@ -7316,7 +7409,7 @@
                             <m:r>
                               <a:rPr lang="en-US" b="0" i="1" smtClean="0">
                                 <a:solidFill>
-                                  <a:schemeClr val="tx1"/>
+                                  <a:schemeClr val="accent2"/>
                                 </a:solidFill>
                                 <a:latin typeface="Cambria Math" panose="02040503050406030204" pitchFamily="18" charset="0"/>
                               </a:rPr>
@@ -7325,7 +7418,7 @@
                             <m:r>
                               <a:rPr lang="en-US" b="0" i="1" smtClean="0">
                                 <a:solidFill>
-                                  <a:schemeClr val="tx1"/>
+                                  <a:schemeClr val="accent2"/>
                                 </a:solidFill>
                                 <a:latin typeface="Cambria Math" panose="02040503050406030204" pitchFamily="18" charset="0"/>
                               </a:rPr>
@@ -7334,7 +7427,7 @@
                             <m:r>
                               <a:rPr lang="en-US" b="0" i="1" smtClean="0">
                                 <a:solidFill>
-                                  <a:schemeClr val="tx1"/>
+                                  <a:schemeClr val="accent2"/>
                                 </a:solidFill>
                                 <a:latin typeface="Cambria Math" panose="02040503050406030204" pitchFamily="18" charset="0"/>
                               </a:rPr>
@@ -7343,7 +7436,7 @@
                             <m:r>
                               <a:rPr lang="en-US" b="0" i="1" smtClean="0">
                                 <a:solidFill>
-                                  <a:schemeClr val="tx1"/>
+                                  <a:schemeClr val="accent2"/>
                                 </a:solidFill>
                                 <a:latin typeface="Cambria Math" panose="02040503050406030204" pitchFamily="18" charset="0"/>
                               </a:rPr>
@@ -7352,7 +7445,7 @@
                             <m:r>
                               <a:rPr lang="en-US" b="0" i="1" smtClean="0">
                                 <a:solidFill>
-                                  <a:schemeClr val="tx1"/>
+                                  <a:schemeClr val="accent2"/>
                                 </a:solidFill>
                                 <a:latin typeface="Cambria Math" panose="02040503050406030204" pitchFamily="18" charset="0"/>
                               </a:rPr>
@@ -7361,7 +7454,7 @@
                             <m:r>
                               <a:rPr lang="en-US" b="0" i="1" smtClean="0">
                                 <a:solidFill>
-                                  <a:schemeClr val="tx1"/>
+                                  <a:schemeClr val="accent2"/>
                                 </a:solidFill>
                                 <a:latin typeface="Cambria Math" panose="02040503050406030204" pitchFamily="18" charset="0"/>
                               </a:rPr>
@@ -7370,7 +7463,7 @@
                             <m:r>
                               <a:rPr lang="en-US" b="0" i="1" smtClean="0">
                                 <a:solidFill>
-                                  <a:schemeClr val="tx1"/>
+                                  <a:schemeClr val="accent2"/>
                                 </a:solidFill>
                                 <a:latin typeface="Cambria Math" panose="02040503050406030204" pitchFamily="18" charset="0"/>
                               </a:rPr>
@@ -7381,7 +7474,7 @@
                         <m:r>
                           <a:rPr lang="en-US" b="0" i="1" smtClean="0">
                             <a:solidFill>
-                              <a:schemeClr val="tx1"/>
+                              <a:schemeClr val="accent2"/>
                             </a:solidFill>
                             <a:latin typeface="Cambria Math" panose="02040503050406030204" pitchFamily="18" charset="0"/>
                           </a:rPr>
@@ -7392,7 +7485,7 @@
                             <m:ctrlPr>
                               <a:rPr lang="en-US" b="0" i="1" smtClean="0">
                                 <a:solidFill>
-                                  <a:schemeClr val="tx1"/>
+                                  <a:schemeClr val="accent2"/>
                                 </a:solidFill>
                                 <a:latin typeface="Cambria Math" panose="02040503050406030204" pitchFamily="18" charset="0"/>
                               </a:rPr>
@@ -7402,7 +7495,7 @@
                             <m:r>
                               <a:rPr lang="en-US" b="0" i="1" smtClean="0">
                                 <a:solidFill>
-                                  <a:schemeClr val="tx1"/>
+                                  <a:schemeClr val="accent2"/>
                                 </a:solidFill>
                                 <a:latin typeface="Cambria Math" panose="02040503050406030204" pitchFamily="18" charset="0"/>
                               </a:rPr>
@@ -7413,7 +7506,7 @@
                             <m:r>
                               <a:rPr lang="en-US" b="0" i="1" smtClean="0">
                                 <a:solidFill>
-                                  <a:schemeClr val="tx1"/>
+                                  <a:schemeClr val="accent2"/>
                                 </a:solidFill>
                                 <a:latin typeface="Cambria Math" panose="02040503050406030204" pitchFamily="18" charset="0"/>
                               </a:rPr>
@@ -7422,7 +7515,7 @@
                             <m:r>
                               <a:rPr lang="en-US" b="0" i="1" smtClean="0">
                                 <a:solidFill>
-                                  <a:schemeClr val="tx1"/>
+                                  <a:schemeClr val="accent2"/>
                                 </a:solidFill>
                                 <a:latin typeface="Cambria Math" panose="02040503050406030204" pitchFamily="18" charset="0"/>
                               </a:rPr>
@@ -7431,7 +7524,7 @@
                             <m:r>
                               <a:rPr lang="en-US" b="0" i="1" smtClean="0">
                                 <a:solidFill>
-                                  <a:schemeClr val="tx1"/>
+                                  <a:schemeClr val="accent2"/>
                                 </a:solidFill>
                                 <a:latin typeface="Cambria Math" panose="02040503050406030204" pitchFamily="18" charset="0"/>
                               </a:rPr>
@@ -7440,7 +7533,7 @@
                             <m:r>
                               <a:rPr lang="en-US" b="0" i="1" smtClean="0">
                                 <a:solidFill>
-                                  <a:schemeClr val="tx1"/>
+                                  <a:schemeClr val="accent2"/>
                                 </a:solidFill>
                                 <a:latin typeface="Cambria Math" panose="02040503050406030204" pitchFamily="18" charset="0"/>
                               </a:rPr>
@@ -7449,7 +7542,7 @@
                             <m:r>
                               <a:rPr lang="en-US" b="0" i="1" smtClean="0">
                                 <a:solidFill>
-                                  <a:schemeClr val="tx1"/>
+                                  <a:schemeClr val="accent2"/>
                                 </a:solidFill>
                                 <a:latin typeface="Cambria Math" panose="02040503050406030204" pitchFamily="18" charset="0"/>
                               </a:rPr>
@@ -7458,7 +7551,7 @@
                             <m:r>
                               <a:rPr lang="en-US" b="0" i="1" smtClean="0">
                                 <a:solidFill>
-                                  <a:schemeClr val="tx1"/>
+                                  <a:schemeClr val="accent2"/>
                                 </a:solidFill>
                                 <a:latin typeface="Cambria Math" panose="02040503050406030204" pitchFamily="18" charset="0"/>
                               </a:rPr>
@@ -7467,7 +7560,7 @@
                             <m:r>
                               <a:rPr lang="en-US" b="0" i="1" smtClean="0">
                                 <a:solidFill>
-                                  <a:schemeClr val="tx1"/>
+                                  <a:schemeClr val="accent2"/>
                                 </a:solidFill>
                                 <a:latin typeface="Cambria Math" panose="02040503050406030204" pitchFamily="18" charset="0"/>
                               </a:rPr>
@@ -7480,7 +7573,7 @@
                     <m:r>
                       <a:rPr lang="en-US" b="0" i="1" smtClean="0">
                         <a:solidFill>
-                          <a:schemeClr val="tx1"/>
+                          <a:schemeClr val="accent2"/>
                         </a:solidFill>
                         <a:latin typeface="Cambria Math" panose="02040503050406030204" pitchFamily="18" charset="0"/>
                       </a:rPr>
@@ -7491,7 +7584,7 @@
                         <m:ctrlPr>
                           <a:rPr lang="en-US" b="0" i="1" smtClean="0">
                             <a:solidFill>
-                              <a:schemeClr val="tx1"/>
+                              <a:schemeClr val="accent2"/>
                             </a:solidFill>
                             <a:latin typeface="Cambria Math" panose="02040503050406030204" pitchFamily="18" charset="0"/>
                           </a:rPr>
@@ -7503,7 +7596,7 @@
                             <m:ctrlPr>
                               <a:rPr lang="en-US" b="0" i="1" smtClean="0">
                                 <a:solidFill>
-                                  <a:schemeClr val="tx1"/>
+                                  <a:schemeClr val="accent2"/>
                                 </a:solidFill>
                                 <a:latin typeface="Cambria Math" panose="02040503050406030204" pitchFamily="18" charset="0"/>
                               </a:rPr>
@@ -7513,7 +7606,7 @@
                             <m:r>
                               <a:rPr lang="en-US" b="0" i="1" smtClean="0">
                                 <a:solidFill>
-                                  <a:schemeClr val="tx1"/>
+                                  <a:schemeClr val="accent2"/>
                                 </a:solidFill>
                                 <a:latin typeface="Cambria Math" panose="02040503050406030204" pitchFamily="18" charset="0"/>
                               </a:rPr>
@@ -7524,7 +7617,7 @@
                             <m:r>
                               <a:rPr lang="en-US" b="0" i="1" smtClean="0">
                                 <a:solidFill>
-                                  <a:schemeClr val="tx1"/>
+                                  <a:schemeClr val="accent2"/>
                                 </a:solidFill>
                                 <a:latin typeface="Cambria Math" panose="02040503050406030204" pitchFamily="18" charset="0"/>
                               </a:rPr>
@@ -7533,7 +7626,7 @@
                             <m:r>
                               <a:rPr lang="en-US" b="0" i="1" smtClean="0">
                                 <a:solidFill>
-                                  <a:schemeClr val="tx1"/>
+                                  <a:schemeClr val="accent2"/>
                                 </a:solidFill>
                                 <a:latin typeface="Cambria Math" panose="02040503050406030204" pitchFamily="18" charset="0"/>
                               </a:rPr>
@@ -7542,7 +7635,7 @@
                             <m:r>
                               <a:rPr lang="en-US" b="0" i="1" smtClean="0">
                                 <a:solidFill>
-                                  <a:schemeClr val="tx1"/>
+                                  <a:schemeClr val="accent2"/>
                                 </a:solidFill>
                                 <a:latin typeface="Cambria Math" panose="02040503050406030204" pitchFamily="18" charset="0"/>
                               </a:rPr>
@@ -7551,7 +7644,7 @@
                             <m:r>
                               <a:rPr lang="en-US" b="0" i="1" smtClean="0">
                                 <a:solidFill>
-                                  <a:schemeClr val="tx1"/>
+                                  <a:schemeClr val="accent2"/>
                                 </a:solidFill>
                                 <a:latin typeface="Cambria Math" panose="02040503050406030204" pitchFamily="18" charset="0"/>
                               </a:rPr>
@@ -7560,7 +7653,7 @@
                             <m:r>
                               <a:rPr lang="en-US" b="0" i="1" smtClean="0">
                                 <a:solidFill>
-                                  <a:schemeClr val="tx1"/>
+                                  <a:schemeClr val="accent2"/>
                                 </a:solidFill>
                                 <a:latin typeface="Cambria Math" panose="02040503050406030204" pitchFamily="18" charset="0"/>
                               </a:rPr>
@@ -7569,7 +7662,7 @@
                             <m:r>
                               <a:rPr lang="en-US" b="0" i="1" smtClean="0">
                                 <a:solidFill>
-                                  <a:schemeClr val="tx1"/>
+                                  <a:schemeClr val="accent2"/>
                                 </a:solidFill>
                                 <a:latin typeface="Cambria Math" panose="02040503050406030204" pitchFamily="18" charset="0"/>
                               </a:rPr>
@@ -7578,7 +7671,7 @@
                             <m:r>
                               <a:rPr lang="en-US" b="0" i="1" smtClean="0">
                                 <a:solidFill>
-                                  <a:schemeClr val="tx1"/>
+                                  <a:schemeClr val="accent2"/>
                                 </a:solidFill>
                                 <a:latin typeface="Cambria Math" panose="02040503050406030204" pitchFamily="18" charset="0"/>
                               </a:rPr>
@@ -7589,7 +7682,7 @@
                         <m:r>
                           <a:rPr lang="en-US" b="0" i="1" smtClean="0">
                             <a:solidFill>
-                              <a:schemeClr val="tx1"/>
+                              <a:schemeClr val="accent2"/>
                             </a:solidFill>
                             <a:latin typeface="Cambria Math" panose="02040503050406030204" pitchFamily="18" charset="0"/>
                           </a:rPr>
@@ -7600,7 +7693,7 @@
                             <m:ctrlPr>
                               <a:rPr lang="en-US" b="0" i="1" smtClean="0">
                                 <a:solidFill>
-                                  <a:schemeClr val="tx1"/>
+                                  <a:schemeClr val="accent2"/>
                                 </a:solidFill>
                                 <a:latin typeface="Cambria Math" panose="02040503050406030204" pitchFamily="18" charset="0"/>
                               </a:rPr>
@@ -7610,7 +7703,7 @@
                             <m:r>
                               <a:rPr lang="en-US" b="0" i="1" smtClean="0">
                                 <a:solidFill>
-                                  <a:schemeClr val="tx1"/>
+                                  <a:schemeClr val="accent2"/>
                                 </a:solidFill>
                                 <a:latin typeface="Cambria Math" panose="02040503050406030204" pitchFamily="18" charset="0"/>
                               </a:rPr>
@@ -7621,7 +7714,7 @@
                             <m:r>
                               <a:rPr lang="en-US" b="0" i="1" smtClean="0">
                                 <a:solidFill>
-                                  <a:schemeClr val="tx1"/>
+                                  <a:schemeClr val="accent2"/>
                                 </a:solidFill>
                                 <a:latin typeface="Cambria Math" panose="02040503050406030204" pitchFamily="18" charset="0"/>
                               </a:rPr>
@@ -7630,7 +7723,7 @@
                             <m:r>
                               <a:rPr lang="en-US" b="0" i="1" smtClean="0">
                                 <a:solidFill>
-                                  <a:schemeClr val="tx1"/>
+                                  <a:schemeClr val="accent2"/>
                                 </a:solidFill>
                                 <a:latin typeface="Cambria Math" panose="02040503050406030204" pitchFamily="18" charset="0"/>
                               </a:rPr>
@@ -7639,7 +7732,7 @@
                             <m:r>
                               <a:rPr lang="en-US" b="0" i="1" smtClean="0">
                                 <a:solidFill>
-                                  <a:schemeClr val="tx1"/>
+                                  <a:schemeClr val="accent2"/>
                                 </a:solidFill>
                                 <a:latin typeface="Cambria Math" panose="02040503050406030204" pitchFamily="18" charset="0"/>
                               </a:rPr>
@@ -7648,7 +7741,7 @@
                             <m:r>
                               <a:rPr lang="en-US" b="0" i="1" smtClean="0">
                                 <a:solidFill>
-                                  <a:schemeClr val="tx1"/>
+                                  <a:schemeClr val="accent2"/>
                                 </a:solidFill>
                                 <a:latin typeface="Cambria Math" panose="02040503050406030204" pitchFamily="18" charset="0"/>
                               </a:rPr>
@@ -7657,7 +7750,7 @@
                             <m:r>
                               <a:rPr lang="en-US" b="0" i="1" smtClean="0">
                                 <a:solidFill>
-                                  <a:schemeClr val="tx1"/>
+                                  <a:schemeClr val="accent2"/>
                                 </a:solidFill>
                                 <a:latin typeface="Cambria Math" panose="02040503050406030204" pitchFamily="18" charset="0"/>
                               </a:rPr>
@@ -7666,7 +7759,7 @@
                             <m:r>
                               <a:rPr lang="en-US" b="0" i="1" smtClean="0">
                                 <a:solidFill>
-                                  <a:schemeClr val="tx1"/>
+                                  <a:schemeClr val="accent2"/>
                                 </a:solidFill>
                                 <a:latin typeface="Cambria Math" panose="02040503050406030204" pitchFamily="18" charset="0"/>
                               </a:rPr>
@@ -7675,7 +7768,7 @@
                             <m:r>
                               <a:rPr lang="en-US" b="0" i="1" smtClean="0">
                                 <a:solidFill>
-                                  <a:schemeClr val="tx1"/>
+                                  <a:schemeClr val="accent2"/>
                                 </a:solidFill>
                                 <a:latin typeface="Cambria Math" panose="02040503050406030204" pitchFamily="18" charset="0"/>
                               </a:rPr>
@@ -7687,7 +7780,11 @@
                           <m:rPr>
                             <m:nor/>
                           </m:rPr>
-                          <a:rPr lang="en-US" dirty="0"/>
+                          <a:rPr lang="en-US" dirty="0">
+                            <a:solidFill>
+                              <a:schemeClr val="accent2"/>
+                            </a:solidFill>
+                          </a:rPr>
                           <m:t> </m:t>
                         </m:r>
                       </m:e>
@@ -7696,7 +7793,7 @@
                 </a14:m>
                 <a:endParaRPr lang="en-US" b="0" dirty="0">
                   <a:solidFill>
-                    <a:schemeClr val="tx1"/>
+                    <a:schemeClr val="accent2"/>
                   </a:solidFill>
                 </a:endParaRPr>
               </a:p>
@@ -7712,7 +7809,7 @@
                         <m:ctrlPr>
                           <a:rPr lang="en-US" b="0" i="1" smtClean="0">
                             <a:solidFill>
-                              <a:schemeClr val="tx1"/>
+                              <a:schemeClr val="accent2"/>
                             </a:solidFill>
                             <a:latin typeface="Cambria Math" panose="02040503050406030204" pitchFamily="18" charset="0"/>
                           </a:rPr>
@@ -7722,7 +7819,7 @@
                         <m:r>
                           <a:rPr lang="en-US" b="0" i="1" smtClean="0">
                             <a:solidFill>
-                              <a:schemeClr val="tx1"/>
+                              <a:schemeClr val="accent2"/>
                             </a:solidFill>
                             <a:latin typeface="Cambria Math" panose="02040503050406030204" pitchFamily="18" charset="0"/>
                           </a:rPr>
@@ -7733,7 +7830,7 @@
                         <m:r>
                           <a:rPr lang="en-US" b="0" i="1" smtClean="0">
                             <a:solidFill>
-                              <a:schemeClr val="tx1"/>
+                              <a:schemeClr val="accent2"/>
                             </a:solidFill>
                             <a:latin typeface="Cambria Math" panose="02040503050406030204" pitchFamily="18" charset="0"/>
                           </a:rPr>
@@ -7744,8 +7841,16 @@
                   </m:oMath>
                 </a14:m>
                 <a:r>
+                  <a:rPr lang="en-US" dirty="0">
+                    <a:solidFill>
+                      <a:schemeClr val="accent2"/>
+                    </a:solidFill>
+                  </a:rPr>
+                  <a:t> </a:t>
+                </a:r>
+                <a:r>
                   <a:rPr lang="en-US" dirty="0"/>
-                  <a:t> part looks monstrous, but we have seen this before when we studied the fundamentals of causal inference for cross-sectional, or propensity-based models</a:t>
+                  <a:t>part looks monstrous, but we have seen this before when we studied the fundamentals of causal inference for cross-sectional, or propensity-based models</a:t>
                 </a:r>
               </a:p>
             </p:txBody>
@@ -7857,8 +7962,8 @@
           </a:p>
         </p:txBody>
       </p:sp>
-      <mc:AlternateContent xmlns:mc="http://schemas.openxmlformats.org/markup-compatibility/2006">
-        <mc:Choice xmlns:a14="http://schemas.microsoft.com/office/drawing/2010/main" Requires="a14">
+      <mc:AlternateContent xmlns:mc="http://schemas.openxmlformats.org/markup-compatibility/2006" xmlns:a14="http://schemas.microsoft.com/office/drawing/2010/main">
+        <mc:Choice Requires="a14">
           <p:sp>
             <p:nvSpPr>
               <p:cNvPr id="3" name="Content Placeholder 2">
@@ -8469,7 +8574,7 @@
             </p:txBody>
           </p:sp>
         </mc:Choice>
-        <mc:Fallback>
+        <mc:Fallback xmlns="">
           <p:sp>
             <p:nvSpPr>
               <p:cNvPr id="3" name="Content Placeholder 2">
@@ -8513,8 +8618,8 @@
           </p:sp>
         </mc:Fallback>
       </mc:AlternateContent>
-      <mc:AlternateContent xmlns:mc="http://schemas.openxmlformats.org/markup-compatibility/2006">
-        <mc:Choice xmlns:a14="http://schemas.microsoft.com/office/drawing/2010/main" Requires="a14">
+      <mc:AlternateContent xmlns:mc="http://schemas.openxmlformats.org/markup-compatibility/2006" xmlns:a14="http://schemas.microsoft.com/office/drawing/2010/main">
+        <mc:Choice Requires="a14">
           <p:graphicFrame>
             <p:nvGraphicFramePr>
               <p:cNvPr id="4" name="Table 4">
@@ -8600,6 +8705,7 @@
                         <a:bodyPr/>
                         <a:lstStyle/>
                         <a:p>
+                          <a:pPr/>
                           <a14:m>
                             <m:oMathPara xmlns:m="http://schemas.openxmlformats.org/officeDocument/2006/math">
                               <m:oMathParaPr>
@@ -8872,6 +8978,7 @@
                         <a:bodyPr/>
                         <a:lstStyle/>
                         <a:p>
+                          <a:pPr/>
                           <a14:m>
                             <m:oMathPara xmlns:m="http://schemas.openxmlformats.org/officeDocument/2006/math">
                               <m:oMathParaPr>
@@ -9144,6 +9251,7 @@
                         <a:bodyPr/>
                         <a:lstStyle/>
                         <a:p>
+                          <a:pPr/>
                           <a14:m>
                             <m:oMathPara xmlns:m="http://schemas.openxmlformats.org/officeDocument/2006/math">
                               <m:oMathParaPr>
@@ -9410,6 +9518,7 @@
                         <a:bodyPr/>
                         <a:lstStyle/>
                         <a:p>
+                          <a:pPr/>
                           <a14:m>
                             <m:oMathPara xmlns:m="http://schemas.openxmlformats.org/officeDocument/2006/math">
                               <m:oMathParaPr>
@@ -9491,16 +9600,7 @@
                                         </a:solidFill>
                                         <a:latin typeface="Cambria Math" panose="02040503050406030204" pitchFamily="18" charset="0"/>
                                       </a:rPr>
-                                      <m:t>&lt;</m:t>
-                                    </m:r>
-                                    <m:r>
-                                      <a:rPr lang="en-US" b="0" i="1" smtClean="0">
-                                        <a:solidFill>
-                                          <a:srgbClr val="FF0000"/>
-                                        </a:solidFill>
-                                        <a:latin typeface="Cambria Math" panose="02040503050406030204" pitchFamily="18" charset="0"/>
-                                      </a:rPr>
-                                      <m:t>0, </m:t>
+                                      <m:t>&lt;0, </m:t>
                                     </m:r>
                                     <m:r>
                                       <a:rPr lang="en-US" b="0" i="1" smtClean="0">
@@ -9684,7 +9784,7 @@
             </a:graphic>
           </p:graphicFrame>
         </mc:Choice>
-        <mc:Fallback>
+        <mc:Fallback xmlns="">
           <p:graphicFrame>
             <p:nvGraphicFramePr>
               <p:cNvPr id="4" name="Table 4">
@@ -10342,7 +10442,7 @@
                 </a14:m>
                 <a:r>
                   <a:rPr lang="en-US" dirty="0"/>
-                  <a:t>. We have to make due with some flexible function of </a:t>
+                  <a:t>. We would have to use some flexible function of </a:t>
                 </a:r>
                 <a14:m>
                   <m:oMath xmlns:m="http://schemas.openxmlformats.org/officeDocument/2006/math">
@@ -10910,6 +11010,2373 @@
       </p:grpSpPr>
       <p:sp>
         <p:nvSpPr>
+          <p:cNvPr id="2" name="Title 1">
+            <a:extLst>
+              <a:ext uri="{FF2B5EF4-FFF2-40B4-BE49-F238E27FC236}">
+                <a16:creationId xmlns:a16="http://schemas.microsoft.com/office/drawing/2014/main" id="{0374FDFA-84F5-A248-A1A8-25906C1A3E99}"/>
+              </a:ext>
+            </a:extLst>
+          </p:cNvPr>
+          <p:cNvSpPr>
+            <a:spLocks noGrp="1"/>
+          </p:cNvSpPr>
+          <p:nvPr>
+            <p:ph type="title"/>
+          </p:nvPr>
+        </p:nvSpPr>
+        <p:spPr/>
+        <p:txBody>
+          <a:bodyPr/>
+          <a:lstStyle/>
+          <a:p>
+            <a:r>
+              <a:rPr lang="en-US" dirty="0"/>
+              <a:t>Difference-in-difference model</a:t>
+            </a:r>
+          </a:p>
+        </p:txBody>
+      </p:sp>
+      <mc:AlternateContent xmlns:mc="http://schemas.openxmlformats.org/markup-compatibility/2006">
+        <mc:Choice xmlns:a14="http://schemas.microsoft.com/office/drawing/2010/main" Requires="a14">
+          <p:sp>
+            <p:nvSpPr>
+              <p:cNvPr id="3" name="Content Placeholder 2">
+                <a:extLst>
+                  <a:ext uri="{FF2B5EF4-FFF2-40B4-BE49-F238E27FC236}">
+                    <a16:creationId xmlns:a16="http://schemas.microsoft.com/office/drawing/2014/main" id="{919C24DC-F3FB-E442-9FF0-2BE6D395C5E9}"/>
+                  </a:ext>
+                </a:extLst>
+              </p:cNvPr>
+              <p:cNvSpPr>
+                <a:spLocks noGrp="1"/>
+              </p:cNvSpPr>
+              <p:nvPr>
+                <p:ph idx="1"/>
+              </p:nvPr>
+            </p:nvSpPr>
+            <p:spPr/>
+            <p:txBody>
+              <a:bodyPr/>
+              <a:lstStyle/>
+              <a:p>
+                <a:r>
+                  <a:rPr lang="en-US" dirty="0"/>
+                  <a:t>Two-way fixed effects model where we control for all individual fixed effects, </a:t>
+                </a:r>
+                <a14:m>
+                  <m:oMath xmlns:m="http://schemas.openxmlformats.org/officeDocument/2006/math">
+                    <m:sSub>
+                      <m:sSubPr>
+                        <m:ctrlPr>
+                          <a:rPr lang="en-US" i="1">
+                            <a:latin typeface="Cambria Math" panose="02040503050406030204" pitchFamily="18" charset="0"/>
+                          </a:rPr>
+                        </m:ctrlPr>
+                      </m:sSubPr>
+                      <m:e>
+                        <m:r>
+                          <a:rPr lang="en-US" i="1">
+                            <a:latin typeface="Cambria Math" panose="02040503050406030204" pitchFamily="18" charset="0"/>
+                          </a:rPr>
+                          <m:t>𝜂</m:t>
+                        </m:r>
+                      </m:e>
+                      <m:sub>
+                        <m:r>
+                          <a:rPr lang="en-US" i="1">
+                            <a:latin typeface="Cambria Math" panose="02040503050406030204" pitchFamily="18" charset="0"/>
+                          </a:rPr>
+                          <m:t>𝑖</m:t>
+                        </m:r>
+                      </m:sub>
+                    </m:sSub>
+                    <m:r>
+                      <a:rPr lang="en-US" i="1">
+                        <a:latin typeface="Cambria Math" panose="02040503050406030204" pitchFamily="18" charset="0"/>
+                      </a:rPr>
+                      <m:t> </m:t>
+                    </m:r>
+                  </m:oMath>
+                </a14:m>
+                <a:r>
+                  <a:rPr lang="en-US" dirty="0"/>
+                  <a:t>and time fixed effects, </a:t>
+                </a:r>
+                <a14:m>
+                  <m:oMath xmlns:m="http://schemas.openxmlformats.org/officeDocument/2006/math">
+                    <m:sSub>
+                      <m:sSubPr>
+                        <m:ctrlPr>
+                          <a:rPr lang="en-US" i="1">
+                            <a:latin typeface="Cambria Math" panose="02040503050406030204" pitchFamily="18" charset="0"/>
+                          </a:rPr>
+                        </m:ctrlPr>
+                      </m:sSubPr>
+                      <m:e>
+                        <m:r>
+                          <a:rPr lang="en-US" i="1">
+                            <a:latin typeface="Cambria Math" panose="02040503050406030204" pitchFamily="18" charset="0"/>
+                          </a:rPr>
+                          <m:t>𝛾</m:t>
+                        </m:r>
+                      </m:e>
+                      <m:sub>
+                        <m:r>
+                          <a:rPr lang="en-US" i="1">
+                            <a:latin typeface="Cambria Math" panose="02040503050406030204" pitchFamily="18" charset="0"/>
+                          </a:rPr>
+                          <m:t>𝑡</m:t>
+                        </m:r>
+                      </m:sub>
+                    </m:sSub>
+                  </m:oMath>
+                </a14:m>
+                <a:r>
+                  <a:rPr lang="en-US" dirty="0"/>
+                  <a:t>:</a:t>
+                </a:r>
+              </a:p>
+              <a:p>
+                <a:pPr marL="0" indent="0">
+                  <a:buNone/>
+                </a:pPr>
+                <a14:m>
+                  <m:oMathPara xmlns:m="http://schemas.openxmlformats.org/officeDocument/2006/math">
+                    <m:oMathParaPr>
+                      <m:jc m:val="centerGroup"/>
+                    </m:oMathParaPr>
+                    <m:oMath xmlns:m="http://schemas.openxmlformats.org/officeDocument/2006/math">
+                      <m:sSub>
+                        <m:sSubPr>
+                          <m:ctrlPr>
+                            <a:rPr lang="en-US" i="1">
+                              <a:latin typeface="Cambria Math" panose="02040503050406030204" pitchFamily="18" charset="0"/>
+                            </a:rPr>
+                          </m:ctrlPr>
+                        </m:sSubPr>
+                        <m:e>
+                          <m:r>
+                            <a:rPr lang="en-US" i="1">
+                              <a:latin typeface="Cambria Math" panose="02040503050406030204" pitchFamily="18" charset="0"/>
+                            </a:rPr>
+                            <m:t>𝑌</m:t>
+                          </m:r>
+                        </m:e>
+                        <m:sub>
+                          <m:r>
+                            <a:rPr lang="en-US" i="1">
+                              <a:latin typeface="Cambria Math" panose="02040503050406030204" pitchFamily="18" charset="0"/>
+                            </a:rPr>
+                            <m:t>𝑖𝑡</m:t>
+                          </m:r>
+                        </m:sub>
+                      </m:sSub>
+                      <m:r>
+                        <a:rPr lang="en-US" i="1">
+                          <a:latin typeface="Cambria Math" panose="02040503050406030204" pitchFamily="18" charset="0"/>
+                        </a:rPr>
+                        <m:t>=</m:t>
+                      </m:r>
+                      <m:r>
+                        <a:rPr lang="en-US" i="1">
+                          <a:latin typeface="Cambria Math" panose="02040503050406030204" pitchFamily="18" charset="0"/>
+                        </a:rPr>
+                        <m:t>𝜏</m:t>
+                      </m:r>
+                      <m:sSub>
+                        <m:sSubPr>
+                          <m:ctrlPr>
+                            <a:rPr lang="en-US" i="1">
+                              <a:latin typeface="Cambria Math" panose="02040503050406030204" pitchFamily="18" charset="0"/>
+                            </a:rPr>
+                          </m:ctrlPr>
+                        </m:sSubPr>
+                        <m:e>
+                          <m:r>
+                            <a:rPr lang="en-US" i="1">
+                              <a:latin typeface="Cambria Math" panose="02040503050406030204" pitchFamily="18" charset="0"/>
+                            </a:rPr>
+                            <m:t>𝑊</m:t>
+                          </m:r>
+                        </m:e>
+                        <m:sub>
+                          <m:r>
+                            <a:rPr lang="en-US" i="1">
+                              <a:latin typeface="Cambria Math" panose="02040503050406030204" pitchFamily="18" charset="0"/>
+                            </a:rPr>
+                            <m:t>𝑖𝑡</m:t>
+                          </m:r>
+                        </m:sub>
+                      </m:sSub>
+                      <m:r>
+                        <a:rPr lang="en-US" i="1">
+                          <a:latin typeface="Cambria Math" panose="02040503050406030204" pitchFamily="18" charset="0"/>
+                        </a:rPr>
+                        <m:t>+</m:t>
+                      </m:r>
+                      <m:sSub>
+                        <m:sSubPr>
+                          <m:ctrlPr>
+                            <a:rPr lang="en-US" i="1">
+                              <a:latin typeface="Cambria Math" panose="02040503050406030204" pitchFamily="18" charset="0"/>
+                            </a:rPr>
+                          </m:ctrlPr>
+                        </m:sSubPr>
+                        <m:e>
+                          <m:r>
+                            <a:rPr lang="en-US" i="1">
+                              <a:latin typeface="Cambria Math" panose="02040503050406030204" pitchFamily="18" charset="0"/>
+                            </a:rPr>
+                            <m:t>𝛾</m:t>
+                          </m:r>
+                        </m:e>
+                        <m:sub>
+                          <m:r>
+                            <a:rPr lang="en-US" i="1">
+                              <a:latin typeface="Cambria Math" panose="02040503050406030204" pitchFamily="18" charset="0"/>
+                            </a:rPr>
+                            <m:t>𝑡</m:t>
+                          </m:r>
+                        </m:sub>
+                      </m:sSub>
+                      <m:r>
+                        <a:rPr lang="en-US" i="1">
+                          <a:latin typeface="Cambria Math" panose="02040503050406030204" pitchFamily="18" charset="0"/>
+                        </a:rPr>
+                        <m:t>+</m:t>
+                      </m:r>
+                      <m:sSub>
+                        <m:sSubPr>
+                          <m:ctrlPr>
+                            <a:rPr lang="en-US" i="1">
+                              <a:latin typeface="Cambria Math" panose="02040503050406030204" pitchFamily="18" charset="0"/>
+                            </a:rPr>
+                          </m:ctrlPr>
+                        </m:sSubPr>
+                        <m:e>
+                          <m:r>
+                            <a:rPr lang="en-US" i="1">
+                              <a:latin typeface="Cambria Math" panose="02040503050406030204" pitchFamily="18" charset="0"/>
+                            </a:rPr>
+                            <m:t>𝜂</m:t>
+                          </m:r>
+                        </m:e>
+                        <m:sub>
+                          <m:r>
+                            <a:rPr lang="en-US" i="1">
+                              <a:latin typeface="Cambria Math" panose="02040503050406030204" pitchFamily="18" charset="0"/>
+                            </a:rPr>
+                            <m:t>𝑖</m:t>
+                          </m:r>
+                        </m:sub>
+                      </m:sSub>
+                      <m:r>
+                        <a:rPr lang="en-US" i="1">
+                          <a:latin typeface="Cambria Math" panose="02040503050406030204" pitchFamily="18" charset="0"/>
+                        </a:rPr>
+                        <m:t>+</m:t>
+                      </m:r>
+                      <m:sSub>
+                        <m:sSubPr>
+                          <m:ctrlPr>
+                            <a:rPr lang="en-US" i="1">
+                              <a:latin typeface="Cambria Math" panose="02040503050406030204" pitchFamily="18" charset="0"/>
+                            </a:rPr>
+                          </m:ctrlPr>
+                        </m:sSubPr>
+                        <m:e>
+                          <m:r>
+                            <a:rPr lang="en-US" i="1">
+                              <a:latin typeface="Cambria Math" panose="02040503050406030204" pitchFamily="18" charset="0"/>
+                            </a:rPr>
+                            <m:t>𝜖</m:t>
+                          </m:r>
+                        </m:e>
+                        <m:sub>
+                          <m:r>
+                            <a:rPr lang="en-US" i="1">
+                              <a:latin typeface="Cambria Math" panose="02040503050406030204" pitchFamily="18" charset="0"/>
+                            </a:rPr>
+                            <m:t>𝑖𝑡</m:t>
+                          </m:r>
+                        </m:sub>
+                      </m:sSub>
+                    </m:oMath>
+                  </m:oMathPara>
+                </a14:m>
+                <a:endParaRPr lang="en-US" dirty="0"/>
+              </a:p>
+              <a:p>
+                <a:r>
+                  <a:rPr lang="en-US" dirty="0"/>
+                  <a:t>A simpler model is where we aggregated fixed effects to be between treatment and control groups, and the time fixed effects of being before or after treatment periods:</a:t>
+                </a:r>
+              </a:p>
+              <a:p>
+                <a:pPr marL="0" indent="0">
+                  <a:buNone/>
+                </a:pPr>
+                <a14:m>
+                  <m:oMathPara xmlns:m="http://schemas.openxmlformats.org/officeDocument/2006/math">
+                    <m:oMathParaPr>
+                      <m:jc m:val="centerGroup"/>
+                    </m:oMathParaPr>
+                    <m:oMath xmlns:m="http://schemas.openxmlformats.org/officeDocument/2006/math">
+                      <m:sSub>
+                        <m:sSubPr>
+                          <m:ctrlPr>
+                            <a:rPr lang="en-US" i="1">
+                              <a:latin typeface="Cambria Math" panose="02040503050406030204" pitchFamily="18" charset="0"/>
+                            </a:rPr>
+                          </m:ctrlPr>
+                        </m:sSubPr>
+                        <m:e>
+                          <m:r>
+                            <a:rPr lang="en-US" i="1">
+                              <a:latin typeface="Cambria Math" panose="02040503050406030204" pitchFamily="18" charset="0"/>
+                            </a:rPr>
+                            <m:t>𝑌</m:t>
+                          </m:r>
+                        </m:e>
+                        <m:sub>
+                          <m:r>
+                            <a:rPr lang="en-US" i="1">
+                              <a:latin typeface="Cambria Math" panose="02040503050406030204" pitchFamily="18" charset="0"/>
+                            </a:rPr>
+                            <m:t>𝑖𝑡</m:t>
+                          </m:r>
+                        </m:sub>
+                      </m:sSub>
+                      <m:r>
+                        <a:rPr lang="en-US" i="1">
+                          <a:latin typeface="Cambria Math" panose="02040503050406030204" pitchFamily="18" charset="0"/>
+                        </a:rPr>
+                        <m:t>=</m:t>
+                      </m:r>
+                      <m:r>
+                        <a:rPr lang="en-US" i="1">
+                          <a:latin typeface="Cambria Math" panose="02040503050406030204" pitchFamily="18" charset="0"/>
+                        </a:rPr>
+                        <m:t>𝜏</m:t>
+                      </m:r>
+                      <m:sSub>
+                        <m:sSubPr>
+                          <m:ctrlPr>
+                            <a:rPr lang="en-US" i="1">
+                              <a:latin typeface="Cambria Math" panose="02040503050406030204" pitchFamily="18" charset="0"/>
+                            </a:rPr>
+                          </m:ctrlPr>
+                        </m:sSubPr>
+                        <m:e>
+                          <m:r>
+                            <a:rPr lang="en-US" i="1">
+                              <a:latin typeface="Cambria Math" panose="02040503050406030204" pitchFamily="18" charset="0"/>
+                            </a:rPr>
+                            <m:t>𝑊</m:t>
+                          </m:r>
+                        </m:e>
+                        <m:sub>
+                          <m:r>
+                            <a:rPr lang="en-US" i="1">
+                              <a:latin typeface="Cambria Math" panose="02040503050406030204" pitchFamily="18" charset="0"/>
+                            </a:rPr>
+                            <m:t>𝑖𝑡</m:t>
+                          </m:r>
+                        </m:sub>
+                      </m:sSub>
+                      <m:r>
+                        <a:rPr lang="en-US" i="1">
+                          <a:latin typeface="Cambria Math" panose="02040503050406030204" pitchFamily="18" charset="0"/>
+                        </a:rPr>
+                        <m:t>+</m:t>
+                      </m:r>
+                      <m:r>
+                        <a:rPr lang="en-US" b="0" i="1" smtClean="0">
+                          <a:latin typeface="Cambria Math" panose="02040503050406030204" pitchFamily="18" charset="0"/>
+                        </a:rPr>
+                        <m:t>𝛾</m:t>
+                      </m:r>
+                      <m:r>
+                        <a:rPr lang="en-US" b="0" i="1" smtClean="0">
+                          <a:latin typeface="Cambria Math" panose="02040503050406030204" pitchFamily="18" charset="0"/>
+                        </a:rPr>
+                        <m:t>1{</m:t>
+                      </m:r>
+                      <m:r>
+                        <a:rPr lang="en-US" b="0" i="1" smtClean="0">
+                          <a:latin typeface="Cambria Math" panose="02040503050406030204" pitchFamily="18" charset="0"/>
+                        </a:rPr>
+                        <m:t>𝑡</m:t>
+                      </m:r>
+                      <m:r>
+                        <a:rPr lang="en-US" b="0" i="1" smtClean="0">
+                          <a:latin typeface="Cambria Math" panose="02040503050406030204" pitchFamily="18" charset="0"/>
+                        </a:rPr>
+                        <m:t>≥0 }+</m:t>
+                      </m:r>
+                      <m:r>
+                        <a:rPr lang="en-US" b="0" i="1" smtClean="0">
+                          <a:latin typeface="Cambria Math" panose="02040503050406030204" pitchFamily="18" charset="0"/>
+                        </a:rPr>
+                        <m:t>𝜂</m:t>
+                      </m:r>
+                      <m:r>
+                        <a:rPr lang="en-US" b="0" i="1" smtClean="0">
+                          <a:latin typeface="Cambria Math" panose="02040503050406030204" pitchFamily="18" charset="0"/>
+                        </a:rPr>
+                        <m:t>1{</m:t>
+                      </m:r>
+                      <m:r>
+                        <a:rPr lang="en-US" b="0" i="1" smtClean="0">
+                          <a:latin typeface="Cambria Math" panose="02040503050406030204" pitchFamily="18" charset="0"/>
+                        </a:rPr>
+                        <m:t>𝑖</m:t>
+                      </m:r>
+                      <m:r>
+                        <a:rPr lang="en-US" b="0" i="1" smtClean="0">
+                          <a:latin typeface="Cambria Math" panose="02040503050406030204" pitchFamily="18" charset="0"/>
+                        </a:rPr>
+                        <m:t>∈</m:t>
+                      </m:r>
+                      <m:r>
+                        <a:rPr lang="en-US" b="0" i="1" smtClean="0">
+                          <a:latin typeface="Cambria Math" panose="02040503050406030204" pitchFamily="18" charset="0"/>
+                        </a:rPr>
+                        <m:t>𝑇</m:t>
+                      </m:r>
+                      <m:r>
+                        <a:rPr lang="en-US" b="0" i="1" smtClean="0">
+                          <a:latin typeface="Cambria Math" panose="02040503050406030204" pitchFamily="18" charset="0"/>
+                        </a:rPr>
+                        <m:t>}+</m:t>
+                      </m:r>
+                      <m:sSub>
+                        <m:sSubPr>
+                          <m:ctrlPr>
+                            <a:rPr lang="en-US" i="1">
+                              <a:latin typeface="Cambria Math" panose="02040503050406030204" pitchFamily="18" charset="0"/>
+                            </a:rPr>
+                          </m:ctrlPr>
+                        </m:sSubPr>
+                        <m:e>
+                          <m:r>
+                            <a:rPr lang="en-US" i="1">
+                              <a:latin typeface="Cambria Math" panose="02040503050406030204" pitchFamily="18" charset="0"/>
+                            </a:rPr>
+                            <m:t>𝜖</m:t>
+                          </m:r>
+                        </m:e>
+                        <m:sub>
+                          <m:r>
+                            <a:rPr lang="en-US" i="1">
+                              <a:latin typeface="Cambria Math" panose="02040503050406030204" pitchFamily="18" charset="0"/>
+                            </a:rPr>
+                            <m:t>𝑖𝑡</m:t>
+                          </m:r>
+                        </m:sub>
+                      </m:sSub>
+                    </m:oMath>
+                  </m:oMathPara>
+                </a14:m>
+                <a:endParaRPr lang="en-US" dirty="0"/>
+              </a:p>
+              <a:p>
+                <a:endParaRPr lang="en-US" dirty="0"/>
+              </a:p>
+            </p:txBody>
+          </p:sp>
+        </mc:Choice>
+        <mc:Fallback>
+          <p:sp>
+            <p:nvSpPr>
+              <p:cNvPr id="3" name="Content Placeholder 2">
+                <a:extLst>
+                  <a:ext uri="{FF2B5EF4-FFF2-40B4-BE49-F238E27FC236}">
+                    <a16:creationId xmlns:a16="http://schemas.microsoft.com/office/drawing/2014/main" id="{919C24DC-F3FB-E442-9FF0-2BE6D395C5E9}"/>
+                  </a:ext>
+                </a:extLst>
+              </p:cNvPr>
+              <p:cNvSpPr>
+                <a:spLocks noGrp="1" noRot="1" noChangeAspect="1" noMove="1" noResize="1" noEditPoints="1" noAdjustHandles="1" noChangeArrowheads="1" noChangeShapeType="1" noTextEdit="1"/>
+              </p:cNvSpPr>
+              <p:nvPr>
+                <p:ph idx="1"/>
+              </p:nvPr>
+            </p:nvSpPr>
+            <p:spPr>
+              <a:blipFill>
+                <a:blip r:embed="rId2"/>
+                <a:stretch>
+                  <a:fillRect l="-1086" t="-2326"/>
+                </a:stretch>
+              </a:blipFill>
+            </p:spPr>
+            <p:txBody>
+              <a:bodyPr/>
+              <a:lstStyle/>
+              <a:p>
+                <a:r>
+                  <a:rPr lang="en-US">
+                    <a:noFill/>
+                  </a:rPr>
+                  <a:t> </a:t>
+                </a:r>
+              </a:p>
+            </p:txBody>
+          </p:sp>
+        </mc:Fallback>
+      </mc:AlternateContent>
+    </p:spTree>
+    <p:extLst>
+      <p:ext uri="{BB962C8B-B14F-4D97-AF65-F5344CB8AC3E}">
+        <p14:creationId xmlns:p14="http://schemas.microsoft.com/office/powerpoint/2010/main" val="1242727063"/>
+      </p:ext>
+    </p:extLst>
+  </p:cSld>
+  <p:clrMapOvr>
+    <a:masterClrMapping/>
+  </p:clrMapOvr>
+</p:sld>
+</file>
+
+<file path=ppt/slides/slide16.xml><?xml version="1.0" encoding="utf-8"?>
+<p:sld xmlns:a="http://schemas.openxmlformats.org/drawingml/2006/main" xmlns:r="http://schemas.openxmlformats.org/officeDocument/2006/relationships" xmlns:p="http://schemas.openxmlformats.org/presentationml/2006/main">
+  <p:cSld>
+    <p:spTree>
+      <p:nvGrpSpPr>
+        <p:cNvPr id="1" name=""/>
+        <p:cNvGrpSpPr/>
+        <p:nvPr/>
+      </p:nvGrpSpPr>
+      <p:grpSpPr>
+        <a:xfrm>
+          <a:off x="0" y="0"/>
+          <a:ext cx="0" cy="0"/>
+          <a:chOff x="0" y="0"/>
+          <a:chExt cx="0" cy="0"/>
+        </a:xfrm>
+      </p:grpSpPr>
+      <p:pic>
+        <p:nvPicPr>
+          <p:cNvPr id="1028" name="Picture 4">
+            <a:extLst>
+              <a:ext uri="{FF2B5EF4-FFF2-40B4-BE49-F238E27FC236}">
+                <a16:creationId xmlns:a16="http://schemas.microsoft.com/office/drawing/2014/main" id="{D88FFDE3-66C3-C743-9C03-D8AEC6DB8079}"/>
+              </a:ext>
+            </a:extLst>
+          </p:cNvPr>
+          <p:cNvPicPr>
+            <a:picLocks noChangeAspect="1" noChangeArrowheads="1"/>
+          </p:cNvPicPr>
+          <p:nvPr/>
+        </p:nvPicPr>
+        <p:blipFill rotWithShape="1">
+          <a:blip r:embed="rId2">
+            <a:extLst>
+              <a:ext uri="{28A0092B-C50C-407E-A947-70E740481C1C}">
+                <a14:useLocalDpi xmlns:a14="http://schemas.microsoft.com/office/drawing/2010/main" val="0"/>
+              </a:ext>
+            </a:extLst>
+          </a:blip>
+          <a:srcRect b="50000"/>
+          <a:stretch/>
+        </p:blipFill>
+        <p:spPr bwMode="auto">
+          <a:xfrm>
+            <a:off x="0" y="3786247"/>
+            <a:ext cx="12192000" cy="2505075"/>
+          </a:xfrm>
+          <a:prstGeom prst="rect">
+            <a:avLst/>
+          </a:prstGeom>
+          <a:noFill/>
+          <a:extLst>
+            <a:ext uri="{909E8E84-426E-40DD-AFC4-6F175D3DCCD1}">
+              <a14:hiddenFill xmlns:a14="http://schemas.microsoft.com/office/drawing/2010/main">
+                <a:solidFill>
+                  <a:srgbClr val="FFFFFF"/>
+                </a:solidFill>
+              </a14:hiddenFill>
+            </a:ext>
+          </a:extLst>
+        </p:spPr>
+      </p:pic>
+      <p:sp>
+        <p:nvSpPr>
+          <p:cNvPr id="2" name="Title 1">
+            <a:extLst>
+              <a:ext uri="{FF2B5EF4-FFF2-40B4-BE49-F238E27FC236}">
+                <a16:creationId xmlns:a16="http://schemas.microsoft.com/office/drawing/2014/main" id="{924A984C-75F5-ED45-9028-3A4DB5AD05C1}"/>
+              </a:ext>
+            </a:extLst>
+          </p:cNvPr>
+          <p:cNvSpPr>
+            <a:spLocks noGrp="1"/>
+          </p:cNvSpPr>
+          <p:nvPr>
+            <p:ph type="title"/>
+          </p:nvPr>
+        </p:nvSpPr>
+        <p:spPr/>
+        <p:txBody>
+          <a:bodyPr/>
+          <a:lstStyle/>
+          <a:p>
+            <a:r>
+              <a:rPr lang="en-US" dirty="0"/>
+              <a:t>Let’s see this come out in simulation evidence</a:t>
+            </a:r>
+          </a:p>
+        </p:txBody>
+      </p:sp>
+      <p:sp>
+        <p:nvSpPr>
+          <p:cNvPr id="3" name="Content Placeholder 2">
+            <a:extLst>
+              <a:ext uri="{FF2B5EF4-FFF2-40B4-BE49-F238E27FC236}">
+                <a16:creationId xmlns:a16="http://schemas.microsoft.com/office/drawing/2014/main" id="{90EEBAF0-F688-D142-8554-EB33F9B7E99F}"/>
+              </a:ext>
+            </a:extLst>
+          </p:cNvPr>
+          <p:cNvSpPr>
+            <a:spLocks noGrp="1"/>
+          </p:cNvSpPr>
+          <p:nvPr>
+            <p:ph idx="1"/>
+          </p:nvPr>
+        </p:nvSpPr>
+        <p:spPr>
+          <a:xfrm>
+            <a:off x="838200" y="1825625"/>
+            <a:ext cx="10515600" cy="985814"/>
+          </a:xfrm>
+        </p:spPr>
+        <p:txBody>
+          <a:bodyPr/>
+          <a:lstStyle/>
+          <a:p>
+            <a:r>
+              <a:rPr lang="en-US" dirty="0"/>
+              <a:t>We generate a panel of outcome data, with seven pre-treatment periods, and three post-treatment periods.</a:t>
+            </a:r>
+          </a:p>
+        </p:txBody>
+      </p:sp>
+      <p:sp>
+        <p:nvSpPr>
+          <p:cNvPr id="4" name="TextBox 3">
+            <a:extLst>
+              <a:ext uri="{FF2B5EF4-FFF2-40B4-BE49-F238E27FC236}">
+                <a16:creationId xmlns:a16="http://schemas.microsoft.com/office/drawing/2014/main" id="{C81B6C51-FB0A-8845-BE05-5FE19C923B57}"/>
+              </a:ext>
+            </a:extLst>
+          </p:cNvPr>
+          <p:cNvSpPr txBox="1"/>
+          <p:nvPr/>
+        </p:nvSpPr>
+        <p:spPr>
+          <a:xfrm>
+            <a:off x="996287" y="3429000"/>
+            <a:ext cx="7055892" cy="2862322"/>
+          </a:xfrm>
+          <a:prstGeom prst="rect">
+            <a:avLst/>
+          </a:prstGeom>
+          <a:noFill/>
+          <a:ln w="38100">
+            <a:solidFill>
+              <a:schemeClr val="accent2"/>
+            </a:solidFill>
+          </a:ln>
+        </p:spPr>
+        <p:txBody>
+          <a:bodyPr wrap="square" rtlCol="0">
+            <a:spAutoFit/>
+          </a:bodyPr>
+          <a:lstStyle/>
+          <a:p>
+            <a:r>
+              <a:rPr lang="en-US" dirty="0"/>
+              <a:t>Pre-treatment Periods</a:t>
+            </a:r>
+          </a:p>
+          <a:p>
+            <a:endParaRPr lang="en-US" dirty="0"/>
+          </a:p>
+          <a:p>
+            <a:endParaRPr lang="en-US" dirty="0"/>
+          </a:p>
+          <a:p>
+            <a:endParaRPr lang="en-US" dirty="0"/>
+          </a:p>
+          <a:p>
+            <a:endParaRPr lang="en-US" dirty="0"/>
+          </a:p>
+          <a:p>
+            <a:endParaRPr lang="en-US" dirty="0"/>
+          </a:p>
+          <a:p>
+            <a:endParaRPr lang="en-US" dirty="0"/>
+          </a:p>
+          <a:p>
+            <a:endParaRPr lang="en-US" dirty="0"/>
+          </a:p>
+          <a:p>
+            <a:endParaRPr lang="en-US" dirty="0"/>
+          </a:p>
+          <a:p>
+            <a:endParaRPr lang="en-US" dirty="0"/>
+          </a:p>
+        </p:txBody>
+      </p:sp>
+      <p:sp>
+        <p:nvSpPr>
+          <p:cNvPr id="6" name="TextBox 5">
+            <a:extLst>
+              <a:ext uri="{FF2B5EF4-FFF2-40B4-BE49-F238E27FC236}">
+                <a16:creationId xmlns:a16="http://schemas.microsoft.com/office/drawing/2014/main" id="{A1968404-7A0C-5143-B8CD-39ACFF923F53}"/>
+              </a:ext>
+            </a:extLst>
+          </p:cNvPr>
+          <p:cNvSpPr txBox="1"/>
+          <p:nvPr/>
+        </p:nvSpPr>
+        <p:spPr>
+          <a:xfrm>
+            <a:off x="8052179" y="3429000"/>
+            <a:ext cx="3527946" cy="2862322"/>
+          </a:xfrm>
+          <a:prstGeom prst="rect">
+            <a:avLst/>
+          </a:prstGeom>
+          <a:noFill/>
+          <a:ln w="38100">
+            <a:solidFill>
+              <a:schemeClr val="accent6">
+                <a:lumMod val="75000"/>
+              </a:schemeClr>
+            </a:solidFill>
+          </a:ln>
+        </p:spPr>
+        <p:txBody>
+          <a:bodyPr wrap="square" rtlCol="0">
+            <a:spAutoFit/>
+          </a:bodyPr>
+          <a:lstStyle/>
+          <a:p>
+            <a:r>
+              <a:rPr lang="en-US" dirty="0"/>
+              <a:t>Post-Treatment Periods</a:t>
+            </a:r>
+          </a:p>
+          <a:p>
+            <a:endParaRPr lang="en-US" dirty="0"/>
+          </a:p>
+          <a:p>
+            <a:endParaRPr lang="en-US" dirty="0"/>
+          </a:p>
+          <a:p>
+            <a:endParaRPr lang="en-US" dirty="0"/>
+          </a:p>
+          <a:p>
+            <a:endParaRPr lang="en-US" dirty="0"/>
+          </a:p>
+          <a:p>
+            <a:endParaRPr lang="en-US" dirty="0"/>
+          </a:p>
+          <a:p>
+            <a:endParaRPr lang="en-US" dirty="0"/>
+          </a:p>
+          <a:p>
+            <a:endParaRPr lang="en-US" dirty="0"/>
+          </a:p>
+          <a:p>
+            <a:endParaRPr lang="en-US" dirty="0"/>
+          </a:p>
+          <a:p>
+            <a:endParaRPr lang="en-US" dirty="0"/>
+          </a:p>
+        </p:txBody>
+      </p:sp>
+    </p:spTree>
+    <p:extLst>
+      <p:ext uri="{BB962C8B-B14F-4D97-AF65-F5344CB8AC3E}">
+        <p14:creationId xmlns:p14="http://schemas.microsoft.com/office/powerpoint/2010/main" val="2568471264"/>
+      </p:ext>
+    </p:extLst>
+  </p:cSld>
+  <p:clrMapOvr>
+    <a:masterClrMapping/>
+  </p:clrMapOvr>
+</p:sld>
+</file>
+
+<file path=ppt/slides/slide17.xml><?xml version="1.0" encoding="utf-8"?>
+<p:sld xmlns:a="http://schemas.openxmlformats.org/drawingml/2006/main" xmlns:r="http://schemas.openxmlformats.org/officeDocument/2006/relationships" xmlns:p="http://schemas.openxmlformats.org/presentationml/2006/main">
+  <p:cSld>
+    <p:spTree>
+      <p:nvGrpSpPr>
+        <p:cNvPr id="1" name=""/>
+        <p:cNvGrpSpPr/>
+        <p:nvPr/>
+      </p:nvGrpSpPr>
+      <p:grpSpPr>
+        <a:xfrm>
+          <a:off x="0" y="0"/>
+          <a:ext cx="0" cy="0"/>
+          <a:chOff x="0" y="0"/>
+          <a:chExt cx="0" cy="0"/>
+        </a:xfrm>
+      </p:grpSpPr>
+      <p:sp>
+        <p:nvSpPr>
+          <p:cNvPr id="2" name="Title 1">
+            <a:extLst>
+              <a:ext uri="{FF2B5EF4-FFF2-40B4-BE49-F238E27FC236}">
+                <a16:creationId xmlns:a16="http://schemas.microsoft.com/office/drawing/2014/main" id="{AF6C4627-6E43-8E43-819A-13BFA212DD05}"/>
+              </a:ext>
+            </a:extLst>
+          </p:cNvPr>
+          <p:cNvSpPr>
+            <a:spLocks noGrp="1"/>
+          </p:cNvSpPr>
+          <p:nvPr>
+            <p:ph type="title"/>
+          </p:nvPr>
+        </p:nvSpPr>
+        <p:spPr/>
+        <p:txBody>
+          <a:bodyPr/>
+          <a:lstStyle/>
+          <a:p>
+            <a:r>
+              <a:rPr lang="en-US" dirty="0"/>
+              <a:t>Compare performance of cross-sectional to panel methods</a:t>
+            </a:r>
+          </a:p>
+        </p:txBody>
+      </p:sp>
+      <mc:AlternateContent xmlns:mc="http://schemas.openxmlformats.org/markup-compatibility/2006">
+        <mc:Choice xmlns:a14="http://schemas.microsoft.com/office/drawing/2010/main" Requires="a14">
+          <p:sp>
+            <p:nvSpPr>
+              <p:cNvPr id="3" name="Content Placeholder 2">
+                <a:extLst>
+                  <a:ext uri="{FF2B5EF4-FFF2-40B4-BE49-F238E27FC236}">
+                    <a16:creationId xmlns:a16="http://schemas.microsoft.com/office/drawing/2014/main" id="{A67C85CE-A72B-FF47-A368-A1E6082352FC}"/>
+                  </a:ext>
+                </a:extLst>
+              </p:cNvPr>
+              <p:cNvSpPr>
+                <a:spLocks noGrp="1"/>
+              </p:cNvSpPr>
+              <p:nvPr>
+                <p:ph idx="1"/>
+              </p:nvPr>
+            </p:nvSpPr>
+            <p:spPr/>
+            <p:txBody>
+              <a:bodyPr/>
+              <a:lstStyle/>
+              <a:p>
+                <a:r>
+                  <a:rPr lang="en-US" dirty="0"/>
+                  <a:t>What if we ignored the panel structure, and estimated impacts only using pre-treatment period:</a:t>
+                </a:r>
+              </a:p>
+              <a:p>
+                <a:pPr marL="0" indent="0">
+                  <a:buNone/>
+                </a:pPr>
+                <a14:m>
+                  <m:oMathPara xmlns:m="http://schemas.openxmlformats.org/officeDocument/2006/math">
+                    <m:oMathParaPr>
+                      <m:jc m:val="centerGroup"/>
+                    </m:oMathParaPr>
+                    <m:oMath xmlns:m="http://schemas.openxmlformats.org/officeDocument/2006/math">
+                      <m:sSub>
+                        <m:sSubPr>
+                          <m:ctrlPr>
+                            <a:rPr lang="en-US" i="1">
+                              <a:latin typeface="Cambria Math" panose="02040503050406030204" pitchFamily="18" charset="0"/>
+                            </a:rPr>
+                          </m:ctrlPr>
+                        </m:sSubPr>
+                        <m:e>
+                          <m:r>
+                            <a:rPr lang="en-US" i="1">
+                              <a:latin typeface="Cambria Math" panose="02040503050406030204" pitchFamily="18" charset="0"/>
+                            </a:rPr>
+                            <m:t>𝑌</m:t>
+                          </m:r>
+                        </m:e>
+                        <m:sub>
+                          <m:r>
+                            <a:rPr lang="en-US" i="1">
+                              <a:latin typeface="Cambria Math" panose="02040503050406030204" pitchFamily="18" charset="0"/>
+                            </a:rPr>
+                            <m:t>𝑖</m:t>
+                          </m:r>
+                          <m:sSub>
+                            <m:sSubPr>
+                              <m:ctrlPr>
+                                <a:rPr lang="en-US" b="0" i="1" smtClean="0">
+                                  <a:latin typeface="Cambria Math" panose="02040503050406030204" pitchFamily="18" charset="0"/>
+                                </a:rPr>
+                              </m:ctrlPr>
+                            </m:sSubPr>
+                            <m:e>
+                              <m:r>
+                                <a:rPr lang="en-US" b="0" i="1" smtClean="0">
+                                  <a:latin typeface="Cambria Math" panose="02040503050406030204" pitchFamily="18" charset="0"/>
+                                </a:rPr>
+                                <m:t>𝑇</m:t>
+                              </m:r>
+                            </m:e>
+                            <m:sub>
+                              <m:r>
+                                <a:rPr lang="en-US" b="0" i="1" smtClean="0">
+                                  <a:latin typeface="Cambria Math" panose="02040503050406030204" pitchFamily="18" charset="0"/>
+                                </a:rPr>
+                                <m:t>1</m:t>
+                              </m:r>
+                            </m:sub>
+                          </m:sSub>
+                        </m:sub>
+                      </m:sSub>
+                      <m:r>
+                        <a:rPr lang="en-US" i="1">
+                          <a:latin typeface="Cambria Math" panose="02040503050406030204" pitchFamily="18" charset="0"/>
+                        </a:rPr>
+                        <m:t>=</m:t>
+                      </m:r>
+                      <m:r>
+                        <a:rPr lang="en-US" i="1">
+                          <a:latin typeface="Cambria Math" panose="02040503050406030204" pitchFamily="18" charset="0"/>
+                        </a:rPr>
+                        <m:t>𝜏</m:t>
+                      </m:r>
+                      <m:sSub>
+                        <m:sSubPr>
+                          <m:ctrlPr>
+                            <a:rPr lang="en-US" i="1">
+                              <a:latin typeface="Cambria Math" panose="02040503050406030204" pitchFamily="18" charset="0"/>
+                            </a:rPr>
+                          </m:ctrlPr>
+                        </m:sSubPr>
+                        <m:e>
+                          <m:r>
+                            <a:rPr lang="en-US" i="1">
+                              <a:latin typeface="Cambria Math" panose="02040503050406030204" pitchFamily="18" charset="0"/>
+                            </a:rPr>
+                            <m:t>𝑊</m:t>
+                          </m:r>
+                        </m:e>
+                        <m:sub>
+                          <m:r>
+                            <a:rPr lang="en-US" i="1">
+                              <a:latin typeface="Cambria Math" panose="02040503050406030204" pitchFamily="18" charset="0"/>
+                            </a:rPr>
+                            <m:t>𝑖</m:t>
+                          </m:r>
+                        </m:sub>
+                      </m:sSub>
+                      <m:r>
+                        <a:rPr lang="en-US" i="1">
+                          <a:latin typeface="Cambria Math" panose="02040503050406030204" pitchFamily="18" charset="0"/>
+                        </a:rPr>
+                        <m:t>+</m:t>
+                      </m:r>
+                      <m:sSub>
+                        <m:sSubPr>
+                          <m:ctrlPr>
+                            <a:rPr lang="en-US" b="0" i="1" smtClean="0">
+                              <a:latin typeface="Cambria Math" panose="02040503050406030204" pitchFamily="18" charset="0"/>
+                            </a:rPr>
+                          </m:ctrlPr>
+                        </m:sSubPr>
+                        <m:e>
+                          <m:r>
+                            <a:rPr lang="en-US" b="0" i="1" smtClean="0">
+                              <a:latin typeface="Cambria Math" panose="02040503050406030204" pitchFamily="18" charset="0"/>
+                            </a:rPr>
+                            <m:t>𝑋</m:t>
+                          </m:r>
+                        </m:e>
+                        <m:sub>
+                          <m:r>
+                            <a:rPr lang="en-US" b="0" i="1" smtClean="0">
+                              <a:latin typeface="Cambria Math" panose="02040503050406030204" pitchFamily="18" charset="0"/>
+                            </a:rPr>
+                            <m:t>𝑖</m:t>
+                          </m:r>
+                          <m:sSub>
+                            <m:sSubPr>
+                              <m:ctrlPr>
+                                <a:rPr lang="en-US" b="0" i="1" smtClean="0">
+                                  <a:latin typeface="Cambria Math" panose="02040503050406030204" pitchFamily="18" charset="0"/>
+                                </a:rPr>
+                              </m:ctrlPr>
+                            </m:sSubPr>
+                            <m:e>
+                              <m:r>
+                                <a:rPr lang="en-US" b="0" i="1" smtClean="0">
+                                  <a:latin typeface="Cambria Math" panose="02040503050406030204" pitchFamily="18" charset="0"/>
+                                </a:rPr>
+                                <m:t>𝑇</m:t>
+                              </m:r>
+                            </m:e>
+                            <m:sub>
+                              <m:r>
+                                <a:rPr lang="en-US" b="0" i="1" smtClean="0">
+                                  <a:latin typeface="Cambria Math" panose="02040503050406030204" pitchFamily="18" charset="0"/>
+                                </a:rPr>
+                                <m:t>0</m:t>
+                              </m:r>
+                            </m:sub>
+                          </m:sSub>
+                        </m:sub>
+                      </m:sSub>
+                      <m:r>
+                        <a:rPr lang="en-US" i="1">
+                          <a:latin typeface="Cambria Math" panose="02040503050406030204" pitchFamily="18" charset="0"/>
+                        </a:rPr>
+                        <m:t>+</m:t>
+                      </m:r>
+                      <m:sSub>
+                        <m:sSubPr>
+                          <m:ctrlPr>
+                            <a:rPr lang="en-US" i="1">
+                              <a:latin typeface="Cambria Math" panose="02040503050406030204" pitchFamily="18" charset="0"/>
+                            </a:rPr>
+                          </m:ctrlPr>
+                        </m:sSubPr>
+                        <m:e>
+                          <m:r>
+                            <a:rPr lang="en-US" i="1">
+                              <a:latin typeface="Cambria Math" panose="02040503050406030204" pitchFamily="18" charset="0"/>
+                            </a:rPr>
+                            <m:t>𝜖</m:t>
+                          </m:r>
+                        </m:e>
+                        <m:sub>
+                          <m:r>
+                            <a:rPr lang="en-US" i="1">
+                              <a:latin typeface="Cambria Math" panose="02040503050406030204" pitchFamily="18" charset="0"/>
+                            </a:rPr>
+                            <m:t>𝑖</m:t>
+                          </m:r>
+                          <m:sSub>
+                            <m:sSubPr>
+                              <m:ctrlPr>
+                                <a:rPr lang="en-US" b="0" i="1" smtClean="0">
+                                  <a:latin typeface="Cambria Math" panose="02040503050406030204" pitchFamily="18" charset="0"/>
+                                </a:rPr>
+                              </m:ctrlPr>
+                            </m:sSubPr>
+                            <m:e>
+                              <m:r>
+                                <a:rPr lang="en-US" b="0" i="1" smtClean="0">
+                                  <a:latin typeface="Cambria Math" panose="02040503050406030204" pitchFamily="18" charset="0"/>
+                                </a:rPr>
+                                <m:t>𝑇</m:t>
+                              </m:r>
+                            </m:e>
+                            <m:sub>
+                              <m:r>
+                                <a:rPr lang="en-US" b="0" i="1" smtClean="0">
+                                  <a:latin typeface="Cambria Math" panose="02040503050406030204" pitchFamily="18" charset="0"/>
+                                </a:rPr>
+                                <m:t>0</m:t>
+                              </m:r>
+                            </m:sub>
+                          </m:sSub>
+                        </m:sub>
+                      </m:sSub>
+                    </m:oMath>
+                  </m:oMathPara>
+                </a14:m>
+                <a:endParaRPr lang="en-US" dirty="0"/>
+              </a:p>
+              <a:p>
+                <a:r>
+                  <a:rPr lang="en-US" dirty="0"/>
+                  <a:t>Where </a:t>
+                </a:r>
+                <a14:m>
+                  <m:oMath xmlns:m="http://schemas.openxmlformats.org/officeDocument/2006/math">
+                    <m:sSub>
+                      <m:sSubPr>
+                        <m:ctrlPr>
+                          <a:rPr lang="en-US" i="1">
+                            <a:latin typeface="Cambria Math" panose="02040503050406030204" pitchFamily="18" charset="0"/>
+                          </a:rPr>
+                        </m:ctrlPr>
+                      </m:sSubPr>
+                      <m:e>
+                        <m:r>
+                          <a:rPr lang="en-US" i="1">
+                            <a:latin typeface="Cambria Math" panose="02040503050406030204" pitchFamily="18" charset="0"/>
+                          </a:rPr>
+                          <m:t>𝑇</m:t>
+                        </m:r>
+                      </m:e>
+                      <m:sub>
+                        <m:r>
+                          <a:rPr lang="en-US" b="0" i="1" smtClean="0">
+                            <a:latin typeface="Cambria Math" panose="02040503050406030204" pitchFamily="18" charset="0"/>
+                          </a:rPr>
+                          <m:t>1</m:t>
+                        </m:r>
+                      </m:sub>
+                    </m:sSub>
+                  </m:oMath>
+                </a14:m>
+                <a:r>
+                  <a:rPr lang="en-US" dirty="0"/>
+                  <a:t> is a post-treatment period and </a:t>
+                </a:r>
+                <a14:m>
+                  <m:oMath xmlns:m="http://schemas.openxmlformats.org/officeDocument/2006/math">
+                    <m:sSub>
+                      <m:sSubPr>
+                        <m:ctrlPr>
+                          <a:rPr lang="en-US" i="1">
+                            <a:latin typeface="Cambria Math" panose="02040503050406030204" pitchFamily="18" charset="0"/>
+                          </a:rPr>
+                        </m:ctrlPr>
+                      </m:sSubPr>
+                      <m:e>
+                        <m:r>
+                          <a:rPr lang="en-US" i="1">
+                            <a:latin typeface="Cambria Math" panose="02040503050406030204" pitchFamily="18" charset="0"/>
+                          </a:rPr>
+                          <m:t>𝑇</m:t>
+                        </m:r>
+                      </m:e>
+                      <m:sub>
+                        <m:r>
+                          <a:rPr lang="en-US" b="0" i="1" smtClean="0">
+                            <a:latin typeface="Cambria Math" panose="02040503050406030204" pitchFamily="18" charset="0"/>
+                          </a:rPr>
+                          <m:t>0</m:t>
+                        </m:r>
+                      </m:sub>
+                    </m:sSub>
+                  </m:oMath>
+                </a14:m>
+                <a:r>
+                  <a:rPr lang="en-US" dirty="0"/>
+                  <a:t> is a pre-treatment period, so </a:t>
+                </a:r>
+                <a14:m>
+                  <m:oMath xmlns:m="http://schemas.openxmlformats.org/officeDocument/2006/math">
+                    <m:sSub>
+                      <m:sSubPr>
+                        <m:ctrlPr>
+                          <a:rPr lang="en-US" b="0" i="1" smtClean="0">
+                            <a:latin typeface="Cambria Math" panose="02040503050406030204" pitchFamily="18" charset="0"/>
+                          </a:rPr>
+                        </m:ctrlPr>
+                      </m:sSubPr>
+                      <m:e>
+                        <m:r>
+                          <a:rPr lang="en-US" b="0" i="1" smtClean="0">
+                            <a:latin typeface="Cambria Math" panose="02040503050406030204" pitchFamily="18" charset="0"/>
+                          </a:rPr>
+                          <m:t>𝑋</m:t>
+                        </m:r>
+                      </m:e>
+                      <m:sub>
+                        <m:r>
+                          <a:rPr lang="en-US" b="0" i="1" smtClean="0">
+                            <a:latin typeface="Cambria Math" panose="02040503050406030204" pitchFamily="18" charset="0"/>
+                          </a:rPr>
+                          <m:t>𝑖</m:t>
+                        </m:r>
+                        <m:sSub>
+                          <m:sSubPr>
+                            <m:ctrlPr>
+                              <a:rPr lang="en-US" b="0" i="1" smtClean="0">
+                                <a:latin typeface="Cambria Math" panose="02040503050406030204" pitchFamily="18" charset="0"/>
+                              </a:rPr>
+                            </m:ctrlPr>
+                          </m:sSubPr>
+                          <m:e>
+                            <m:r>
+                              <a:rPr lang="en-US" b="0" i="1" smtClean="0">
+                                <a:latin typeface="Cambria Math" panose="02040503050406030204" pitchFamily="18" charset="0"/>
+                              </a:rPr>
+                              <m:t>𝑇</m:t>
+                            </m:r>
+                          </m:e>
+                          <m:sub>
+                            <m:r>
+                              <a:rPr lang="en-US" b="0" i="1" smtClean="0">
+                                <a:latin typeface="Cambria Math" panose="02040503050406030204" pitchFamily="18" charset="0"/>
+                              </a:rPr>
+                              <m:t>0</m:t>
+                            </m:r>
+                          </m:sub>
+                        </m:sSub>
+                      </m:sub>
+                    </m:sSub>
+                  </m:oMath>
+                </a14:m>
+                <a:r>
+                  <a:rPr lang="en-US" dirty="0"/>
+                  <a:t> are pre-treatment features?</a:t>
+                </a:r>
+              </a:p>
+              <a:p>
+                <a:r>
+                  <a:rPr lang="en-US" dirty="0"/>
+                  <a:t>If we control for enough features to meet the </a:t>
+                </a:r>
+                <a:r>
+                  <a:rPr lang="en-US" dirty="0" err="1"/>
+                  <a:t>unconfoundedness</a:t>
+                </a:r>
+                <a:r>
+                  <a:rPr lang="en-US" dirty="0"/>
+                  <a:t> assumption, then we should have the same performance as a difference-in-difference model will.</a:t>
+                </a:r>
+              </a:p>
+              <a:p>
+                <a:endParaRPr lang="en-US" dirty="0"/>
+              </a:p>
+              <a:p>
+                <a:endParaRPr lang="en-US" dirty="0"/>
+              </a:p>
+            </p:txBody>
+          </p:sp>
+        </mc:Choice>
+        <mc:Fallback>
+          <p:sp>
+            <p:nvSpPr>
+              <p:cNvPr id="3" name="Content Placeholder 2">
+                <a:extLst>
+                  <a:ext uri="{FF2B5EF4-FFF2-40B4-BE49-F238E27FC236}">
+                    <a16:creationId xmlns:a16="http://schemas.microsoft.com/office/drawing/2014/main" id="{A67C85CE-A72B-FF47-A368-A1E6082352FC}"/>
+                  </a:ext>
+                </a:extLst>
+              </p:cNvPr>
+              <p:cNvSpPr>
+                <a:spLocks noGrp="1" noRot="1" noChangeAspect="1" noMove="1" noResize="1" noEditPoints="1" noAdjustHandles="1" noChangeArrowheads="1" noChangeShapeType="1" noTextEdit="1"/>
+              </p:cNvSpPr>
+              <p:nvPr>
+                <p:ph idx="1"/>
+              </p:nvPr>
+            </p:nvSpPr>
+            <p:spPr>
+              <a:blipFill>
+                <a:blip r:embed="rId3"/>
+                <a:stretch>
+                  <a:fillRect l="-1086" t="-2326" r="-1689"/>
+                </a:stretch>
+              </a:blipFill>
+            </p:spPr>
+            <p:txBody>
+              <a:bodyPr/>
+              <a:lstStyle/>
+              <a:p>
+                <a:r>
+                  <a:rPr lang="en-US">
+                    <a:noFill/>
+                  </a:rPr>
+                  <a:t> </a:t>
+                </a:r>
+              </a:p>
+            </p:txBody>
+          </p:sp>
+        </mc:Fallback>
+      </mc:AlternateContent>
+    </p:spTree>
+    <p:extLst>
+      <p:ext uri="{BB962C8B-B14F-4D97-AF65-F5344CB8AC3E}">
+        <p14:creationId xmlns:p14="http://schemas.microsoft.com/office/powerpoint/2010/main" val="1473148602"/>
+      </p:ext>
+    </p:extLst>
+  </p:cSld>
+  <p:clrMapOvr>
+    <a:masterClrMapping/>
+  </p:clrMapOvr>
+</p:sld>
+</file>
+
+<file path=ppt/slides/slide18.xml><?xml version="1.0" encoding="utf-8"?>
+<p:sld xmlns:a="http://schemas.openxmlformats.org/drawingml/2006/main" xmlns:r="http://schemas.openxmlformats.org/officeDocument/2006/relationships" xmlns:p="http://schemas.openxmlformats.org/presentationml/2006/main">
+  <p:cSld>
+    <p:spTree>
+      <p:nvGrpSpPr>
+        <p:cNvPr id="1" name=""/>
+        <p:cNvGrpSpPr/>
+        <p:nvPr/>
+      </p:nvGrpSpPr>
+      <p:grpSpPr>
+        <a:xfrm>
+          <a:off x="0" y="0"/>
+          <a:ext cx="0" cy="0"/>
+          <a:chOff x="0" y="0"/>
+          <a:chExt cx="0" cy="0"/>
+        </a:xfrm>
+      </p:grpSpPr>
+      <p:sp>
+        <p:nvSpPr>
+          <p:cNvPr id="2" name="Title 1">
+            <a:extLst>
+              <a:ext uri="{FF2B5EF4-FFF2-40B4-BE49-F238E27FC236}">
+                <a16:creationId xmlns:a16="http://schemas.microsoft.com/office/drawing/2014/main" id="{3B343971-F3EF-CE4D-8AF8-728A6C93240B}"/>
+              </a:ext>
+            </a:extLst>
+          </p:cNvPr>
+          <p:cNvSpPr>
+            <a:spLocks noGrp="1"/>
+          </p:cNvSpPr>
+          <p:nvPr>
+            <p:ph type="title"/>
+          </p:nvPr>
+        </p:nvSpPr>
+        <p:spPr/>
+        <p:txBody>
+          <a:bodyPr/>
+          <a:lstStyle/>
+          <a:p>
+            <a:r>
+              <a:rPr lang="en-US" dirty="0"/>
+              <a:t>Simulation evidence of cross-sectional and panel data</a:t>
+            </a:r>
+          </a:p>
+        </p:txBody>
+      </p:sp>
+      <mc:AlternateContent xmlns:mc="http://schemas.openxmlformats.org/markup-compatibility/2006">
+        <mc:Choice xmlns:a14="http://schemas.microsoft.com/office/drawing/2010/main" Requires="a14">
+          <p:graphicFrame>
+            <p:nvGraphicFramePr>
+              <p:cNvPr id="4" name="Table 4">
+                <a:extLst>
+                  <a:ext uri="{FF2B5EF4-FFF2-40B4-BE49-F238E27FC236}">
+                    <a16:creationId xmlns:a16="http://schemas.microsoft.com/office/drawing/2014/main" id="{2B50C6B7-FB8E-4C4B-93D4-073A8BA6D52D}"/>
+                  </a:ext>
+                </a:extLst>
+              </p:cNvPr>
+              <p:cNvGraphicFramePr>
+                <a:graphicFrameLocks noGrp="1"/>
+              </p:cNvGraphicFramePr>
+              <p:nvPr>
+                <p:ph idx="1"/>
+                <p:extLst>
+                  <p:ext uri="{D42A27DB-BD31-4B8C-83A1-F6EECF244321}">
+                    <p14:modId xmlns:p14="http://schemas.microsoft.com/office/powerpoint/2010/main" val="4169433247"/>
+                  </p:ext>
+                </p:extLst>
+              </p:nvPr>
+            </p:nvGraphicFramePr>
+            <p:xfrm>
+              <a:off x="838200" y="1825625"/>
+              <a:ext cx="10049256" cy="2595880"/>
+            </p:xfrm>
+            <a:graphic>
+              <a:graphicData uri="http://schemas.openxmlformats.org/drawingml/2006/table">
+                <a:tbl>
+                  <a:tblPr firstRow="1" bandRow="1">
+                    <a:tableStyleId>{5C22544A-7EE6-4342-B048-85BDC9FD1C3A}</a:tableStyleId>
+                  </a:tblPr>
+                  <a:tblGrid>
+                    <a:gridCol w="2343912">
+                      <a:extLst>
+                        <a:ext uri="{9D8B030D-6E8A-4147-A177-3AD203B41FA5}">
+                          <a16:colId xmlns:a16="http://schemas.microsoft.com/office/drawing/2014/main" val="2351199887"/>
+                        </a:ext>
+                      </a:extLst>
+                    </a:gridCol>
+                    <a:gridCol w="2680716">
+                      <a:extLst>
+                        <a:ext uri="{9D8B030D-6E8A-4147-A177-3AD203B41FA5}">
+                          <a16:colId xmlns:a16="http://schemas.microsoft.com/office/drawing/2014/main" val="1876562297"/>
+                        </a:ext>
+                      </a:extLst>
+                    </a:gridCol>
+                    <a:gridCol w="2512314">
+                      <a:extLst>
+                        <a:ext uri="{9D8B030D-6E8A-4147-A177-3AD203B41FA5}">
+                          <a16:colId xmlns:a16="http://schemas.microsoft.com/office/drawing/2014/main" val="4209274762"/>
+                        </a:ext>
+                      </a:extLst>
+                    </a:gridCol>
+                    <a:gridCol w="2512314">
+                      <a:extLst>
+                        <a:ext uri="{9D8B030D-6E8A-4147-A177-3AD203B41FA5}">
+                          <a16:colId xmlns:a16="http://schemas.microsoft.com/office/drawing/2014/main" val="132637997"/>
+                        </a:ext>
+                      </a:extLst>
+                    </a:gridCol>
+                  </a:tblGrid>
+                  <a:tr h="370840">
+                    <a:tc>
+                      <a:txBody>
+                        <a:bodyPr/>
+                        <a:lstStyle/>
+                        <a:p>
+                          <a:endParaRPr lang="en-US" dirty="0"/>
+                        </a:p>
+                      </a:txBody>
+                      <a:tcPr/>
+                    </a:tc>
+                    <a:tc>
+                      <a:txBody>
+                        <a:bodyPr/>
+                        <a:lstStyle/>
+                        <a:p>
+                          <a:endParaRPr lang="en-US" dirty="0"/>
+                        </a:p>
+                      </a:txBody>
+                      <a:tcPr/>
+                    </a:tc>
+                    <a:tc>
+                      <a:txBody>
+                        <a:bodyPr/>
+                        <a:lstStyle/>
+                        <a:p>
+                          <a:r>
+                            <a:rPr lang="en-US" dirty="0"/>
+                            <a:t>Estimate of </a:t>
+                          </a:r>
+                          <a14:m>
+                            <m:oMath xmlns:m="http://schemas.openxmlformats.org/officeDocument/2006/math">
+                              <m:r>
+                                <a:rPr lang="en-US" i="1" smtClean="0">
+                                  <a:latin typeface="Cambria Math" panose="02040503050406030204" pitchFamily="18" charset="0"/>
+                                </a:rPr>
+                                <m:t>𝜏</m:t>
+                              </m:r>
+                            </m:oMath>
+                          </a14:m>
+                          <a:endParaRPr lang="en-US" dirty="0"/>
+                        </a:p>
+                      </a:txBody>
+                      <a:tcPr/>
+                    </a:tc>
+                    <a:tc>
+                      <a:txBody>
+                        <a:bodyPr/>
+                        <a:lstStyle/>
+                        <a:p>
+                          <a:r>
+                            <a:rPr lang="en-US" dirty="0"/>
+                            <a:t>True Value</a:t>
+                          </a:r>
+                        </a:p>
+                      </a:txBody>
+                      <a:tcPr/>
+                    </a:tc>
+                    <a:extLst>
+                      <a:ext uri="{0D108BD9-81ED-4DB2-BD59-A6C34878D82A}">
+                        <a16:rowId xmlns:a16="http://schemas.microsoft.com/office/drawing/2014/main" val="1153492925"/>
+                      </a:ext>
+                    </a:extLst>
+                  </a:tr>
+                  <a:tr h="370840">
+                    <a:tc rowSpan="3">
+                      <a:txBody>
+                        <a:bodyPr/>
+                        <a:lstStyle/>
+                        <a:p>
+                          <a:r>
+                            <a:rPr lang="en-US" dirty="0"/>
+                            <a:t>Cross-Sectional Estimates</a:t>
+                          </a:r>
+                        </a:p>
+                      </a:txBody>
+                      <a:tcPr/>
+                    </a:tc>
+                    <a:tc>
+                      <a:txBody>
+                        <a:bodyPr/>
+                        <a:lstStyle/>
+                        <a:p>
+                          <a:r>
+                            <a:rPr lang="en-US" dirty="0"/>
+                            <a:t>First Pre-Period</a:t>
+                          </a:r>
+                        </a:p>
+                      </a:txBody>
+                      <a:tcPr/>
+                    </a:tc>
+                    <a:tc>
+                      <a:txBody>
+                        <a:bodyPr/>
+                        <a:lstStyle/>
+                        <a:p>
+                          <a:r>
+                            <a:rPr lang="en-US" dirty="0"/>
+                            <a:t>2.679[1.502]</a:t>
+                          </a:r>
+                        </a:p>
+                      </a:txBody>
+                      <a:tcPr/>
+                    </a:tc>
+                    <a:tc>
+                      <a:txBody>
+                        <a:bodyPr/>
+                        <a:lstStyle/>
+                        <a:p>
+                          <a:r>
+                            <a:rPr lang="en-US" dirty="0"/>
+                            <a:t>2.500</a:t>
+                          </a:r>
+                        </a:p>
+                      </a:txBody>
+                      <a:tcPr/>
+                    </a:tc>
+                    <a:extLst>
+                      <a:ext uri="{0D108BD9-81ED-4DB2-BD59-A6C34878D82A}">
+                        <a16:rowId xmlns:a16="http://schemas.microsoft.com/office/drawing/2014/main" val="3170666368"/>
+                      </a:ext>
+                    </a:extLst>
+                  </a:tr>
+                  <a:tr h="370840">
+                    <a:tc vMerge="1">
+                      <a:txBody>
+                        <a:bodyPr/>
+                        <a:lstStyle/>
+                        <a:p>
+                          <a:endParaRPr lang="en-US" dirty="0"/>
+                        </a:p>
+                      </a:txBody>
+                      <a:tcPr/>
+                    </a:tc>
+                    <a:tc>
+                      <a:txBody>
+                        <a:bodyPr/>
+                        <a:lstStyle/>
+                        <a:p>
+                          <a:r>
+                            <a:rPr lang="en-US" dirty="0"/>
+                            <a:t>Middle Pre-Period</a:t>
+                          </a:r>
+                        </a:p>
+                      </a:txBody>
+                      <a:tcPr/>
+                    </a:tc>
+                    <a:tc>
+                      <a:txBody>
+                        <a:bodyPr/>
+                        <a:lstStyle/>
+                        <a:p>
+                          <a:r>
+                            <a:rPr lang="en-US" dirty="0"/>
+                            <a:t>3.510[0.848]</a:t>
+                          </a:r>
+                        </a:p>
+                      </a:txBody>
+                      <a:tcPr/>
+                    </a:tc>
+                    <a:tc>
+                      <a:txBody>
+                        <a:bodyPr/>
+                        <a:lstStyle/>
+                        <a:p>
+                          <a:r>
+                            <a:rPr lang="en-US" dirty="0"/>
+                            <a:t>2.500</a:t>
+                          </a:r>
+                        </a:p>
+                      </a:txBody>
+                      <a:tcPr/>
+                    </a:tc>
+                    <a:extLst>
+                      <a:ext uri="{0D108BD9-81ED-4DB2-BD59-A6C34878D82A}">
+                        <a16:rowId xmlns:a16="http://schemas.microsoft.com/office/drawing/2014/main" val="1213267472"/>
+                      </a:ext>
+                    </a:extLst>
+                  </a:tr>
+                  <a:tr h="370840">
+                    <a:tc vMerge="1">
+                      <a:txBody>
+                        <a:bodyPr/>
+                        <a:lstStyle/>
+                        <a:p>
+                          <a:endParaRPr lang="en-US" dirty="0"/>
+                        </a:p>
+                      </a:txBody>
+                      <a:tcPr/>
+                    </a:tc>
+                    <a:tc>
+                      <a:txBody>
+                        <a:bodyPr/>
+                        <a:lstStyle/>
+                        <a:p>
+                          <a:r>
+                            <a:rPr lang="en-US" dirty="0"/>
+                            <a:t>Last Pre-Period</a:t>
+                          </a:r>
+                        </a:p>
+                      </a:txBody>
+                      <a:tcPr/>
+                    </a:tc>
+                    <a:tc>
+                      <a:txBody>
+                        <a:bodyPr/>
+                        <a:lstStyle/>
+                        <a:p>
+                          <a:r>
+                            <a:rPr lang="en-US" dirty="0"/>
+                            <a:t>0.476[1.397]</a:t>
+                          </a:r>
+                        </a:p>
+                      </a:txBody>
+                      <a:tcPr/>
+                    </a:tc>
+                    <a:tc>
+                      <a:txBody>
+                        <a:bodyPr/>
+                        <a:lstStyle/>
+                        <a:p>
+                          <a:r>
+                            <a:rPr lang="en-US" dirty="0"/>
+                            <a:t>2.500</a:t>
+                          </a:r>
+                        </a:p>
+                      </a:txBody>
+                      <a:tcPr/>
+                    </a:tc>
+                    <a:extLst>
+                      <a:ext uri="{0D108BD9-81ED-4DB2-BD59-A6C34878D82A}">
+                        <a16:rowId xmlns:a16="http://schemas.microsoft.com/office/drawing/2014/main" val="1153489132"/>
+                      </a:ext>
+                    </a:extLst>
+                  </a:tr>
+                  <a:tr h="370840">
+                    <a:tc>
+                      <a:txBody>
+                        <a:bodyPr/>
+                        <a:lstStyle/>
+                        <a:p>
+                          <a:endParaRPr lang="en-US" dirty="0"/>
+                        </a:p>
+                      </a:txBody>
+                      <a:tcPr/>
+                    </a:tc>
+                    <a:tc>
+                      <a:txBody>
+                        <a:bodyPr/>
+                        <a:lstStyle/>
+                        <a:p>
+                          <a:endParaRPr lang="en-US" dirty="0"/>
+                        </a:p>
+                      </a:txBody>
+                      <a:tcPr/>
+                    </a:tc>
+                    <a:tc>
+                      <a:txBody>
+                        <a:bodyPr/>
+                        <a:lstStyle/>
+                        <a:p>
+                          <a:endParaRPr lang="en-US"/>
+                        </a:p>
+                      </a:txBody>
+                      <a:tcPr/>
+                    </a:tc>
+                    <a:tc>
+                      <a:txBody>
+                        <a:bodyPr/>
+                        <a:lstStyle/>
+                        <a:p>
+                          <a:endParaRPr lang="en-US"/>
+                        </a:p>
+                      </a:txBody>
+                      <a:tcPr/>
+                    </a:tc>
+                    <a:extLst>
+                      <a:ext uri="{0D108BD9-81ED-4DB2-BD59-A6C34878D82A}">
+                        <a16:rowId xmlns:a16="http://schemas.microsoft.com/office/drawing/2014/main" val="4266607022"/>
+                      </a:ext>
+                    </a:extLst>
+                  </a:tr>
+                  <a:tr h="370840">
+                    <a:tc rowSpan="2">
+                      <a:txBody>
+                        <a:bodyPr/>
+                        <a:lstStyle/>
+                        <a:p>
+                          <a:pPr marL="0" marR="0" lvl="0" indent="0" algn="l" defTabSz="914400" rtl="0" eaLnBrk="1" fontAlgn="auto" latinLnBrk="0" hangingPunct="1">
+                            <a:lnSpc>
+                              <a:spcPct val="100000"/>
+                            </a:lnSpc>
+                            <a:spcBef>
+                              <a:spcPts val="0"/>
+                            </a:spcBef>
+                            <a:spcAft>
+                              <a:spcPts val="0"/>
+                            </a:spcAft>
+                            <a:buClrTx/>
+                            <a:buSzTx/>
+                            <a:buFontTx/>
+                            <a:buNone/>
+                            <a:tabLst/>
+                            <a:defRPr/>
+                          </a:pPr>
+                          <a:r>
+                            <a:rPr lang="en-US" dirty="0"/>
+                            <a:t>Panel Estimate</a:t>
+                          </a:r>
+                        </a:p>
+                      </a:txBody>
+                      <a:tcPr/>
+                    </a:tc>
+                    <a:tc>
+                      <a:txBody>
+                        <a:bodyPr/>
+                        <a:lstStyle/>
+                        <a:p>
+                          <a:r>
+                            <a:rPr lang="en-US" dirty="0"/>
+                            <a:t>Two-Way Fixed Effects</a:t>
+                          </a:r>
+                        </a:p>
+                      </a:txBody>
+                      <a:tcPr/>
+                    </a:tc>
+                    <a:tc>
+                      <a:txBody>
+                        <a:bodyPr/>
+                        <a:lstStyle/>
+                        <a:p>
+                          <a:r>
+                            <a:rPr lang="en-US" dirty="0"/>
+                            <a:t>1.936 [0.577]</a:t>
+                          </a:r>
+                        </a:p>
+                      </a:txBody>
+                      <a:tcPr/>
+                    </a:tc>
+                    <a:tc>
+                      <a:txBody>
+                        <a:bodyPr/>
+                        <a:lstStyle/>
+                        <a:p>
+                          <a:r>
+                            <a:rPr lang="en-US" dirty="0"/>
+                            <a:t>2.500</a:t>
+                          </a:r>
+                        </a:p>
+                      </a:txBody>
+                      <a:tcPr/>
+                    </a:tc>
+                    <a:extLst>
+                      <a:ext uri="{0D108BD9-81ED-4DB2-BD59-A6C34878D82A}">
+                        <a16:rowId xmlns:a16="http://schemas.microsoft.com/office/drawing/2014/main" val="610293041"/>
+                      </a:ext>
+                    </a:extLst>
+                  </a:tr>
+                  <a:tr h="370840">
+                    <a:tc vMerge="1">
+                      <a:txBody>
+                        <a:bodyPr/>
+                        <a:lstStyle/>
+                        <a:p>
+                          <a:endParaRPr lang="en-US" dirty="0"/>
+                        </a:p>
+                      </a:txBody>
+                      <a:tcPr/>
+                    </a:tc>
+                    <a:tc>
+                      <a:txBody>
+                        <a:bodyPr/>
+                        <a:lstStyle/>
+                        <a:p>
+                          <a:r>
+                            <a:rPr lang="en-US" dirty="0"/>
+                            <a:t>Aggregated Fixed Effects</a:t>
+                          </a:r>
+                        </a:p>
+                      </a:txBody>
+                      <a:tcPr/>
+                    </a:tc>
+                    <a:tc>
+                      <a:txBody>
+                        <a:bodyPr/>
+                        <a:lstStyle/>
+                        <a:p>
+                          <a:r>
+                            <a:rPr lang="en-US" dirty="0"/>
+                            <a:t>1.936 [0.537]</a:t>
+                          </a:r>
+                        </a:p>
+                      </a:txBody>
+                      <a:tcPr/>
+                    </a:tc>
+                    <a:tc>
+                      <a:txBody>
+                        <a:bodyPr/>
+                        <a:lstStyle/>
+                        <a:p>
+                          <a:r>
+                            <a:rPr lang="en-US" dirty="0"/>
+                            <a:t>2.500</a:t>
+                          </a:r>
+                        </a:p>
+                      </a:txBody>
+                      <a:tcPr/>
+                    </a:tc>
+                    <a:extLst>
+                      <a:ext uri="{0D108BD9-81ED-4DB2-BD59-A6C34878D82A}">
+                        <a16:rowId xmlns:a16="http://schemas.microsoft.com/office/drawing/2014/main" val="1813029979"/>
+                      </a:ext>
+                    </a:extLst>
+                  </a:tr>
+                </a:tbl>
+              </a:graphicData>
+            </a:graphic>
+          </p:graphicFrame>
+        </mc:Choice>
+        <mc:Fallback>
+          <p:graphicFrame>
+            <p:nvGraphicFramePr>
+              <p:cNvPr id="4" name="Table 4">
+                <a:extLst>
+                  <a:ext uri="{FF2B5EF4-FFF2-40B4-BE49-F238E27FC236}">
+                    <a16:creationId xmlns:a16="http://schemas.microsoft.com/office/drawing/2014/main" id="{2B50C6B7-FB8E-4C4B-93D4-073A8BA6D52D}"/>
+                  </a:ext>
+                </a:extLst>
+              </p:cNvPr>
+              <p:cNvGraphicFramePr>
+                <a:graphicFrameLocks noGrp="1"/>
+              </p:cNvGraphicFramePr>
+              <p:nvPr>
+                <p:ph idx="1"/>
+                <p:extLst>
+                  <p:ext uri="{D42A27DB-BD31-4B8C-83A1-F6EECF244321}">
+                    <p14:modId xmlns:p14="http://schemas.microsoft.com/office/powerpoint/2010/main" val="4169433247"/>
+                  </p:ext>
+                </p:extLst>
+              </p:nvPr>
+            </p:nvGraphicFramePr>
+            <p:xfrm>
+              <a:off x="838200" y="1825625"/>
+              <a:ext cx="10049256" cy="2595880"/>
+            </p:xfrm>
+            <a:graphic>
+              <a:graphicData uri="http://schemas.openxmlformats.org/drawingml/2006/table">
+                <a:tbl>
+                  <a:tblPr firstRow="1" bandRow="1">
+                    <a:tableStyleId>{5C22544A-7EE6-4342-B048-85BDC9FD1C3A}</a:tableStyleId>
+                  </a:tblPr>
+                  <a:tblGrid>
+                    <a:gridCol w="2343912">
+                      <a:extLst>
+                        <a:ext uri="{9D8B030D-6E8A-4147-A177-3AD203B41FA5}">
+                          <a16:colId xmlns:a16="http://schemas.microsoft.com/office/drawing/2014/main" val="2351199887"/>
+                        </a:ext>
+                      </a:extLst>
+                    </a:gridCol>
+                    <a:gridCol w="2680716">
+                      <a:extLst>
+                        <a:ext uri="{9D8B030D-6E8A-4147-A177-3AD203B41FA5}">
+                          <a16:colId xmlns:a16="http://schemas.microsoft.com/office/drawing/2014/main" val="1876562297"/>
+                        </a:ext>
+                      </a:extLst>
+                    </a:gridCol>
+                    <a:gridCol w="2512314">
+                      <a:extLst>
+                        <a:ext uri="{9D8B030D-6E8A-4147-A177-3AD203B41FA5}">
+                          <a16:colId xmlns:a16="http://schemas.microsoft.com/office/drawing/2014/main" val="4209274762"/>
+                        </a:ext>
+                      </a:extLst>
+                    </a:gridCol>
+                    <a:gridCol w="2512314">
+                      <a:extLst>
+                        <a:ext uri="{9D8B030D-6E8A-4147-A177-3AD203B41FA5}">
+                          <a16:colId xmlns:a16="http://schemas.microsoft.com/office/drawing/2014/main" val="132637997"/>
+                        </a:ext>
+                      </a:extLst>
+                    </a:gridCol>
+                  </a:tblGrid>
+                  <a:tr h="370840">
+                    <a:tc>
+                      <a:txBody>
+                        <a:bodyPr/>
+                        <a:lstStyle/>
+                        <a:p>
+                          <a:endParaRPr lang="en-US" dirty="0"/>
+                        </a:p>
+                      </a:txBody>
+                      <a:tcPr/>
+                    </a:tc>
+                    <a:tc>
+                      <a:txBody>
+                        <a:bodyPr/>
+                        <a:lstStyle/>
+                        <a:p>
+                          <a:endParaRPr lang="en-US" dirty="0"/>
+                        </a:p>
+                      </a:txBody>
+                      <a:tcPr/>
+                    </a:tc>
+                    <a:tc>
+                      <a:txBody>
+                        <a:bodyPr/>
+                        <a:lstStyle/>
+                        <a:p>
+                          <a:endParaRPr lang="en-US"/>
+                        </a:p>
+                      </a:txBody>
+                      <a:tcPr>
+                        <a:blipFill>
+                          <a:blip r:embed="rId2"/>
+                          <a:stretch>
+                            <a:fillRect l="-200505" t="-6897" r="-101010" b="-634483"/>
+                          </a:stretch>
+                        </a:blipFill>
+                      </a:tcPr>
+                    </a:tc>
+                    <a:tc>
+                      <a:txBody>
+                        <a:bodyPr/>
+                        <a:lstStyle/>
+                        <a:p>
+                          <a:r>
+                            <a:rPr lang="en-US" dirty="0"/>
+                            <a:t>True Value</a:t>
+                          </a:r>
+                        </a:p>
+                      </a:txBody>
+                      <a:tcPr/>
+                    </a:tc>
+                    <a:extLst>
+                      <a:ext uri="{0D108BD9-81ED-4DB2-BD59-A6C34878D82A}">
+                        <a16:rowId xmlns:a16="http://schemas.microsoft.com/office/drawing/2014/main" val="1153492925"/>
+                      </a:ext>
+                    </a:extLst>
+                  </a:tr>
+                  <a:tr h="370840">
+                    <a:tc rowSpan="3">
+                      <a:txBody>
+                        <a:bodyPr/>
+                        <a:lstStyle/>
+                        <a:p>
+                          <a:r>
+                            <a:rPr lang="en-US" dirty="0"/>
+                            <a:t>Cross-Sectional Estimates</a:t>
+                          </a:r>
+                        </a:p>
+                      </a:txBody>
+                      <a:tcPr/>
+                    </a:tc>
+                    <a:tc>
+                      <a:txBody>
+                        <a:bodyPr/>
+                        <a:lstStyle/>
+                        <a:p>
+                          <a:r>
+                            <a:rPr lang="en-US" dirty="0"/>
+                            <a:t>First Pre-Period</a:t>
+                          </a:r>
+                        </a:p>
+                      </a:txBody>
+                      <a:tcPr/>
+                    </a:tc>
+                    <a:tc>
+                      <a:txBody>
+                        <a:bodyPr/>
+                        <a:lstStyle/>
+                        <a:p>
+                          <a:r>
+                            <a:rPr lang="en-US" dirty="0"/>
+                            <a:t>2.679[1.502]</a:t>
+                          </a:r>
+                        </a:p>
+                      </a:txBody>
+                      <a:tcPr/>
+                    </a:tc>
+                    <a:tc>
+                      <a:txBody>
+                        <a:bodyPr/>
+                        <a:lstStyle/>
+                        <a:p>
+                          <a:r>
+                            <a:rPr lang="en-US" dirty="0"/>
+                            <a:t>2.500</a:t>
+                          </a:r>
+                        </a:p>
+                      </a:txBody>
+                      <a:tcPr/>
+                    </a:tc>
+                    <a:extLst>
+                      <a:ext uri="{0D108BD9-81ED-4DB2-BD59-A6C34878D82A}">
+                        <a16:rowId xmlns:a16="http://schemas.microsoft.com/office/drawing/2014/main" val="3170666368"/>
+                      </a:ext>
+                    </a:extLst>
+                  </a:tr>
+                  <a:tr h="370840">
+                    <a:tc vMerge="1">
+                      <a:txBody>
+                        <a:bodyPr/>
+                        <a:lstStyle/>
+                        <a:p>
+                          <a:endParaRPr lang="en-US" dirty="0"/>
+                        </a:p>
+                      </a:txBody>
+                      <a:tcPr/>
+                    </a:tc>
+                    <a:tc>
+                      <a:txBody>
+                        <a:bodyPr/>
+                        <a:lstStyle/>
+                        <a:p>
+                          <a:r>
+                            <a:rPr lang="en-US" dirty="0"/>
+                            <a:t>Middle Pre-Period</a:t>
+                          </a:r>
+                        </a:p>
+                      </a:txBody>
+                      <a:tcPr/>
+                    </a:tc>
+                    <a:tc>
+                      <a:txBody>
+                        <a:bodyPr/>
+                        <a:lstStyle/>
+                        <a:p>
+                          <a:r>
+                            <a:rPr lang="en-US" dirty="0"/>
+                            <a:t>3.510[0.848]</a:t>
+                          </a:r>
+                        </a:p>
+                      </a:txBody>
+                      <a:tcPr/>
+                    </a:tc>
+                    <a:tc>
+                      <a:txBody>
+                        <a:bodyPr/>
+                        <a:lstStyle/>
+                        <a:p>
+                          <a:r>
+                            <a:rPr lang="en-US" dirty="0"/>
+                            <a:t>2.500</a:t>
+                          </a:r>
+                        </a:p>
+                      </a:txBody>
+                      <a:tcPr/>
+                    </a:tc>
+                    <a:extLst>
+                      <a:ext uri="{0D108BD9-81ED-4DB2-BD59-A6C34878D82A}">
+                        <a16:rowId xmlns:a16="http://schemas.microsoft.com/office/drawing/2014/main" val="1213267472"/>
+                      </a:ext>
+                    </a:extLst>
+                  </a:tr>
+                  <a:tr h="370840">
+                    <a:tc vMerge="1">
+                      <a:txBody>
+                        <a:bodyPr/>
+                        <a:lstStyle/>
+                        <a:p>
+                          <a:endParaRPr lang="en-US" dirty="0"/>
+                        </a:p>
+                      </a:txBody>
+                      <a:tcPr/>
+                    </a:tc>
+                    <a:tc>
+                      <a:txBody>
+                        <a:bodyPr/>
+                        <a:lstStyle/>
+                        <a:p>
+                          <a:r>
+                            <a:rPr lang="en-US" dirty="0"/>
+                            <a:t>Last Pre-Period</a:t>
+                          </a:r>
+                        </a:p>
+                      </a:txBody>
+                      <a:tcPr/>
+                    </a:tc>
+                    <a:tc>
+                      <a:txBody>
+                        <a:bodyPr/>
+                        <a:lstStyle/>
+                        <a:p>
+                          <a:r>
+                            <a:rPr lang="en-US" dirty="0"/>
+                            <a:t>0.476[1.397]</a:t>
+                          </a:r>
+                        </a:p>
+                      </a:txBody>
+                      <a:tcPr/>
+                    </a:tc>
+                    <a:tc>
+                      <a:txBody>
+                        <a:bodyPr/>
+                        <a:lstStyle/>
+                        <a:p>
+                          <a:r>
+                            <a:rPr lang="en-US" dirty="0"/>
+                            <a:t>2.500</a:t>
+                          </a:r>
+                        </a:p>
+                      </a:txBody>
+                      <a:tcPr/>
+                    </a:tc>
+                    <a:extLst>
+                      <a:ext uri="{0D108BD9-81ED-4DB2-BD59-A6C34878D82A}">
+                        <a16:rowId xmlns:a16="http://schemas.microsoft.com/office/drawing/2014/main" val="1153489132"/>
+                      </a:ext>
+                    </a:extLst>
+                  </a:tr>
+                  <a:tr h="370840">
+                    <a:tc>
+                      <a:txBody>
+                        <a:bodyPr/>
+                        <a:lstStyle/>
+                        <a:p>
+                          <a:endParaRPr lang="en-US" dirty="0"/>
+                        </a:p>
+                      </a:txBody>
+                      <a:tcPr/>
+                    </a:tc>
+                    <a:tc>
+                      <a:txBody>
+                        <a:bodyPr/>
+                        <a:lstStyle/>
+                        <a:p>
+                          <a:endParaRPr lang="en-US" dirty="0"/>
+                        </a:p>
+                      </a:txBody>
+                      <a:tcPr/>
+                    </a:tc>
+                    <a:tc>
+                      <a:txBody>
+                        <a:bodyPr/>
+                        <a:lstStyle/>
+                        <a:p>
+                          <a:endParaRPr lang="en-US"/>
+                        </a:p>
+                      </a:txBody>
+                      <a:tcPr/>
+                    </a:tc>
+                    <a:tc>
+                      <a:txBody>
+                        <a:bodyPr/>
+                        <a:lstStyle/>
+                        <a:p>
+                          <a:endParaRPr lang="en-US"/>
+                        </a:p>
+                      </a:txBody>
+                      <a:tcPr/>
+                    </a:tc>
+                    <a:extLst>
+                      <a:ext uri="{0D108BD9-81ED-4DB2-BD59-A6C34878D82A}">
+                        <a16:rowId xmlns:a16="http://schemas.microsoft.com/office/drawing/2014/main" val="4266607022"/>
+                      </a:ext>
+                    </a:extLst>
+                  </a:tr>
+                  <a:tr h="370840">
+                    <a:tc rowSpan="2">
+                      <a:txBody>
+                        <a:bodyPr/>
+                        <a:lstStyle/>
+                        <a:p>
+                          <a:pPr marL="0" marR="0" lvl="0" indent="0" algn="l" defTabSz="914400" rtl="0" eaLnBrk="1" fontAlgn="auto" latinLnBrk="0" hangingPunct="1">
+                            <a:lnSpc>
+                              <a:spcPct val="100000"/>
+                            </a:lnSpc>
+                            <a:spcBef>
+                              <a:spcPts val="0"/>
+                            </a:spcBef>
+                            <a:spcAft>
+                              <a:spcPts val="0"/>
+                            </a:spcAft>
+                            <a:buClrTx/>
+                            <a:buSzTx/>
+                            <a:buFontTx/>
+                            <a:buNone/>
+                            <a:tabLst/>
+                            <a:defRPr/>
+                          </a:pPr>
+                          <a:r>
+                            <a:rPr lang="en-US" dirty="0"/>
+                            <a:t>Panel Estimate</a:t>
+                          </a:r>
+                        </a:p>
+                      </a:txBody>
+                      <a:tcPr/>
+                    </a:tc>
+                    <a:tc>
+                      <a:txBody>
+                        <a:bodyPr/>
+                        <a:lstStyle/>
+                        <a:p>
+                          <a:r>
+                            <a:rPr lang="en-US" dirty="0"/>
+                            <a:t>Two-Way Fixed Effects</a:t>
+                          </a:r>
+                        </a:p>
+                      </a:txBody>
+                      <a:tcPr/>
+                    </a:tc>
+                    <a:tc>
+                      <a:txBody>
+                        <a:bodyPr/>
+                        <a:lstStyle/>
+                        <a:p>
+                          <a:r>
+                            <a:rPr lang="en-US" dirty="0"/>
+                            <a:t>1.936 [0.577]</a:t>
+                          </a:r>
+                        </a:p>
+                      </a:txBody>
+                      <a:tcPr/>
+                    </a:tc>
+                    <a:tc>
+                      <a:txBody>
+                        <a:bodyPr/>
+                        <a:lstStyle/>
+                        <a:p>
+                          <a:r>
+                            <a:rPr lang="en-US" dirty="0"/>
+                            <a:t>2.500</a:t>
+                          </a:r>
+                        </a:p>
+                      </a:txBody>
+                      <a:tcPr/>
+                    </a:tc>
+                    <a:extLst>
+                      <a:ext uri="{0D108BD9-81ED-4DB2-BD59-A6C34878D82A}">
+                        <a16:rowId xmlns:a16="http://schemas.microsoft.com/office/drawing/2014/main" val="610293041"/>
+                      </a:ext>
+                    </a:extLst>
+                  </a:tr>
+                  <a:tr h="370840">
+                    <a:tc vMerge="1">
+                      <a:txBody>
+                        <a:bodyPr/>
+                        <a:lstStyle/>
+                        <a:p>
+                          <a:endParaRPr lang="en-US" dirty="0"/>
+                        </a:p>
+                      </a:txBody>
+                      <a:tcPr/>
+                    </a:tc>
+                    <a:tc>
+                      <a:txBody>
+                        <a:bodyPr/>
+                        <a:lstStyle/>
+                        <a:p>
+                          <a:r>
+                            <a:rPr lang="en-US" dirty="0"/>
+                            <a:t>Aggregated Fixed Effects</a:t>
+                          </a:r>
+                        </a:p>
+                      </a:txBody>
+                      <a:tcPr/>
+                    </a:tc>
+                    <a:tc>
+                      <a:txBody>
+                        <a:bodyPr/>
+                        <a:lstStyle/>
+                        <a:p>
+                          <a:r>
+                            <a:rPr lang="en-US" dirty="0"/>
+                            <a:t>1.936 [0.537]</a:t>
+                          </a:r>
+                        </a:p>
+                      </a:txBody>
+                      <a:tcPr/>
+                    </a:tc>
+                    <a:tc>
+                      <a:txBody>
+                        <a:bodyPr/>
+                        <a:lstStyle/>
+                        <a:p>
+                          <a:r>
+                            <a:rPr lang="en-US" dirty="0"/>
+                            <a:t>2.500</a:t>
+                          </a:r>
+                        </a:p>
+                      </a:txBody>
+                      <a:tcPr/>
+                    </a:tc>
+                    <a:extLst>
+                      <a:ext uri="{0D108BD9-81ED-4DB2-BD59-A6C34878D82A}">
+                        <a16:rowId xmlns:a16="http://schemas.microsoft.com/office/drawing/2014/main" val="1813029979"/>
+                      </a:ext>
+                    </a:extLst>
+                  </a:tr>
+                </a:tbl>
+              </a:graphicData>
+            </a:graphic>
+          </p:graphicFrame>
+        </mc:Fallback>
+      </mc:AlternateContent>
+      <p:sp>
+        <p:nvSpPr>
+          <p:cNvPr id="5" name="TextBox 4">
+            <a:extLst>
+              <a:ext uri="{FF2B5EF4-FFF2-40B4-BE49-F238E27FC236}">
+                <a16:creationId xmlns:a16="http://schemas.microsoft.com/office/drawing/2014/main" id="{4D605FBD-A029-BC43-98BA-F3C6CEC9099F}"/>
+              </a:ext>
+            </a:extLst>
+          </p:cNvPr>
+          <p:cNvSpPr txBox="1"/>
+          <p:nvPr/>
+        </p:nvSpPr>
+        <p:spPr>
+          <a:xfrm>
+            <a:off x="838200" y="4718304"/>
+            <a:ext cx="10049256" cy="646331"/>
+          </a:xfrm>
+          <a:prstGeom prst="rect">
+            <a:avLst/>
+          </a:prstGeom>
+          <a:noFill/>
+        </p:spPr>
+        <p:txBody>
+          <a:bodyPr wrap="square" rtlCol="0">
+            <a:spAutoFit/>
+          </a:bodyPr>
+          <a:lstStyle/>
+          <a:p>
+            <a:pPr marL="285750" indent="-285750">
+              <a:buFont typeface="Arial" panose="020B0604020202020204" pitchFamily="34" charset="0"/>
+              <a:buChar char="•"/>
+            </a:pPr>
+            <a:r>
+              <a:rPr lang="en-US" dirty="0"/>
+              <a:t>Performance of cross-sectional models can vary over pre-treatment periods, but we have more consistent performance</a:t>
+            </a:r>
+          </a:p>
+        </p:txBody>
+      </p:sp>
+    </p:spTree>
+    <p:extLst>
+      <p:ext uri="{BB962C8B-B14F-4D97-AF65-F5344CB8AC3E}">
+        <p14:creationId xmlns:p14="http://schemas.microsoft.com/office/powerpoint/2010/main" val="121067630"/>
+      </p:ext>
+    </p:extLst>
+  </p:cSld>
+  <p:clrMapOvr>
+    <a:masterClrMapping/>
+  </p:clrMapOvr>
+</p:sld>
+</file>
+
+<file path=ppt/slides/slide19.xml><?xml version="1.0" encoding="utf-8"?>
+<p:sld xmlns:a="http://schemas.openxmlformats.org/drawingml/2006/main" xmlns:r="http://schemas.openxmlformats.org/officeDocument/2006/relationships" xmlns:p="http://schemas.openxmlformats.org/presentationml/2006/main">
+  <p:cSld>
+    <p:spTree>
+      <p:nvGrpSpPr>
+        <p:cNvPr id="1" name=""/>
+        <p:cNvGrpSpPr/>
+        <p:nvPr/>
+      </p:nvGrpSpPr>
+      <p:grpSpPr>
+        <a:xfrm>
+          <a:off x="0" y="0"/>
+          <a:ext cx="0" cy="0"/>
+          <a:chOff x="0" y="0"/>
+          <a:chExt cx="0" cy="0"/>
+        </a:xfrm>
+      </p:grpSpPr>
+      <p:sp>
+        <p:nvSpPr>
           <p:cNvPr id="4" name="Title 3">
             <a:extLst>
               <a:ext uri="{FF2B5EF4-FFF2-40B4-BE49-F238E27FC236}">
@@ -10974,7 +13441,169 @@
 </p:sld>
 </file>
 
-<file path=ppt/slides/slide16.xml><?xml version="1.0" encoding="utf-8"?>
+<file path=ppt/slides/slide2.xml><?xml version="1.0" encoding="utf-8"?>
+<p:sld xmlns:a="http://schemas.openxmlformats.org/drawingml/2006/main" xmlns:r="http://schemas.openxmlformats.org/officeDocument/2006/relationships" xmlns:p="http://schemas.openxmlformats.org/presentationml/2006/main">
+  <p:cSld>
+    <p:spTree>
+      <p:nvGrpSpPr>
+        <p:cNvPr id="1" name=""/>
+        <p:cNvGrpSpPr/>
+        <p:nvPr/>
+      </p:nvGrpSpPr>
+      <p:grpSpPr>
+        <a:xfrm>
+          <a:off x="0" y="0"/>
+          <a:ext cx="0" cy="0"/>
+          <a:chOff x="0" y="0"/>
+          <a:chExt cx="0" cy="0"/>
+        </a:xfrm>
+      </p:grpSpPr>
+      <p:sp>
+        <p:nvSpPr>
+          <p:cNvPr id="2" name="Title 1">
+            <a:extLst>
+              <a:ext uri="{FF2B5EF4-FFF2-40B4-BE49-F238E27FC236}">
+                <a16:creationId xmlns:a16="http://schemas.microsoft.com/office/drawing/2014/main" id="{F1821B62-5F2B-0042-B4D1-0A616B9A2397}"/>
+              </a:ext>
+            </a:extLst>
+          </p:cNvPr>
+          <p:cNvSpPr>
+            <a:spLocks noGrp="1"/>
+          </p:cNvSpPr>
+          <p:nvPr>
+            <p:ph type="title"/>
+          </p:nvPr>
+        </p:nvSpPr>
+        <p:spPr/>
+        <p:txBody>
+          <a:bodyPr/>
+          <a:lstStyle/>
+          <a:p>
+            <a:r>
+              <a:rPr lang="en-US" dirty="0"/>
+              <a:t>Causal Inference Series</a:t>
+            </a:r>
+          </a:p>
+        </p:txBody>
+      </p:sp>
+      <p:sp>
+        <p:nvSpPr>
+          <p:cNvPr id="3" name="Content Placeholder 2">
+            <a:extLst>
+              <a:ext uri="{FF2B5EF4-FFF2-40B4-BE49-F238E27FC236}">
+                <a16:creationId xmlns:a16="http://schemas.microsoft.com/office/drawing/2014/main" id="{70C15C76-6BD6-0F41-AB0A-743D563189AD}"/>
+              </a:ext>
+            </a:extLst>
+          </p:cNvPr>
+          <p:cNvSpPr>
+            <a:spLocks noGrp="1"/>
+          </p:cNvSpPr>
+          <p:nvPr>
+            <p:ph idx="1"/>
+          </p:nvPr>
+        </p:nvSpPr>
+        <p:spPr/>
+        <p:txBody>
+          <a:bodyPr>
+            <a:normAutofit lnSpcReduction="10000"/>
+          </a:bodyPr>
+          <a:lstStyle/>
+          <a:p>
+            <a:pPr marL="514350" indent="-514350">
+              <a:buFont typeface="+mj-lt"/>
+              <a:buAutoNum type="arabicParenR"/>
+            </a:pPr>
+            <a:r>
+              <a:rPr lang="en-US" dirty="0"/>
+              <a:t>Foundations</a:t>
+            </a:r>
+          </a:p>
+          <a:p>
+            <a:pPr marL="514350" indent="-514350">
+              <a:buFont typeface="+mj-lt"/>
+              <a:buAutoNum type="arabicParenR"/>
+            </a:pPr>
+            <a:r>
+              <a:rPr lang="en-US" dirty="0"/>
+              <a:t>Defining Some ATE/ATET Causal Models</a:t>
+            </a:r>
+          </a:p>
+          <a:p>
+            <a:pPr marL="514350" indent="-514350">
+              <a:buFont typeface="+mj-lt"/>
+              <a:buAutoNum type="arabicParenR"/>
+            </a:pPr>
+            <a:r>
+              <a:rPr lang="en-US" dirty="0"/>
+              <a:t>ATE/ATET Inference, Asymptotic Theory, and Bootstrapping</a:t>
+            </a:r>
+          </a:p>
+          <a:p>
+            <a:pPr marL="514350" indent="-514350">
+              <a:buFont typeface="+mj-lt"/>
+              <a:buAutoNum type="arabicParenR"/>
+            </a:pPr>
+            <a:r>
+              <a:rPr lang="en-US" dirty="0"/>
+              <a:t>Best Practices: Outliers, Class Imbalance, Feature Selection, and Bad Control </a:t>
+            </a:r>
+          </a:p>
+          <a:p>
+            <a:pPr marL="514350" indent="-514350">
+              <a:buFont typeface="+mj-lt"/>
+              <a:buAutoNum type="arabicParenR"/>
+            </a:pPr>
+            <a:r>
+              <a:rPr lang="en-US" dirty="0"/>
+              <a:t>Heterogeneous Treatment Effect Models and Inference</a:t>
+            </a:r>
+          </a:p>
+          <a:p>
+            <a:pPr marL="514350" indent="-514350">
+              <a:buFont typeface="+mj-lt"/>
+              <a:buAutoNum type="arabicParenR"/>
+            </a:pPr>
+            <a:r>
+              <a:rPr lang="en-US" b="1" dirty="0"/>
+              <a:t>Difference-in-Difference Models for Panel Data</a:t>
+            </a:r>
+          </a:p>
+          <a:p>
+            <a:pPr marL="514350" indent="-514350">
+              <a:buFont typeface="+mj-lt"/>
+              <a:buAutoNum type="arabicParenR"/>
+            </a:pPr>
+            <a:r>
+              <a:rPr lang="en-US" dirty="0"/>
+              <a:t>Regression Discontinuity Models</a:t>
+            </a:r>
+          </a:p>
+          <a:p>
+            <a:pPr marL="514350" indent="-514350">
+              <a:buFont typeface="+mj-lt"/>
+              <a:buAutoNum type="arabicParenR"/>
+            </a:pPr>
+            <a:r>
+              <a:rPr lang="en-US" dirty="0"/>
+              <a:t>Arguable Validation</a:t>
+            </a:r>
+          </a:p>
+        </p:txBody>
+      </p:sp>
+    </p:spTree>
+    <p:extLst>
+      <p:ext uri="{BB962C8B-B14F-4D97-AF65-F5344CB8AC3E}">
+        <p14:creationId xmlns:p14="http://schemas.microsoft.com/office/powerpoint/2010/main" val="2385803048"/>
+      </p:ext>
+    </p:extLst>
+  </p:cSld>
+  <p:clrMapOvr>
+    <a:masterClrMapping/>
+  </p:clrMapOvr>
+</p:sld>
+</file>
+
+<file path=ppt/slides/slide20.xml><?xml version="1.0" encoding="utf-8"?>
 <p:sld xmlns:a="http://schemas.openxmlformats.org/drawingml/2006/main" xmlns:r="http://schemas.openxmlformats.org/officeDocument/2006/relationships" xmlns:p="http://schemas.openxmlformats.org/presentationml/2006/main">
   <p:cSld>
     <p:spTree>
@@ -11019,8 +13648,8 @@
           </a:p>
         </p:txBody>
       </p:sp>
-      <mc:AlternateContent xmlns:mc="http://schemas.openxmlformats.org/markup-compatibility/2006">
-        <mc:Choice xmlns:a14="http://schemas.microsoft.com/office/drawing/2010/main" Requires="a14">
+      <mc:AlternateContent xmlns:mc="http://schemas.openxmlformats.org/markup-compatibility/2006" xmlns:a14="http://schemas.microsoft.com/office/drawing/2010/main">
+        <mc:Choice Requires="a14">
           <p:sp>
             <p:nvSpPr>
               <p:cNvPr id="3" name="Content Placeholder 2">
@@ -11088,7 +13717,7 @@
             </p:txBody>
           </p:sp>
         </mc:Choice>
-        <mc:Fallback>
+        <mc:Fallback xmlns="">
           <p:sp>
             <p:nvSpPr>
               <p:cNvPr id="3" name="Content Placeholder 2">
@@ -11141,7 +13770,7 @@
 </p:sld>
 </file>
 
-<file path=ppt/slides/slide17.xml><?xml version="1.0" encoding="utf-8"?>
+<file path=ppt/slides/slide21.xml><?xml version="1.0" encoding="utf-8"?>
 <p:sld xmlns:a="http://schemas.openxmlformats.org/drawingml/2006/main" xmlns:r="http://schemas.openxmlformats.org/officeDocument/2006/relationships" xmlns:p="http://schemas.openxmlformats.org/presentationml/2006/main">
   <p:cSld>
     <p:spTree>
@@ -11295,8 +13924,8 @@
           </p:style>
         </p:cxnSp>
       </p:grpSp>
-      <mc:AlternateContent xmlns:mc="http://schemas.openxmlformats.org/markup-compatibility/2006">
-        <mc:Choice xmlns:a14="http://schemas.microsoft.com/office/drawing/2010/main" Requires="a14">
+      <mc:AlternateContent xmlns:mc="http://schemas.openxmlformats.org/markup-compatibility/2006" xmlns:a14="http://schemas.microsoft.com/office/drawing/2010/main">
+        <mc:Choice Requires="a14">
           <p:sp>
             <p:nvSpPr>
               <p:cNvPr id="18" name="TextBox 17">
@@ -11350,7 +13979,7 @@
             </p:txBody>
           </p:sp>
         </mc:Choice>
-        <mc:Fallback>
+        <mc:Fallback xmlns="">
           <p:sp>
             <p:nvSpPr>
               <p:cNvPr id="18" name="TextBox 17">
@@ -11395,8 +14024,8 @@
           </p:sp>
         </mc:Fallback>
       </mc:AlternateContent>
-      <mc:AlternateContent xmlns:mc="http://schemas.openxmlformats.org/markup-compatibility/2006">
-        <mc:Choice xmlns:a14="http://schemas.microsoft.com/office/drawing/2010/main" Requires="a14">
+      <mc:AlternateContent xmlns:mc="http://schemas.openxmlformats.org/markup-compatibility/2006" xmlns:a14="http://schemas.microsoft.com/office/drawing/2010/main">
+        <mc:Choice Requires="a14">
           <p:sp>
             <p:nvSpPr>
               <p:cNvPr id="19" name="TextBox 18">
@@ -11450,7 +14079,7 @@
             </p:txBody>
           </p:sp>
         </mc:Choice>
-        <mc:Fallback>
+        <mc:Fallback xmlns="">
           <p:sp>
             <p:nvSpPr>
               <p:cNvPr id="19" name="TextBox 18">
@@ -11698,8 +14327,8 @@
           </a:p>
         </p:txBody>
       </p:sp>
-      <mc:AlternateContent xmlns:mc="http://schemas.openxmlformats.org/markup-compatibility/2006">
-        <mc:Choice xmlns:a14="http://schemas.microsoft.com/office/drawing/2010/main" Requires="a14">
+      <mc:AlternateContent xmlns:mc="http://schemas.openxmlformats.org/markup-compatibility/2006" xmlns:a14="http://schemas.microsoft.com/office/drawing/2010/main">
+        <mc:Choice Requires="a14">
           <p:sp>
             <p:nvSpPr>
               <p:cNvPr id="27" name="TextBox 26">
@@ -11737,7 +14366,7 @@
                     <m:sSub>
                       <m:sSubPr>
                         <m:ctrlPr>
-                          <a:rPr lang="en-US" b="0" i="0" smtClean="0">
+                          <a:rPr lang="en-US" b="0" i="1" smtClean="0">
                             <a:latin typeface="Cambria Math" panose="02040503050406030204" pitchFamily="18" charset="0"/>
                           </a:rPr>
                         </m:ctrlPr>
@@ -11772,7 +14401,7 @@
             </p:txBody>
           </p:sp>
         </mc:Choice>
-        <mc:Fallback>
+        <mc:Fallback xmlns="">
           <p:sp>
             <p:nvSpPr>
               <p:cNvPr id="27" name="TextBox 26">
@@ -11988,7 +14617,7 @@
 </p:sld>
 </file>
 
-<file path=ppt/slides/slide18.xml><?xml version="1.0" encoding="utf-8"?>
+<file path=ppt/slides/slide22.xml><?xml version="1.0" encoding="utf-8"?>
 <p:sld xmlns:a="http://schemas.openxmlformats.org/drawingml/2006/main" xmlns:r="http://schemas.openxmlformats.org/officeDocument/2006/relationships" xmlns:p="http://schemas.openxmlformats.org/presentationml/2006/main">
   <p:cSld>
     <p:spTree>
@@ -12142,8 +14771,8 @@
           </p:style>
         </p:cxnSp>
       </p:grpSp>
-      <mc:AlternateContent xmlns:mc="http://schemas.openxmlformats.org/markup-compatibility/2006">
-        <mc:Choice xmlns:a14="http://schemas.microsoft.com/office/drawing/2010/main" Requires="a14">
+      <mc:AlternateContent xmlns:mc="http://schemas.openxmlformats.org/markup-compatibility/2006" xmlns:a14="http://schemas.microsoft.com/office/drawing/2010/main">
+        <mc:Choice Requires="a14">
           <p:sp>
             <p:nvSpPr>
               <p:cNvPr id="18" name="TextBox 17">
@@ -12197,7 +14826,7 @@
             </p:txBody>
           </p:sp>
         </mc:Choice>
-        <mc:Fallback>
+        <mc:Fallback xmlns="">
           <p:sp>
             <p:nvSpPr>
               <p:cNvPr id="18" name="TextBox 17">
@@ -12242,8 +14871,8 @@
           </p:sp>
         </mc:Fallback>
       </mc:AlternateContent>
-      <mc:AlternateContent xmlns:mc="http://schemas.openxmlformats.org/markup-compatibility/2006">
-        <mc:Choice xmlns:a14="http://schemas.microsoft.com/office/drawing/2010/main" Requires="a14">
+      <mc:AlternateContent xmlns:mc="http://schemas.openxmlformats.org/markup-compatibility/2006" xmlns:a14="http://schemas.microsoft.com/office/drawing/2010/main">
+        <mc:Choice Requires="a14">
           <p:sp>
             <p:nvSpPr>
               <p:cNvPr id="19" name="TextBox 18">
@@ -12297,7 +14926,7 @@
             </p:txBody>
           </p:sp>
         </mc:Choice>
-        <mc:Fallback>
+        <mc:Fallback xmlns="">
           <p:sp>
             <p:nvSpPr>
               <p:cNvPr id="19" name="TextBox 18">
@@ -12545,8 +15174,8 @@
           </a:p>
         </p:txBody>
       </p:sp>
-      <mc:AlternateContent xmlns:mc="http://schemas.openxmlformats.org/markup-compatibility/2006">
-        <mc:Choice xmlns:a14="http://schemas.microsoft.com/office/drawing/2010/main" Requires="a14">
+      <mc:AlternateContent xmlns:mc="http://schemas.openxmlformats.org/markup-compatibility/2006" xmlns:a14="http://schemas.microsoft.com/office/drawing/2010/main">
+        <mc:Choice Requires="a14">
           <p:sp>
             <p:nvSpPr>
               <p:cNvPr id="27" name="TextBox 26">
@@ -12584,7 +15213,7 @@
                     <m:sSub>
                       <m:sSubPr>
                         <m:ctrlPr>
-                          <a:rPr lang="en-US" b="0" i="0" smtClean="0">
+                          <a:rPr lang="en-US" b="0" i="1" smtClean="0">
                             <a:latin typeface="Cambria Math" panose="02040503050406030204" pitchFamily="18" charset="0"/>
                           </a:rPr>
                         </m:ctrlPr>
@@ -12619,7 +15248,7 @@
             </p:txBody>
           </p:sp>
         </mc:Choice>
-        <mc:Fallback>
+        <mc:Fallback xmlns="">
           <p:sp>
             <p:nvSpPr>
               <p:cNvPr id="27" name="TextBox 26">
@@ -12926,7 +15555,7 @@
 </p:sld>
 </file>
 
-<file path=ppt/slides/slide19.xml><?xml version="1.0" encoding="utf-8"?>
+<file path=ppt/slides/slide23.xml><?xml version="1.0" encoding="utf-8"?>
 <p:sld xmlns:a="http://schemas.openxmlformats.org/drawingml/2006/main" xmlns:r="http://schemas.openxmlformats.org/officeDocument/2006/relationships" xmlns:p="http://schemas.openxmlformats.org/presentationml/2006/main">
   <p:cSld>
     <p:spTree>
@@ -13018,169 +15647,7 @@
 </p:sld>
 </file>
 
-<file path=ppt/slides/slide2.xml><?xml version="1.0" encoding="utf-8"?>
-<p:sld xmlns:a="http://schemas.openxmlformats.org/drawingml/2006/main" xmlns:r="http://schemas.openxmlformats.org/officeDocument/2006/relationships" xmlns:p="http://schemas.openxmlformats.org/presentationml/2006/main">
-  <p:cSld>
-    <p:spTree>
-      <p:nvGrpSpPr>
-        <p:cNvPr id="1" name=""/>
-        <p:cNvGrpSpPr/>
-        <p:nvPr/>
-      </p:nvGrpSpPr>
-      <p:grpSpPr>
-        <a:xfrm>
-          <a:off x="0" y="0"/>
-          <a:ext cx="0" cy="0"/>
-          <a:chOff x="0" y="0"/>
-          <a:chExt cx="0" cy="0"/>
-        </a:xfrm>
-      </p:grpSpPr>
-      <p:sp>
-        <p:nvSpPr>
-          <p:cNvPr id="2" name="Title 1">
-            <a:extLst>
-              <a:ext uri="{FF2B5EF4-FFF2-40B4-BE49-F238E27FC236}">
-                <a16:creationId xmlns:a16="http://schemas.microsoft.com/office/drawing/2014/main" id="{F1821B62-5F2B-0042-B4D1-0A616B9A2397}"/>
-              </a:ext>
-            </a:extLst>
-          </p:cNvPr>
-          <p:cNvSpPr>
-            <a:spLocks noGrp="1"/>
-          </p:cNvSpPr>
-          <p:nvPr>
-            <p:ph type="title"/>
-          </p:nvPr>
-        </p:nvSpPr>
-        <p:spPr/>
-        <p:txBody>
-          <a:bodyPr/>
-          <a:lstStyle/>
-          <a:p>
-            <a:r>
-              <a:rPr lang="en-US" dirty="0"/>
-              <a:t>Causal Inference Series</a:t>
-            </a:r>
-          </a:p>
-        </p:txBody>
-      </p:sp>
-      <p:sp>
-        <p:nvSpPr>
-          <p:cNvPr id="3" name="Content Placeholder 2">
-            <a:extLst>
-              <a:ext uri="{FF2B5EF4-FFF2-40B4-BE49-F238E27FC236}">
-                <a16:creationId xmlns:a16="http://schemas.microsoft.com/office/drawing/2014/main" id="{70C15C76-6BD6-0F41-AB0A-743D563189AD}"/>
-              </a:ext>
-            </a:extLst>
-          </p:cNvPr>
-          <p:cNvSpPr>
-            <a:spLocks noGrp="1"/>
-          </p:cNvSpPr>
-          <p:nvPr>
-            <p:ph idx="1"/>
-          </p:nvPr>
-        </p:nvSpPr>
-        <p:spPr/>
-        <p:txBody>
-          <a:bodyPr>
-            <a:normAutofit lnSpcReduction="10000"/>
-          </a:bodyPr>
-          <a:lstStyle/>
-          <a:p>
-            <a:pPr marL="514350" indent="-514350">
-              <a:buFont typeface="+mj-lt"/>
-              <a:buAutoNum type="arabicParenR"/>
-            </a:pPr>
-            <a:r>
-              <a:rPr lang="en-US" dirty="0"/>
-              <a:t>Foundations</a:t>
-            </a:r>
-          </a:p>
-          <a:p>
-            <a:pPr marL="514350" indent="-514350">
-              <a:buFont typeface="+mj-lt"/>
-              <a:buAutoNum type="arabicParenR"/>
-            </a:pPr>
-            <a:r>
-              <a:rPr lang="en-US" dirty="0"/>
-              <a:t>Defining Some ATE/ATET Causal Models</a:t>
-            </a:r>
-          </a:p>
-          <a:p>
-            <a:pPr marL="514350" indent="-514350">
-              <a:buFont typeface="+mj-lt"/>
-              <a:buAutoNum type="arabicParenR"/>
-            </a:pPr>
-            <a:r>
-              <a:rPr lang="en-US" dirty="0"/>
-              <a:t>ATE/ATET Inference, Asymptotic Theory, and Bootstrapping</a:t>
-            </a:r>
-          </a:p>
-          <a:p>
-            <a:pPr marL="514350" indent="-514350">
-              <a:buFont typeface="+mj-lt"/>
-              <a:buAutoNum type="arabicParenR"/>
-            </a:pPr>
-            <a:r>
-              <a:rPr lang="en-US" dirty="0"/>
-              <a:t>Best Practices: Outliers, Class Imbalance, Feature Selection, and Bad Control </a:t>
-            </a:r>
-          </a:p>
-          <a:p>
-            <a:pPr marL="514350" indent="-514350">
-              <a:buFont typeface="+mj-lt"/>
-              <a:buAutoNum type="arabicParenR"/>
-            </a:pPr>
-            <a:r>
-              <a:rPr lang="en-US" dirty="0"/>
-              <a:t>Heterogeneous Treatment Effect Models and Inference</a:t>
-            </a:r>
-          </a:p>
-          <a:p>
-            <a:pPr marL="514350" indent="-514350">
-              <a:buFont typeface="+mj-lt"/>
-              <a:buAutoNum type="arabicParenR"/>
-            </a:pPr>
-            <a:r>
-              <a:rPr lang="en-US" dirty="0"/>
-              <a:t>Difference-in-Difference Models for Panel Data</a:t>
-            </a:r>
-          </a:p>
-          <a:p>
-            <a:pPr marL="514350" indent="-514350">
-              <a:buFont typeface="+mj-lt"/>
-              <a:buAutoNum type="arabicParenR"/>
-            </a:pPr>
-            <a:r>
-              <a:rPr lang="en-US" b="1" dirty="0"/>
-              <a:t>Regression Discontinuity Models</a:t>
-            </a:r>
-          </a:p>
-          <a:p>
-            <a:pPr marL="514350" indent="-514350">
-              <a:buFont typeface="+mj-lt"/>
-              <a:buAutoNum type="arabicParenR"/>
-            </a:pPr>
-            <a:r>
-              <a:rPr lang="en-US" dirty="0"/>
-              <a:t>Arguable Validation</a:t>
-            </a:r>
-          </a:p>
-        </p:txBody>
-      </p:sp>
-    </p:spTree>
-    <p:extLst>
-      <p:ext uri="{BB962C8B-B14F-4D97-AF65-F5344CB8AC3E}">
-        <p14:creationId xmlns:p14="http://schemas.microsoft.com/office/powerpoint/2010/main" val="2385803048"/>
-      </p:ext>
-    </p:extLst>
-  </p:cSld>
-  <p:clrMapOvr>
-    <a:masterClrMapping/>
-  </p:clrMapOvr>
-</p:sld>
-</file>
-
-<file path=ppt/slides/slide20.xml><?xml version="1.0" encoding="utf-8"?>
+<file path=ppt/slides/slide24.xml><?xml version="1.0" encoding="utf-8"?>
 <p:sld xmlns:a="http://schemas.openxmlformats.org/drawingml/2006/main" xmlns:r="http://schemas.openxmlformats.org/officeDocument/2006/relationships" xmlns:p="http://schemas.openxmlformats.org/presentationml/2006/main">
   <p:cSld>
     <p:spTree>
@@ -13334,8 +15801,8 @@
           </p:style>
         </p:cxnSp>
       </p:grpSp>
-      <mc:AlternateContent xmlns:mc="http://schemas.openxmlformats.org/markup-compatibility/2006">
-        <mc:Choice xmlns:a14="http://schemas.microsoft.com/office/drawing/2010/main" Requires="a14">
+      <mc:AlternateContent xmlns:mc="http://schemas.openxmlformats.org/markup-compatibility/2006" xmlns:a14="http://schemas.microsoft.com/office/drawing/2010/main">
+        <mc:Choice Requires="a14">
           <p:sp>
             <p:nvSpPr>
               <p:cNvPr id="18" name="TextBox 17">
@@ -13389,7 +15856,7 @@
             </p:txBody>
           </p:sp>
         </mc:Choice>
-        <mc:Fallback>
+        <mc:Fallback xmlns="">
           <p:sp>
             <p:nvSpPr>
               <p:cNvPr id="18" name="TextBox 17">
@@ -13434,8 +15901,8 @@
           </p:sp>
         </mc:Fallback>
       </mc:AlternateContent>
-      <mc:AlternateContent xmlns:mc="http://schemas.openxmlformats.org/markup-compatibility/2006">
-        <mc:Choice xmlns:a14="http://schemas.microsoft.com/office/drawing/2010/main" Requires="a14">
+      <mc:AlternateContent xmlns:mc="http://schemas.openxmlformats.org/markup-compatibility/2006" xmlns:a14="http://schemas.microsoft.com/office/drawing/2010/main">
+        <mc:Choice Requires="a14">
           <p:sp>
             <p:nvSpPr>
               <p:cNvPr id="19" name="TextBox 18">
@@ -13489,7 +15956,7 @@
             </p:txBody>
           </p:sp>
         </mc:Choice>
-        <mc:Fallback>
+        <mc:Fallback xmlns="">
           <p:sp>
             <p:nvSpPr>
               <p:cNvPr id="19" name="TextBox 18">
@@ -13739,8 +16206,8 @@
           </a:p>
         </p:txBody>
       </p:sp>
-      <mc:AlternateContent xmlns:mc="http://schemas.openxmlformats.org/markup-compatibility/2006">
-        <mc:Choice xmlns:a14="http://schemas.microsoft.com/office/drawing/2010/main" Requires="a14">
+      <mc:AlternateContent xmlns:mc="http://schemas.openxmlformats.org/markup-compatibility/2006" xmlns:a14="http://schemas.microsoft.com/office/drawing/2010/main">
+        <mc:Choice Requires="a14">
           <p:sp>
             <p:nvSpPr>
               <p:cNvPr id="27" name="TextBox 26">
@@ -13778,7 +16245,7 @@
                     <m:sSub>
                       <m:sSubPr>
                         <m:ctrlPr>
-                          <a:rPr lang="en-US" b="0" i="0" smtClean="0">
+                          <a:rPr lang="en-US" b="0" i="1" smtClean="0">
                             <a:latin typeface="Cambria Math" panose="02040503050406030204" pitchFamily="18" charset="0"/>
                           </a:rPr>
                         </m:ctrlPr>
@@ -13813,7 +16280,7 @@
             </p:txBody>
           </p:sp>
         </mc:Choice>
-        <mc:Fallback>
+        <mc:Fallback xmlns="">
           <p:sp>
             <p:nvSpPr>
               <p:cNvPr id="27" name="TextBox 26">
@@ -14124,7 +16591,7 @@
 </p:sld>
 </file>
 
-<file path=ppt/slides/slide21.xml><?xml version="1.0" encoding="utf-8"?>
+<file path=ppt/slides/slide25.xml><?xml version="1.0" encoding="utf-8"?>
 <p:sld xmlns:a="http://schemas.openxmlformats.org/drawingml/2006/main" xmlns:r="http://schemas.openxmlformats.org/officeDocument/2006/relationships" xmlns:p="http://schemas.openxmlformats.org/presentationml/2006/main">
   <p:cSld>
     <p:spTree>
@@ -14169,8 +16636,8 @@
           </a:p>
         </p:txBody>
       </p:sp>
-      <mc:AlternateContent xmlns:mc="http://schemas.openxmlformats.org/markup-compatibility/2006">
-        <mc:Choice xmlns:a14="http://schemas.microsoft.com/office/drawing/2010/main" Requires="a14">
+      <mc:AlternateContent xmlns:mc="http://schemas.openxmlformats.org/markup-compatibility/2006" xmlns:a14="http://schemas.microsoft.com/office/drawing/2010/main">
+        <mc:Choice Requires="a14">
           <p:sp>
             <p:nvSpPr>
               <p:cNvPr id="3" name="Content Placeholder 2">
@@ -14543,16 +17010,7 @@
                                   </a:solidFill>
                                   <a:latin typeface="Cambria Math" panose="02040503050406030204" pitchFamily="18" charset="0"/>
                                 </a:rPr>
-                                <m:t>≥</m:t>
-                              </m:r>
-                              <m:r>
-                                <a:rPr lang="en-US" b="0" i="1" smtClean="0">
-                                  <a:solidFill>
-                                    <a:schemeClr val="tx1"/>
-                                  </a:solidFill>
-                                  <a:latin typeface="Cambria Math" panose="02040503050406030204" pitchFamily="18" charset="0"/>
-                                </a:rPr>
-                                <m:t>0)</m:t>
+                                <m:t>≥0)</m:t>
                               </m:r>
                             </m:sub>
                             <m:sup/>
@@ -15090,7 +17548,7 @@
             </p:txBody>
           </p:sp>
         </mc:Choice>
-        <mc:Fallback>
+        <mc:Fallback xmlns="">
           <p:sp>
             <p:nvSpPr>
               <p:cNvPr id="3" name="Content Placeholder 2">
@@ -15143,7 +17601,7 @@
 </p:sld>
 </file>
 
-<file path=ppt/slides/slide22.xml><?xml version="1.0" encoding="utf-8"?>
+<file path=ppt/slides/slide26.xml><?xml version="1.0" encoding="utf-8"?>
 <p:sld xmlns:a="http://schemas.openxmlformats.org/drawingml/2006/main" xmlns:r="http://schemas.openxmlformats.org/officeDocument/2006/relationships" xmlns:p="http://schemas.openxmlformats.org/presentationml/2006/main">
   <p:cSld>
     <p:spTree>
@@ -15162,10 +17620,10 @@
       </p:grpSpPr>
       <p:sp>
         <p:nvSpPr>
-          <p:cNvPr id="4" name="Title 3">
+          <p:cNvPr id="2" name="Title 1">
             <a:extLst>
               <a:ext uri="{FF2B5EF4-FFF2-40B4-BE49-F238E27FC236}">
-                <a16:creationId xmlns:a16="http://schemas.microsoft.com/office/drawing/2014/main" id="{A874D084-21E5-1E41-9FC5-755BC0AC4F53}"/>
+                <a16:creationId xmlns:a16="http://schemas.microsoft.com/office/drawing/2014/main" id="{90A6FB8E-6304-8B4C-9585-09FAA6A5BFD5}"/>
               </a:ext>
             </a:extLst>
           </p:cNvPr>
@@ -15181,19 +17639,16 @@
           <a:bodyPr/>
           <a:lstStyle/>
           <a:p>
-            <a:r>
-              <a:rPr lang="en-US" dirty="0"/>
-              <a:t>Non-Staggered / Uniform treatment time</a:t>
-            </a:r>
+            <a:endParaRPr lang="en-US"/>
           </a:p>
         </p:txBody>
       </p:sp>
       <p:sp>
         <p:nvSpPr>
-          <p:cNvPr id="5" name="Text Placeholder 4">
+          <p:cNvPr id="3" name="Content Placeholder 2">
             <a:extLst>
               <a:ext uri="{FF2B5EF4-FFF2-40B4-BE49-F238E27FC236}">
-                <a16:creationId xmlns:a16="http://schemas.microsoft.com/office/drawing/2014/main" id="{AD01BC9D-24E6-444C-B92A-395C40769A55}"/>
+                <a16:creationId xmlns:a16="http://schemas.microsoft.com/office/drawing/2014/main" id="{00770A96-A786-3542-A1E7-7B3ACEB78354}"/>
               </a:ext>
             </a:extLst>
           </p:cNvPr>
@@ -15201,7 +17656,7 @@
             <a:spLocks noGrp="1"/>
           </p:cNvSpPr>
           <p:nvPr>
-            <p:ph type="body" idx="1"/>
+            <p:ph idx="1"/>
           </p:nvPr>
         </p:nvSpPr>
         <p:spPr/>
@@ -15216,7 +17671,7 @@
     </p:spTree>
     <p:extLst>
       <p:ext uri="{BB962C8B-B14F-4D97-AF65-F5344CB8AC3E}">
-        <p14:creationId xmlns:p14="http://schemas.microsoft.com/office/powerpoint/2010/main" val="4156707747"/>
+        <p14:creationId xmlns:p14="http://schemas.microsoft.com/office/powerpoint/2010/main" val="2007499165"/>
       </p:ext>
     </p:extLst>
   </p:cSld>
@@ -15226,7 +17681,7 @@
 </p:sld>
 </file>
 
-<file path=ppt/slides/slide23.xml><?xml version="1.0" encoding="utf-8"?>
+<file path=ppt/slides/slide27.xml><?xml version="1.0" encoding="utf-8"?>
 <p:sld xmlns:a="http://schemas.openxmlformats.org/drawingml/2006/main" xmlns:r="http://schemas.openxmlformats.org/officeDocument/2006/relationships" xmlns:p="http://schemas.openxmlformats.org/presentationml/2006/main">
   <p:cSld>
     <p:spTree>
@@ -15309,7 +17764,7 @@
 </p:sld>
 </file>
 
-<file path=ppt/slides/slide24.xml><?xml version="1.0" encoding="utf-8"?>
+<file path=ppt/slides/slide28.xml><?xml version="1.0" encoding="utf-8"?>
 <p:sld xmlns:a="http://schemas.openxmlformats.org/drawingml/2006/main" xmlns:r="http://schemas.openxmlformats.org/officeDocument/2006/relationships" xmlns:p="http://schemas.openxmlformats.org/presentationml/2006/main">
   <p:cSld>
     <p:spTree>
@@ -15392,7 +17847,7 @@
 </p:sld>
 </file>
 
-<file path=ppt/slides/slide25.xml><?xml version="1.0" encoding="utf-8"?>
+<file path=ppt/slides/slide29.xml><?xml version="1.0" encoding="utf-8"?>
 <p:sld xmlns:a="http://schemas.openxmlformats.org/drawingml/2006/main" xmlns:r="http://schemas.openxmlformats.org/officeDocument/2006/relationships" xmlns:p="http://schemas.openxmlformats.org/presentationml/2006/main">
   <p:cSld>
     <p:spTree>
@@ -15475,89 +17930,6 @@
     <p:extLst>
       <p:ext uri="{BB962C8B-B14F-4D97-AF65-F5344CB8AC3E}">
         <p14:creationId xmlns:p14="http://schemas.microsoft.com/office/powerpoint/2010/main" val="2005521759"/>
-      </p:ext>
-    </p:extLst>
-  </p:cSld>
-  <p:clrMapOvr>
-    <a:masterClrMapping/>
-  </p:clrMapOvr>
-</p:sld>
-</file>
-
-<file path=ppt/slides/slide26.xml><?xml version="1.0" encoding="utf-8"?>
-<p:sld xmlns:a="http://schemas.openxmlformats.org/drawingml/2006/main" xmlns:r="http://schemas.openxmlformats.org/officeDocument/2006/relationships" xmlns:p="http://schemas.openxmlformats.org/presentationml/2006/main">
-  <p:cSld>
-    <p:spTree>
-      <p:nvGrpSpPr>
-        <p:cNvPr id="1" name=""/>
-        <p:cNvGrpSpPr/>
-        <p:nvPr/>
-      </p:nvGrpSpPr>
-      <p:grpSpPr>
-        <a:xfrm>
-          <a:off x="0" y="0"/>
-          <a:ext cx="0" cy="0"/>
-          <a:chOff x="0" y="0"/>
-          <a:chExt cx="0" cy="0"/>
-        </a:xfrm>
-      </p:grpSpPr>
-      <p:sp>
-        <p:nvSpPr>
-          <p:cNvPr id="4" name="Title 3">
-            <a:extLst>
-              <a:ext uri="{FF2B5EF4-FFF2-40B4-BE49-F238E27FC236}">
-                <a16:creationId xmlns:a16="http://schemas.microsoft.com/office/drawing/2014/main" id="{A874D084-21E5-1E41-9FC5-755BC0AC4F53}"/>
-              </a:ext>
-            </a:extLst>
-          </p:cNvPr>
-          <p:cNvSpPr>
-            <a:spLocks noGrp="1"/>
-          </p:cNvSpPr>
-          <p:nvPr>
-            <p:ph type="title"/>
-          </p:nvPr>
-        </p:nvSpPr>
-        <p:spPr/>
-        <p:txBody>
-          <a:bodyPr/>
-          <a:lstStyle/>
-          <a:p>
-            <a:r>
-              <a:rPr lang="en-US" dirty="0"/>
-              <a:t>Continuous treatments</a:t>
-            </a:r>
-          </a:p>
-        </p:txBody>
-      </p:sp>
-      <p:sp>
-        <p:nvSpPr>
-          <p:cNvPr id="5" name="Text Placeholder 4">
-            <a:extLst>
-              <a:ext uri="{FF2B5EF4-FFF2-40B4-BE49-F238E27FC236}">
-                <a16:creationId xmlns:a16="http://schemas.microsoft.com/office/drawing/2014/main" id="{AD01BC9D-24E6-444C-B92A-395C40769A55}"/>
-              </a:ext>
-            </a:extLst>
-          </p:cNvPr>
-          <p:cNvSpPr>
-            <a:spLocks noGrp="1"/>
-          </p:cNvSpPr>
-          <p:nvPr>
-            <p:ph type="body" idx="1"/>
-          </p:nvPr>
-        </p:nvSpPr>
-        <p:spPr/>
-        <p:txBody>
-          <a:bodyPr/>
-          <a:lstStyle/>
-          <a:p>
-            <a:endParaRPr lang="en-US"/>
-          </a:p>
-        </p:txBody>
-      </p:sp>
-    </p:spTree>
-    <p:extLst>
-      <p:ext uri="{BB962C8B-B14F-4D97-AF65-F5344CB8AC3E}">
-        <p14:creationId xmlns:p14="http://schemas.microsoft.com/office/powerpoint/2010/main" val="1705439481"/>
       </p:ext>
     </p:extLst>
   </p:cSld>
@@ -15680,6 +18052,89 @@
     <p:extLst>
       <p:ext uri="{BB962C8B-B14F-4D97-AF65-F5344CB8AC3E}">
         <p14:creationId xmlns:p14="http://schemas.microsoft.com/office/powerpoint/2010/main" val="314643715"/>
+      </p:ext>
+    </p:extLst>
+  </p:cSld>
+  <p:clrMapOvr>
+    <a:masterClrMapping/>
+  </p:clrMapOvr>
+</p:sld>
+</file>
+
+<file path=ppt/slides/slide30.xml><?xml version="1.0" encoding="utf-8"?>
+<p:sld xmlns:a="http://schemas.openxmlformats.org/drawingml/2006/main" xmlns:r="http://schemas.openxmlformats.org/officeDocument/2006/relationships" xmlns:p="http://schemas.openxmlformats.org/presentationml/2006/main">
+  <p:cSld>
+    <p:spTree>
+      <p:nvGrpSpPr>
+        <p:cNvPr id="1" name=""/>
+        <p:cNvGrpSpPr/>
+        <p:nvPr/>
+      </p:nvGrpSpPr>
+      <p:grpSpPr>
+        <a:xfrm>
+          <a:off x="0" y="0"/>
+          <a:ext cx="0" cy="0"/>
+          <a:chOff x="0" y="0"/>
+          <a:chExt cx="0" cy="0"/>
+        </a:xfrm>
+      </p:grpSpPr>
+      <p:sp>
+        <p:nvSpPr>
+          <p:cNvPr id="4" name="Title 3">
+            <a:extLst>
+              <a:ext uri="{FF2B5EF4-FFF2-40B4-BE49-F238E27FC236}">
+                <a16:creationId xmlns:a16="http://schemas.microsoft.com/office/drawing/2014/main" id="{A874D084-21E5-1E41-9FC5-755BC0AC4F53}"/>
+              </a:ext>
+            </a:extLst>
+          </p:cNvPr>
+          <p:cNvSpPr>
+            <a:spLocks noGrp="1"/>
+          </p:cNvSpPr>
+          <p:nvPr>
+            <p:ph type="title"/>
+          </p:nvPr>
+        </p:nvSpPr>
+        <p:spPr/>
+        <p:txBody>
+          <a:bodyPr/>
+          <a:lstStyle/>
+          <a:p>
+            <a:r>
+              <a:rPr lang="en-US" dirty="0"/>
+              <a:t>Continuous treatments</a:t>
+            </a:r>
+          </a:p>
+        </p:txBody>
+      </p:sp>
+      <p:sp>
+        <p:nvSpPr>
+          <p:cNvPr id="5" name="Text Placeholder 4">
+            <a:extLst>
+              <a:ext uri="{FF2B5EF4-FFF2-40B4-BE49-F238E27FC236}">
+                <a16:creationId xmlns:a16="http://schemas.microsoft.com/office/drawing/2014/main" id="{AD01BC9D-24E6-444C-B92A-395C40769A55}"/>
+              </a:ext>
+            </a:extLst>
+          </p:cNvPr>
+          <p:cNvSpPr>
+            <a:spLocks noGrp="1"/>
+          </p:cNvSpPr>
+          <p:nvPr>
+            <p:ph type="body" idx="1"/>
+          </p:nvPr>
+        </p:nvSpPr>
+        <p:spPr/>
+        <p:txBody>
+          <a:bodyPr/>
+          <a:lstStyle/>
+          <a:p>
+            <a:endParaRPr lang="en-US"/>
+          </a:p>
+        </p:txBody>
+      </p:sp>
+    </p:spTree>
+    <p:extLst>
+      <p:ext uri="{BB962C8B-B14F-4D97-AF65-F5344CB8AC3E}">
+        <p14:creationId xmlns:p14="http://schemas.microsoft.com/office/powerpoint/2010/main" val="1705439481"/>
       </p:ext>
     </p:extLst>
   </p:cSld>
@@ -15913,8 +18368,8 @@
           </a:p>
         </p:txBody>
       </p:sp>
-      <mc:AlternateContent xmlns:mc="http://schemas.openxmlformats.org/markup-compatibility/2006">
-        <mc:Choice xmlns:a14="http://schemas.microsoft.com/office/drawing/2010/main" Requires="a14">
+      <mc:AlternateContent xmlns:mc="http://schemas.openxmlformats.org/markup-compatibility/2006" xmlns:a14="http://schemas.microsoft.com/office/drawing/2010/main">
+        <mc:Choice Requires="a14">
           <p:sp>
             <p:nvSpPr>
               <p:cNvPr id="3" name="Content Placeholder 2">
@@ -16083,7 +18538,7 @@
                     <m:sSub>
                       <m:sSubPr>
                         <m:ctrlPr>
-                          <a:rPr lang="en-US" b="0" i="0" smtClean="0">
+                          <a:rPr lang="en-US" b="0" i="1" smtClean="0">
                             <a:latin typeface="Cambria Math" panose="02040503050406030204" pitchFamily="18" charset="0"/>
                           </a:rPr>
                         </m:ctrlPr>
@@ -16151,7 +18606,7 @@
                     <m:sSub>
                       <m:sSubPr>
                         <m:ctrlPr>
-                          <a:rPr lang="en-US" b="0" i="0" smtClean="0">
+                          <a:rPr lang="en-US" b="0" i="1" smtClean="0">
                             <a:latin typeface="Cambria Math" panose="02040503050406030204" pitchFamily="18" charset="0"/>
                           </a:rPr>
                         </m:ctrlPr>
@@ -16520,7 +18975,7 @@
             </p:txBody>
           </p:sp>
         </mc:Choice>
-        <mc:Fallback>
+        <mc:Fallback xmlns="">
           <p:sp>
             <p:nvSpPr>
               <p:cNvPr id="3" name="Content Placeholder 2">
@@ -16785,7 +19240,7 @@
                 </a14:m>
                 <a:r>
                   <a:rPr lang="en-US" dirty="0"/>
-                  <a:t> before and after treatment. </a:t>
+                  <a:t> before and after treatment. This compares across time.</a:t>
                 </a:r>
                 <a:endParaRPr lang="en-US" dirty="0">
                   <a:latin typeface="Cambria Math" panose="02040503050406030204" pitchFamily="18" charset="0"/>
@@ -16833,7 +19288,7 @@
                         <m:begChr m:val="["/>
                         <m:endChr m:val="]"/>
                         <m:ctrlPr>
-                          <a:rPr lang="en-US" b="0" i="0" smtClean="0">
+                          <a:rPr lang="en-US" b="0" i="1" smtClean="0">
                             <a:latin typeface="Cambria Math" panose="02040503050406030204" pitchFamily="18" charset="0"/>
                           </a:rPr>
                         </m:ctrlPr>
@@ -17114,7 +19569,7 @@
                 </a:r>
                 <a:r>
                   <a:rPr lang="en-US" dirty="0"/>
-                  <a:t>Among observations after treatment assignment, compare treatment and control.</a:t>
+                  <a:t>Among observations after treatment assignment, compare treatment and control. This compares across units.</a:t>
                 </a:r>
               </a:p>
               <a:p>
@@ -17284,13 +19739,7 @@
                           <a:rPr lang="en-US" b="0" i="1" smtClean="0">
                             <a:latin typeface="Cambria Math" panose="02040503050406030204" pitchFamily="18" charset="0"/>
                           </a:rPr>
-                          <m:t>≥</m:t>
-                        </m:r>
-                        <m:r>
-                          <a:rPr lang="en-US" b="0" i="1" smtClean="0">
-                            <a:latin typeface="Cambria Math" panose="02040503050406030204" pitchFamily="18" charset="0"/>
-                          </a:rPr>
-                          <m:t>0, </m:t>
+                          <m:t>≥0, </m:t>
                         </m:r>
                         <m:r>
                           <a:rPr lang="en-US" b="0" i="1" smtClean="0">
@@ -17458,13 +19907,13 @@
           <a:p>
             <a:r>
               <a:rPr lang="en-US" dirty="0"/>
-              <a:t>Solution to these comparisons</a:t>
+              <a:t>Instead, let’s compare across time and units</a:t>
             </a:r>
           </a:p>
         </p:txBody>
       </p:sp>
-      <mc:AlternateContent xmlns:mc="http://schemas.openxmlformats.org/markup-compatibility/2006">
-        <mc:Choice xmlns:a14="http://schemas.microsoft.com/office/drawing/2010/main" Requires="a14">
+      <mc:AlternateContent xmlns:mc="http://schemas.openxmlformats.org/markup-compatibility/2006" xmlns:a14="http://schemas.microsoft.com/office/drawing/2010/main">
+        <mc:Choice Requires="a14">
           <p:sp>
             <p:nvSpPr>
               <p:cNvPr id="3" name="Content Placeholder 2">
@@ -17922,7 +20371,7 @@
             </p:txBody>
           </p:sp>
         </mc:Choice>
-        <mc:Fallback>
+        <mc:Fallback xmlns="">
           <p:sp>
             <p:nvSpPr>
               <p:cNvPr id="3" name="Content Placeholder 2">
@@ -18025,8 +20474,8 @@
           </a:p>
         </p:txBody>
       </p:sp>
-      <mc:AlternateContent xmlns:mc="http://schemas.openxmlformats.org/markup-compatibility/2006">
-        <mc:Choice xmlns:a14="http://schemas.microsoft.com/office/drawing/2010/main" Requires="a14">
+      <mc:AlternateContent xmlns:mc="http://schemas.openxmlformats.org/markup-compatibility/2006" xmlns:a14="http://schemas.microsoft.com/office/drawing/2010/main">
+        <mc:Choice Requires="a14">
           <p:sp>
             <p:nvSpPr>
               <p:cNvPr id="3" name="Content Placeholder 2">
@@ -18298,7 +20747,7 @@
                         </a:solidFill>
                         <a:latin typeface="Cambria Math" panose="02040503050406030204" pitchFamily="18" charset="0"/>
                       </a:rPr>
-                      <m:t>-</m:t>
+                      <m:t>−</m:t>
                     </m:r>
                     <m:r>
                       <m:rPr>
@@ -18912,16 +21361,7 @@
                                 </a:solidFill>
                                 <a:latin typeface="Cambria Math" panose="02040503050406030204" pitchFamily="18" charset="0"/>
                               </a:rPr>
-                              <m:t>&lt;</m:t>
-                            </m:r>
-                            <m:r>
-                              <a:rPr lang="en-US" b="0" i="1" smtClean="0">
-                                <a:solidFill>
-                                  <a:schemeClr val="tx1"/>
-                                </a:solidFill>
-                                <a:latin typeface="Cambria Math" panose="02040503050406030204" pitchFamily="18" charset="0"/>
-                              </a:rPr>
-                              <m:t>0</m:t>
+                              <m:t>&lt;0</m:t>
                             </m:r>
                           </m:sub>
                         </m:sSub>
@@ -19070,16 +21510,7 @@
                                 </a:solidFill>
                                 <a:latin typeface="Cambria Math" panose="02040503050406030204" pitchFamily="18" charset="0"/>
                               </a:rPr>
-                              <m:t>&lt;</m:t>
-                            </m:r>
-                            <m:r>
-                              <a:rPr lang="en-US" b="0" i="1" smtClean="0">
-                                <a:solidFill>
-                                  <a:schemeClr val="tx1"/>
-                                </a:solidFill>
-                                <a:latin typeface="Cambria Math" panose="02040503050406030204" pitchFamily="18" charset="0"/>
-                              </a:rPr>
-                              <m:t>0 , </m:t>
+                              <m:t>&lt;0 , </m:t>
                             </m:r>
                             <m:r>
                               <a:rPr lang="en-US" b="0" i="1" smtClean="0">
@@ -19612,7 +22043,7 @@
             </p:txBody>
           </p:sp>
         </mc:Choice>
-        <mc:Fallback>
+        <mc:Fallback xmlns="">
           <p:sp>
             <p:nvSpPr>
               <p:cNvPr id="3" name="Content Placeholder 2">

--- a/Powerpoints/6 DiffnDiff (WIP).pptx
+++ b/Powerpoints/6 DiffnDiff (WIP).pptx
@@ -5,7 +5,7 @@
     <p:sldMasterId id="2147483648" r:id="rId1"/>
   </p:sldMasterIdLst>
   <p:notesMasterIdLst>
-    <p:notesMasterId r:id="rId55"/>
+    <p:notesMasterId r:id="rId57"/>
   </p:notesMasterIdLst>
   <p:sldIdLst>
     <p:sldId id="257" r:id="rId2"/>
@@ -32,35 +32,37 @@
     <p:sldId id="360" r:id="rId23"/>
     <p:sldId id="359" r:id="rId24"/>
     <p:sldId id="353" r:id="rId25"/>
-    <p:sldId id="356" r:id="rId26"/>
-    <p:sldId id="354" r:id="rId27"/>
-    <p:sldId id="317" r:id="rId28"/>
-    <p:sldId id="302" r:id="rId29"/>
-    <p:sldId id="307" r:id="rId30"/>
-    <p:sldId id="308" r:id="rId31"/>
-    <p:sldId id="309" r:id="rId32"/>
-    <p:sldId id="310" r:id="rId33"/>
-    <p:sldId id="311" r:id="rId34"/>
-    <p:sldId id="312" r:id="rId35"/>
-    <p:sldId id="313" r:id="rId36"/>
-    <p:sldId id="314" r:id="rId37"/>
-    <p:sldId id="315" r:id="rId38"/>
-    <p:sldId id="332" r:id="rId39"/>
-    <p:sldId id="329" r:id="rId40"/>
-    <p:sldId id="330" r:id="rId41"/>
-    <p:sldId id="331" r:id="rId42"/>
-    <p:sldId id="319" r:id="rId43"/>
-    <p:sldId id="316" r:id="rId44"/>
-    <p:sldId id="324" r:id="rId45"/>
-    <p:sldId id="325" r:id="rId46"/>
-    <p:sldId id="326" r:id="rId47"/>
-    <p:sldId id="327" r:id="rId48"/>
-    <p:sldId id="328" r:id="rId49"/>
-    <p:sldId id="333" r:id="rId50"/>
-    <p:sldId id="321" r:id="rId51"/>
-    <p:sldId id="322" r:id="rId52"/>
-    <p:sldId id="305" r:id="rId53"/>
-    <p:sldId id="323" r:id="rId54"/>
+    <p:sldId id="361" r:id="rId26"/>
+    <p:sldId id="362" r:id="rId27"/>
+    <p:sldId id="356" r:id="rId28"/>
+    <p:sldId id="354" r:id="rId29"/>
+    <p:sldId id="317" r:id="rId30"/>
+    <p:sldId id="302" r:id="rId31"/>
+    <p:sldId id="307" r:id="rId32"/>
+    <p:sldId id="308" r:id="rId33"/>
+    <p:sldId id="309" r:id="rId34"/>
+    <p:sldId id="310" r:id="rId35"/>
+    <p:sldId id="311" r:id="rId36"/>
+    <p:sldId id="312" r:id="rId37"/>
+    <p:sldId id="313" r:id="rId38"/>
+    <p:sldId id="314" r:id="rId39"/>
+    <p:sldId id="315" r:id="rId40"/>
+    <p:sldId id="332" r:id="rId41"/>
+    <p:sldId id="329" r:id="rId42"/>
+    <p:sldId id="330" r:id="rId43"/>
+    <p:sldId id="331" r:id="rId44"/>
+    <p:sldId id="319" r:id="rId45"/>
+    <p:sldId id="316" r:id="rId46"/>
+    <p:sldId id="324" r:id="rId47"/>
+    <p:sldId id="325" r:id="rId48"/>
+    <p:sldId id="326" r:id="rId49"/>
+    <p:sldId id="327" r:id="rId50"/>
+    <p:sldId id="328" r:id="rId51"/>
+    <p:sldId id="333" r:id="rId52"/>
+    <p:sldId id="321" r:id="rId53"/>
+    <p:sldId id="322" r:id="rId54"/>
+    <p:sldId id="305" r:id="rId55"/>
+    <p:sldId id="323" r:id="rId56"/>
   </p:sldIdLst>
   <p:sldSz cx="12192000" cy="6858000"/>
   <p:notesSz cx="6858000" cy="9144000"/>
@@ -249,7 +251,7 @@
           <a:p>
             <a:fld id="{BC90CB22-C839-6149-99A7-A90D8892B5C9}" type="datetimeFigureOut">
               <a:rPr lang="en-US" smtClean="0"/>
-              <a:t>10/20/22</a:t>
+              <a:t>10/24/22</a:t>
             </a:fld>
             <a:endParaRPr lang="en-US"/>
           </a:p>
@@ -600,7 +602,7 @@
           <a:p>
             <a:fld id="{34814EBF-23B0-C640-95FE-808FB0AFD5B4}" type="slidenum">
               <a:rPr lang="en-US" smtClean="0"/>
-              <a:t>37</a:t>
+              <a:t>39</a:t>
             </a:fld>
             <a:endParaRPr lang="en-US"/>
           </a:p>
@@ -723,7 +725,7 @@
           <a:p>
             <a:fld id="{34814EBF-23B0-C640-95FE-808FB0AFD5B4}" type="slidenum">
               <a:rPr lang="en-US" smtClean="0"/>
-              <a:t>40</a:t>
+              <a:t>42</a:t>
             </a:fld>
             <a:endParaRPr lang="en-US"/>
           </a:p>
@@ -889,7 +891,7 @@
           <a:p>
             <a:fld id="{6A51730C-A43A-674C-AA66-C618CC514046}" type="datetimeFigureOut">
               <a:rPr lang="en-US" smtClean="0"/>
-              <a:t>10/20/22</a:t>
+              <a:t>10/24/22</a:t>
             </a:fld>
             <a:endParaRPr lang="en-US"/>
           </a:p>
@@ -1087,7 +1089,7 @@
           <a:p>
             <a:fld id="{6A51730C-A43A-674C-AA66-C618CC514046}" type="datetimeFigureOut">
               <a:rPr lang="en-US" smtClean="0"/>
-              <a:t>10/20/22</a:t>
+              <a:t>10/24/22</a:t>
             </a:fld>
             <a:endParaRPr lang="en-US"/>
           </a:p>
@@ -1295,7 +1297,7 @@
           <a:p>
             <a:fld id="{6A51730C-A43A-674C-AA66-C618CC514046}" type="datetimeFigureOut">
               <a:rPr lang="en-US" smtClean="0"/>
-              <a:t>10/20/22</a:t>
+              <a:t>10/24/22</a:t>
             </a:fld>
             <a:endParaRPr lang="en-US"/>
           </a:p>
@@ -1493,7 +1495,7 @@
           <a:p>
             <a:fld id="{6A51730C-A43A-674C-AA66-C618CC514046}" type="datetimeFigureOut">
               <a:rPr lang="en-US" smtClean="0"/>
-              <a:t>10/20/22</a:t>
+              <a:t>10/24/22</a:t>
             </a:fld>
             <a:endParaRPr lang="en-US"/>
           </a:p>
@@ -1768,7 +1770,7 @@
           <a:p>
             <a:fld id="{6A51730C-A43A-674C-AA66-C618CC514046}" type="datetimeFigureOut">
               <a:rPr lang="en-US" smtClean="0"/>
-              <a:t>10/20/22</a:t>
+              <a:t>10/24/22</a:t>
             </a:fld>
             <a:endParaRPr lang="en-US"/>
           </a:p>
@@ -2033,7 +2035,7 @@
           <a:p>
             <a:fld id="{6A51730C-A43A-674C-AA66-C618CC514046}" type="datetimeFigureOut">
               <a:rPr lang="en-US" smtClean="0"/>
-              <a:t>10/20/22</a:t>
+              <a:t>10/24/22</a:t>
             </a:fld>
             <a:endParaRPr lang="en-US"/>
           </a:p>
@@ -2445,7 +2447,7 @@
           <a:p>
             <a:fld id="{6A51730C-A43A-674C-AA66-C618CC514046}" type="datetimeFigureOut">
               <a:rPr lang="en-US" smtClean="0"/>
-              <a:t>10/20/22</a:t>
+              <a:t>10/24/22</a:t>
             </a:fld>
             <a:endParaRPr lang="en-US"/>
           </a:p>
@@ -2586,7 +2588,7 @@
           <a:p>
             <a:fld id="{6A51730C-A43A-674C-AA66-C618CC514046}" type="datetimeFigureOut">
               <a:rPr lang="en-US" smtClean="0"/>
-              <a:t>10/20/22</a:t>
+              <a:t>10/24/22</a:t>
             </a:fld>
             <a:endParaRPr lang="en-US"/>
           </a:p>
@@ -2699,7 +2701,7 @@
           <a:p>
             <a:fld id="{6A51730C-A43A-674C-AA66-C618CC514046}" type="datetimeFigureOut">
               <a:rPr lang="en-US" smtClean="0"/>
-              <a:t>10/20/22</a:t>
+              <a:t>10/24/22</a:t>
             </a:fld>
             <a:endParaRPr lang="en-US"/>
           </a:p>
@@ -3010,7 +3012,7 @@
           <a:p>
             <a:fld id="{6A51730C-A43A-674C-AA66-C618CC514046}" type="datetimeFigureOut">
               <a:rPr lang="en-US" smtClean="0"/>
-              <a:t>10/20/22</a:t>
+              <a:t>10/24/22</a:t>
             </a:fld>
             <a:endParaRPr lang="en-US"/>
           </a:p>
@@ -3298,7 +3300,7 @@
           <a:p>
             <a:fld id="{6A51730C-A43A-674C-AA66-C618CC514046}" type="datetimeFigureOut">
               <a:rPr lang="en-US" smtClean="0"/>
-              <a:t>10/20/22</a:t>
+              <a:t>10/24/22</a:t>
             </a:fld>
             <a:endParaRPr lang="en-US"/>
           </a:p>
@@ -3539,7 +3541,7 @@
           <a:p>
             <a:fld id="{6A51730C-A43A-674C-AA66-C618CC514046}" type="datetimeFigureOut">
               <a:rPr lang="en-US" smtClean="0"/>
-              <a:t>10/20/22</a:t>
+              <a:t>10/24/22</a:t>
             </a:fld>
             <a:endParaRPr lang="en-US"/>
           </a:p>
@@ -4083,8 +4085,8 @@
           </a:p>
         </p:txBody>
       </p:sp>
-      <mc:AlternateContent xmlns:mc="http://schemas.openxmlformats.org/markup-compatibility/2006">
-        <mc:Choice xmlns:a14="http://schemas.microsoft.com/office/drawing/2010/main" Requires="a14">
+      <mc:AlternateContent xmlns:mc="http://schemas.openxmlformats.org/markup-compatibility/2006" xmlns:a14="http://schemas.microsoft.com/office/drawing/2010/main">
+        <mc:Choice Requires="a14">
           <p:sp>
             <p:nvSpPr>
               <p:cNvPr id="3" name="Content Placeholder 2">
@@ -4717,7 +4719,7 @@
             </p:txBody>
           </p:sp>
         </mc:Choice>
-        <mc:Fallback>
+        <mc:Fallback xmlns="">
           <p:sp>
             <p:nvSpPr>
               <p:cNvPr id="3" name="Content Placeholder 2">
@@ -4819,8 +4821,8 @@
           </a:p>
         </p:txBody>
       </p:sp>
-      <mc:AlternateContent xmlns:mc="http://schemas.openxmlformats.org/markup-compatibility/2006">
-        <mc:Choice xmlns:a14="http://schemas.microsoft.com/office/drawing/2010/main" Requires="a14">
+      <mc:AlternateContent xmlns:mc="http://schemas.openxmlformats.org/markup-compatibility/2006" xmlns:a14="http://schemas.microsoft.com/office/drawing/2010/main">
+        <mc:Choice Requires="a14">
           <p:sp>
             <p:nvSpPr>
               <p:cNvPr id="3" name="Content Placeholder 2">
@@ -5493,13 +5495,7 @@
                             <a:rPr lang="en-US" b="0" i="1" smtClean="0">
                               <a:latin typeface="Cambria Math" panose="02040503050406030204" pitchFamily="18" charset="0"/>
                             </a:rPr>
-                            <m:t>=</m:t>
-                          </m:r>
-                          <m:r>
-                            <a:rPr lang="en-US" b="0" i="1" smtClean="0">
-                              <a:latin typeface="Cambria Math" panose="02040503050406030204" pitchFamily="18" charset="0"/>
-                            </a:rPr>
-                            <m:t>0</m:t>
+                            <m:t>=0</m:t>
                           </m:r>
                         </m:e>
                       </m:d>
@@ -5594,13 +5590,7 @@
                             <a:rPr lang="en-US" b="0" i="1" smtClean="0">
                               <a:latin typeface="Cambria Math" panose="02040503050406030204" pitchFamily="18" charset="0"/>
                             </a:rPr>
-                            <m:t>=</m:t>
-                          </m:r>
-                          <m:r>
-                            <a:rPr lang="en-US" b="0" i="1" smtClean="0">
-                              <a:latin typeface="Cambria Math" panose="02040503050406030204" pitchFamily="18" charset="0"/>
-                            </a:rPr>
-                            <m:t>0</m:t>
+                            <m:t>=0</m:t>
                           </m:r>
                         </m:e>
                       </m:d>
@@ -6439,7 +6429,7 @@
             </p:txBody>
           </p:sp>
         </mc:Choice>
-        <mc:Fallback>
+        <mc:Fallback xmlns="">
           <p:sp>
             <p:nvSpPr>
               <p:cNvPr id="3" name="Content Placeholder 2">
@@ -6542,8 +6532,8 @@
           </a:p>
         </p:txBody>
       </p:sp>
-      <mc:AlternateContent xmlns:mc="http://schemas.openxmlformats.org/markup-compatibility/2006">
-        <mc:Choice xmlns:a14="http://schemas.microsoft.com/office/drawing/2010/main" Requires="a14">
+      <mc:AlternateContent xmlns:mc="http://schemas.openxmlformats.org/markup-compatibility/2006" xmlns:a14="http://schemas.microsoft.com/office/drawing/2010/main">
+        <mc:Choice Requires="a14">
           <p:sp>
             <p:nvSpPr>
               <p:cNvPr id="3" name="Content Placeholder 2">
@@ -7476,7 +7466,7 @@
             </p:txBody>
           </p:sp>
         </mc:Choice>
-        <mc:Fallback>
+        <mc:Fallback xmlns="">
           <p:sp>
             <p:nvSpPr>
               <p:cNvPr id="3" name="Content Placeholder 2">
@@ -7579,8 +7569,8 @@
           </a:p>
         </p:txBody>
       </p:sp>
-      <mc:AlternateContent xmlns:mc="http://schemas.openxmlformats.org/markup-compatibility/2006">
-        <mc:Choice xmlns:a14="http://schemas.microsoft.com/office/drawing/2010/main" Requires="a14">
+      <mc:AlternateContent xmlns:mc="http://schemas.openxmlformats.org/markup-compatibility/2006" xmlns:a14="http://schemas.microsoft.com/office/drawing/2010/main">
+        <mc:Choice Requires="a14">
           <p:sp>
             <p:nvSpPr>
               <p:cNvPr id="3" name="Content Placeholder 2">
@@ -8034,7 +8024,7 @@
             </p:txBody>
           </p:sp>
         </mc:Choice>
-        <mc:Fallback>
+        <mc:Fallback xmlns="">
           <p:sp>
             <p:nvSpPr>
               <p:cNvPr id="3" name="Content Placeholder 2">
@@ -9744,8 +9734,8 @@
           </a:p>
         </p:txBody>
       </p:sp>
-      <mc:AlternateContent xmlns:mc="http://schemas.openxmlformats.org/markup-compatibility/2006">
-        <mc:Choice xmlns:a14="http://schemas.microsoft.com/office/drawing/2010/main" Requires="a14">
+      <mc:AlternateContent xmlns:mc="http://schemas.openxmlformats.org/markup-compatibility/2006" xmlns:a14="http://schemas.microsoft.com/office/drawing/2010/main">
+        <mc:Choice Requires="a14">
           <p:sp>
             <p:nvSpPr>
               <p:cNvPr id="3" name="Content Placeholder 2">
@@ -10201,7 +10191,7 @@
             </p:txBody>
           </p:sp>
         </mc:Choice>
-        <mc:Fallback>
+        <mc:Fallback xmlns="">
           <p:sp>
             <p:nvSpPr>
               <p:cNvPr id="3" name="Content Placeholder 2">
@@ -10299,8 +10289,8 @@
           </a:p>
         </p:txBody>
       </p:sp>
-      <mc:AlternateContent xmlns:mc="http://schemas.openxmlformats.org/markup-compatibility/2006">
-        <mc:Choice xmlns:a14="http://schemas.microsoft.com/office/drawing/2010/main" Requires="a14">
+      <mc:AlternateContent xmlns:mc="http://schemas.openxmlformats.org/markup-compatibility/2006" xmlns:a14="http://schemas.microsoft.com/office/drawing/2010/main">
+        <mc:Choice Requires="a14">
           <p:sp>
             <p:nvSpPr>
               <p:cNvPr id="3" name="Content Placeholder 2">
@@ -10629,7 +10619,7 @@
             </p:txBody>
           </p:sp>
         </mc:Choice>
-        <mc:Fallback>
+        <mc:Fallback xmlns="">
           <p:sp>
             <p:nvSpPr>
               <p:cNvPr id="3" name="Content Placeholder 2">
@@ -11317,8 +11307,8 @@
           </p:style>
         </p:cxnSp>
       </p:grpSp>
-      <mc:AlternateContent xmlns:mc="http://schemas.openxmlformats.org/markup-compatibility/2006">
-        <mc:Choice xmlns:a14="http://schemas.microsoft.com/office/drawing/2010/main" Requires="a14">
+      <mc:AlternateContent xmlns:mc="http://schemas.openxmlformats.org/markup-compatibility/2006" xmlns:a14="http://schemas.microsoft.com/office/drawing/2010/main">
+        <mc:Choice Requires="a14">
           <p:sp>
             <p:nvSpPr>
               <p:cNvPr id="10" name="TextBox 9">
@@ -11372,7 +11362,7 @@
             </p:txBody>
           </p:sp>
         </mc:Choice>
-        <mc:Fallback>
+        <mc:Fallback xmlns="">
           <p:sp>
             <p:nvSpPr>
               <p:cNvPr id="10" name="TextBox 9">
@@ -11417,8 +11407,8 @@
           </p:sp>
         </mc:Fallback>
       </mc:AlternateContent>
-      <mc:AlternateContent xmlns:mc="http://schemas.openxmlformats.org/markup-compatibility/2006">
-        <mc:Choice xmlns:a14="http://schemas.microsoft.com/office/drawing/2010/main" Requires="a14">
+      <mc:AlternateContent xmlns:mc="http://schemas.openxmlformats.org/markup-compatibility/2006" xmlns:a14="http://schemas.microsoft.com/office/drawing/2010/main">
+        <mc:Choice Requires="a14">
           <p:sp>
             <p:nvSpPr>
               <p:cNvPr id="11" name="TextBox 10">
@@ -11472,7 +11462,7 @@
             </p:txBody>
           </p:sp>
         </mc:Choice>
-        <mc:Fallback>
+        <mc:Fallback xmlns="">
           <p:sp>
             <p:nvSpPr>
               <p:cNvPr id="11" name="TextBox 10">
@@ -11517,8 +11507,8 @@
           </p:sp>
         </mc:Fallback>
       </mc:AlternateContent>
-      <mc:AlternateContent xmlns:mc="http://schemas.openxmlformats.org/markup-compatibility/2006">
-        <mc:Choice xmlns:a14="http://schemas.microsoft.com/office/drawing/2010/main" Requires="a14">
+      <mc:AlternateContent xmlns:mc="http://schemas.openxmlformats.org/markup-compatibility/2006" xmlns:a14="http://schemas.microsoft.com/office/drawing/2010/main">
+        <mc:Choice Requires="a14">
           <p:sp>
             <p:nvSpPr>
               <p:cNvPr id="12" name="TextBox 11">
@@ -11585,7 +11575,7 @@
             </p:txBody>
           </p:sp>
         </mc:Choice>
-        <mc:Fallback>
+        <mc:Fallback xmlns="">
           <p:sp>
             <p:nvSpPr>
               <p:cNvPr id="12" name="TextBox 11">
@@ -11772,8 +11762,8 @@
               </p:style>
             </p:cxnSp>
           </p:grpSp>
-          <mc:AlternateContent xmlns:mc="http://schemas.openxmlformats.org/markup-compatibility/2006">
-            <mc:Choice xmlns:a14="http://schemas.microsoft.com/office/drawing/2010/main" Requires="a14">
+          <mc:AlternateContent xmlns:mc="http://schemas.openxmlformats.org/markup-compatibility/2006" xmlns:a14="http://schemas.microsoft.com/office/drawing/2010/main">
+            <mc:Choice Requires="a14">
               <p:sp>
                 <p:nvSpPr>
                   <p:cNvPr id="28" name="TextBox 27">
@@ -11811,7 +11801,7 @@
                         <m:sSub>
                           <m:sSubPr>
                             <m:ctrlPr>
-                              <a:rPr lang="en-US" b="0" i="0" dirty="0" smtClean="0">
+                              <a:rPr lang="en-US" b="0" i="1" dirty="0" smtClean="0">
                                 <a:latin typeface="Cambria Math" panose="02040503050406030204" pitchFamily="18" charset="0"/>
                               </a:rPr>
                             </m:ctrlPr>
@@ -11858,7 +11848,7 @@
                 </p:txBody>
               </p:sp>
             </mc:Choice>
-            <mc:Fallback>
+            <mc:Fallback xmlns="">
               <p:sp>
                 <p:nvSpPr>
                   <p:cNvPr id="28" name="TextBox 27">
@@ -11964,8 +11954,8 @@
             <a:chExt cx="6211957" cy="1931487"/>
           </a:xfrm>
         </p:grpSpPr>
-        <mc:AlternateContent xmlns:mc="http://schemas.openxmlformats.org/markup-compatibility/2006">
-          <mc:Choice xmlns:a14="http://schemas.microsoft.com/office/drawing/2010/main" Requires="a14">
+        <mc:AlternateContent xmlns:mc="http://schemas.openxmlformats.org/markup-compatibility/2006" xmlns:a14="http://schemas.microsoft.com/office/drawing/2010/main">
+          <mc:Choice Requires="a14">
             <p:sp>
               <p:nvSpPr>
                 <p:cNvPr id="33" name="TextBox 32">
@@ -12021,7 +12011,7 @@
                       <m:sSub>
                         <m:sSubPr>
                           <m:ctrlPr>
-                            <a:rPr lang="en-US" b="0" i="0" dirty="0" smtClean="0">
+                            <a:rPr lang="en-US" b="0" i="1" dirty="0" smtClean="0">
                               <a:latin typeface="Cambria Math" panose="02040503050406030204" pitchFamily="18" charset="0"/>
                             </a:rPr>
                           </m:ctrlPr>
@@ -12068,7 +12058,7 @@
               </p:txBody>
             </p:sp>
           </mc:Choice>
-          <mc:Fallback>
+          <mc:Fallback xmlns="">
             <p:sp>
               <p:nvSpPr>
                 <p:cNvPr id="33" name="TextBox 32">
@@ -12348,8 +12338,8 @@
           </a:p>
         </p:txBody>
       </p:sp>
-      <mc:AlternateContent xmlns:mc="http://schemas.openxmlformats.org/markup-compatibility/2006">
-        <mc:Choice xmlns:a14="http://schemas.microsoft.com/office/drawing/2010/main" Requires="a14">
+      <mc:AlternateContent xmlns:mc="http://schemas.openxmlformats.org/markup-compatibility/2006" xmlns:a14="http://schemas.microsoft.com/office/drawing/2010/main">
+        <mc:Choice Requires="a14">
           <p:sp>
             <p:nvSpPr>
               <p:cNvPr id="3" name="Content Placeholder 2">
@@ -12983,7 +12973,7 @@
             </p:txBody>
           </p:sp>
         </mc:Choice>
-        <mc:Fallback>
+        <mc:Fallback xmlns="">
           <p:sp>
             <p:nvSpPr>
               <p:cNvPr id="3" name="Content Placeholder 2">
@@ -13081,8 +13071,8 @@
           </a:p>
         </p:txBody>
       </p:sp>
-      <mc:AlternateContent xmlns:mc="http://schemas.openxmlformats.org/markup-compatibility/2006">
-        <mc:Choice xmlns:a14="http://schemas.microsoft.com/office/drawing/2010/main" Requires="a14">
+      <mc:AlternateContent xmlns:mc="http://schemas.openxmlformats.org/markup-compatibility/2006" xmlns:a14="http://schemas.microsoft.com/office/drawing/2010/main">
+        <mc:Choice Requires="a14">
           <p:sp>
             <p:nvSpPr>
               <p:cNvPr id="3" name="Content Placeholder 2">
@@ -13113,7 +13103,7 @@
                     <m:d>
                       <m:dPr>
                         <m:ctrlPr>
-                          <a:rPr lang="en-US" b="0" i="0" dirty="0" smtClean="0">
+                          <a:rPr lang="en-US" b="0" i="1" dirty="0" smtClean="0">
                             <a:latin typeface="Cambria Math" panose="02040503050406030204" pitchFamily="18" charset="0"/>
                           </a:rPr>
                         </m:ctrlPr>
@@ -13496,7 +13486,7 @@
             </p:txBody>
           </p:sp>
         </mc:Choice>
-        <mc:Fallback>
+        <mc:Fallback xmlns="">
           <p:sp>
             <p:nvSpPr>
               <p:cNvPr id="3" name="Content Placeholder 2">
@@ -13594,60 +13584,157 @@
           </a:p>
         </p:txBody>
       </p:sp>
-      <p:sp>
-        <p:nvSpPr>
-          <p:cNvPr id="3" name="Content Placeholder 2">
-            <a:extLst>
-              <a:ext uri="{FF2B5EF4-FFF2-40B4-BE49-F238E27FC236}">
-                <a16:creationId xmlns:a16="http://schemas.microsoft.com/office/drawing/2014/main" id="{DB4F8C17-DBDC-CBA0-58E1-87ECE7DF7129}"/>
-              </a:ext>
-            </a:extLst>
-          </p:cNvPr>
-          <p:cNvSpPr>
-            <a:spLocks noGrp="1"/>
-          </p:cNvSpPr>
-          <p:nvPr>
-            <p:ph idx="1"/>
-          </p:nvPr>
-        </p:nvSpPr>
-        <p:spPr/>
-        <p:txBody>
-          <a:bodyPr/>
-          <a:lstStyle/>
-          <a:p>
-            <a:r>
-              <a:rPr lang="en-US" dirty="0"/>
-              <a:t>We want to have a data-driven way of identifying the ideal control group.</a:t>
-            </a:r>
-          </a:p>
-          <a:p>
-            <a:r>
-              <a:rPr lang="en-US" dirty="0"/>
-              <a:t>Since </a:t>
-            </a:r>
-            <a:r>
-              <a:rPr lang="en-US" dirty="0" err="1"/>
-              <a:t>DiD</a:t>
-            </a:r>
-            <a:r>
-              <a:rPr lang="en-US" dirty="0"/>
-              <a:t> uses all the control units in our data, we may find ourselves on a time-consuming and likely non-rigorous data-mining exercise to find units that pass the parallel trends test.</a:t>
-            </a:r>
-          </a:p>
-          <a:p>
-            <a:r>
-              <a:rPr lang="en-US" dirty="0"/>
-              <a:t>SC identifies the relevant control units and how important they are.</a:t>
-            </a:r>
-          </a:p>
-          <a:p>
-            <a:endParaRPr lang="en-US" dirty="0"/>
-          </a:p>
-          <a:p>
-            <a:endParaRPr lang="en-US" dirty="0"/>
-          </a:p>
-        </p:txBody>
-      </p:sp>
+      <mc:AlternateContent xmlns:mc="http://schemas.openxmlformats.org/markup-compatibility/2006" xmlns:a14="http://schemas.microsoft.com/office/drawing/2010/main">
+        <mc:Choice Requires="a14">
+          <p:sp>
+            <p:nvSpPr>
+              <p:cNvPr id="3" name="Content Placeholder 2">
+                <a:extLst>
+                  <a:ext uri="{FF2B5EF4-FFF2-40B4-BE49-F238E27FC236}">
+                    <a16:creationId xmlns:a16="http://schemas.microsoft.com/office/drawing/2014/main" id="{DB4F8C17-DBDC-CBA0-58E1-87ECE7DF7129}"/>
+                  </a:ext>
+                </a:extLst>
+              </p:cNvPr>
+              <p:cNvSpPr>
+                <a:spLocks noGrp="1"/>
+              </p:cNvSpPr>
+              <p:nvPr>
+                <p:ph idx="1"/>
+              </p:nvPr>
+            </p:nvSpPr>
+            <p:spPr/>
+            <p:txBody>
+              <a:bodyPr/>
+              <a:lstStyle/>
+              <a:p>
+                <a:r>
+                  <a:rPr lang="en-US" dirty="0"/>
+                  <a:t>We want to have a data-driven way of identifying the ideal control group.</a:t>
+                </a:r>
+              </a:p>
+              <a:p>
+                <a:r>
+                  <a:rPr lang="en-US" dirty="0"/>
+                  <a:t>Since </a:t>
+                </a:r>
+                <a:r>
+                  <a:rPr lang="en-US" dirty="0" err="1"/>
+                  <a:t>DiD</a:t>
+                </a:r>
+                <a:r>
+                  <a:rPr lang="en-US" dirty="0"/>
+                  <a:t> uses all the control units in our data, we may find ourselves on a time-consuming and likely non-rigorous data-mining exercise to find units that pass the parallel trends test.</a:t>
+                </a:r>
+              </a:p>
+              <a:p>
+                <a:r>
+                  <a:rPr lang="en-US" dirty="0"/>
+                  <a:t>SC models have different approaches to identify the relevant control units and how important they are.</a:t>
+                </a:r>
+              </a:p>
+              <a:p>
+                <a:r>
+                  <a:rPr lang="en-US" dirty="0"/>
+                  <a:t>We will now go over two models that place more and less restrictions on estimating </a:t>
+                </a:r>
+                <a14:m>
+                  <m:oMath xmlns:m="http://schemas.openxmlformats.org/officeDocument/2006/math">
+                    <m:sSub>
+                      <m:sSubPr>
+                        <m:ctrlPr>
+                          <a:rPr lang="en-US" i="1" smtClean="0">
+                            <a:latin typeface="Cambria Math" panose="02040503050406030204" pitchFamily="18" charset="0"/>
+                          </a:rPr>
+                        </m:ctrlPr>
+                      </m:sSubPr>
+                      <m:e>
+                        <m:r>
+                          <a:rPr lang="en-US" b="0" i="1" smtClean="0">
+                            <a:latin typeface="Cambria Math" panose="02040503050406030204" pitchFamily="18" charset="0"/>
+                          </a:rPr>
+                          <m:t>(</m:t>
+                        </m:r>
+                        <m:r>
+                          <a:rPr lang="en-US" b="0" i="1" smtClean="0">
+                            <a:latin typeface="Cambria Math" panose="02040503050406030204" pitchFamily="18" charset="0"/>
+                          </a:rPr>
+                          <m:t>𝜇</m:t>
+                        </m:r>
+                        <m:r>
+                          <a:rPr lang="en-US" b="0" i="1" smtClean="0">
+                            <a:latin typeface="Cambria Math" panose="02040503050406030204" pitchFamily="18" charset="0"/>
+                          </a:rPr>
+                          <m:t>,</m:t>
+                        </m:r>
+                        <m:r>
+                          <a:rPr lang="en-US" i="1">
+                            <a:latin typeface="Cambria Math" panose="02040503050406030204" pitchFamily="18" charset="0"/>
+                          </a:rPr>
+                          <m:t>𝜔</m:t>
+                        </m:r>
+                      </m:e>
+                      <m:sub>
+                        <m:r>
+                          <a:rPr lang="en-US" i="1">
+                            <a:latin typeface="Cambria Math" panose="02040503050406030204" pitchFamily="18" charset="0"/>
+                          </a:rPr>
+                          <m:t>𝑖</m:t>
+                        </m:r>
+                      </m:sub>
+                    </m:sSub>
+                    <m:r>
+                      <a:rPr lang="en-US" b="0" i="1" smtClean="0">
+                        <a:latin typeface="Cambria Math" panose="02040503050406030204" pitchFamily="18" charset="0"/>
+                      </a:rPr>
+                      <m:t>)</m:t>
+                    </m:r>
+                  </m:oMath>
+                </a14:m>
+                <a:endParaRPr lang="en-US" dirty="0"/>
+              </a:p>
+            </p:txBody>
+          </p:sp>
+        </mc:Choice>
+        <mc:Fallback xmlns="">
+          <p:sp>
+            <p:nvSpPr>
+              <p:cNvPr id="3" name="Content Placeholder 2">
+                <a:extLst>
+                  <a:ext uri="{FF2B5EF4-FFF2-40B4-BE49-F238E27FC236}">
+                    <a16:creationId xmlns:a16="http://schemas.microsoft.com/office/drawing/2014/main" id="{DB4F8C17-DBDC-CBA0-58E1-87ECE7DF7129}"/>
+                  </a:ext>
+                </a:extLst>
+              </p:cNvPr>
+              <p:cNvSpPr>
+                <a:spLocks noGrp="1" noRot="1" noChangeAspect="1" noMove="1" noResize="1" noEditPoints="1" noAdjustHandles="1" noChangeArrowheads="1" noChangeShapeType="1" noTextEdit="1"/>
+              </p:cNvSpPr>
+              <p:nvPr>
+                <p:ph idx="1"/>
+              </p:nvPr>
+            </p:nvSpPr>
+            <p:spPr>
+              <a:blipFill>
+                <a:blip r:embed="rId2"/>
+                <a:stretch>
+                  <a:fillRect l="-1086" t="-2326" r="-965"/>
+                </a:stretch>
+              </a:blipFill>
+            </p:spPr>
+            <p:txBody>
+              <a:bodyPr/>
+              <a:lstStyle/>
+              <a:p>
+                <a:r>
+                  <a:rPr lang="en-US">
+                    <a:noFill/>
+                  </a:rPr>
+                  <a:t> </a:t>
+                </a:r>
+              </a:p>
+            </p:txBody>
+          </p:sp>
+        </mc:Fallback>
+      </mc:AlternateContent>
     </p:spTree>
     <p:extLst>
       <p:ext uri="{BB962C8B-B14F-4D97-AF65-F5344CB8AC3E}">
@@ -13701,7 +13788,7 @@
           <a:p>
             <a:r>
               <a:rPr lang="en-US" dirty="0"/>
-              <a:t>Estimating SC – Abadie, Diamond, </a:t>
+              <a:t>Abadie, Diamond, </a:t>
             </a:r>
             <a:r>
               <a:rPr lang="en-US" dirty="0" err="1"/>
@@ -13714,31 +13801,335 @@
           </a:p>
         </p:txBody>
       </p:sp>
-      <p:sp>
-        <p:nvSpPr>
-          <p:cNvPr id="3" name="Content Placeholder 2">
-            <a:extLst>
-              <a:ext uri="{FF2B5EF4-FFF2-40B4-BE49-F238E27FC236}">
-                <a16:creationId xmlns:a16="http://schemas.microsoft.com/office/drawing/2014/main" id="{77370F68-B8F4-4156-795B-117B4E517A00}"/>
-              </a:ext>
-            </a:extLst>
-          </p:cNvPr>
-          <p:cNvSpPr>
-            <a:spLocks noGrp="1"/>
-          </p:cNvSpPr>
-          <p:nvPr>
-            <p:ph idx="1"/>
-          </p:nvPr>
-        </p:nvSpPr>
-        <p:spPr/>
-        <p:txBody>
-          <a:bodyPr/>
-          <a:lstStyle/>
-          <a:p>
-            <a:endParaRPr lang="en-US"/>
-          </a:p>
-        </p:txBody>
-      </p:sp>
+      <mc:AlternateContent xmlns:mc="http://schemas.openxmlformats.org/markup-compatibility/2006">
+        <mc:Choice xmlns:a14="http://schemas.microsoft.com/office/drawing/2010/main" Requires="a14">
+          <p:sp>
+            <p:nvSpPr>
+              <p:cNvPr id="3" name="Content Placeholder 2">
+                <a:extLst>
+                  <a:ext uri="{FF2B5EF4-FFF2-40B4-BE49-F238E27FC236}">
+                    <a16:creationId xmlns:a16="http://schemas.microsoft.com/office/drawing/2014/main" id="{77370F68-B8F4-4156-795B-117B4E517A00}"/>
+                  </a:ext>
+                </a:extLst>
+              </p:cNvPr>
+              <p:cNvSpPr>
+                <a:spLocks noGrp="1"/>
+              </p:cNvSpPr>
+              <p:nvPr>
+                <p:ph idx="1"/>
+              </p:nvPr>
+            </p:nvSpPr>
+            <p:spPr/>
+            <p:txBody>
+              <a:bodyPr/>
+              <a:lstStyle/>
+              <a:p>
+                <a:r>
+                  <a:rPr lang="en-US" dirty="0"/>
+                  <a:t>This is a more restrictive approach to estimating the weights </a:t>
+                </a:r>
+                <a14:m>
+                  <m:oMath xmlns:m="http://schemas.openxmlformats.org/officeDocument/2006/math">
+                    <m:r>
+                      <a:rPr lang="en-US" b="0" i="0" dirty="0" smtClean="0">
+                        <a:latin typeface="Cambria Math" panose="02040503050406030204" pitchFamily="18" charset="0"/>
+                      </a:rPr>
+                      <m:t>(</m:t>
+                    </m:r>
+                    <m:r>
+                      <a:rPr lang="en-US" b="0" i="1" dirty="0" smtClean="0">
+                        <a:latin typeface="Cambria Math" panose="02040503050406030204" pitchFamily="18" charset="0"/>
+                      </a:rPr>
+                      <m:t>𝜇</m:t>
+                    </m:r>
+                    <m:r>
+                      <a:rPr lang="en-US" b="0" i="1" dirty="0" smtClean="0">
+                        <a:latin typeface="Cambria Math" panose="02040503050406030204" pitchFamily="18" charset="0"/>
+                      </a:rPr>
+                      <m:t>,</m:t>
+                    </m:r>
+                    <m:sSub>
+                      <m:sSubPr>
+                        <m:ctrlPr>
+                          <a:rPr lang="en-US" i="1">
+                            <a:latin typeface="Cambria Math" panose="02040503050406030204" pitchFamily="18" charset="0"/>
+                          </a:rPr>
+                        </m:ctrlPr>
+                      </m:sSubPr>
+                      <m:e>
+                        <m:r>
+                          <a:rPr lang="en-US" i="1">
+                            <a:latin typeface="Cambria Math" panose="02040503050406030204" pitchFamily="18" charset="0"/>
+                          </a:rPr>
+                          <m:t>𝜔</m:t>
+                        </m:r>
+                      </m:e>
+                      <m:sub>
+                        <m:r>
+                          <a:rPr lang="en-US" i="1">
+                            <a:latin typeface="Cambria Math" panose="02040503050406030204" pitchFamily="18" charset="0"/>
+                          </a:rPr>
+                          <m:t>𝑖</m:t>
+                        </m:r>
+                      </m:sub>
+                    </m:sSub>
+                    <m:r>
+                      <a:rPr lang="en-US" b="0" i="1" smtClean="0">
+                        <a:latin typeface="Cambria Math" panose="02040503050406030204" pitchFamily="18" charset="0"/>
+                      </a:rPr>
+                      <m:t>)</m:t>
+                    </m:r>
+                  </m:oMath>
+                </a14:m>
+                <a:r>
+                  <a:rPr lang="en-US" dirty="0"/>
+                  <a:t>. These restrictions allow us to find a unique solution for </a:t>
+                </a:r>
+                <a14:m>
+                  <m:oMath xmlns:m="http://schemas.openxmlformats.org/officeDocument/2006/math">
+                    <m:d>
+                      <m:dPr>
+                        <m:ctrlPr>
+                          <a:rPr lang="en-US" i="1" dirty="0">
+                            <a:latin typeface="Cambria Math" panose="02040503050406030204" pitchFamily="18" charset="0"/>
+                          </a:rPr>
+                        </m:ctrlPr>
+                      </m:dPr>
+                      <m:e>
+                        <m:r>
+                          <a:rPr lang="en-US" i="1" dirty="0">
+                            <a:latin typeface="Cambria Math" panose="02040503050406030204" pitchFamily="18" charset="0"/>
+                          </a:rPr>
+                          <m:t>𝜇</m:t>
+                        </m:r>
+                        <m:r>
+                          <a:rPr lang="en-US" i="1" dirty="0">
+                            <a:latin typeface="Cambria Math" panose="02040503050406030204" pitchFamily="18" charset="0"/>
+                          </a:rPr>
+                          <m:t>,</m:t>
+                        </m:r>
+                        <m:sSub>
+                          <m:sSubPr>
+                            <m:ctrlPr>
+                              <a:rPr lang="en-US" i="1">
+                                <a:latin typeface="Cambria Math" panose="02040503050406030204" pitchFamily="18" charset="0"/>
+                              </a:rPr>
+                            </m:ctrlPr>
+                          </m:sSubPr>
+                          <m:e>
+                            <m:r>
+                              <a:rPr lang="en-US" i="1">
+                                <a:latin typeface="Cambria Math" panose="02040503050406030204" pitchFamily="18" charset="0"/>
+                              </a:rPr>
+                              <m:t>𝜔</m:t>
+                            </m:r>
+                          </m:e>
+                          <m:sub>
+                            <m:r>
+                              <a:rPr lang="en-US" i="1">
+                                <a:latin typeface="Cambria Math" panose="02040503050406030204" pitchFamily="18" charset="0"/>
+                              </a:rPr>
+                              <m:t>𝑖</m:t>
+                            </m:r>
+                          </m:sub>
+                        </m:sSub>
+                      </m:e>
+                    </m:d>
+                  </m:oMath>
+                </a14:m>
+                <a:r>
+                  <a:rPr lang="en-US" dirty="0"/>
+                  <a:t> to predict pre-trends.</a:t>
+                </a:r>
+              </a:p>
+              <a:p>
+                <a:r>
+                  <a:rPr lang="en-US" dirty="0"/>
+                  <a:t>Our restrictions are (1) </a:t>
+                </a:r>
+                <a14:m>
+                  <m:oMath xmlns:m="http://schemas.openxmlformats.org/officeDocument/2006/math">
+                    <m:r>
+                      <a:rPr lang="en-US" b="0" i="1" dirty="0" smtClean="0">
+                        <a:latin typeface="Cambria Math" panose="02040503050406030204" pitchFamily="18" charset="0"/>
+                      </a:rPr>
+                      <m:t>𝜇</m:t>
+                    </m:r>
+                    <m:r>
+                      <a:rPr lang="en-US" b="0" i="1" dirty="0" smtClean="0">
+                        <a:latin typeface="Cambria Math" panose="02040503050406030204" pitchFamily="18" charset="0"/>
+                      </a:rPr>
+                      <m:t>=0</m:t>
+                    </m:r>
+                  </m:oMath>
+                </a14:m>
+                <a:r>
+                  <a:rPr lang="en-US" dirty="0"/>
+                  <a:t>; (2) </a:t>
+                </a:r>
+                <a14:m>
+                  <m:oMath xmlns:m="http://schemas.openxmlformats.org/officeDocument/2006/math">
+                    <m:sSub>
+                      <m:sSubPr>
+                        <m:ctrlPr>
+                          <a:rPr lang="en-US" i="1" smtClean="0">
+                            <a:latin typeface="Cambria Math" panose="02040503050406030204" pitchFamily="18" charset="0"/>
+                          </a:rPr>
+                        </m:ctrlPr>
+                      </m:sSubPr>
+                      <m:e>
+                        <m:r>
+                          <a:rPr lang="en-US" i="1">
+                            <a:latin typeface="Cambria Math" panose="02040503050406030204" pitchFamily="18" charset="0"/>
+                          </a:rPr>
+                          <m:t>𝜔</m:t>
+                        </m:r>
+                      </m:e>
+                      <m:sub>
+                        <m:r>
+                          <a:rPr lang="en-US" i="1">
+                            <a:latin typeface="Cambria Math" panose="02040503050406030204" pitchFamily="18" charset="0"/>
+                          </a:rPr>
+                          <m:t>𝑖</m:t>
+                        </m:r>
+                      </m:sub>
+                    </m:sSub>
+                    <m:r>
+                      <a:rPr lang="en-US" b="0" i="1" smtClean="0">
+                        <a:latin typeface="Cambria Math" panose="02040503050406030204" pitchFamily="18" charset="0"/>
+                      </a:rPr>
+                      <m:t>&gt;0</m:t>
+                    </m:r>
+                  </m:oMath>
+                </a14:m>
+                <a:r>
+                  <a:rPr lang="en-US" dirty="0"/>
+                  <a:t>; and (3) </a:t>
+                </a:r>
+                <a14:m>
+                  <m:oMath xmlns:m="http://schemas.openxmlformats.org/officeDocument/2006/math">
+                    <m:nary>
+                      <m:naryPr>
+                        <m:chr m:val="∑"/>
+                        <m:supHide m:val="on"/>
+                        <m:ctrlPr>
+                          <a:rPr lang="en-US" b="0" i="1" smtClean="0">
+                            <a:latin typeface="Cambria Math" panose="02040503050406030204" pitchFamily="18" charset="0"/>
+                          </a:rPr>
+                        </m:ctrlPr>
+                      </m:naryPr>
+                      <m:sub>
+                        <m:r>
+                          <a:rPr lang="en-US" b="0" i="1" smtClean="0">
+                            <a:latin typeface="Cambria Math" panose="02040503050406030204" pitchFamily="18" charset="0"/>
+                          </a:rPr>
+                          <m:t>𝑖</m:t>
+                        </m:r>
+                      </m:sub>
+                      <m:sup/>
+                      <m:e>
+                        <m:sSub>
+                          <m:sSubPr>
+                            <m:ctrlPr>
+                              <a:rPr lang="en-US" b="0" i="1" smtClean="0">
+                                <a:latin typeface="Cambria Math" panose="02040503050406030204" pitchFamily="18" charset="0"/>
+                              </a:rPr>
+                            </m:ctrlPr>
+                          </m:sSubPr>
+                          <m:e>
+                            <m:r>
+                              <a:rPr lang="en-US" b="0" i="1" smtClean="0">
+                                <a:latin typeface="Cambria Math" panose="02040503050406030204" pitchFamily="18" charset="0"/>
+                              </a:rPr>
+                              <m:t>𝜔</m:t>
+                            </m:r>
+                          </m:e>
+                          <m:sub>
+                            <m:r>
+                              <a:rPr lang="en-US" b="0" i="1" smtClean="0">
+                                <a:latin typeface="Cambria Math" panose="02040503050406030204" pitchFamily="18" charset="0"/>
+                              </a:rPr>
+                              <m:t>𝑖</m:t>
+                            </m:r>
+                          </m:sub>
+                        </m:sSub>
+                      </m:e>
+                    </m:nary>
+                    <m:r>
+                      <a:rPr lang="en-US" b="0" i="1" smtClean="0">
+                        <a:latin typeface="Cambria Math" panose="02040503050406030204" pitchFamily="18" charset="0"/>
+                      </a:rPr>
+                      <m:t>=1</m:t>
+                    </m:r>
+                  </m:oMath>
+                </a14:m>
+                <a:r>
+                  <a:rPr lang="en-US" dirty="0"/>
+                  <a:t>.</a:t>
+                </a:r>
+              </a:p>
+              <a:p>
+                <a:r>
+                  <a:rPr lang="en-US" dirty="0"/>
+                  <a:t>These restrictions mean that only a few units will have strictly positive weights, giving us a more interpretable result. </a:t>
+                </a:r>
+              </a:p>
+              <a:p>
+                <a:pPr lvl="1"/>
+                <a:r>
+                  <a:rPr lang="en-US" dirty="0"/>
+                  <a:t>For example, we can find that out of 100 stores, only three stores are needed to predict the outcome of the treated store.</a:t>
+                </a:r>
+              </a:p>
+              <a:p>
+                <a:pPr marL="0" indent="0">
+                  <a:buNone/>
+                </a:pPr>
+                <a:endParaRPr lang="en-US" dirty="0"/>
+              </a:p>
+            </p:txBody>
+          </p:sp>
+        </mc:Choice>
+        <mc:Fallback>
+          <p:sp>
+            <p:nvSpPr>
+              <p:cNvPr id="3" name="Content Placeholder 2">
+                <a:extLst>
+                  <a:ext uri="{FF2B5EF4-FFF2-40B4-BE49-F238E27FC236}">
+                    <a16:creationId xmlns:a16="http://schemas.microsoft.com/office/drawing/2014/main" id="{77370F68-B8F4-4156-795B-117B4E517A00}"/>
+                  </a:ext>
+                </a:extLst>
+              </p:cNvPr>
+              <p:cNvSpPr>
+                <a:spLocks noGrp="1" noRot="1" noChangeAspect="1" noMove="1" noResize="1" noEditPoints="1" noAdjustHandles="1" noChangeArrowheads="1" noChangeShapeType="1" noTextEdit="1"/>
+              </p:cNvSpPr>
+              <p:nvPr>
+                <p:ph idx="1"/>
+              </p:nvPr>
+            </p:nvSpPr>
+            <p:spPr>
+              <a:blipFill>
+                <a:blip r:embed="rId2"/>
+                <a:stretch>
+                  <a:fillRect l="-1086" t="-2326" r="-1689"/>
+                </a:stretch>
+              </a:blipFill>
+            </p:spPr>
+            <p:txBody>
+              <a:bodyPr/>
+              <a:lstStyle/>
+              <a:p>
+                <a:r>
+                  <a:rPr lang="en-US">
+                    <a:noFill/>
+                  </a:rPr>
+                  <a:t> </a:t>
+                </a:r>
+              </a:p>
+            </p:txBody>
+          </p:sp>
+        </mc:Fallback>
+      </mc:AlternateContent>
     </p:spTree>
     <p:extLst>
       <p:ext uri="{BB962C8B-B14F-4D97-AF65-F5344CB8AC3E}">
@@ -13753,6 +14144,677 @@
 </file>
 
 <file path=ppt/slides/slide25.xml><?xml version="1.0" encoding="utf-8"?>
+<p:sld xmlns:a="http://schemas.openxmlformats.org/drawingml/2006/main" xmlns:r="http://schemas.openxmlformats.org/officeDocument/2006/relationships" xmlns:p="http://schemas.openxmlformats.org/presentationml/2006/main">
+  <p:cSld>
+    <p:spTree>
+      <p:nvGrpSpPr>
+        <p:cNvPr id="1" name=""/>
+        <p:cNvGrpSpPr/>
+        <p:nvPr/>
+      </p:nvGrpSpPr>
+      <p:grpSpPr>
+        <a:xfrm>
+          <a:off x="0" y="0"/>
+          <a:ext cx="0" cy="0"/>
+          <a:chOff x="0" y="0"/>
+          <a:chExt cx="0" cy="0"/>
+        </a:xfrm>
+      </p:grpSpPr>
+      <p:sp>
+        <p:nvSpPr>
+          <p:cNvPr id="2" name="Title 1">
+            <a:extLst>
+              <a:ext uri="{FF2B5EF4-FFF2-40B4-BE49-F238E27FC236}">
+                <a16:creationId xmlns:a16="http://schemas.microsoft.com/office/drawing/2014/main" id="{95526AFE-DF7F-1E9E-C100-517887E372D0}"/>
+              </a:ext>
+            </a:extLst>
+          </p:cNvPr>
+          <p:cNvSpPr>
+            <a:spLocks noGrp="1"/>
+          </p:cNvSpPr>
+          <p:nvPr>
+            <p:ph type="title"/>
+          </p:nvPr>
+        </p:nvSpPr>
+        <p:spPr/>
+        <p:txBody>
+          <a:bodyPr/>
+          <a:lstStyle/>
+          <a:p>
+            <a:r>
+              <a:rPr lang="en-US" dirty="0" err="1"/>
+              <a:t>Doudchenko</a:t>
+            </a:r>
+            <a:r>
+              <a:rPr lang="en-US" dirty="0"/>
+              <a:t> and </a:t>
+            </a:r>
+            <a:r>
+              <a:rPr lang="en-US" dirty="0" err="1"/>
+              <a:t>Imbens</a:t>
+            </a:r>
+            <a:r>
+              <a:rPr lang="en-US" dirty="0"/>
+              <a:t> 2016 – DI </a:t>
+            </a:r>
+          </a:p>
+        </p:txBody>
+      </p:sp>
+      <mc:AlternateContent xmlns:mc="http://schemas.openxmlformats.org/markup-compatibility/2006">
+        <mc:Choice xmlns:a14="http://schemas.microsoft.com/office/drawing/2010/main" Requires="a14">
+          <p:sp>
+            <p:nvSpPr>
+              <p:cNvPr id="3" name="Content Placeholder 2">
+                <a:extLst>
+                  <a:ext uri="{FF2B5EF4-FFF2-40B4-BE49-F238E27FC236}">
+                    <a16:creationId xmlns:a16="http://schemas.microsoft.com/office/drawing/2014/main" id="{5F9E89DB-1EFD-2BD4-322B-942D7B2BDE50}"/>
+                  </a:ext>
+                </a:extLst>
+              </p:cNvPr>
+              <p:cNvSpPr>
+                <a:spLocks noGrp="1"/>
+              </p:cNvSpPr>
+              <p:nvPr>
+                <p:ph idx="1"/>
+              </p:nvPr>
+            </p:nvSpPr>
+            <p:spPr/>
+            <p:txBody>
+              <a:bodyPr/>
+              <a:lstStyle/>
+              <a:p>
+                <a:r>
+                  <a:rPr lang="en-US" dirty="0"/>
+                  <a:t>A less restrictive SC model uses cross-validation with an elastic net regression to allow a more flexible way of estimating </a:t>
+                </a:r>
+                <a14:m>
+                  <m:oMath xmlns:m="http://schemas.openxmlformats.org/officeDocument/2006/math">
+                    <m:d>
+                      <m:dPr>
+                        <m:ctrlPr>
+                          <a:rPr lang="en-US" i="1" dirty="0" smtClean="0">
+                            <a:latin typeface="Cambria Math" panose="02040503050406030204" pitchFamily="18" charset="0"/>
+                          </a:rPr>
+                        </m:ctrlPr>
+                      </m:dPr>
+                      <m:e>
+                        <m:r>
+                          <a:rPr lang="en-US" i="1" dirty="0">
+                            <a:latin typeface="Cambria Math" panose="02040503050406030204" pitchFamily="18" charset="0"/>
+                          </a:rPr>
+                          <m:t>𝜇</m:t>
+                        </m:r>
+                        <m:r>
+                          <a:rPr lang="en-US" i="1" dirty="0">
+                            <a:latin typeface="Cambria Math" panose="02040503050406030204" pitchFamily="18" charset="0"/>
+                          </a:rPr>
+                          <m:t>,</m:t>
+                        </m:r>
+                        <m:sSub>
+                          <m:sSubPr>
+                            <m:ctrlPr>
+                              <a:rPr lang="en-US" i="1">
+                                <a:latin typeface="Cambria Math" panose="02040503050406030204" pitchFamily="18" charset="0"/>
+                              </a:rPr>
+                            </m:ctrlPr>
+                          </m:sSubPr>
+                          <m:e>
+                            <m:r>
+                              <a:rPr lang="en-US" i="1">
+                                <a:latin typeface="Cambria Math" panose="02040503050406030204" pitchFamily="18" charset="0"/>
+                              </a:rPr>
+                              <m:t>𝜔</m:t>
+                            </m:r>
+                          </m:e>
+                          <m:sub>
+                            <m:r>
+                              <a:rPr lang="en-US" i="1">
+                                <a:latin typeface="Cambria Math" panose="02040503050406030204" pitchFamily="18" charset="0"/>
+                              </a:rPr>
+                              <m:t>𝑖</m:t>
+                            </m:r>
+                          </m:sub>
+                        </m:sSub>
+                      </m:e>
+                    </m:d>
+                  </m:oMath>
+                </a14:m>
+                <a:r>
+                  <a:rPr lang="en-US" dirty="0"/>
+                  <a:t>.</a:t>
+                </a:r>
+              </a:p>
+              <a:p>
+                <a:r>
+                  <a:rPr lang="en-US" dirty="0"/>
+                  <a:t>Compared to ADH:</a:t>
+                </a:r>
+              </a:p>
+              <a:p>
+                <a:pPr marL="514350" indent="-514350">
+                  <a:buFont typeface="+mj-lt"/>
+                  <a:buAutoNum type="arabicPeriod"/>
+                </a:pPr>
+                <a:r>
+                  <a:rPr lang="en-US" dirty="0"/>
+                  <a:t>DI allows for </a:t>
+                </a:r>
+                <a14:m>
+                  <m:oMath xmlns:m="http://schemas.openxmlformats.org/officeDocument/2006/math">
+                    <m:r>
+                      <a:rPr lang="en-US" b="0" i="1" dirty="0" smtClean="0">
+                        <a:latin typeface="Cambria Math" panose="02040503050406030204" pitchFamily="18" charset="0"/>
+                      </a:rPr>
+                      <m:t>𝜇</m:t>
+                    </m:r>
+                  </m:oMath>
+                </a14:m>
+                <a:r>
+                  <a:rPr lang="en-US" dirty="0"/>
+                  <a:t> to take on any value, allowing us to predict the trend of a treatment unit that is outside the range of other control units (</a:t>
+                </a:r>
+                <a:r>
+                  <a:rPr lang="en-US" dirty="0" err="1"/>
+                  <a:t>ie</a:t>
+                </a:r>
+                <a:r>
+                  <a:rPr lang="en-US" dirty="0"/>
+                  <a:t>, stores with the lowest or highest sales); and</a:t>
+                </a:r>
+              </a:p>
+              <a:p>
+                <a:pPr marL="514350" indent="-514350">
+                  <a:buFont typeface="+mj-lt"/>
+                  <a:buAutoNum type="arabicPeriod"/>
+                </a:pPr>
+                <a14:m>
+                  <m:oMath xmlns:m="http://schemas.openxmlformats.org/officeDocument/2006/math">
+                    <m:sSub>
+                      <m:sSubPr>
+                        <m:ctrlPr>
+                          <a:rPr lang="en-US" b="0" i="1" dirty="0" smtClean="0">
+                            <a:latin typeface="Cambria Math" panose="02040503050406030204" pitchFamily="18" charset="0"/>
+                          </a:rPr>
+                        </m:ctrlPr>
+                      </m:sSubPr>
+                      <m:e>
+                        <m:r>
+                          <a:rPr lang="en-US" b="0" i="1" dirty="0" smtClean="0">
+                            <a:latin typeface="Cambria Math" panose="02040503050406030204" pitchFamily="18" charset="0"/>
+                          </a:rPr>
+                          <m:t>𝜔</m:t>
+                        </m:r>
+                      </m:e>
+                      <m:sub>
+                        <m:r>
+                          <a:rPr lang="en-US" b="0" i="1" dirty="0" smtClean="0">
+                            <a:latin typeface="Cambria Math" panose="02040503050406030204" pitchFamily="18" charset="0"/>
+                          </a:rPr>
+                          <m:t>𝑖</m:t>
+                        </m:r>
+                      </m:sub>
+                    </m:sSub>
+                  </m:oMath>
+                </a14:m>
+                <a:r>
+                  <a:rPr lang="en-US" dirty="0"/>
+                  <a:t> can be positive or negative, and do not necessarily need to add up to one. This allows additional precision to estimating the pre-trend.</a:t>
+                </a:r>
+              </a:p>
+              <a:p>
+                <a:endParaRPr lang="en-US" dirty="0"/>
+              </a:p>
+            </p:txBody>
+          </p:sp>
+        </mc:Choice>
+        <mc:Fallback>
+          <p:sp>
+            <p:nvSpPr>
+              <p:cNvPr id="3" name="Content Placeholder 2">
+                <a:extLst>
+                  <a:ext uri="{FF2B5EF4-FFF2-40B4-BE49-F238E27FC236}">
+                    <a16:creationId xmlns:a16="http://schemas.microsoft.com/office/drawing/2014/main" id="{5F9E89DB-1EFD-2BD4-322B-942D7B2BDE50}"/>
+                  </a:ext>
+                </a:extLst>
+              </p:cNvPr>
+              <p:cNvSpPr>
+                <a:spLocks noGrp="1" noRot="1" noChangeAspect="1" noMove="1" noResize="1" noEditPoints="1" noAdjustHandles="1" noChangeArrowheads="1" noChangeShapeType="1" noTextEdit="1"/>
+              </p:cNvSpPr>
+              <p:nvPr>
+                <p:ph idx="1"/>
+              </p:nvPr>
+            </p:nvSpPr>
+            <p:spPr>
+              <a:blipFill>
+                <a:blip r:embed="rId2"/>
+                <a:stretch>
+                  <a:fillRect l="-1206" t="-2326" r="-1327"/>
+                </a:stretch>
+              </a:blipFill>
+            </p:spPr>
+            <p:txBody>
+              <a:bodyPr/>
+              <a:lstStyle/>
+              <a:p>
+                <a:r>
+                  <a:rPr lang="en-US">
+                    <a:noFill/>
+                  </a:rPr>
+                  <a:t> </a:t>
+                </a:r>
+              </a:p>
+            </p:txBody>
+          </p:sp>
+        </mc:Fallback>
+      </mc:AlternateContent>
+    </p:spTree>
+    <p:extLst>
+      <p:ext uri="{BB962C8B-B14F-4D97-AF65-F5344CB8AC3E}">
+        <p14:creationId xmlns:p14="http://schemas.microsoft.com/office/powerpoint/2010/main" val="22557769"/>
+      </p:ext>
+    </p:extLst>
+  </p:cSld>
+  <p:clrMapOvr>
+    <a:masterClrMapping/>
+  </p:clrMapOvr>
+</p:sld>
+</file>
+
+<file path=ppt/slides/slide26.xml><?xml version="1.0" encoding="utf-8"?>
+<p:sld xmlns:a="http://schemas.openxmlformats.org/drawingml/2006/main" xmlns:r="http://schemas.openxmlformats.org/officeDocument/2006/relationships" xmlns:p="http://schemas.openxmlformats.org/presentationml/2006/main">
+  <p:cSld>
+    <p:spTree>
+      <p:nvGrpSpPr>
+        <p:cNvPr id="1" name=""/>
+        <p:cNvGrpSpPr/>
+        <p:nvPr/>
+      </p:nvGrpSpPr>
+      <p:grpSpPr>
+        <a:xfrm>
+          <a:off x="0" y="0"/>
+          <a:ext cx="0" cy="0"/>
+          <a:chOff x="0" y="0"/>
+          <a:chExt cx="0" cy="0"/>
+        </a:xfrm>
+      </p:grpSpPr>
+      <p:sp>
+        <p:nvSpPr>
+          <p:cNvPr id="2" name="Title 1">
+            <a:extLst>
+              <a:ext uri="{FF2B5EF4-FFF2-40B4-BE49-F238E27FC236}">
+                <a16:creationId xmlns:a16="http://schemas.microsoft.com/office/drawing/2014/main" id="{8D581354-28B2-92F4-69C1-63159DB2279C}"/>
+              </a:ext>
+            </a:extLst>
+          </p:cNvPr>
+          <p:cNvSpPr>
+            <a:spLocks noGrp="1"/>
+          </p:cNvSpPr>
+          <p:nvPr>
+            <p:ph type="title"/>
+          </p:nvPr>
+        </p:nvSpPr>
+        <p:spPr/>
+        <p:txBody>
+          <a:bodyPr/>
+          <a:lstStyle/>
+          <a:p>
+            <a:r>
+              <a:rPr lang="en-US" dirty="0"/>
+              <a:t>How does inference work?</a:t>
+            </a:r>
+          </a:p>
+        </p:txBody>
+      </p:sp>
+      <mc:AlternateContent xmlns:mc="http://schemas.openxmlformats.org/markup-compatibility/2006">
+        <mc:Choice xmlns:a14="http://schemas.microsoft.com/office/drawing/2010/main" Requires="a14">
+          <p:sp>
+            <p:nvSpPr>
+              <p:cNvPr id="3" name="Content Placeholder 2">
+                <a:extLst>
+                  <a:ext uri="{FF2B5EF4-FFF2-40B4-BE49-F238E27FC236}">
+                    <a16:creationId xmlns:a16="http://schemas.microsoft.com/office/drawing/2014/main" id="{F7097B67-9A3D-C2EB-7C6B-402C42DD0180}"/>
+                  </a:ext>
+                </a:extLst>
+              </p:cNvPr>
+              <p:cNvSpPr>
+                <a:spLocks noGrp="1"/>
+              </p:cNvSpPr>
+              <p:nvPr>
+                <p:ph idx="1"/>
+              </p:nvPr>
+            </p:nvSpPr>
+            <p:spPr/>
+            <p:txBody>
+              <a:bodyPr/>
+              <a:lstStyle/>
+              <a:p>
+                <a:r>
+                  <a:rPr lang="en-US" dirty="0"/>
+                  <a:t>Once we have a set of estimates </a:t>
+                </a:r>
+                <a14:m>
+                  <m:oMath xmlns:m="http://schemas.openxmlformats.org/officeDocument/2006/math">
+                    <m:d>
+                      <m:dPr>
+                        <m:ctrlPr>
+                          <a:rPr lang="en-US" i="1" dirty="0" smtClean="0">
+                            <a:latin typeface="Cambria Math" panose="02040503050406030204" pitchFamily="18" charset="0"/>
+                          </a:rPr>
+                        </m:ctrlPr>
+                      </m:dPr>
+                      <m:e>
+                        <m:r>
+                          <a:rPr lang="en-US" i="1" dirty="0">
+                            <a:latin typeface="Cambria Math" panose="02040503050406030204" pitchFamily="18" charset="0"/>
+                          </a:rPr>
+                          <m:t>𝜇</m:t>
+                        </m:r>
+                        <m:r>
+                          <a:rPr lang="en-US" i="1" dirty="0">
+                            <a:latin typeface="Cambria Math" panose="02040503050406030204" pitchFamily="18" charset="0"/>
+                          </a:rPr>
+                          <m:t>,</m:t>
+                        </m:r>
+                        <m:sSub>
+                          <m:sSubPr>
+                            <m:ctrlPr>
+                              <a:rPr lang="en-US" i="1">
+                                <a:latin typeface="Cambria Math" panose="02040503050406030204" pitchFamily="18" charset="0"/>
+                              </a:rPr>
+                            </m:ctrlPr>
+                          </m:sSubPr>
+                          <m:e>
+                            <m:r>
+                              <a:rPr lang="en-US" i="1">
+                                <a:latin typeface="Cambria Math" panose="02040503050406030204" pitchFamily="18" charset="0"/>
+                              </a:rPr>
+                              <m:t>𝜔</m:t>
+                            </m:r>
+                          </m:e>
+                          <m:sub>
+                            <m:r>
+                              <a:rPr lang="en-US" i="1">
+                                <a:latin typeface="Cambria Math" panose="02040503050406030204" pitchFamily="18" charset="0"/>
+                              </a:rPr>
+                              <m:t>𝑖</m:t>
+                            </m:r>
+                          </m:sub>
+                        </m:sSub>
+                      </m:e>
+                    </m:d>
+                  </m:oMath>
+                </a14:m>
+                <a:r>
+                  <a:rPr lang="en-US" dirty="0"/>
+                  <a:t>, we can estimate the treatment effect on the treated:</a:t>
+                </a:r>
+              </a:p>
+              <a:p>
+                <a:pPr marL="0" indent="0">
+                  <a:buNone/>
+                </a:pPr>
+                <a14:m>
+                  <m:oMathPara xmlns:m="http://schemas.openxmlformats.org/officeDocument/2006/math">
+                    <m:oMathParaPr>
+                      <m:jc m:val="centerGroup"/>
+                    </m:oMathParaPr>
+                    <m:oMath xmlns:m="http://schemas.openxmlformats.org/officeDocument/2006/math">
+                      <m:r>
+                        <a:rPr lang="en-US" b="0" i="1" dirty="0" smtClean="0">
+                          <a:latin typeface="Cambria Math" panose="02040503050406030204" pitchFamily="18" charset="0"/>
+                        </a:rPr>
+                        <m:t>𝜏</m:t>
+                      </m:r>
+                      <m:r>
+                        <a:rPr lang="en-US" b="0" i="1" dirty="0" smtClean="0">
+                          <a:latin typeface="Cambria Math" panose="02040503050406030204" pitchFamily="18" charset="0"/>
+                        </a:rPr>
+                        <m:t>=</m:t>
+                      </m:r>
+                      <m:nary>
+                        <m:naryPr>
+                          <m:chr m:val="∑"/>
+                          <m:supHide m:val="on"/>
+                          <m:ctrlPr>
+                            <a:rPr lang="en-US" b="0" i="1" dirty="0" smtClean="0">
+                              <a:latin typeface="Cambria Math" panose="02040503050406030204" pitchFamily="18" charset="0"/>
+                            </a:rPr>
+                          </m:ctrlPr>
+                        </m:naryPr>
+                        <m:sub>
+                          <m:r>
+                            <a:rPr lang="en-US" b="0" i="1" dirty="0" smtClean="0">
+                              <a:latin typeface="Cambria Math" panose="02040503050406030204" pitchFamily="18" charset="0"/>
+                            </a:rPr>
+                            <m:t>𝑡</m:t>
+                          </m:r>
+                          <m:r>
+                            <a:rPr lang="en-US" b="0" i="1" dirty="0" smtClean="0">
+                              <a:latin typeface="Cambria Math" panose="02040503050406030204" pitchFamily="18" charset="0"/>
+                            </a:rPr>
+                            <m:t>”≥0</m:t>
+                          </m:r>
+                        </m:sub>
+                        <m:sup/>
+                        <m:e>
+                          <m:sSub>
+                            <m:sSubPr>
+                              <m:ctrlPr>
+                                <a:rPr lang="en-US" b="0" i="1" dirty="0" smtClean="0">
+                                  <a:latin typeface="Cambria Math" panose="02040503050406030204" pitchFamily="18" charset="0"/>
+                                </a:rPr>
+                              </m:ctrlPr>
+                            </m:sSubPr>
+                            <m:e>
+                              <m:r>
+                                <a:rPr lang="en-US" b="0" i="1" dirty="0" smtClean="0">
+                                  <a:latin typeface="Cambria Math" panose="02040503050406030204" pitchFamily="18" charset="0"/>
+                                </a:rPr>
+                                <m:t>𝑌</m:t>
+                              </m:r>
+                            </m:e>
+                            <m:sub>
+                              <m:r>
+                                <a:rPr lang="en-US" b="0" i="1" dirty="0" smtClean="0">
+                                  <a:latin typeface="Cambria Math" panose="02040503050406030204" pitchFamily="18" charset="0"/>
+                                </a:rPr>
+                                <m:t>0</m:t>
+                              </m:r>
+                              <m:r>
+                                <a:rPr lang="en-US" b="0" i="1" dirty="0" smtClean="0">
+                                  <a:latin typeface="Cambria Math" panose="02040503050406030204" pitchFamily="18" charset="0"/>
+                                </a:rPr>
+                                <m:t>𝑡</m:t>
+                              </m:r>
+                              <m:r>
+                                <a:rPr lang="en-US" b="0" i="1" dirty="0" smtClean="0">
+                                  <a:latin typeface="Cambria Math" panose="02040503050406030204" pitchFamily="18" charset="0"/>
+                                </a:rPr>
+                                <m:t>”</m:t>
+                              </m:r>
+                            </m:sub>
+                          </m:sSub>
+                          <m:r>
+                            <a:rPr lang="en-US" b="0" i="1" dirty="0" smtClean="0">
+                              <a:latin typeface="Cambria Math" panose="02040503050406030204" pitchFamily="18" charset="0"/>
+                            </a:rPr>
+                            <m:t>(1)</m:t>
+                          </m:r>
+                        </m:e>
+                      </m:nary>
+                      <m:r>
+                        <a:rPr lang="en-US" b="0" i="1" dirty="0" smtClean="0">
+                          <a:latin typeface="Cambria Math" panose="02040503050406030204" pitchFamily="18" charset="0"/>
+                        </a:rPr>
+                        <m:t>−</m:t>
+                      </m:r>
+                      <m:nary>
+                        <m:naryPr>
+                          <m:chr m:val="∑"/>
+                          <m:supHide m:val="on"/>
+                          <m:ctrlPr>
+                            <a:rPr lang="en-US" b="0" i="1" dirty="0" smtClean="0">
+                              <a:latin typeface="Cambria Math" panose="02040503050406030204" pitchFamily="18" charset="0"/>
+                            </a:rPr>
+                          </m:ctrlPr>
+                        </m:naryPr>
+                        <m:sub>
+                          <m:r>
+                            <a:rPr lang="en-US" b="0" i="1" dirty="0" smtClean="0">
+                              <a:latin typeface="Cambria Math" panose="02040503050406030204" pitchFamily="18" charset="0"/>
+                            </a:rPr>
+                            <m:t>𝑡</m:t>
+                          </m:r>
+                          <m:r>
+                            <a:rPr lang="en-US" b="0" i="1" dirty="0" smtClean="0">
+                              <a:latin typeface="Cambria Math" panose="02040503050406030204" pitchFamily="18" charset="0"/>
+                            </a:rPr>
+                            <m:t>”≥0</m:t>
+                          </m:r>
+                        </m:sub>
+                        <m:sup/>
+                        <m:e>
+                          <m:acc>
+                            <m:accPr>
+                              <m:chr m:val="̂"/>
+                              <m:ctrlPr>
+                                <a:rPr lang="en-US" b="0" i="1" dirty="0" smtClean="0">
+                                  <a:latin typeface="Cambria Math" panose="02040503050406030204" pitchFamily="18" charset="0"/>
+                                </a:rPr>
+                              </m:ctrlPr>
+                            </m:accPr>
+                            <m:e>
+                              <m:sSub>
+                                <m:sSubPr>
+                                  <m:ctrlPr>
+                                    <a:rPr lang="en-US" i="1" dirty="0">
+                                      <a:latin typeface="Cambria Math" panose="02040503050406030204" pitchFamily="18" charset="0"/>
+                                    </a:rPr>
+                                  </m:ctrlPr>
+                                </m:sSubPr>
+                                <m:e>
+                                  <m:r>
+                                    <a:rPr lang="en-US" i="1" dirty="0">
+                                      <a:latin typeface="Cambria Math" panose="02040503050406030204" pitchFamily="18" charset="0"/>
+                                    </a:rPr>
+                                    <m:t>𝑌</m:t>
+                                  </m:r>
+                                </m:e>
+                                <m:sub>
+                                  <m:r>
+                                    <a:rPr lang="en-US" i="1" dirty="0">
+                                      <a:latin typeface="Cambria Math" panose="02040503050406030204" pitchFamily="18" charset="0"/>
+                                    </a:rPr>
+                                    <m:t>0</m:t>
+                                  </m:r>
+                                  <m:r>
+                                    <a:rPr lang="en-US" i="1" dirty="0">
+                                      <a:latin typeface="Cambria Math" panose="02040503050406030204" pitchFamily="18" charset="0"/>
+                                    </a:rPr>
+                                    <m:t>𝑡</m:t>
+                                  </m:r>
+                                  <m:r>
+                                    <a:rPr lang="en-US" i="1" dirty="0">
+                                      <a:latin typeface="Cambria Math" panose="02040503050406030204" pitchFamily="18" charset="0"/>
+                                    </a:rPr>
+                                    <m:t>”</m:t>
+                                  </m:r>
+                                </m:sub>
+                              </m:sSub>
+                            </m:e>
+                          </m:acc>
+                          <m:d>
+                            <m:dPr>
+                              <m:ctrlPr>
+                                <a:rPr lang="en-US" i="1" dirty="0">
+                                  <a:latin typeface="Cambria Math" panose="02040503050406030204" pitchFamily="18" charset="0"/>
+                                </a:rPr>
+                              </m:ctrlPr>
+                            </m:dPr>
+                            <m:e>
+                              <m:r>
+                                <a:rPr lang="en-US" i="1" dirty="0">
+                                  <a:latin typeface="Cambria Math" panose="02040503050406030204" pitchFamily="18" charset="0"/>
+                                </a:rPr>
+                                <m:t>0</m:t>
+                              </m:r>
+                            </m:e>
+                          </m:d>
+                        </m:e>
+                      </m:nary>
+                    </m:oMath>
+                  </m:oMathPara>
+                </a14:m>
+                <a:endParaRPr lang="en-US" dirty="0"/>
+              </a:p>
+              <a:p>
+                <a:r>
+                  <a:rPr lang="en-US" dirty="0"/>
+                  <a:t>How do we do inference and get a p-value</a:t>
+                </a:r>
+                <a:r>
+                  <a:rPr lang="en-US"/>
+                  <a:t>/confidence-interval?</a:t>
+                </a:r>
+                <a:endParaRPr lang="en-US" dirty="0"/>
+              </a:p>
+            </p:txBody>
+          </p:sp>
+        </mc:Choice>
+        <mc:Fallback>
+          <p:sp>
+            <p:nvSpPr>
+              <p:cNvPr id="3" name="Content Placeholder 2">
+                <a:extLst>
+                  <a:ext uri="{FF2B5EF4-FFF2-40B4-BE49-F238E27FC236}">
+                    <a16:creationId xmlns:a16="http://schemas.microsoft.com/office/drawing/2014/main" id="{F7097B67-9A3D-C2EB-7C6B-402C42DD0180}"/>
+                  </a:ext>
+                </a:extLst>
+              </p:cNvPr>
+              <p:cNvSpPr>
+                <a:spLocks noGrp="1" noRot="1" noChangeAspect="1" noMove="1" noResize="1" noEditPoints="1" noAdjustHandles="1" noChangeArrowheads="1" noChangeShapeType="1" noTextEdit="1"/>
+              </p:cNvSpPr>
+              <p:nvPr>
+                <p:ph idx="1"/>
+              </p:nvPr>
+            </p:nvSpPr>
+            <p:spPr>
+              <a:blipFill>
+                <a:blip r:embed="rId2"/>
+                <a:stretch>
+                  <a:fillRect l="-1086" t="-18314"/>
+                </a:stretch>
+              </a:blipFill>
+            </p:spPr>
+            <p:txBody>
+              <a:bodyPr/>
+              <a:lstStyle/>
+              <a:p>
+                <a:r>
+                  <a:rPr lang="en-US">
+                    <a:noFill/>
+                  </a:rPr>
+                  <a:t> </a:t>
+                </a:r>
+              </a:p>
+            </p:txBody>
+          </p:sp>
+        </mc:Fallback>
+      </mc:AlternateContent>
+    </p:spTree>
+    <p:extLst>
+      <p:ext uri="{BB962C8B-B14F-4D97-AF65-F5344CB8AC3E}">
+        <p14:creationId xmlns:p14="http://schemas.microsoft.com/office/powerpoint/2010/main" val="2548315957"/>
+      </p:ext>
+    </p:extLst>
+  </p:cSld>
+  <p:clrMapOvr>
+    <a:masterClrMapping/>
+  </p:clrMapOvr>
+</p:sld>
+</file>
+
+<file path=ppt/slides/slide27.xml><?xml version="1.0" encoding="utf-8"?>
 <p:sld xmlns:a="http://schemas.openxmlformats.org/drawingml/2006/main" xmlns:r="http://schemas.openxmlformats.org/officeDocument/2006/relationships" xmlns:p="http://schemas.openxmlformats.org/presentationml/2006/main">
   <p:cSld>
     <p:spTree>
@@ -14133,7 +15195,7 @@
 </p:sld>
 </file>
 
-<file path=ppt/slides/slide26.xml><?xml version="1.0" encoding="utf-8"?>
+<file path=ppt/slides/slide28.xml><?xml version="1.0" encoding="utf-8"?>
 <p:sld xmlns:a="http://schemas.openxmlformats.org/drawingml/2006/main" xmlns:r="http://schemas.openxmlformats.org/officeDocument/2006/relationships" xmlns:p="http://schemas.openxmlformats.org/presentationml/2006/main">
   <p:cSld>
     <p:spTree>
@@ -14216,7 +15278,7 @@
 </p:sld>
 </file>
 
-<file path=ppt/slides/slide27.xml><?xml version="1.0" encoding="utf-8"?>
+<file path=ppt/slides/slide29.xml><?xml version="1.0" encoding="utf-8"?>
 <p:sld xmlns:a="http://schemas.openxmlformats.org/drawingml/2006/main" xmlns:r="http://schemas.openxmlformats.org/officeDocument/2006/relationships" xmlns:p="http://schemas.openxmlformats.org/presentationml/2006/main">
   <p:cSld>
     <p:spTree>
@@ -14299,7 +15361,142 @@
 </p:sld>
 </file>
 
-<file path=ppt/slides/slide28.xml><?xml version="1.0" encoding="utf-8"?>
+<file path=ppt/slides/slide3.xml><?xml version="1.0" encoding="utf-8"?>
+<p:sld xmlns:a="http://schemas.openxmlformats.org/drawingml/2006/main" xmlns:r="http://schemas.openxmlformats.org/officeDocument/2006/relationships" xmlns:p="http://schemas.openxmlformats.org/presentationml/2006/main">
+  <p:cSld>
+    <p:spTree>
+      <p:nvGrpSpPr>
+        <p:cNvPr id="1" name=""/>
+        <p:cNvGrpSpPr/>
+        <p:nvPr/>
+      </p:nvGrpSpPr>
+      <p:grpSpPr>
+        <a:xfrm>
+          <a:off x="0" y="0"/>
+          <a:ext cx="0" cy="0"/>
+          <a:chOff x="0" y="0"/>
+          <a:chExt cx="0" cy="0"/>
+        </a:xfrm>
+      </p:grpSpPr>
+      <p:sp>
+        <p:nvSpPr>
+          <p:cNvPr id="2" name="Title 1">
+            <a:extLst>
+              <a:ext uri="{FF2B5EF4-FFF2-40B4-BE49-F238E27FC236}">
+                <a16:creationId xmlns:a16="http://schemas.microsoft.com/office/drawing/2014/main" id="{8D743B44-8F3E-9A48-977A-B0F4304BD9F7}"/>
+              </a:ext>
+            </a:extLst>
+          </p:cNvPr>
+          <p:cNvSpPr>
+            <a:spLocks noGrp="1"/>
+          </p:cNvSpPr>
+          <p:nvPr>
+            <p:ph type="title"/>
+          </p:nvPr>
+        </p:nvSpPr>
+        <p:spPr/>
+        <p:txBody>
+          <a:bodyPr/>
+          <a:lstStyle/>
+          <a:p>
+            <a:r>
+              <a:rPr lang="en-US" dirty="0"/>
+              <a:t>Overview</a:t>
+            </a:r>
+          </a:p>
+        </p:txBody>
+      </p:sp>
+      <p:sp>
+        <p:nvSpPr>
+          <p:cNvPr id="3" name="Content Placeholder 2">
+            <a:extLst>
+              <a:ext uri="{FF2B5EF4-FFF2-40B4-BE49-F238E27FC236}">
+                <a16:creationId xmlns:a16="http://schemas.microsoft.com/office/drawing/2014/main" id="{BE00AD45-E807-C644-8514-9D2CE7B7F813}"/>
+              </a:ext>
+            </a:extLst>
+          </p:cNvPr>
+          <p:cNvSpPr>
+            <a:spLocks noGrp="1"/>
+          </p:cNvSpPr>
+          <p:nvPr>
+            <p:ph idx="1"/>
+          </p:nvPr>
+        </p:nvSpPr>
+        <p:spPr/>
+        <p:txBody>
+          <a:bodyPr>
+            <a:normAutofit/>
+          </a:bodyPr>
+          <a:lstStyle/>
+          <a:p>
+            <a:r>
+              <a:rPr lang="en-US" dirty="0"/>
+              <a:t>This presentation will primarily cover how panel models can be used for causal inference, particularly difference-in-difference (</a:t>
+            </a:r>
+            <a:r>
+              <a:rPr lang="en-US" dirty="0" err="1"/>
+              <a:t>DiD</a:t>
+            </a:r>
+            <a:r>
+              <a:rPr lang="en-US" dirty="0"/>
+              <a:t>) and synthetic control-style models (SC).</a:t>
+            </a:r>
+          </a:p>
+          <a:p>
+            <a:r>
+              <a:rPr lang="en-US" dirty="0"/>
+              <a:t>We will also discuss the role of prediction in panel models</a:t>
+            </a:r>
+          </a:p>
+          <a:p>
+            <a:r>
+              <a:rPr lang="en-US" dirty="0" err="1"/>
+              <a:t>DiD</a:t>
+            </a:r>
+            <a:r>
+              <a:rPr lang="en-US" dirty="0"/>
+              <a:t> is the most popular quasi-experimental design in economics for causal inference.</a:t>
+            </a:r>
+          </a:p>
+          <a:p>
+            <a:pPr lvl="1"/>
+            <a:r>
+              <a:rPr lang="en-US" dirty="0"/>
+              <a:t>One quarter of NBER Working Paper series used diff-in-diff; and 16% of articles in top five economic journals (</a:t>
+            </a:r>
+            <a:r>
+              <a:rPr lang="en-US" dirty="0">
+                <a:hlinkClick r:id="rId2"/>
+              </a:rPr>
+              <a:t>Currie et al, 2020</a:t>
+            </a:r>
+            <a:r>
+              <a:rPr lang="en-US" dirty="0"/>
+              <a:t>)</a:t>
+            </a:r>
+          </a:p>
+          <a:p>
+            <a:r>
+              <a:rPr lang="en-US" dirty="0"/>
+              <a:t>It exploits panel data to estimate causal impacts</a:t>
+            </a:r>
+          </a:p>
+        </p:txBody>
+      </p:sp>
+    </p:spTree>
+    <p:extLst>
+      <p:ext uri="{BB962C8B-B14F-4D97-AF65-F5344CB8AC3E}">
+        <p14:creationId xmlns:p14="http://schemas.microsoft.com/office/powerpoint/2010/main" val="314643715"/>
+      </p:ext>
+    </p:extLst>
+  </p:cSld>
+  <p:clrMapOvr>
+    <a:masterClrMapping/>
+  </p:clrMapOvr>
+</p:sld>
+</file>
+
+<file path=ppt/slides/slide30.xml><?xml version="1.0" encoding="utf-8"?>
 <p:sld xmlns:a="http://schemas.openxmlformats.org/drawingml/2006/main" xmlns:r="http://schemas.openxmlformats.org/officeDocument/2006/relationships" xmlns:p="http://schemas.openxmlformats.org/presentationml/2006/main">
   <p:cSld>
     <p:spTree>
@@ -14395,7 +15592,7 @@
 </p:sld>
 </file>
 
-<file path=ppt/slides/slide29.xml><?xml version="1.0" encoding="utf-8"?>
+<file path=ppt/slides/slide31.xml><?xml version="1.0" encoding="utf-8"?>
 <p:sld xmlns:a="http://schemas.openxmlformats.org/drawingml/2006/main" xmlns:r="http://schemas.openxmlformats.org/officeDocument/2006/relationships" xmlns:p="http://schemas.openxmlformats.org/presentationml/2006/main">
   <p:cSld>
     <p:spTree>
@@ -15100,142 +16297,7 @@
 </p:sld>
 </file>
 
-<file path=ppt/slides/slide3.xml><?xml version="1.0" encoding="utf-8"?>
-<p:sld xmlns:a="http://schemas.openxmlformats.org/drawingml/2006/main" xmlns:r="http://schemas.openxmlformats.org/officeDocument/2006/relationships" xmlns:p="http://schemas.openxmlformats.org/presentationml/2006/main">
-  <p:cSld>
-    <p:spTree>
-      <p:nvGrpSpPr>
-        <p:cNvPr id="1" name=""/>
-        <p:cNvGrpSpPr/>
-        <p:nvPr/>
-      </p:nvGrpSpPr>
-      <p:grpSpPr>
-        <a:xfrm>
-          <a:off x="0" y="0"/>
-          <a:ext cx="0" cy="0"/>
-          <a:chOff x="0" y="0"/>
-          <a:chExt cx="0" cy="0"/>
-        </a:xfrm>
-      </p:grpSpPr>
-      <p:sp>
-        <p:nvSpPr>
-          <p:cNvPr id="2" name="Title 1">
-            <a:extLst>
-              <a:ext uri="{FF2B5EF4-FFF2-40B4-BE49-F238E27FC236}">
-                <a16:creationId xmlns:a16="http://schemas.microsoft.com/office/drawing/2014/main" id="{8D743B44-8F3E-9A48-977A-B0F4304BD9F7}"/>
-              </a:ext>
-            </a:extLst>
-          </p:cNvPr>
-          <p:cNvSpPr>
-            <a:spLocks noGrp="1"/>
-          </p:cNvSpPr>
-          <p:nvPr>
-            <p:ph type="title"/>
-          </p:nvPr>
-        </p:nvSpPr>
-        <p:spPr/>
-        <p:txBody>
-          <a:bodyPr/>
-          <a:lstStyle/>
-          <a:p>
-            <a:r>
-              <a:rPr lang="en-US" dirty="0"/>
-              <a:t>Overview</a:t>
-            </a:r>
-          </a:p>
-        </p:txBody>
-      </p:sp>
-      <p:sp>
-        <p:nvSpPr>
-          <p:cNvPr id="3" name="Content Placeholder 2">
-            <a:extLst>
-              <a:ext uri="{FF2B5EF4-FFF2-40B4-BE49-F238E27FC236}">
-                <a16:creationId xmlns:a16="http://schemas.microsoft.com/office/drawing/2014/main" id="{BE00AD45-E807-C644-8514-9D2CE7B7F813}"/>
-              </a:ext>
-            </a:extLst>
-          </p:cNvPr>
-          <p:cNvSpPr>
-            <a:spLocks noGrp="1"/>
-          </p:cNvSpPr>
-          <p:nvPr>
-            <p:ph idx="1"/>
-          </p:nvPr>
-        </p:nvSpPr>
-        <p:spPr/>
-        <p:txBody>
-          <a:bodyPr>
-            <a:normAutofit/>
-          </a:bodyPr>
-          <a:lstStyle/>
-          <a:p>
-            <a:r>
-              <a:rPr lang="en-US" dirty="0"/>
-              <a:t>This presentation will primarily cover how panel models can be used for causal inference, particularly difference-in-difference (</a:t>
-            </a:r>
-            <a:r>
-              <a:rPr lang="en-US" dirty="0" err="1"/>
-              <a:t>DiD</a:t>
-            </a:r>
-            <a:r>
-              <a:rPr lang="en-US" dirty="0"/>
-              <a:t>) and synthetic control-style models (SC).</a:t>
-            </a:r>
-          </a:p>
-          <a:p>
-            <a:r>
-              <a:rPr lang="en-US" dirty="0"/>
-              <a:t>We will also discuss the role of prediction in panel models</a:t>
-            </a:r>
-          </a:p>
-          <a:p>
-            <a:r>
-              <a:rPr lang="en-US" dirty="0" err="1"/>
-              <a:t>DiD</a:t>
-            </a:r>
-            <a:r>
-              <a:rPr lang="en-US" dirty="0"/>
-              <a:t> is the most popular quasi-experimental design in economics for causal inference.</a:t>
-            </a:r>
-          </a:p>
-          <a:p>
-            <a:pPr lvl="1"/>
-            <a:r>
-              <a:rPr lang="en-US" dirty="0"/>
-              <a:t>One quarter of NBER Working Paper series used diff-in-diff; and 16% of articles in top five economic journals (</a:t>
-            </a:r>
-            <a:r>
-              <a:rPr lang="en-US" dirty="0">
-                <a:hlinkClick r:id="rId2"/>
-              </a:rPr>
-              <a:t>Currie et al, 2020</a:t>
-            </a:r>
-            <a:r>
-              <a:rPr lang="en-US" dirty="0"/>
-              <a:t>)</a:t>
-            </a:r>
-          </a:p>
-          <a:p>
-            <a:r>
-              <a:rPr lang="en-US" dirty="0"/>
-              <a:t>It exploits panel data to estimate causal impacts</a:t>
-            </a:r>
-          </a:p>
-        </p:txBody>
-      </p:sp>
-    </p:spTree>
-    <p:extLst>
-      <p:ext uri="{BB962C8B-B14F-4D97-AF65-F5344CB8AC3E}">
-        <p14:creationId xmlns:p14="http://schemas.microsoft.com/office/powerpoint/2010/main" val="314643715"/>
-      </p:ext>
-    </p:extLst>
-  </p:cSld>
-  <p:clrMapOvr>
-    <a:masterClrMapping/>
-  </p:clrMapOvr>
-</p:sld>
-</file>
-
-<file path=ppt/slides/slide30.xml><?xml version="1.0" encoding="utf-8"?>
+<file path=ppt/slides/slide32.xml><?xml version="1.0" encoding="utf-8"?>
 <p:sld xmlns:a="http://schemas.openxmlformats.org/drawingml/2006/main" xmlns:r="http://schemas.openxmlformats.org/officeDocument/2006/relationships" xmlns:p="http://schemas.openxmlformats.org/presentationml/2006/main">
   <p:cSld>
     <p:spTree>
@@ -16074,7 +17136,7 @@
 </p:sld>
 </file>
 
-<file path=ppt/slides/slide31.xml><?xml version="1.0" encoding="utf-8"?>
+<file path=ppt/slides/slide33.xml><?xml version="1.0" encoding="utf-8"?>
 <p:sld xmlns:a="http://schemas.openxmlformats.org/drawingml/2006/main" xmlns:r="http://schemas.openxmlformats.org/officeDocument/2006/relationships" xmlns:p="http://schemas.openxmlformats.org/presentationml/2006/main">
   <p:cSld>
     <p:spTree>
@@ -16631,7 +17693,7 @@
 </p:sld>
 </file>
 
-<file path=ppt/slides/slide32.xml><?xml version="1.0" encoding="utf-8"?>
+<file path=ppt/slides/slide34.xml><?xml version="1.0" encoding="utf-8"?>
 <p:sld xmlns:a="http://schemas.openxmlformats.org/drawingml/2006/main" xmlns:r="http://schemas.openxmlformats.org/officeDocument/2006/relationships" xmlns:p="http://schemas.openxmlformats.org/presentationml/2006/main">
   <p:cSld>
     <p:spTree>
@@ -18303,7 +19365,7 @@
 </p:sld>
 </file>
 
-<file path=ppt/slides/slide33.xml><?xml version="1.0" encoding="utf-8"?>
+<file path=ppt/slides/slide35.xml><?xml version="1.0" encoding="utf-8"?>
 <p:sld xmlns:a="http://schemas.openxmlformats.org/drawingml/2006/main" xmlns:r="http://schemas.openxmlformats.org/officeDocument/2006/relationships" xmlns:p="http://schemas.openxmlformats.org/presentationml/2006/main">
   <p:cSld>
     <p:spTree>
@@ -19936,7 +20998,7 @@
 </p:sld>
 </file>
 
-<file path=ppt/slides/slide34.xml><?xml version="1.0" encoding="utf-8"?>
+<file path=ppt/slides/slide36.xml><?xml version="1.0" encoding="utf-8"?>
 <p:sld xmlns:a="http://schemas.openxmlformats.org/drawingml/2006/main" xmlns:r="http://schemas.openxmlformats.org/officeDocument/2006/relationships" xmlns:p="http://schemas.openxmlformats.org/presentationml/2006/main">
   <p:cSld>
     <p:spTree>
@@ -20058,7 +21120,7 @@
 </p:sld>
 </file>
 
-<file path=ppt/slides/slide35.xml><?xml version="1.0" encoding="utf-8"?>
+<file path=ppt/slides/slide37.xml><?xml version="1.0" encoding="utf-8"?>
 <p:sld xmlns:a="http://schemas.openxmlformats.org/drawingml/2006/main" xmlns:r="http://schemas.openxmlformats.org/officeDocument/2006/relationships" xmlns:p="http://schemas.openxmlformats.org/presentationml/2006/main">
   <p:cSld>
     <p:spTree>
@@ -22205,7 +23267,7 @@
 </p:sld>
 </file>
 
-<file path=ppt/slides/slide36.xml><?xml version="1.0" encoding="utf-8"?>
+<file path=ppt/slides/slide38.xml><?xml version="1.0" encoding="utf-8"?>
 <p:sld xmlns:a="http://schemas.openxmlformats.org/drawingml/2006/main" xmlns:r="http://schemas.openxmlformats.org/officeDocument/2006/relationships" xmlns:p="http://schemas.openxmlformats.org/presentationml/2006/main">
   <p:cSld>
     <p:spTree>
@@ -24388,7 +25450,7 @@
 </p:sld>
 </file>
 
-<file path=ppt/slides/slide37.xml><?xml version="1.0" encoding="utf-8"?>
+<file path=ppt/slides/slide39.xml><?xml version="1.0" encoding="utf-8"?>
 <p:sld xmlns:a="http://schemas.openxmlformats.org/drawingml/2006/main" xmlns:r="http://schemas.openxmlformats.org/officeDocument/2006/relationships" xmlns:p="http://schemas.openxmlformats.org/presentationml/2006/main">
   <p:cSld>
     <p:spTree>
@@ -25283,7 +26345,90 @@
 </p:sld>
 </file>
 
-<file path=ppt/slides/slide38.xml><?xml version="1.0" encoding="utf-8"?>
+<file path=ppt/slides/slide4.xml><?xml version="1.0" encoding="utf-8"?>
+<p:sld xmlns:a="http://schemas.openxmlformats.org/drawingml/2006/main" xmlns:r="http://schemas.openxmlformats.org/officeDocument/2006/relationships" xmlns:p="http://schemas.openxmlformats.org/presentationml/2006/main">
+  <p:cSld>
+    <p:spTree>
+      <p:nvGrpSpPr>
+        <p:cNvPr id="1" name=""/>
+        <p:cNvGrpSpPr/>
+        <p:nvPr/>
+      </p:nvGrpSpPr>
+      <p:grpSpPr>
+        <a:xfrm>
+          <a:off x="0" y="0"/>
+          <a:ext cx="0" cy="0"/>
+          <a:chOff x="0" y="0"/>
+          <a:chExt cx="0" cy="0"/>
+        </a:xfrm>
+      </p:grpSpPr>
+      <p:sp>
+        <p:nvSpPr>
+          <p:cNvPr id="2" name="Title 1">
+            <a:extLst>
+              <a:ext uri="{FF2B5EF4-FFF2-40B4-BE49-F238E27FC236}">
+                <a16:creationId xmlns:a16="http://schemas.microsoft.com/office/drawing/2014/main" id="{864D7FAD-5F9A-B22A-54C0-7675F1160B89}"/>
+              </a:ext>
+            </a:extLst>
+          </p:cNvPr>
+          <p:cNvSpPr>
+            <a:spLocks noGrp="1"/>
+          </p:cNvSpPr>
+          <p:nvPr>
+            <p:ph type="title"/>
+          </p:nvPr>
+        </p:nvSpPr>
+        <p:spPr/>
+        <p:txBody>
+          <a:bodyPr/>
+          <a:lstStyle/>
+          <a:p>
+            <a:r>
+              <a:rPr lang="en-US" dirty="0"/>
+              <a:t>Panel Data</a:t>
+            </a:r>
+          </a:p>
+        </p:txBody>
+      </p:sp>
+      <p:sp>
+        <p:nvSpPr>
+          <p:cNvPr id="3" name="Text Placeholder 2">
+            <a:extLst>
+              <a:ext uri="{FF2B5EF4-FFF2-40B4-BE49-F238E27FC236}">
+                <a16:creationId xmlns:a16="http://schemas.microsoft.com/office/drawing/2014/main" id="{971234BC-A8A6-76BA-6036-A2E7B653B008}"/>
+              </a:ext>
+            </a:extLst>
+          </p:cNvPr>
+          <p:cNvSpPr>
+            <a:spLocks noGrp="1"/>
+          </p:cNvSpPr>
+          <p:nvPr>
+            <p:ph type="body" idx="1"/>
+          </p:nvPr>
+        </p:nvSpPr>
+        <p:spPr/>
+        <p:txBody>
+          <a:bodyPr/>
+          <a:lstStyle/>
+          <a:p>
+            <a:endParaRPr lang="en-US"/>
+          </a:p>
+        </p:txBody>
+      </p:sp>
+    </p:spTree>
+    <p:extLst>
+      <p:ext uri="{BB962C8B-B14F-4D97-AF65-F5344CB8AC3E}">
+        <p14:creationId xmlns:p14="http://schemas.microsoft.com/office/powerpoint/2010/main" val="4092594043"/>
+      </p:ext>
+    </p:extLst>
+  </p:cSld>
+  <p:clrMapOvr>
+    <a:masterClrMapping/>
+  </p:clrMapOvr>
+</p:sld>
+</file>
+
+<file path=ppt/slides/slide40.xml><?xml version="1.0" encoding="utf-8"?>
 <p:sld xmlns:a="http://schemas.openxmlformats.org/drawingml/2006/main" xmlns:r="http://schemas.openxmlformats.org/officeDocument/2006/relationships" xmlns:p="http://schemas.openxmlformats.org/presentationml/2006/main">
   <p:cSld>
     <p:spTree>
@@ -25831,7 +26976,7 @@
 </p:sld>
 </file>
 
-<file path=ppt/slides/slide39.xml><?xml version="1.0" encoding="utf-8"?>
+<file path=ppt/slides/slide41.xml><?xml version="1.0" encoding="utf-8"?>
 <p:sld xmlns:a="http://schemas.openxmlformats.org/drawingml/2006/main" xmlns:r="http://schemas.openxmlformats.org/officeDocument/2006/relationships" xmlns:p="http://schemas.openxmlformats.org/presentationml/2006/main">
   <p:cSld>
     <p:spTree>
@@ -26103,90 +27248,7 @@
 </p:sld>
 </file>
 
-<file path=ppt/slides/slide4.xml><?xml version="1.0" encoding="utf-8"?>
-<p:sld xmlns:a="http://schemas.openxmlformats.org/drawingml/2006/main" xmlns:r="http://schemas.openxmlformats.org/officeDocument/2006/relationships" xmlns:p="http://schemas.openxmlformats.org/presentationml/2006/main">
-  <p:cSld>
-    <p:spTree>
-      <p:nvGrpSpPr>
-        <p:cNvPr id="1" name=""/>
-        <p:cNvGrpSpPr/>
-        <p:nvPr/>
-      </p:nvGrpSpPr>
-      <p:grpSpPr>
-        <a:xfrm>
-          <a:off x="0" y="0"/>
-          <a:ext cx="0" cy="0"/>
-          <a:chOff x="0" y="0"/>
-          <a:chExt cx="0" cy="0"/>
-        </a:xfrm>
-      </p:grpSpPr>
-      <p:sp>
-        <p:nvSpPr>
-          <p:cNvPr id="2" name="Title 1">
-            <a:extLst>
-              <a:ext uri="{FF2B5EF4-FFF2-40B4-BE49-F238E27FC236}">
-                <a16:creationId xmlns:a16="http://schemas.microsoft.com/office/drawing/2014/main" id="{864D7FAD-5F9A-B22A-54C0-7675F1160B89}"/>
-              </a:ext>
-            </a:extLst>
-          </p:cNvPr>
-          <p:cNvSpPr>
-            <a:spLocks noGrp="1"/>
-          </p:cNvSpPr>
-          <p:nvPr>
-            <p:ph type="title"/>
-          </p:nvPr>
-        </p:nvSpPr>
-        <p:spPr/>
-        <p:txBody>
-          <a:bodyPr/>
-          <a:lstStyle/>
-          <a:p>
-            <a:r>
-              <a:rPr lang="en-US" dirty="0"/>
-              <a:t>Panel Data</a:t>
-            </a:r>
-          </a:p>
-        </p:txBody>
-      </p:sp>
-      <p:sp>
-        <p:nvSpPr>
-          <p:cNvPr id="3" name="Text Placeholder 2">
-            <a:extLst>
-              <a:ext uri="{FF2B5EF4-FFF2-40B4-BE49-F238E27FC236}">
-                <a16:creationId xmlns:a16="http://schemas.microsoft.com/office/drawing/2014/main" id="{971234BC-A8A6-76BA-6036-A2E7B653B008}"/>
-              </a:ext>
-            </a:extLst>
-          </p:cNvPr>
-          <p:cNvSpPr>
-            <a:spLocks noGrp="1"/>
-          </p:cNvSpPr>
-          <p:nvPr>
-            <p:ph type="body" idx="1"/>
-          </p:nvPr>
-        </p:nvSpPr>
-        <p:spPr/>
-        <p:txBody>
-          <a:bodyPr/>
-          <a:lstStyle/>
-          <a:p>
-            <a:endParaRPr lang="en-US"/>
-          </a:p>
-        </p:txBody>
-      </p:sp>
-    </p:spTree>
-    <p:extLst>
-      <p:ext uri="{BB962C8B-B14F-4D97-AF65-F5344CB8AC3E}">
-        <p14:creationId xmlns:p14="http://schemas.microsoft.com/office/powerpoint/2010/main" val="4092594043"/>
-      </p:ext>
-    </p:extLst>
-  </p:cSld>
-  <p:clrMapOvr>
-    <a:masterClrMapping/>
-  </p:clrMapOvr>
-</p:sld>
-</file>
-
-<file path=ppt/slides/slide40.xml><?xml version="1.0" encoding="utf-8"?>
+<file path=ppt/slides/slide42.xml><?xml version="1.0" encoding="utf-8"?>
 <p:sld xmlns:a="http://schemas.openxmlformats.org/drawingml/2006/main" xmlns:r="http://schemas.openxmlformats.org/officeDocument/2006/relationships" xmlns:p="http://schemas.openxmlformats.org/presentationml/2006/main">
   <p:cSld>
     <p:spTree>
@@ -26679,7 +27741,7 @@
 </p:sld>
 </file>
 
-<file path=ppt/slides/slide41.xml><?xml version="1.0" encoding="utf-8"?>
+<file path=ppt/slides/slide43.xml><?xml version="1.0" encoding="utf-8"?>
 <p:sld xmlns:a="http://schemas.openxmlformats.org/drawingml/2006/main" xmlns:r="http://schemas.openxmlformats.org/officeDocument/2006/relationships" xmlns:p="http://schemas.openxmlformats.org/presentationml/2006/main">
   <p:cSld>
     <p:spTree>
@@ -27733,7 +28795,7 @@
 </p:sld>
 </file>
 
-<file path=ppt/slides/slide42.xml><?xml version="1.0" encoding="utf-8"?>
+<file path=ppt/slides/slide44.xml><?xml version="1.0" encoding="utf-8"?>
 <p:sld xmlns:a="http://schemas.openxmlformats.org/drawingml/2006/main" xmlns:r="http://schemas.openxmlformats.org/officeDocument/2006/relationships" xmlns:p="http://schemas.openxmlformats.org/presentationml/2006/main">
   <p:cSld>
     <p:spTree>
@@ -27816,7 +28878,7 @@
 </p:sld>
 </file>
 
-<file path=ppt/slides/slide43.xml><?xml version="1.0" encoding="utf-8"?>
+<file path=ppt/slides/slide45.xml><?xml version="1.0" encoding="utf-8"?>
 <p:sld xmlns:a="http://schemas.openxmlformats.org/drawingml/2006/main" xmlns:r="http://schemas.openxmlformats.org/officeDocument/2006/relationships" xmlns:p="http://schemas.openxmlformats.org/presentationml/2006/main">
   <p:cSld>
     <p:spTree>
@@ -27983,7 +29045,7 @@
 </p:sld>
 </file>
 
-<file path=ppt/slides/slide44.xml><?xml version="1.0" encoding="utf-8"?>
+<file path=ppt/slides/slide46.xml><?xml version="1.0" encoding="utf-8"?>
 <p:sld xmlns:a="http://schemas.openxmlformats.org/drawingml/2006/main" xmlns:r="http://schemas.openxmlformats.org/officeDocument/2006/relationships" xmlns:p="http://schemas.openxmlformats.org/presentationml/2006/main">
   <p:cSld>
     <p:spTree>
@@ -28830,7 +29892,7 @@
 </p:sld>
 </file>
 
-<file path=ppt/slides/slide45.xml><?xml version="1.0" encoding="utf-8"?>
+<file path=ppt/slides/slide47.xml><?xml version="1.0" encoding="utf-8"?>
 <p:sld xmlns:a="http://schemas.openxmlformats.org/drawingml/2006/main" xmlns:r="http://schemas.openxmlformats.org/officeDocument/2006/relationships" xmlns:p="http://schemas.openxmlformats.org/presentationml/2006/main">
   <p:cSld>
     <p:spTree>
@@ -29768,7 +30830,7 @@
 </p:sld>
 </file>
 
-<file path=ppt/slides/slide46.xml><?xml version="1.0" encoding="utf-8"?>
+<file path=ppt/slides/slide48.xml><?xml version="1.0" encoding="utf-8"?>
 <p:sld xmlns:a="http://schemas.openxmlformats.org/drawingml/2006/main" xmlns:r="http://schemas.openxmlformats.org/officeDocument/2006/relationships" xmlns:p="http://schemas.openxmlformats.org/presentationml/2006/main">
   <p:cSld>
     <p:spTree>
@@ -29860,7 +30922,7 @@
 </p:sld>
 </file>
 
-<file path=ppt/slides/slide47.xml><?xml version="1.0" encoding="utf-8"?>
+<file path=ppt/slides/slide49.xml><?xml version="1.0" encoding="utf-8"?>
 <p:sld xmlns:a="http://schemas.openxmlformats.org/drawingml/2006/main" xmlns:r="http://schemas.openxmlformats.org/officeDocument/2006/relationships" xmlns:p="http://schemas.openxmlformats.org/presentationml/2006/main">
   <p:cSld>
     <p:spTree>
@@ -30804,7 +31866,1054 @@
 </p:sld>
 </file>
 
-<file path=ppt/slides/slide48.xml><?xml version="1.0" encoding="utf-8"?>
+<file path=ppt/slides/slide5.xml><?xml version="1.0" encoding="utf-8"?>
+<p:sld xmlns:a="http://schemas.openxmlformats.org/drawingml/2006/main" xmlns:r="http://schemas.openxmlformats.org/officeDocument/2006/relationships" xmlns:p="http://schemas.openxmlformats.org/presentationml/2006/main">
+  <p:cSld>
+    <p:spTree>
+      <p:nvGrpSpPr>
+        <p:cNvPr id="1" name=""/>
+        <p:cNvGrpSpPr/>
+        <p:nvPr/>
+      </p:nvGrpSpPr>
+      <p:grpSpPr>
+        <a:xfrm>
+          <a:off x="0" y="0"/>
+          <a:ext cx="0" cy="0"/>
+          <a:chOff x="0" y="0"/>
+          <a:chExt cx="0" cy="0"/>
+        </a:xfrm>
+      </p:grpSpPr>
+      <p:sp>
+        <p:nvSpPr>
+          <p:cNvPr id="2" name="Title 1">
+            <a:extLst>
+              <a:ext uri="{FF2B5EF4-FFF2-40B4-BE49-F238E27FC236}">
+                <a16:creationId xmlns:a16="http://schemas.microsoft.com/office/drawing/2014/main" id="{8F3E3A31-C929-9471-D0A0-9A621F73217F}"/>
+              </a:ext>
+            </a:extLst>
+          </p:cNvPr>
+          <p:cNvSpPr>
+            <a:spLocks noGrp="1"/>
+          </p:cNvSpPr>
+          <p:nvPr>
+            <p:ph type="title"/>
+          </p:nvPr>
+        </p:nvSpPr>
+        <p:spPr/>
+        <p:txBody>
+          <a:bodyPr/>
+          <a:lstStyle/>
+          <a:p>
+            <a:r>
+              <a:rPr lang="en-US" dirty="0"/>
+              <a:t>The big picture</a:t>
+            </a:r>
+          </a:p>
+        </p:txBody>
+      </p:sp>
+      <p:sp>
+        <p:nvSpPr>
+          <p:cNvPr id="3" name="Content Placeholder 2">
+            <a:extLst>
+              <a:ext uri="{FF2B5EF4-FFF2-40B4-BE49-F238E27FC236}">
+                <a16:creationId xmlns:a16="http://schemas.microsoft.com/office/drawing/2014/main" id="{7D12C2C0-0B0C-E4E0-E5C9-6ED6B940A91D}"/>
+              </a:ext>
+            </a:extLst>
+          </p:cNvPr>
+          <p:cNvSpPr>
+            <a:spLocks noGrp="1"/>
+          </p:cNvSpPr>
+          <p:nvPr>
+            <p:ph idx="1"/>
+          </p:nvPr>
+        </p:nvSpPr>
+        <p:spPr>
+          <a:xfrm>
+            <a:off x="838200" y="1825624"/>
+            <a:ext cx="3672840" cy="4667239"/>
+          </a:xfrm>
+        </p:spPr>
+        <p:txBody>
+          <a:bodyPr>
+            <a:normAutofit lnSpcReduction="10000"/>
+          </a:bodyPr>
+          <a:lstStyle/>
+          <a:p>
+            <a:r>
+              <a:rPr lang="en-US" dirty="0"/>
+              <a:t>We track treated and control units over time, and see their outcomes before and after they are treated.</a:t>
+            </a:r>
+          </a:p>
+          <a:p>
+            <a:r>
+              <a:rPr lang="en-US" dirty="0"/>
+              <a:t>Before treatment, their outcomes have the </a:t>
+            </a:r>
+            <a:r>
+              <a:rPr lang="en-US" u="sng" dirty="0"/>
+              <a:t>exact same</a:t>
+            </a:r>
+            <a:r>
+              <a:rPr lang="en-US" dirty="0"/>
+              <a:t> trend.</a:t>
+            </a:r>
+          </a:p>
+          <a:p>
+            <a:r>
+              <a:rPr lang="en-US" dirty="0"/>
+              <a:t>We assume that the difference in trends after treatment is due to treatment.</a:t>
+            </a:r>
+          </a:p>
+        </p:txBody>
+      </p:sp>
+      <p:grpSp>
+        <p:nvGrpSpPr>
+          <p:cNvPr id="9" name="Group 8">
+            <a:extLst>
+              <a:ext uri="{FF2B5EF4-FFF2-40B4-BE49-F238E27FC236}">
+                <a16:creationId xmlns:a16="http://schemas.microsoft.com/office/drawing/2014/main" id="{4BA0EDC2-AD6C-AF3A-1602-704D4B103E9A}"/>
+              </a:ext>
+            </a:extLst>
+          </p:cNvPr>
+          <p:cNvGrpSpPr/>
+          <p:nvPr/>
+        </p:nvGrpSpPr>
+        <p:grpSpPr>
+          <a:xfrm>
+            <a:off x="4597180" y="1690688"/>
+            <a:ext cx="7508681" cy="3767455"/>
+            <a:chOff x="4597180" y="1690688"/>
+            <a:chExt cx="7508681" cy="3767455"/>
+          </a:xfrm>
+        </p:grpSpPr>
+        <p:cxnSp>
+          <p:nvCxnSpPr>
+            <p:cNvPr id="5" name="Straight Arrow Connector 4">
+              <a:extLst>
+                <a:ext uri="{FF2B5EF4-FFF2-40B4-BE49-F238E27FC236}">
+                  <a16:creationId xmlns:a16="http://schemas.microsoft.com/office/drawing/2014/main" id="{BE8E495F-8680-1ADC-CF34-E70F66290E18}"/>
+                </a:ext>
+              </a:extLst>
+            </p:cNvPr>
+            <p:cNvCxnSpPr/>
+            <p:nvPr/>
+          </p:nvCxnSpPr>
+          <p:spPr>
+            <a:xfrm flipV="1">
+              <a:off x="8847151" y="1690688"/>
+              <a:ext cx="0" cy="3767455"/>
+            </a:xfrm>
+            <a:prstGeom prst="straightConnector1">
+              <a:avLst/>
+            </a:prstGeom>
+            <a:ln w="38100">
+              <a:solidFill>
+                <a:schemeClr val="tx1"/>
+              </a:solidFill>
+              <a:tailEnd type="triangle"/>
+            </a:ln>
+          </p:spPr>
+          <p:style>
+            <a:lnRef idx="1">
+              <a:schemeClr val="accent1"/>
+            </a:lnRef>
+            <a:fillRef idx="0">
+              <a:schemeClr val="accent1"/>
+            </a:fillRef>
+            <a:effectRef idx="0">
+              <a:schemeClr val="accent1"/>
+            </a:effectRef>
+            <a:fontRef idx="minor">
+              <a:schemeClr val="tx1"/>
+            </a:fontRef>
+          </p:style>
+        </p:cxnSp>
+        <p:cxnSp>
+          <p:nvCxnSpPr>
+            <p:cNvPr id="6" name="Straight Arrow Connector 5">
+              <a:extLst>
+                <a:ext uri="{FF2B5EF4-FFF2-40B4-BE49-F238E27FC236}">
+                  <a16:creationId xmlns:a16="http://schemas.microsoft.com/office/drawing/2014/main" id="{75A93846-1185-281F-B86C-4C2C7793B136}"/>
+                </a:ext>
+              </a:extLst>
+            </p:cNvPr>
+            <p:cNvCxnSpPr>
+              <a:cxnSpLocks/>
+            </p:cNvCxnSpPr>
+            <p:nvPr/>
+          </p:nvCxnSpPr>
+          <p:spPr>
+            <a:xfrm flipH="1">
+              <a:off x="4597180" y="5024632"/>
+              <a:ext cx="7508681" cy="0"/>
+            </a:xfrm>
+            <a:prstGeom prst="straightConnector1">
+              <a:avLst/>
+            </a:prstGeom>
+            <a:ln w="38100">
+              <a:solidFill>
+                <a:schemeClr val="tx1"/>
+              </a:solidFill>
+              <a:headEnd type="triangle" w="med" len="med"/>
+              <a:tailEnd type="triangle" w="med" len="med"/>
+            </a:ln>
+          </p:spPr>
+          <p:style>
+            <a:lnRef idx="1">
+              <a:schemeClr val="accent1"/>
+            </a:lnRef>
+            <a:fillRef idx="0">
+              <a:schemeClr val="accent1"/>
+            </a:fillRef>
+            <a:effectRef idx="0">
+              <a:schemeClr val="accent1"/>
+            </a:effectRef>
+            <a:fontRef idx="minor">
+              <a:schemeClr val="tx1"/>
+            </a:fontRef>
+          </p:style>
+        </p:cxnSp>
+      </p:grpSp>
+      <mc:AlternateContent xmlns:mc="http://schemas.openxmlformats.org/markup-compatibility/2006" xmlns:a14="http://schemas.microsoft.com/office/drawing/2010/main">
+        <mc:Choice Requires="a14">
+          <p:sp>
+            <p:nvSpPr>
+              <p:cNvPr id="10" name="TextBox 9">
+                <a:extLst>
+                  <a:ext uri="{FF2B5EF4-FFF2-40B4-BE49-F238E27FC236}">
+                    <a16:creationId xmlns:a16="http://schemas.microsoft.com/office/drawing/2014/main" id="{8AF6BBD9-2648-997C-B880-C6596286D13D}"/>
+                  </a:ext>
+                </a:extLst>
+              </p:cNvPr>
+              <p:cNvSpPr txBox="1"/>
+              <p:nvPr/>
+            </p:nvSpPr>
+            <p:spPr>
+              <a:xfrm>
+                <a:off x="4661452" y="5347252"/>
+                <a:ext cx="2977610" cy="369332"/>
+              </a:xfrm>
+              <a:prstGeom prst="rect">
+                <a:avLst/>
+              </a:prstGeom>
+              <a:noFill/>
+            </p:spPr>
+            <p:txBody>
+              <a:bodyPr wrap="none" rtlCol="0">
+                <a:spAutoFit/>
+              </a:bodyPr>
+              <a:lstStyle/>
+              <a:p>
+                <a:r>
+                  <a:rPr lang="en-US" dirty="0"/>
+                  <a:t>Pre-Treatment Periods , </a:t>
+                </a:r>
+                <a14:m>
+                  <m:oMath xmlns:m="http://schemas.openxmlformats.org/officeDocument/2006/math">
+                    <m:r>
+                      <a:rPr lang="en-US" b="0" i="1" dirty="0" smtClean="0">
+                        <a:latin typeface="Cambria Math" panose="02040503050406030204" pitchFamily="18" charset="0"/>
+                      </a:rPr>
+                      <m:t>𝑡</m:t>
+                    </m:r>
+                    <m:r>
+                      <a:rPr lang="en-US" b="0" i="1" dirty="0" smtClean="0">
+                        <a:latin typeface="Cambria Math" panose="02040503050406030204" pitchFamily="18" charset="0"/>
+                      </a:rPr>
+                      <m:t>&lt;0</m:t>
+                    </m:r>
+                  </m:oMath>
+                </a14:m>
+                <a:endParaRPr lang="en-US" dirty="0"/>
+              </a:p>
+            </p:txBody>
+          </p:sp>
+        </mc:Choice>
+        <mc:Fallback xmlns="">
+          <p:sp>
+            <p:nvSpPr>
+              <p:cNvPr id="10" name="TextBox 9">
+                <a:extLst>
+                  <a:ext uri="{FF2B5EF4-FFF2-40B4-BE49-F238E27FC236}">
+                    <a16:creationId xmlns:a16="http://schemas.microsoft.com/office/drawing/2014/main" id="{8AF6BBD9-2648-997C-B880-C6596286D13D}"/>
+                  </a:ext>
+                </a:extLst>
+              </p:cNvPr>
+              <p:cNvSpPr txBox="1">
+                <a:spLocks noRot="1" noChangeAspect="1" noMove="1" noResize="1" noEditPoints="1" noAdjustHandles="1" noChangeArrowheads="1" noChangeShapeType="1" noTextEdit="1"/>
+              </p:cNvSpPr>
+              <p:nvPr/>
+            </p:nvSpPr>
+            <p:spPr>
+              <a:xfrm>
+                <a:off x="4661452" y="5347252"/>
+                <a:ext cx="2977610" cy="369332"/>
+              </a:xfrm>
+              <a:prstGeom prst="rect">
+                <a:avLst/>
+              </a:prstGeom>
+              <a:blipFill>
+                <a:blip r:embed="rId2"/>
+                <a:stretch>
+                  <a:fillRect l="-2128" t="-3226" b="-22581"/>
+                </a:stretch>
+              </a:blipFill>
+            </p:spPr>
+            <p:txBody>
+              <a:bodyPr/>
+              <a:lstStyle/>
+              <a:p>
+                <a:r>
+                  <a:rPr lang="en-US">
+                    <a:noFill/>
+                  </a:rPr>
+                  <a:t> </a:t>
+                </a:r>
+              </a:p>
+            </p:txBody>
+          </p:sp>
+        </mc:Fallback>
+      </mc:AlternateContent>
+      <mc:AlternateContent xmlns:mc="http://schemas.openxmlformats.org/markup-compatibility/2006" xmlns:a14="http://schemas.microsoft.com/office/drawing/2010/main">
+        <mc:Choice Requires="a14">
+          <p:sp>
+            <p:nvSpPr>
+              <p:cNvPr id="11" name="TextBox 10">
+                <a:extLst>
+                  <a:ext uri="{FF2B5EF4-FFF2-40B4-BE49-F238E27FC236}">
+                    <a16:creationId xmlns:a16="http://schemas.microsoft.com/office/drawing/2014/main" id="{35C54765-1528-3CF1-EE47-6C4589E7C979}"/>
+                  </a:ext>
+                </a:extLst>
+              </p:cNvPr>
+              <p:cNvSpPr txBox="1"/>
+              <p:nvPr/>
+            </p:nvSpPr>
+            <p:spPr>
+              <a:xfrm>
+                <a:off x="9077739" y="5347252"/>
+                <a:ext cx="3110595" cy="369332"/>
+              </a:xfrm>
+              <a:prstGeom prst="rect">
+                <a:avLst/>
+              </a:prstGeom>
+              <a:noFill/>
+            </p:spPr>
+            <p:txBody>
+              <a:bodyPr wrap="none" rtlCol="0">
+                <a:spAutoFit/>
+              </a:bodyPr>
+              <a:lstStyle/>
+              <a:p>
+                <a:r>
+                  <a:rPr lang="en-US" dirty="0"/>
+                  <a:t>Post-Treatment Periods , </a:t>
+                </a:r>
+                <a14:m>
+                  <m:oMath xmlns:m="http://schemas.openxmlformats.org/officeDocument/2006/math">
+                    <m:r>
+                      <a:rPr lang="en-US" b="0" i="1" dirty="0" smtClean="0">
+                        <a:latin typeface="Cambria Math" panose="02040503050406030204" pitchFamily="18" charset="0"/>
+                      </a:rPr>
+                      <m:t>𝑡</m:t>
+                    </m:r>
+                    <m:r>
+                      <a:rPr lang="en-US" b="0" i="1" dirty="0" smtClean="0">
+                        <a:latin typeface="Cambria Math" panose="02040503050406030204" pitchFamily="18" charset="0"/>
+                      </a:rPr>
+                      <m:t>≥0 </m:t>
+                    </m:r>
+                  </m:oMath>
+                </a14:m>
+                <a:endParaRPr lang="en-US" dirty="0"/>
+              </a:p>
+            </p:txBody>
+          </p:sp>
+        </mc:Choice>
+        <mc:Fallback xmlns="">
+          <p:sp>
+            <p:nvSpPr>
+              <p:cNvPr id="11" name="TextBox 10">
+                <a:extLst>
+                  <a:ext uri="{FF2B5EF4-FFF2-40B4-BE49-F238E27FC236}">
+                    <a16:creationId xmlns:a16="http://schemas.microsoft.com/office/drawing/2014/main" id="{35C54765-1528-3CF1-EE47-6C4589E7C979}"/>
+                  </a:ext>
+                </a:extLst>
+              </p:cNvPr>
+              <p:cNvSpPr txBox="1">
+                <a:spLocks noRot="1" noChangeAspect="1" noMove="1" noResize="1" noEditPoints="1" noAdjustHandles="1" noChangeArrowheads="1" noChangeShapeType="1" noTextEdit="1"/>
+              </p:cNvSpPr>
+              <p:nvPr/>
+            </p:nvSpPr>
+            <p:spPr>
+              <a:xfrm>
+                <a:off x="9077739" y="5347252"/>
+                <a:ext cx="3110595" cy="369332"/>
+              </a:xfrm>
+              <a:prstGeom prst="rect">
+                <a:avLst/>
+              </a:prstGeom>
+              <a:blipFill>
+                <a:blip r:embed="rId3"/>
+                <a:stretch>
+                  <a:fillRect l="-1626" t="-3226" b="-22581"/>
+                </a:stretch>
+              </a:blipFill>
+            </p:spPr>
+            <p:txBody>
+              <a:bodyPr/>
+              <a:lstStyle/>
+              <a:p>
+                <a:r>
+                  <a:rPr lang="en-US">
+                    <a:noFill/>
+                  </a:rPr>
+                  <a:t> </a:t>
+                </a:r>
+              </a:p>
+            </p:txBody>
+          </p:sp>
+        </mc:Fallback>
+      </mc:AlternateContent>
+      <mc:AlternateContent xmlns:mc="http://schemas.openxmlformats.org/markup-compatibility/2006" xmlns:a14="http://schemas.microsoft.com/office/drawing/2010/main">
+        <mc:Choice Requires="a14">
+          <p:sp>
+            <p:nvSpPr>
+              <p:cNvPr id="12" name="TextBox 11">
+                <a:extLst>
+                  <a:ext uri="{FF2B5EF4-FFF2-40B4-BE49-F238E27FC236}">
+                    <a16:creationId xmlns:a16="http://schemas.microsoft.com/office/drawing/2014/main" id="{33681B2F-705C-A98D-DA86-2D6744F55E28}"/>
+                  </a:ext>
+                </a:extLst>
+              </p:cNvPr>
+              <p:cNvSpPr txBox="1"/>
+              <p:nvPr/>
+            </p:nvSpPr>
+            <p:spPr>
+              <a:xfrm>
+                <a:off x="8151867" y="1288463"/>
+                <a:ext cx="1409617" cy="369332"/>
+              </a:xfrm>
+              <a:prstGeom prst="rect">
+                <a:avLst/>
+              </a:prstGeom>
+              <a:noFill/>
+            </p:spPr>
+            <p:txBody>
+              <a:bodyPr wrap="none" rtlCol="0">
+                <a:spAutoFit/>
+              </a:bodyPr>
+              <a:lstStyle/>
+              <a:p>
+                <a:r>
+                  <a:rPr lang="en-US" dirty="0"/>
+                  <a:t>Outcome, </a:t>
+                </a:r>
+                <a14:m>
+                  <m:oMath xmlns:m="http://schemas.openxmlformats.org/officeDocument/2006/math">
+                    <m:sSub>
+                      <m:sSubPr>
+                        <m:ctrlPr>
+                          <a:rPr lang="en-US" b="0" i="1" dirty="0" smtClean="0">
+                            <a:latin typeface="Cambria Math" panose="02040503050406030204" pitchFamily="18" charset="0"/>
+                          </a:rPr>
+                        </m:ctrlPr>
+                      </m:sSubPr>
+                      <m:e>
+                        <m:r>
+                          <a:rPr lang="en-US" b="0" i="1" dirty="0" smtClean="0">
+                            <a:latin typeface="Cambria Math" panose="02040503050406030204" pitchFamily="18" charset="0"/>
+                          </a:rPr>
+                          <m:t>𝑌</m:t>
+                        </m:r>
+                      </m:e>
+                      <m:sub>
+                        <m:r>
+                          <a:rPr lang="en-US" b="0" i="1" dirty="0" smtClean="0">
+                            <a:latin typeface="Cambria Math" panose="02040503050406030204" pitchFamily="18" charset="0"/>
+                          </a:rPr>
+                          <m:t>𝑖𝑡</m:t>
+                        </m:r>
+                      </m:sub>
+                    </m:sSub>
+                  </m:oMath>
+                </a14:m>
+                <a:endParaRPr lang="en-US" dirty="0"/>
+              </a:p>
+            </p:txBody>
+          </p:sp>
+        </mc:Choice>
+        <mc:Fallback xmlns="">
+          <p:sp>
+            <p:nvSpPr>
+              <p:cNvPr id="12" name="TextBox 11">
+                <a:extLst>
+                  <a:ext uri="{FF2B5EF4-FFF2-40B4-BE49-F238E27FC236}">
+                    <a16:creationId xmlns:a16="http://schemas.microsoft.com/office/drawing/2014/main" id="{33681B2F-705C-A98D-DA86-2D6744F55E28}"/>
+                  </a:ext>
+                </a:extLst>
+              </p:cNvPr>
+              <p:cNvSpPr txBox="1">
+                <a:spLocks noRot="1" noChangeAspect="1" noMove="1" noResize="1" noEditPoints="1" noAdjustHandles="1" noChangeArrowheads="1" noChangeShapeType="1" noTextEdit="1"/>
+              </p:cNvSpPr>
+              <p:nvPr/>
+            </p:nvSpPr>
+            <p:spPr>
+              <a:xfrm>
+                <a:off x="8151867" y="1288463"/>
+                <a:ext cx="1409617" cy="369332"/>
+              </a:xfrm>
+              <a:prstGeom prst="rect">
+                <a:avLst/>
+              </a:prstGeom>
+              <a:blipFill>
+                <a:blip r:embed="rId4"/>
+                <a:stretch>
+                  <a:fillRect l="-3571" t="-6667" b="-26667"/>
+                </a:stretch>
+              </a:blipFill>
+            </p:spPr>
+            <p:txBody>
+              <a:bodyPr/>
+              <a:lstStyle/>
+              <a:p>
+                <a:r>
+                  <a:rPr lang="en-US">
+                    <a:noFill/>
+                  </a:rPr>
+                  <a:t> </a:t>
+                </a:r>
+              </a:p>
+            </p:txBody>
+          </p:sp>
+        </mc:Fallback>
+      </mc:AlternateContent>
+      <p:grpSp>
+        <p:nvGrpSpPr>
+          <p:cNvPr id="30" name="Group 29">
+            <a:extLst>
+              <a:ext uri="{FF2B5EF4-FFF2-40B4-BE49-F238E27FC236}">
+                <a16:creationId xmlns:a16="http://schemas.microsoft.com/office/drawing/2014/main" id="{5653368C-4D7C-51C9-E2EF-6333B111947A}"/>
+              </a:ext>
+            </a:extLst>
+          </p:cNvPr>
+          <p:cNvGrpSpPr/>
+          <p:nvPr/>
+        </p:nvGrpSpPr>
+        <p:grpSpPr>
+          <a:xfrm>
+            <a:off x="4681330" y="2534478"/>
+            <a:ext cx="6211957" cy="1312253"/>
+            <a:chOff x="4681330" y="2534478"/>
+            <a:chExt cx="6211957" cy="1312253"/>
+          </a:xfrm>
+        </p:grpSpPr>
+        <p:grpSp>
+          <p:nvGrpSpPr>
+            <p:cNvPr id="27" name="Group 26">
+              <a:extLst>
+                <a:ext uri="{FF2B5EF4-FFF2-40B4-BE49-F238E27FC236}">
+                  <a16:creationId xmlns:a16="http://schemas.microsoft.com/office/drawing/2014/main" id="{77BCD3DF-E10C-2266-B43E-C594BAC92A12}"/>
+                </a:ext>
+              </a:extLst>
+            </p:cNvPr>
+            <p:cNvGrpSpPr/>
+            <p:nvPr/>
+          </p:nvGrpSpPr>
+          <p:grpSpPr>
+            <a:xfrm>
+              <a:off x="5188226" y="2534478"/>
+              <a:ext cx="5705061" cy="1039937"/>
+              <a:chOff x="5188226" y="2534478"/>
+              <a:chExt cx="5705061" cy="1039937"/>
+            </a:xfrm>
+          </p:grpSpPr>
+          <p:cxnSp>
+            <p:nvCxnSpPr>
+              <p:cNvPr id="24" name="Straight Connector 23">
+                <a:extLst>
+                  <a:ext uri="{FF2B5EF4-FFF2-40B4-BE49-F238E27FC236}">
+                    <a16:creationId xmlns:a16="http://schemas.microsoft.com/office/drawing/2014/main" id="{2655C7AD-AAC9-BC71-1672-80C52A66CDB4}"/>
+                  </a:ext>
+                </a:extLst>
+              </p:cNvPr>
+              <p:cNvCxnSpPr/>
+              <p:nvPr/>
+            </p:nvCxnSpPr>
+            <p:spPr>
+              <a:xfrm>
+                <a:off x="5188226" y="3574415"/>
+                <a:ext cx="3658925" cy="0"/>
+              </a:xfrm>
+              <a:prstGeom prst="line">
+                <a:avLst/>
+              </a:prstGeom>
+              <a:ln w="38100"/>
+            </p:spPr>
+            <p:style>
+              <a:lnRef idx="1">
+                <a:schemeClr val="accent1"/>
+              </a:lnRef>
+              <a:fillRef idx="0">
+                <a:schemeClr val="accent1"/>
+              </a:fillRef>
+              <a:effectRef idx="0">
+                <a:schemeClr val="accent1"/>
+              </a:effectRef>
+              <a:fontRef idx="minor">
+                <a:schemeClr val="tx1"/>
+              </a:fontRef>
+            </p:style>
+          </p:cxnSp>
+          <p:cxnSp>
+            <p:nvCxnSpPr>
+              <p:cNvPr id="25" name="Straight Connector 24">
+                <a:extLst>
+                  <a:ext uri="{FF2B5EF4-FFF2-40B4-BE49-F238E27FC236}">
+                    <a16:creationId xmlns:a16="http://schemas.microsoft.com/office/drawing/2014/main" id="{9DE45EE6-538E-6753-17D6-8D55413E465E}"/>
+                  </a:ext>
+                </a:extLst>
+              </p:cNvPr>
+              <p:cNvCxnSpPr>
+                <a:cxnSpLocks/>
+              </p:cNvCxnSpPr>
+              <p:nvPr/>
+            </p:nvCxnSpPr>
+            <p:spPr>
+              <a:xfrm flipV="1">
+                <a:off x="8856676" y="2534478"/>
+                <a:ext cx="2036611" cy="1039937"/>
+              </a:xfrm>
+              <a:prstGeom prst="line">
+                <a:avLst/>
+              </a:prstGeom>
+              <a:ln w="38100">
+                <a:headEnd type="none" w="med" len="med"/>
+                <a:tailEnd type="triangle" w="med" len="med"/>
+              </a:ln>
+            </p:spPr>
+            <p:style>
+              <a:lnRef idx="1">
+                <a:schemeClr val="accent1"/>
+              </a:lnRef>
+              <a:fillRef idx="0">
+                <a:schemeClr val="accent1"/>
+              </a:fillRef>
+              <a:effectRef idx="0">
+                <a:schemeClr val="accent1"/>
+              </a:effectRef>
+              <a:fontRef idx="minor">
+                <a:schemeClr val="tx1"/>
+              </a:fontRef>
+            </p:style>
+          </p:cxnSp>
+        </p:grpSp>
+        <mc:AlternateContent xmlns:mc="http://schemas.openxmlformats.org/markup-compatibility/2006" xmlns:a14="http://schemas.microsoft.com/office/drawing/2010/main">
+          <mc:Choice Requires="a14">
+            <p:sp>
+              <p:nvSpPr>
+                <p:cNvPr id="28" name="TextBox 27">
+                  <a:extLst>
+                    <a:ext uri="{FF2B5EF4-FFF2-40B4-BE49-F238E27FC236}">
+                      <a16:creationId xmlns:a16="http://schemas.microsoft.com/office/drawing/2014/main" id="{A2C92CAB-FA65-97BB-3F64-1FB0A539897E}"/>
+                    </a:ext>
+                  </a:extLst>
+                </p:cNvPr>
+                <p:cNvSpPr txBox="1"/>
+                <p:nvPr/>
+              </p:nvSpPr>
+              <p:spPr>
+                <a:xfrm>
+                  <a:off x="4681330" y="3200400"/>
+                  <a:ext cx="2144561" cy="646331"/>
+                </a:xfrm>
+                <a:prstGeom prst="rect">
+                  <a:avLst/>
+                </a:prstGeom>
+                <a:noFill/>
+              </p:spPr>
+              <p:txBody>
+                <a:bodyPr wrap="none" rtlCol="0">
+                  <a:spAutoFit/>
+                </a:bodyPr>
+                <a:lstStyle/>
+                <a:p>
+                  <a:r>
+                    <a:rPr lang="en-US" dirty="0"/>
+                    <a:t>Treated Unit, </a:t>
+                  </a:r>
+                  <a14:m>
+                    <m:oMath xmlns:m="http://schemas.openxmlformats.org/officeDocument/2006/math">
+                      <m:sSub>
+                        <m:sSubPr>
+                          <m:ctrlPr>
+                            <a:rPr lang="en-US" b="0" i="1" dirty="0" smtClean="0">
+                              <a:latin typeface="Cambria Math" panose="02040503050406030204" pitchFamily="18" charset="0"/>
+                            </a:rPr>
+                          </m:ctrlPr>
+                        </m:sSubPr>
+                        <m:e>
+                          <m:r>
+                            <m:rPr>
+                              <m:sty m:val="p"/>
+                            </m:rPr>
+                            <a:rPr lang="en-US" b="0" i="0" dirty="0" smtClean="0">
+                              <a:latin typeface="Cambria Math" panose="02040503050406030204" pitchFamily="18" charset="0"/>
+                            </a:rPr>
+                            <m:t>W</m:t>
+                          </m:r>
+                        </m:e>
+                        <m:sub>
+                          <m:r>
+                            <m:rPr>
+                              <m:sty m:val="p"/>
+                            </m:rPr>
+                            <a:rPr lang="en-US" b="0" i="0" dirty="0" smtClean="0">
+                              <a:latin typeface="Cambria Math" panose="02040503050406030204" pitchFamily="18" charset="0"/>
+                            </a:rPr>
+                            <m:t>i</m:t>
+                          </m:r>
+                        </m:sub>
+                      </m:sSub>
+                      <m:r>
+                        <a:rPr lang="en-US" b="0" i="1" dirty="0" smtClean="0">
+                          <a:latin typeface="Cambria Math" panose="02040503050406030204" pitchFamily="18" charset="0"/>
+                        </a:rPr>
+                        <m:t>=1</m:t>
+                      </m:r>
+                    </m:oMath>
+                  </a14:m>
+                  <a:endParaRPr lang="en-US" dirty="0"/>
+                </a:p>
+                <a:p>
+                  <a:r>
+                    <a:rPr lang="en-US" dirty="0"/>
+                    <a:t> </a:t>
+                  </a:r>
+                </a:p>
+              </p:txBody>
+            </p:sp>
+          </mc:Choice>
+          <mc:Fallback xmlns="">
+            <p:sp>
+              <p:nvSpPr>
+                <p:cNvPr id="28" name="TextBox 27">
+                  <a:extLst>
+                    <a:ext uri="{FF2B5EF4-FFF2-40B4-BE49-F238E27FC236}">
+                      <a16:creationId xmlns:a16="http://schemas.microsoft.com/office/drawing/2014/main" id="{A2C92CAB-FA65-97BB-3F64-1FB0A539897E}"/>
+                    </a:ext>
+                  </a:extLst>
+                </p:cNvPr>
+                <p:cNvSpPr txBox="1">
+                  <a:spLocks noRot="1" noChangeAspect="1" noMove="1" noResize="1" noEditPoints="1" noAdjustHandles="1" noChangeArrowheads="1" noChangeShapeType="1" noTextEdit="1"/>
+                </p:cNvSpPr>
+                <p:nvPr/>
+              </p:nvSpPr>
+              <p:spPr>
+                <a:xfrm>
+                  <a:off x="4681330" y="3200400"/>
+                  <a:ext cx="2144561" cy="646331"/>
+                </a:xfrm>
+                <a:prstGeom prst="rect">
+                  <a:avLst/>
+                </a:prstGeom>
+                <a:blipFill>
+                  <a:blip r:embed="rId5"/>
+                  <a:stretch>
+                    <a:fillRect l="-2353" t="-3922"/>
+                  </a:stretch>
+                </a:blipFill>
+              </p:spPr>
+              <p:txBody>
+                <a:bodyPr/>
+                <a:lstStyle/>
+                <a:p>
+                  <a:r>
+                    <a:rPr lang="en-US">
+                      <a:noFill/>
+                    </a:rPr>
+                    <a:t> </a:t>
+                  </a:r>
+                </a:p>
+              </p:txBody>
+            </p:sp>
+          </mc:Fallback>
+        </mc:AlternateContent>
+      </p:grpSp>
+      <p:grpSp>
+        <p:nvGrpSpPr>
+          <p:cNvPr id="31" name="Group 30">
+            <a:extLst>
+              <a:ext uri="{FF2B5EF4-FFF2-40B4-BE49-F238E27FC236}">
+                <a16:creationId xmlns:a16="http://schemas.microsoft.com/office/drawing/2014/main" id="{7CA571B0-E146-9618-CF3A-79A28C95FA81}"/>
+              </a:ext>
+            </a:extLst>
+          </p:cNvPr>
+          <p:cNvGrpSpPr/>
+          <p:nvPr/>
+        </p:nvGrpSpPr>
+        <p:grpSpPr>
+          <a:xfrm>
+            <a:off x="4690854" y="3637659"/>
+            <a:ext cx="6385008" cy="646331"/>
+            <a:chOff x="4690854" y="3571873"/>
+            <a:chExt cx="6385008" cy="646331"/>
+          </a:xfrm>
+        </p:grpSpPr>
+        <p:grpSp>
+          <p:nvGrpSpPr>
+            <p:cNvPr id="32" name="Group 31">
+              <a:extLst>
+                <a:ext uri="{FF2B5EF4-FFF2-40B4-BE49-F238E27FC236}">
+                  <a16:creationId xmlns:a16="http://schemas.microsoft.com/office/drawing/2014/main" id="{ED6683C6-023A-CAB8-0432-0B6B2A917D7A}"/>
+                </a:ext>
+              </a:extLst>
+            </p:cNvPr>
+            <p:cNvGrpSpPr/>
+            <p:nvPr/>
+          </p:nvGrpSpPr>
+          <p:grpSpPr>
+            <a:xfrm>
+              <a:off x="5188226" y="3574415"/>
+              <a:ext cx="5887636" cy="21874"/>
+              <a:chOff x="5188226" y="3574415"/>
+              <a:chExt cx="5887636" cy="21874"/>
+            </a:xfrm>
+          </p:grpSpPr>
+          <p:cxnSp>
+            <p:nvCxnSpPr>
+              <p:cNvPr id="34" name="Straight Connector 33">
+                <a:extLst>
+                  <a:ext uri="{FF2B5EF4-FFF2-40B4-BE49-F238E27FC236}">
+                    <a16:creationId xmlns:a16="http://schemas.microsoft.com/office/drawing/2014/main" id="{A19C91AD-6611-D351-B0D3-225BFDFB017F}"/>
+                  </a:ext>
+                </a:extLst>
+              </p:cNvPr>
+              <p:cNvCxnSpPr/>
+              <p:nvPr/>
+            </p:nvCxnSpPr>
+            <p:spPr>
+              <a:xfrm>
+                <a:off x="5188226" y="3574415"/>
+                <a:ext cx="3658925" cy="0"/>
+              </a:xfrm>
+              <a:prstGeom prst="line">
+                <a:avLst/>
+              </a:prstGeom>
+              <a:ln w="38100">
+                <a:solidFill>
+                  <a:srgbClr val="00B050"/>
+                </a:solidFill>
+                <a:prstDash val="dash"/>
+              </a:ln>
+            </p:spPr>
+            <p:style>
+              <a:lnRef idx="1">
+                <a:schemeClr val="accent1"/>
+              </a:lnRef>
+              <a:fillRef idx="0">
+                <a:schemeClr val="accent1"/>
+              </a:fillRef>
+              <a:effectRef idx="0">
+                <a:schemeClr val="accent1"/>
+              </a:effectRef>
+              <a:fontRef idx="minor">
+                <a:schemeClr val="tx1"/>
+              </a:fontRef>
+            </p:style>
+          </p:cxnSp>
+          <p:cxnSp>
+            <p:nvCxnSpPr>
+              <p:cNvPr id="35" name="Straight Connector 34">
+                <a:extLst>
+                  <a:ext uri="{FF2B5EF4-FFF2-40B4-BE49-F238E27FC236}">
+                    <a16:creationId xmlns:a16="http://schemas.microsoft.com/office/drawing/2014/main" id="{86C9D997-534B-AEF3-54FA-ECCDBB3D52B1}"/>
+                  </a:ext>
+                </a:extLst>
+              </p:cNvPr>
+              <p:cNvCxnSpPr>
+                <a:cxnSpLocks/>
+              </p:cNvCxnSpPr>
+              <p:nvPr/>
+            </p:nvCxnSpPr>
+            <p:spPr>
+              <a:xfrm>
+                <a:off x="8856676" y="3574415"/>
+                <a:ext cx="2219186" cy="21874"/>
+              </a:xfrm>
+              <a:prstGeom prst="line">
+                <a:avLst/>
+              </a:prstGeom>
+              <a:ln w="38100">
+                <a:solidFill>
+                  <a:srgbClr val="00B050"/>
+                </a:solidFill>
+                <a:prstDash val="dash"/>
+                <a:headEnd type="none" w="med" len="med"/>
+                <a:tailEnd type="triangle" w="med" len="med"/>
+              </a:ln>
+            </p:spPr>
+            <p:style>
+              <a:lnRef idx="1">
+                <a:schemeClr val="accent1"/>
+              </a:lnRef>
+              <a:fillRef idx="0">
+                <a:schemeClr val="accent1"/>
+              </a:fillRef>
+              <a:effectRef idx="0">
+                <a:schemeClr val="accent1"/>
+              </a:effectRef>
+              <a:fontRef idx="minor">
+                <a:schemeClr val="tx1"/>
+              </a:fontRef>
+            </p:style>
+          </p:cxnSp>
+        </p:grpSp>
+        <mc:AlternateContent xmlns:mc="http://schemas.openxmlformats.org/markup-compatibility/2006" xmlns:a14="http://schemas.microsoft.com/office/drawing/2010/main">
+          <mc:Choice Requires="a14">
+            <p:sp>
+              <p:nvSpPr>
+                <p:cNvPr id="33" name="TextBox 32">
+                  <a:extLst>
+                    <a:ext uri="{FF2B5EF4-FFF2-40B4-BE49-F238E27FC236}">
+                      <a16:creationId xmlns:a16="http://schemas.microsoft.com/office/drawing/2014/main" id="{BFF0A07E-6EA1-0602-C9C7-FD8B4489E6A9}"/>
+                    </a:ext>
+                  </a:extLst>
+                </p:cNvPr>
+                <p:cNvSpPr txBox="1"/>
+                <p:nvPr/>
+              </p:nvSpPr>
+              <p:spPr>
+                <a:xfrm>
+                  <a:off x="4690854" y="3571873"/>
+                  <a:ext cx="2638351" cy="646331"/>
+                </a:xfrm>
+                <a:prstGeom prst="rect">
+                  <a:avLst/>
+                </a:prstGeom>
+                <a:noFill/>
+              </p:spPr>
+              <p:txBody>
+                <a:bodyPr wrap="none" rtlCol="0">
+                  <a:spAutoFit/>
+                </a:bodyPr>
+                <a:lstStyle/>
+                <a:p>
+                  <a:r>
+                    <a:rPr lang="en-US" dirty="0"/>
+                    <a:t>Ideal Control Unit, </a:t>
+                  </a:r>
+                  <a14:m>
+                    <m:oMath xmlns:m="http://schemas.openxmlformats.org/officeDocument/2006/math">
+                      <m:sSub>
+                        <m:sSubPr>
+                          <m:ctrlPr>
+                            <a:rPr lang="en-US" b="0" i="1" dirty="0" smtClean="0">
+                              <a:latin typeface="Cambria Math" panose="02040503050406030204" pitchFamily="18" charset="0"/>
+                            </a:rPr>
+                          </m:ctrlPr>
+                        </m:sSubPr>
+                        <m:e>
+                          <m:r>
+                            <m:rPr>
+                              <m:sty m:val="p"/>
+                            </m:rPr>
+                            <a:rPr lang="en-US" b="0" i="0" dirty="0" smtClean="0">
+                              <a:latin typeface="Cambria Math" panose="02040503050406030204" pitchFamily="18" charset="0"/>
+                            </a:rPr>
+                            <m:t>W</m:t>
+                          </m:r>
+                        </m:e>
+                        <m:sub>
+                          <m:r>
+                            <m:rPr>
+                              <m:sty m:val="p"/>
+                            </m:rPr>
+                            <a:rPr lang="en-US" b="0" i="0" dirty="0" smtClean="0">
+                              <a:latin typeface="Cambria Math" panose="02040503050406030204" pitchFamily="18" charset="0"/>
+                            </a:rPr>
+                            <m:t>i</m:t>
+                          </m:r>
+                        </m:sub>
+                      </m:sSub>
+                      <m:r>
+                        <a:rPr lang="en-US" b="0" i="1" dirty="0" smtClean="0">
+                          <a:latin typeface="Cambria Math" panose="02040503050406030204" pitchFamily="18" charset="0"/>
+                        </a:rPr>
+                        <m:t>=0</m:t>
+                      </m:r>
+                    </m:oMath>
+                  </a14:m>
+                  <a:endParaRPr lang="en-US" dirty="0"/>
+                </a:p>
+                <a:p>
+                  <a:r>
+                    <a:rPr lang="en-US" dirty="0"/>
+                    <a:t> </a:t>
+                  </a:r>
+                </a:p>
+              </p:txBody>
+            </p:sp>
+          </mc:Choice>
+          <mc:Fallback xmlns="">
+            <p:sp>
+              <p:nvSpPr>
+                <p:cNvPr id="33" name="TextBox 32">
+                  <a:extLst>
+                    <a:ext uri="{FF2B5EF4-FFF2-40B4-BE49-F238E27FC236}">
+                      <a16:creationId xmlns:a16="http://schemas.microsoft.com/office/drawing/2014/main" id="{BFF0A07E-6EA1-0602-C9C7-FD8B4489E6A9}"/>
+                    </a:ext>
+                  </a:extLst>
+                </p:cNvPr>
+                <p:cNvSpPr txBox="1">
+                  <a:spLocks noRot="1" noChangeAspect="1" noMove="1" noResize="1" noEditPoints="1" noAdjustHandles="1" noChangeArrowheads="1" noChangeShapeType="1" noTextEdit="1"/>
+                </p:cNvSpPr>
+                <p:nvPr/>
+              </p:nvSpPr>
+              <p:spPr>
+                <a:xfrm>
+                  <a:off x="4690854" y="3571873"/>
+                  <a:ext cx="2638351" cy="646331"/>
+                </a:xfrm>
+                <a:prstGeom prst="rect">
+                  <a:avLst/>
+                </a:prstGeom>
+                <a:blipFill>
+                  <a:blip r:embed="rId6"/>
+                  <a:stretch>
+                    <a:fillRect l="-1923" t="-3846"/>
+                  </a:stretch>
+                </a:blipFill>
+              </p:spPr>
+              <p:txBody>
+                <a:bodyPr/>
+                <a:lstStyle/>
+                <a:p>
+                  <a:r>
+                    <a:rPr lang="en-US">
+                      <a:noFill/>
+                    </a:rPr>
+                    <a:t> </a:t>
+                  </a:r>
+                </a:p>
+              </p:txBody>
+            </p:sp>
+          </mc:Fallback>
+        </mc:AlternateContent>
+      </p:grpSp>
+    </p:spTree>
+    <p:extLst>
+      <p:ext uri="{BB962C8B-B14F-4D97-AF65-F5344CB8AC3E}">
+        <p14:creationId xmlns:p14="http://schemas.microsoft.com/office/powerpoint/2010/main" val="1825857170"/>
+      </p:ext>
+    </p:extLst>
+  </p:cSld>
+  <p:clrMapOvr>
+    <a:masterClrMapping/>
+  </p:clrMapOvr>
+</p:sld>
+</file>
+
+<file path=ppt/slides/slide50.xml><?xml version="1.0" encoding="utf-8"?>
 <p:sld xmlns:a="http://schemas.openxmlformats.org/drawingml/2006/main" xmlns:r="http://schemas.openxmlformats.org/officeDocument/2006/relationships" xmlns:p="http://schemas.openxmlformats.org/presentationml/2006/main">
   <p:cSld>
     <p:spTree>
@@ -31814,7 +33923,7 @@
 </p:sld>
 </file>
 
-<file path=ppt/slides/slide49.xml><?xml version="1.0" encoding="utf-8"?>
+<file path=ppt/slides/slide51.xml><?xml version="1.0" encoding="utf-8"?>
 <p:sld xmlns:a="http://schemas.openxmlformats.org/drawingml/2006/main" xmlns:r="http://schemas.openxmlformats.org/officeDocument/2006/relationships" xmlns:p="http://schemas.openxmlformats.org/presentationml/2006/main">
   <p:cSld>
     <p:spTree>
@@ -31894,1054 +34003,7 @@
 </p:sld>
 </file>
 
-<file path=ppt/slides/slide5.xml><?xml version="1.0" encoding="utf-8"?>
-<p:sld xmlns:a="http://schemas.openxmlformats.org/drawingml/2006/main" xmlns:r="http://schemas.openxmlformats.org/officeDocument/2006/relationships" xmlns:p="http://schemas.openxmlformats.org/presentationml/2006/main">
-  <p:cSld>
-    <p:spTree>
-      <p:nvGrpSpPr>
-        <p:cNvPr id="1" name=""/>
-        <p:cNvGrpSpPr/>
-        <p:nvPr/>
-      </p:nvGrpSpPr>
-      <p:grpSpPr>
-        <a:xfrm>
-          <a:off x="0" y="0"/>
-          <a:ext cx="0" cy="0"/>
-          <a:chOff x="0" y="0"/>
-          <a:chExt cx="0" cy="0"/>
-        </a:xfrm>
-      </p:grpSpPr>
-      <p:sp>
-        <p:nvSpPr>
-          <p:cNvPr id="2" name="Title 1">
-            <a:extLst>
-              <a:ext uri="{FF2B5EF4-FFF2-40B4-BE49-F238E27FC236}">
-                <a16:creationId xmlns:a16="http://schemas.microsoft.com/office/drawing/2014/main" id="{8F3E3A31-C929-9471-D0A0-9A621F73217F}"/>
-              </a:ext>
-            </a:extLst>
-          </p:cNvPr>
-          <p:cNvSpPr>
-            <a:spLocks noGrp="1"/>
-          </p:cNvSpPr>
-          <p:nvPr>
-            <p:ph type="title"/>
-          </p:nvPr>
-        </p:nvSpPr>
-        <p:spPr/>
-        <p:txBody>
-          <a:bodyPr/>
-          <a:lstStyle/>
-          <a:p>
-            <a:r>
-              <a:rPr lang="en-US" dirty="0"/>
-              <a:t>The big picture</a:t>
-            </a:r>
-          </a:p>
-        </p:txBody>
-      </p:sp>
-      <p:sp>
-        <p:nvSpPr>
-          <p:cNvPr id="3" name="Content Placeholder 2">
-            <a:extLst>
-              <a:ext uri="{FF2B5EF4-FFF2-40B4-BE49-F238E27FC236}">
-                <a16:creationId xmlns:a16="http://schemas.microsoft.com/office/drawing/2014/main" id="{7D12C2C0-0B0C-E4E0-E5C9-6ED6B940A91D}"/>
-              </a:ext>
-            </a:extLst>
-          </p:cNvPr>
-          <p:cNvSpPr>
-            <a:spLocks noGrp="1"/>
-          </p:cNvSpPr>
-          <p:nvPr>
-            <p:ph idx="1"/>
-          </p:nvPr>
-        </p:nvSpPr>
-        <p:spPr>
-          <a:xfrm>
-            <a:off x="838200" y="1825624"/>
-            <a:ext cx="3672840" cy="4667239"/>
-          </a:xfrm>
-        </p:spPr>
-        <p:txBody>
-          <a:bodyPr>
-            <a:normAutofit lnSpcReduction="10000"/>
-          </a:bodyPr>
-          <a:lstStyle/>
-          <a:p>
-            <a:r>
-              <a:rPr lang="en-US" dirty="0"/>
-              <a:t>We track treated and control units over time, and see their outcomes before and after they are treated.</a:t>
-            </a:r>
-          </a:p>
-          <a:p>
-            <a:r>
-              <a:rPr lang="en-US" dirty="0"/>
-              <a:t>Before treatment, their outcomes have the </a:t>
-            </a:r>
-            <a:r>
-              <a:rPr lang="en-US" u="sng" dirty="0"/>
-              <a:t>exact same</a:t>
-            </a:r>
-            <a:r>
-              <a:rPr lang="en-US" dirty="0"/>
-              <a:t> trend.</a:t>
-            </a:r>
-          </a:p>
-          <a:p>
-            <a:r>
-              <a:rPr lang="en-US" dirty="0"/>
-              <a:t>We assume that the difference in trends after treatment is due to treatment.</a:t>
-            </a:r>
-          </a:p>
-        </p:txBody>
-      </p:sp>
-      <p:grpSp>
-        <p:nvGrpSpPr>
-          <p:cNvPr id="9" name="Group 8">
-            <a:extLst>
-              <a:ext uri="{FF2B5EF4-FFF2-40B4-BE49-F238E27FC236}">
-                <a16:creationId xmlns:a16="http://schemas.microsoft.com/office/drawing/2014/main" id="{4BA0EDC2-AD6C-AF3A-1602-704D4B103E9A}"/>
-              </a:ext>
-            </a:extLst>
-          </p:cNvPr>
-          <p:cNvGrpSpPr/>
-          <p:nvPr/>
-        </p:nvGrpSpPr>
-        <p:grpSpPr>
-          <a:xfrm>
-            <a:off x="4597180" y="1690688"/>
-            <a:ext cx="7508681" cy="3767455"/>
-            <a:chOff x="4597180" y="1690688"/>
-            <a:chExt cx="7508681" cy="3767455"/>
-          </a:xfrm>
-        </p:grpSpPr>
-        <p:cxnSp>
-          <p:nvCxnSpPr>
-            <p:cNvPr id="5" name="Straight Arrow Connector 4">
-              <a:extLst>
-                <a:ext uri="{FF2B5EF4-FFF2-40B4-BE49-F238E27FC236}">
-                  <a16:creationId xmlns:a16="http://schemas.microsoft.com/office/drawing/2014/main" id="{BE8E495F-8680-1ADC-CF34-E70F66290E18}"/>
-                </a:ext>
-              </a:extLst>
-            </p:cNvPr>
-            <p:cNvCxnSpPr/>
-            <p:nvPr/>
-          </p:nvCxnSpPr>
-          <p:spPr>
-            <a:xfrm flipV="1">
-              <a:off x="8847151" y="1690688"/>
-              <a:ext cx="0" cy="3767455"/>
-            </a:xfrm>
-            <a:prstGeom prst="straightConnector1">
-              <a:avLst/>
-            </a:prstGeom>
-            <a:ln w="38100">
-              <a:solidFill>
-                <a:schemeClr val="tx1"/>
-              </a:solidFill>
-              <a:tailEnd type="triangle"/>
-            </a:ln>
-          </p:spPr>
-          <p:style>
-            <a:lnRef idx="1">
-              <a:schemeClr val="accent1"/>
-            </a:lnRef>
-            <a:fillRef idx="0">
-              <a:schemeClr val="accent1"/>
-            </a:fillRef>
-            <a:effectRef idx="0">
-              <a:schemeClr val="accent1"/>
-            </a:effectRef>
-            <a:fontRef idx="minor">
-              <a:schemeClr val="tx1"/>
-            </a:fontRef>
-          </p:style>
-        </p:cxnSp>
-        <p:cxnSp>
-          <p:nvCxnSpPr>
-            <p:cNvPr id="6" name="Straight Arrow Connector 5">
-              <a:extLst>
-                <a:ext uri="{FF2B5EF4-FFF2-40B4-BE49-F238E27FC236}">
-                  <a16:creationId xmlns:a16="http://schemas.microsoft.com/office/drawing/2014/main" id="{75A93846-1185-281F-B86C-4C2C7793B136}"/>
-                </a:ext>
-              </a:extLst>
-            </p:cNvPr>
-            <p:cNvCxnSpPr>
-              <a:cxnSpLocks/>
-            </p:cNvCxnSpPr>
-            <p:nvPr/>
-          </p:nvCxnSpPr>
-          <p:spPr>
-            <a:xfrm flipH="1">
-              <a:off x="4597180" y="5024632"/>
-              <a:ext cx="7508681" cy="0"/>
-            </a:xfrm>
-            <a:prstGeom prst="straightConnector1">
-              <a:avLst/>
-            </a:prstGeom>
-            <a:ln w="38100">
-              <a:solidFill>
-                <a:schemeClr val="tx1"/>
-              </a:solidFill>
-              <a:headEnd type="triangle" w="med" len="med"/>
-              <a:tailEnd type="triangle" w="med" len="med"/>
-            </a:ln>
-          </p:spPr>
-          <p:style>
-            <a:lnRef idx="1">
-              <a:schemeClr val="accent1"/>
-            </a:lnRef>
-            <a:fillRef idx="0">
-              <a:schemeClr val="accent1"/>
-            </a:fillRef>
-            <a:effectRef idx="0">
-              <a:schemeClr val="accent1"/>
-            </a:effectRef>
-            <a:fontRef idx="minor">
-              <a:schemeClr val="tx1"/>
-            </a:fontRef>
-          </p:style>
-        </p:cxnSp>
-      </p:grpSp>
-      <mc:AlternateContent xmlns:mc="http://schemas.openxmlformats.org/markup-compatibility/2006">
-        <mc:Choice xmlns:a14="http://schemas.microsoft.com/office/drawing/2010/main" Requires="a14">
-          <p:sp>
-            <p:nvSpPr>
-              <p:cNvPr id="10" name="TextBox 9">
-                <a:extLst>
-                  <a:ext uri="{FF2B5EF4-FFF2-40B4-BE49-F238E27FC236}">
-                    <a16:creationId xmlns:a16="http://schemas.microsoft.com/office/drawing/2014/main" id="{8AF6BBD9-2648-997C-B880-C6596286D13D}"/>
-                  </a:ext>
-                </a:extLst>
-              </p:cNvPr>
-              <p:cNvSpPr txBox="1"/>
-              <p:nvPr/>
-            </p:nvSpPr>
-            <p:spPr>
-              <a:xfrm>
-                <a:off x="4661452" y="5347252"/>
-                <a:ext cx="2977610" cy="369332"/>
-              </a:xfrm>
-              <a:prstGeom prst="rect">
-                <a:avLst/>
-              </a:prstGeom>
-              <a:noFill/>
-            </p:spPr>
-            <p:txBody>
-              <a:bodyPr wrap="none" rtlCol="0">
-                <a:spAutoFit/>
-              </a:bodyPr>
-              <a:lstStyle/>
-              <a:p>
-                <a:r>
-                  <a:rPr lang="en-US" dirty="0"/>
-                  <a:t>Pre-Treatment Periods , </a:t>
-                </a:r>
-                <a14:m>
-                  <m:oMath xmlns:m="http://schemas.openxmlformats.org/officeDocument/2006/math">
-                    <m:r>
-                      <a:rPr lang="en-US" b="0" i="1" dirty="0" smtClean="0">
-                        <a:latin typeface="Cambria Math" panose="02040503050406030204" pitchFamily="18" charset="0"/>
-                      </a:rPr>
-                      <m:t>𝑡</m:t>
-                    </m:r>
-                    <m:r>
-                      <a:rPr lang="en-US" b="0" i="1" dirty="0" smtClean="0">
-                        <a:latin typeface="Cambria Math" panose="02040503050406030204" pitchFamily="18" charset="0"/>
-                      </a:rPr>
-                      <m:t>&lt;0</m:t>
-                    </m:r>
-                  </m:oMath>
-                </a14:m>
-                <a:endParaRPr lang="en-US" dirty="0"/>
-              </a:p>
-            </p:txBody>
-          </p:sp>
-        </mc:Choice>
-        <mc:Fallback>
-          <p:sp>
-            <p:nvSpPr>
-              <p:cNvPr id="10" name="TextBox 9">
-                <a:extLst>
-                  <a:ext uri="{FF2B5EF4-FFF2-40B4-BE49-F238E27FC236}">
-                    <a16:creationId xmlns:a16="http://schemas.microsoft.com/office/drawing/2014/main" id="{8AF6BBD9-2648-997C-B880-C6596286D13D}"/>
-                  </a:ext>
-                </a:extLst>
-              </p:cNvPr>
-              <p:cNvSpPr txBox="1">
-                <a:spLocks noRot="1" noChangeAspect="1" noMove="1" noResize="1" noEditPoints="1" noAdjustHandles="1" noChangeArrowheads="1" noChangeShapeType="1" noTextEdit="1"/>
-              </p:cNvSpPr>
-              <p:nvPr/>
-            </p:nvSpPr>
-            <p:spPr>
-              <a:xfrm>
-                <a:off x="4661452" y="5347252"/>
-                <a:ext cx="2977610" cy="369332"/>
-              </a:xfrm>
-              <a:prstGeom prst="rect">
-                <a:avLst/>
-              </a:prstGeom>
-              <a:blipFill>
-                <a:blip r:embed="rId2"/>
-                <a:stretch>
-                  <a:fillRect l="-2128" t="-3226" b="-22581"/>
-                </a:stretch>
-              </a:blipFill>
-            </p:spPr>
-            <p:txBody>
-              <a:bodyPr/>
-              <a:lstStyle/>
-              <a:p>
-                <a:r>
-                  <a:rPr lang="en-US">
-                    <a:noFill/>
-                  </a:rPr>
-                  <a:t> </a:t>
-                </a:r>
-              </a:p>
-            </p:txBody>
-          </p:sp>
-        </mc:Fallback>
-      </mc:AlternateContent>
-      <mc:AlternateContent xmlns:mc="http://schemas.openxmlformats.org/markup-compatibility/2006">
-        <mc:Choice xmlns:a14="http://schemas.microsoft.com/office/drawing/2010/main" Requires="a14">
-          <p:sp>
-            <p:nvSpPr>
-              <p:cNvPr id="11" name="TextBox 10">
-                <a:extLst>
-                  <a:ext uri="{FF2B5EF4-FFF2-40B4-BE49-F238E27FC236}">
-                    <a16:creationId xmlns:a16="http://schemas.microsoft.com/office/drawing/2014/main" id="{35C54765-1528-3CF1-EE47-6C4589E7C979}"/>
-                  </a:ext>
-                </a:extLst>
-              </p:cNvPr>
-              <p:cNvSpPr txBox="1"/>
-              <p:nvPr/>
-            </p:nvSpPr>
-            <p:spPr>
-              <a:xfrm>
-                <a:off x="9077739" y="5347252"/>
-                <a:ext cx="3110595" cy="369332"/>
-              </a:xfrm>
-              <a:prstGeom prst="rect">
-                <a:avLst/>
-              </a:prstGeom>
-              <a:noFill/>
-            </p:spPr>
-            <p:txBody>
-              <a:bodyPr wrap="none" rtlCol="0">
-                <a:spAutoFit/>
-              </a:bodyPr>
-              <a:lstStyle/>
-              <a:p>
-                <a:r>
-                  <a:rPr lang="en-US" dirty="0"/>
-                  <a:t>Post-Treatment Periods , </a:t>
-                </a:r>
-                <a14:m>
-                  <m:oMath xmlns:m="http://schemas.openxmlformats.org/officeDocument/2006/math">
-                    <m:r>
-                      <a:rPr lang="en-US" b="0" i="1" dirty="0" smtClean="0">
-                        <a:latin typeface="Cambria Math" panose="02040503050406030204" pitchFamily="18" charset="0"/>
-                      </a:rPr>
-                      <m:t>𝑡</m:t>
-                    </m:r>
-                    <m:r>
-                      <a:rPr lang="en-US" b="0" i="1" dirty="0" smtClean="0">
-                        <a:latin typeface="Cambria Math" panose="02040503050406030204" pitchFamily="18" charset="0"/>
-                      </a:rPr>
-                      <m:t>≥0 </m:t>
-                    </m:r>
-                  </m:oMath>
-                </a14:m>
-                <a:endParaRPr lang="en-US" dirty="0"/>
-              </a:p>
-            </p:txBody>
-          </p:sp>
-        </mc:Choice>
-        <mc:Fallback>
-          <p:sp>
-            <p:nvSpPr>
-              <p:cNvPr id="11" name="TextBox 10">
-                <a:extLst>
-                  <a:ext uri="{FF2B5EF4-FFF2-40B4-BE49-F238E27FC236}">
-                    <a16:creationId xmlns:a16="http://schemas.microsoft.com/office/drawing/2014/main" id="{35C54765-1528-3CF1-EE47-6C4589E7C979}"/>
-                  </a:ext>
-                </a:extLst>
-              </p:cNvPr>
-              <p:cNvSpPr txBox="1">
-                <a:spLocks noRot="1" noChangeAspect="1" noMove="1" noResize="1" noEditPoints="1" noAdjustHandles="1" noChangeArrowheads="1" noChangeShapeType="1" noTextEdit="1"/>
-              </p:cNvSpPr>
-              <p:nvPr/>
-            </p:nvSpPr>
-            <p:spPr>
-              <a:xfrm>
-                <a:off x="9077739" y="5347252"/>
-                <a:ext cx="3110595" cy="369332"/>
-              </a:xfrm>
-              <a:prstGeom prst="rect">
-                <a:avLst/>
-              </a:prstGeom>
-              <a:blipFill>
-                <a:blip r:embed="rId3"/>
-                <a:stretch>
-                  <a:fillRect l="-1626" t="-3226" b="-22581"/>
-                </a:stretch>
-              </a:blipFill>
-            </p:spPr>
-            <p:txBody>
-              <a:bodyPr/>
-              <a:lstStyle/>
-              <a:p>
-                <a:r>
-                  <a:rPr lang="en-US">
-                    <a:noFill/>
-                  </a:rPr>
-                  <a:t> </a:t>
-                </a:r>
-              </a:p>
-            </p:txBody>
-          </p:sp>
-        </mc:Fallback>
-      </mc:AlternateContent>
-      <mc:AlternateContent xmlns:mc="http://schemas.openxmlformats.org/markup-compatibility/2006">
-        <mc:Choice xmlns:a14="http://schemas.microsoft.com/office/drawing/2010/main" Requires="a14">
-          <p:sp>
-            <p:nvSpPr>
-              <p:cNvPr id="12" name="TextBox 11">
-                <a:extLst>
-                  <a:ext uri="{FF2B5EF4-FFF2-40B4-BE49-F238E27FC236}">
-                    <a16:creationId xmlns:a16="http://schemas.microsoft.com/office/drawing/2014/main" id="{33681B2F-705C-A98D-DA86-2D6744F55E28}"/>
-                  </a:ext>
-                </a:extLst>
-              </p:cNvPr>
-              <p:cNvSpPr txBox="1"/>
-              <p:nvPr/>
-            </p:nvSpPr>
-            <p:spPr>
-              <a:xfrm>
-                <a:off x="8151867" y="1288463"/>
-                <a:ext cx="1409617" cy="369332"/>
-              </a:xfrm>
-              <a:prstGeom prst="rect">
-                <a:avLst/>
-              </a:prstGeom>
-              <a:noFill/>
-            </p:spPr>
-            <p:txBody>
-              <a:bodyPr wrap="none" rtlCol="0">
-                <a:spAutoFit/>
-              </a:bodyPr>
-              <a:lstStyle/>
-              <a:p>
-                <a:r>
-                  <a:rPr lang="en-US" dirty="0"/>
-                  <a:t>Outcome, </a:t>
-                </a:r>
-                <a14:m>
-                  <m:oMath xmlns:m="http://schemas.openxmlformats.org/officeDocument/2006/math">
-                    <m:sSub>
-                      <m:sSubPr>
-                        <m:ctrlPr>
-                          <a:rPr lang="en-US" b="0" i="1" dirty="0" smtClean="0">
-                            <a:latin typeface="Cambria Math" panose="02040503050406030204" pitchFamily="18" charset="0"/>
-                          </a:rPr>
-                        </m:ctrlPr>
-                      </m:sSubPr>
-                      <m:e>
-                        <m:r>
-                          <a:rPr lang="en-US" b="0" i="1" dirty="0" smtClean="0">
-                            <a:latin typeface="Cambria Math" panose="02040503050406030204" pitchFamily="18" charset="0"/>
-                          </a:rPr>
-                          <m:t>𝑌</m:t>
-                        </m:r>
-                      </m:e>
-                      <m:sub>
-                        <m:r>
-                          <a:rPr lang="en-US" b="0" i="1" dirty="0" smtClean="0">
-                            <a:latin typeface="Cambria Math" panose="02040503050406030204" pitchFamily="18" charset="0"/>
-                          </a:rPr>
-                          <m:t>𝑖𝑡</m:t>
-                        </m:r>
-                      </m:sub>
-                    </m:sSub>
-                  </m:oMath>
-                </a14:m>
-                <a:endParaRPr lang="en-US" dirty="0"/>
-              </a:p>
-            </p:txBody>
-          </p:sp>
-        </mc:Choice>
-        <mc:Fallback>
-          <p:sp>
-            <p:nvSpPr>
-              <p:cNvPr id="12" name="TextBox 11">
-                <a:extLst>
-                  <a:ext uri="{FF2B5EF4-FFF2-40B4-BE49-F238E27FC236}">
-                    <a16:creationId xmlns:a16="http://schemas.microsoft.com/office/drawing/2014/main" id="{33681B2F-705C-A98D-DA86-2D6744F55E28}"/>
-                  </a:ext>
-                </a:extLst>
-              </p:cNvPr>
-              <p:cNvSpPr txBox="1">
-                <a:spLocks noRot="1" noChangeAspect="1" noMove="1" noResize="1" noEditPoints="1" noAdjustHandles="1" noChangeArrowheads="1" noChangeShapeType="1" noTextEdit="1"/>
-              </p:cNvSpPr>
-              <p:nvPr/>
-            </p:nvSpPr>
-            <p:spPr>
-              <a:xfrm>
-                <a:off x="8151867" y="1288463"/>
-                <a:ext cx="1409617" cy="369332"/>
-              </a:xfrm>
-              <a:prstGeom prst="rect">
-                <a:avLst/>
-              </a:prstGeom>
-              <a:blipFill>
-                <a:blip r:embed="rId4"/>
-                <a:stretch>
-                  <a:fillRect l="-3571" t="-6667" b="-26667"/>
-                </a:stretch>
-              </a:blipFill>
-            </p:spPr>
-            <p:txBody>
-              <a:bodyPr/>
-              <a:lstStyle/>
-              <a:p>
-                <a:r>
-                  <a:rPr lang="en-US">
-                    <a:noFill/>
-                  </a:rPr>
-                  <a:t> </a:t>
-                </a:r>
-              </a:p>
-            </p:txBody>
-          </p:sp>
-        </mc:Fallback>
-      </mc:AlternateContent>
-      <p:grpSp>
-        <p:nvGrpSpPr>
-          <p:cNvPr id="30" name="Group 29">
-            <a:extLst>
-              <a:ext uri="{FF2B5EF4-FFF2-40B4-BE49-F238E27FC236}">
-                <a16:creationId xmlns:a16="http://schemas.microsoft.com/office/drawing/2014/main" id="{5653368C-4D7C-51C9-E2EF-6333B111947A}"/>
-              </a:ext>
-            </a:extLst>
-          </p:cNvPr>
-          <p:cNvGrpSpPr/>
-          <p:nvPr/>
-        </p:nvGrpSpPr>
-        <p:grpSpPr>
-          <a:xfrm>
-            <a:off x="4681330" y="2534478"/>
-            <a:ext cx="6211957" cy="1312253"/>
-            <a:chOff x="4681330" y="2534478"/>
-            <a:chExt cx="6211957" cy="1312253"/>
-          </a:xfrm>
-        </p:grpSpPr>
-        <p:grpSp>
-          <p:nvGrpSpPr>
-            <p:cNvPr id="27" name="Group 26">
-              <a:extLst>
-                <a:ext uri="{FF2B5EF4-FFF2-40B4-BE49-F238E27FC236}">
-                  <a16:creationId xmlns:a16="http://schemas.microsoft.com/office/drawing/2014/main" id="{77BCD3DF-E10C-2266-B43E-C594BAC92A12}"/>
-                </a:ext>
-              </a:extLst>
-            </p:cNvPr>
-            <p:cNvGrpSpPr/>
-            <p:nvPr/>
-          </p:nvGrpSpPr>
-          <p:grpSpPr>
-            <a:xfrm>
-              <a:off x="5188226" y="2534478"/>
-              <a:ext cx="5705061" cy="1039937"/>
-              <a:chOff x="5188226" y="2534478"/>
-              <a:chExt cx="5705061" cy="1039937"/>
-            </a:xfrm>
-          </p:grpSpPr>
-          <p:cxnSp>
-            <p:nvCxnSpPr>
-              <p:cNvPr id="24" name="Straight Connector 23">
-                <a:extLst>
-                  <a:ext uri="{FF2B5EF4-FFF2-40B4-BE49-F238E27FC236}">
-                    <a16:creationId xmlns:a16="http://schemas.microsoft.com/office/drawing/2014/main" id="{2655C7AD-AAC9-BC71-1672-80C52A66CDB4}"/>
-                  </a:ext>
-                </a:extLst>
-              </p:cNvPr>
-              <p:cNvCxnSpPr/>
-              <p:nvPr/>
-            </p:nvCxnSpPr>
-            <p:spPr>
-              <a:xfrm>
-                <a:off x="5188226" y="3574415"/>
-                <a:ext cx="3658925" cy="0"/>
-              </a:xfrm>
-              <a:prstGeom prst="line">
-                <a:avLst/>
-              </a:prstGeom>
-              <a:ln w="38100"/>
-            </p:spPr>
-            <p:style>
-              <a:lnRef idx="1">
-                <a:schemeClr val="accent1"/>
-              </a:lnRef>
-              <a:fillRef idx="0">
-                <a:schemeClr val="accent1"/>
-              </a:fillRef>
-              <a:effectRef idx="0">
-                <a:schemeClr val="accent1"/>
-              </a:effectRef>
-              <a:fontRef idx="minor">
-                <a:schemeClr val="tx1"/>
-              </a:fontRef>
-            </p:style>
-          </p:cxnSp>
-          <p:cxnSp>
-            <p:nvCxnSpPr>
-              <p:cNvPr id="25" name="Straight Connector 24">
-                <a:extLst>
-                  <a:ext uri="{FF2B5EF4-FFF2-40B4-BE49-F238E27FC236}">
-                    <a16:creationId xmlns:a16="http://schemas.microsoft.com/office/drawing/2014/main" id="{9DE45EE6-538E-6753-17D6-8D55413E465E}"/>
-                  </a:ext>
-                </a:extLst>
-              </p:cNvPr>
-              <p:cNvCxnSpPr>
-                <a:cxnSpLocks/>
-              </p:cNvCxnSpPr>
-              <p:nvPr/>
-            </p:nvCxnSpPr>
-            <p:spPr>
-              <a:xfrm flipV="1">
-                <a:off x="8856676" y="2534478"/>
-                <a:ext cx="2036611" cy="1039937"/>
-              </a:xfrm>
-              <a:prstGeom prst="line">
-                <a:avLst/>
-              </a:prstGeom>
-              <a:ln w="38100">
-                <a:headEnd type="none" w="med" len="med"/>
-                <a:tailEnd type="triangle" w="med" len="med"/>
-              </a:ln>
-            </p:spPr>
-            <p:style>
-              <a:lnRef idx="1">
-                <a:schemeClr val="accent1"/>
-              </a:lnRef>
-              <a:fillRef idx="0">
-                <a:schemeClr val="accent1"/>
-              </a:fillRef>
-              <a:effectRef idx="0">
-                <a:schemeClr val="accent1"/>
-              </a:effectRef>
-              <a:fontRef idx="minor">
-                <a:schemeClr val="tx1"/>
-              </a:fontRef>
-            </p:style>
-          </p:cxnSp>
-        </p:grpSp>
-        <mc:AlternateContent xmlns:mc="http://schemas.openxmlformats.org/markup-compatibility/2006">
-          <mc:Choice xmlns:a14="http://schemas.microsoft.com/office/drawing/2010/main" Requires="a14">
-            <p:sp>
-              <p:nvSpPr>
-                <p:cNvPr id="28" name="TextBox 27">
-                  <a:extLst>
-                    <a:ext uri="{FF2B5EF4-FFF2-40B4-BE49-F238E27FC236}">
-                      <a16:creationId xmlns:a16="http://schemas.microsoft.com/office/drawing/2014/main" id="{A2C92CAB-FA65-97BB-3F64-1FB0A539897E}"/>
-                    </a:ext>
-                  </a:extLst>
-                </p:cNvPr>
-                <p:cNvSpPr txBox="1"/>
-                <p:nvPr/>
-              </p:nvSpPr>
-              <p:spPr>
-                <a:xfrm>
-                  <a:off x="4681330" y="3200400"/>
-                  <a:ext cx="2144561" cy="646331"/>
-                </a:xfrm>
-                <a:prstGeom prst="rect">
-                  <a:avLst/>
-                </a:prstGeom>
-                <a:noFill/>
-              </p:spPr>
-              <p:txBody>
-                <a:bodyPr wrap="none" rtlCol="0">
-                  <a:spAutoFit/>
-                </a:bodyPr>
-                <a:lstStyle/>
-                <a:p>
-                  <a:r>
-                    <a:rPr lang="en-US" dirty="0"/>
-                    <a:t>Treated Unit, </a:t>
-                  </a:r>
-                  <a14:m>
-                    <m:oMath xmlns:m="http://schemas.openxmlformats.org/officeDocument/2006/math">
-                      <m:sSub>
-                        <m:sSubPr>
-                          <m:ctrlPr>
-                            <a:rPr lang="en-US" b="0" i="0" dirty="0" smtClean="0">
-                              <a:latin typeface="Cambria Math" panose="02040503050406030204" pitchFamily="18" charset="0"/>
-                            </a:rPr>
-                          </m:ctrlPr>
-                        </m:sSubPr>
-                        <m:e>
-                          <m:r>
-                            <m:rPr>
-                              <m:sty m:val="p"/>
-                            </m:rPr>
-                            <a:rPr lang="en-US" b="0" i="0" dirty="0" smtClean="0">
-                              <a:latin typeface="Cambria Math" panose="02040503050406030204" pitchFamily="18" charset="0"/>
-                            </a:rPr>
-                            <m:t>W</m:t>
-                          </m:r>
-                        </m:e>
-                        <m:sub>
-                          <m:r>
-                            <m:rPr>
-                              <m:sty m:val="p"/>
-                            </m:rPr>
-                            <a:rPr lang="en-US" b="0" i="0" dirty="0" smtClean="0">
-                              <a:latin typeface="Cambria Math" panose="02040503050406030204" pitchFamily="18" charset="0"/>
-                            </a:rPr>
-                            <m:t>i</m:t>
-                          </m:r>
-                        </m:sub>
-                      </m:sSub>
-                      <m:r>
-                        <a:rPr lang="en-US" b="0" i="1" dirty="0" smtClean="0">
-                          <a:latin typeface="Cambria Math" panose="02040503050406030204" pitchFamily="18" charset="0"/>
-                        </a:rPr>
-                        <m:t>=1</m:t>
-                      </m:r>
-                    </m:oMath>
-                  </a14:m>
-                  <a:endParaRPr lang="en-US" dirty="0"/>
-                </a:p>
-                <a:p>
-                  <a:r>
-                    <a:rPr lang="en-US" dirty="0"/>
-                    <a:t> </a:t>
-                  </a:r>
-                </a:p>
-              </p:txBody>
-            </p:sp>
-          </mc:Choice>
-          <mc:Fallback>
-            <p:sp>
-              <p:nvSpPr>
-                <p:cNvPr id="28" name="TextBox 27">
-                  <a:extLst>
-                    <a:ext uri="{FF2B5EF4-FFF2-40B4-BE49-F238E27FC236}">
-                      <a16:creationId xmlns:a16="http://schemas.microsoft.com/office/drawing/2014/main" id="{A2C92CAB-FA65-97BB-3F64-1FB0A539897E}"/>
-                    </a:ext>
-                  </a:extLst>
-                </p:cNvPr>
-                <p:cNvSpPr txBox="1">
-                  <a:spLocks noRot="1" noChangeAspect="1" noMove="1" noResize="1" noEditPoints="1" noAdjustHandles="1" noChangeArrowheads="1" noChangeShapeType="1" noTextEdit="1"/>
-                </p:cNvSpPr>
-                <p:nvPr/>
-              </p:nvSpPr>
-              <p:spPr>
-                <a:xfrm>
-                  <a:off x="4681330" y="3200400"/>
-                  <a:ext cx="2144561" cy="646331"/>
-                </a:xfrm>
-                <a:prstGeom prst="rect">
-                  <a:avLst/>
-                </a:prstGeom>
-                <a:blipFill>
-                  <a:blip r:embed="rId5"/>
-                  <a:stretch>
-                    <a:fillRect l="-2353" t="-3922"/>
-                  </a:stretch>
-                </a:blipFill>
-              </p:spPr>
-              <p:txBody>
-                <a:bodyPr/>
-                <a:lstStyle/>
-                <a:p>
-                  <a:r>
-                    <a:rPr lang="en-US">
-                      <a:noFill/>
-                    </a:rPr>
-                    <a:t> </a:t>
-                  </a:r>
-                </a:p>
-              </p:txBody>
-            </p:sp>
-          </mc:Fallback>
-        </mc:AlternateContent>
-      </p:grpSp>
-      <p:grpSp>
-        <p:nvGrpSpPr>
-          <p:cNvPr id="31" name="Group 30">
-            <a:extLst>
-              <a:ext uri="{FF2B5EF4-FFF2-40B4-BE49-F238E27FC236}">
-                <a16:creationId xmlns:a16="http://schemas.microsoft.com/office/drawing/2014/main" id="{7CA571B0-E146-9618-CF3A-79A28C95FA81}"/>
-              </a:ext>
-            </a:extLst>
-          </p:cNvPr>
-          <p:cNvGrpSpPr/>
-          <p:nvPr/>
-        </p:nvGrpSpPr>
-        <p:grpSpPr>
-          <a:xfrm>
-            <a:off x="4690854" y="3637659"/>
-            <a:ext cx="6385008" cy="646331"/>
-            <a:chOff x="4690854" y="3571873"/>
-            <a:chExt cx="6385008" cy="646331"/>
-          </a:xfrm>
-        </p:grpSpPr>
-        <p:grpSp>
-          <p:nvGrpSpPr>
-            <p:cNvPr id="32" name="Group 31">
-              <a:extLst>
-                <a:ext uri="{FF2B5EF4-FFF2-40B4-BE49-F238E27FC236}">
-                  <a16:creationId xmlns:a16="http://schemas.microsoft.com/office/drawing/2014/main" id="{ED6683C6-023A-CAB8-0432-0B6B2A917D7A}"/>
-                </a:ext>
-              </a:extLst>
-            </p:cNvPr>
-            <p:cNvGrpSpPr/>
-            <p:nvPr/>
-          </p:nvGrpSpPr>
-          <p:grpSpPr>
-            <a:xfrm>
-              <a:off x="5188226" y="3574415"/>
-              <a:ext cx="5887636" cy="21874"/>
-              <a:chOff x="5188226" y="3574415"/>
-              <a:chExt cx="5887636" cy="21874"/>
-            </a:xfrm>
-          </p:grpSpPr>
-          <p:cxnSp>
-            <p:nvCxnSpPr>
-              <p:cNvPr id="34" name="Straight Connector 33">
-                <a:extLst>
-                  <a:ext uri="{FF2B5EF4-FFF2-40B4-BE49-F238E27FC236}">
-                    <a16:creationId xmlns:a16="http://schemas.microsoft.com/office/drawing/2014/main" id="{A19C91AD-6611-D351-B0D3-225BFDFB017F}"/>
-                  </a:ext>
-                </a:extLst>
-              </p:cNvPr>
-              <p:cNvCxnSpPr/>
-              <p:nvPr/>
-            </p:nvCxnSpPr>
-            <p:spPr>
-              <a:xfrm>
-                <a:off x="5188226" y="3574415"/>
-                <a:ext cx="3658925" cy="0"/>
-              </a:xfrm>
-              <a:prstGeom prst="line">
-                <a:avLst/>
-              </a:prstGeom>
-              <a:ln w="38100">
-                <a:solidFill>
-                  <a:srgbClr val="00B050"/>
-                </a:solidFill>
-                <a:prstDash val="dash"/>
-              </a:ln>
-            </p:spPr>
-            <p:style>
-              <a:lnRef idx="1">
-                <a:schemeClr val="accent1"/>
-              </a:lnRef>
-              <a:fillRef idx="0">
-                <a:schemeClr val="accent1"/>
-              </a:fillRef>
-              <a:effectRef idx="0">
-                <a:schemeClr val="accent1"/>
-              </a:effectRef>
-              <a:fontRef idx="minor">
-                <a:schemeClr val="tx1"/>
-              </a:fontRef>
-            </p:style>
-          </p:cxnSp>
-          <p:cxnSp>
-            <p:nvCxnSpPr>
-              <p:cNvPr id="35" name="Straight Connector 34">
-                <a:extLst>
-                  <a:ext uri="{FF2B5EF4-FFF2-40B4-BE49-F238E27FC236}">
-                    <a16:creationId xmlns:a16="http://schemas.microsoft.com/office/drawing/2014/main" id="{86C9D997-534B-AEF3-54FA-ECCDBB3D52B1}"/>
-                  </a:ext>
-                </a:extLst>
-              </p:cNvPr>
-              <p:cNvCxnSpPr>
-                <a:cxnSpLocks/>
-              </p:cNvCxnSpPr>
-              <p:nvPr/>
-            </p:nvCxnSpPr>
-            <p:spPr>
-              <a:xfrm>
-                <a:off x="8856676" y="3574415"/>
-                <a:ext cx="2219186" cy="21874"/>
-              </a:xfrm>
-              <a:prstGeom prst="line">
-                <a:avLst/>
-              </a:prstGeom>
-              <a:ln w="38100">
-                <a:solidFill>
-                  <a:srgbClr val="00B050"/>
-                </a:solidFill>
-                <a:prstDash val="dash"/>
-                <a:headEnd type="none" w="med" len="med"/>
-                <a:tailEnd type="triangle" w="med" len="med"/>
-              </a:ln>
-            </p:spPr>
-            <p:style>
-              <a:lnRef idx="1">
-                <a:schemeClr val="accent1"/>
-              </a:lnRef>
-              <a:fillRef idx="0">
-                <a:schemeClr val="accent1"/>
-              </a:fillRef>
-              <a:effectRef idx="0">
-                <a:schemeClr val="accent1"/>
-              </a:effectRef>
-              <a:fontRef idx="minor">
-                <a:schemeClr val="tx1"/>
-              </a:fontRef>
-            </p:style>
-          </p:cxnSp>
-        </p:grpSp>
-        <mc:AlternateContent xmlns:mc="http://schemas.openxmlformats.org/markup-compatibility/2006">
-          <mc:Choice xmlns:a14="http://schemas.microsoft.com/office/drawing/2010/main" Requires="a14">
-            <p:sp>
-              <p:nvSpPr>
-                <p:cNvPr id="33" name="TextBox 32">
-                  <a:extLst>
-                    <a:ext uri="{FF2B5EF4-FFF2-40B4-BE49-F238E27FC236}">
-                      <a16:creationId xmlns:a16="http://schemas.microsoft.com/office/drawing/2014/main" id="{BFF0A07E-6EA1-0602-C9C7-FD8B4489E6A9}"/>
-                    </a:ext>
-                  </a:extLst>
-                </p:cNvPr>
-                <p:cNvSpPr txBox="1"/>
-                <p:nvPr/>
-              </p:nvSpPr>
-              <p:spPr>
-                <a:xfrm>
-                  <a:off x="4690854" y="3571873"/>
-                  <a:ext cx="2638351" cy="646331"/>
-                </a:xfrm>
-                <a:prstGeom prst="rect">
-                  <a:avLst/>
-                </a:prstGeom>
-                <a:noFill/>
-              </p:spPr>
-              <p:txBody>
-                <a:bodyPr wrap="none" rtlCol="0">
-                  <a:spAutoFit/>
-                </a:bodyPr>
-                <a:lstStyle/>
-                <a:p>
-                  <a:r>
-                    <a:rPr lang="en-US" dirty="0"/>
-                    <a:t>Ideal Control Unit, </a:t>
-                  </a:r>
-                  <a14:m>
-                    <m:oMath xmlns:m="http://schemas.openxmlformats.org/officeDocument/2006/math">
-                      <m:sSub>
-                        <m:sSubPr>
-                          <m:ctrlPr>
-                            <a:rPr lang="en-US" b="0" i="0" dirty="0" smtClean="0">
-                              <a:latin typeface="Cambria Math" panose="02040503050406030204" pitchFamily="18" charset="0"/>
-                            </a:rPr>
-                          </m:ctrlPr>
-                        </m:sSubPr>
-                        <m:e>
-                          <m:r>
-                            <m:rPr>
-                              <m:sty m:val="p"/>
-                            </m:rPr>
-                            <a:rPr lang="en-US" b="0" i="0" dirty="0" smtClean="0">
-                              <a:latin typeface="Cambria Math" panose="02040503050406030204" pitchFamily="18" charset="0"/>
-                            </a:rPr>
-                            <m:t>W</m:t>
-                          </m:r>
-                        </m:e>
-                        <m:sub>
-                          <m:r>
-                            <m:rPr>
-                              <m:sty m:val="p"/>
-                            </m:rPr>
-                            <a:rPr lang="en-US" b="0" i="0" dirty="0" smtClean="0">
-                              <a:latin typeface="Cambria Math" panose="02040503050406030204" pitchFamily="18" charset="0"/>
-                            </a:rPr>
-                            <m:t>i</m:t>
-                          </m:r>
-                        </m:sub>
-                      </m:sSub>
-                      <m:r>
-                        <a:rPr lang="en-US" b="0" i="1" dirty="0" smtClean="0">
-                          <a:latin typeface="Cambria Math" panose="02040503050406030204" pitchFamily="18" charset="0"/>
-                        </a:rPr>
-                        <m:t>=0</m:t>
-                      </m:r>
-                    </m:oMath>
-                  </a14:m>
-                  <a:endParaRPr lang="en-US" dirty="0"/>
-                </a:p>
-                <a:p>
-                  <a:r>
-                    <a:rPr lang="en-US" dirty="0"/>
-                    <a:t> </a:t>
-                  </a:r>
-                </a:p>
-              </p:txBody>
-            </p:sp>
-          </mc:Choice>
-          <mc:Fallback>
-            <p:sp>
-              <p:nvSpPr>
-                <p:cNvPr id="33" name="TextBox 32">
-                  <a:extLst>
-                    <a:ext uri="{FF2B5EF4-FFF2-40B4-BE49-F238E27FC236}">
-                      <a16:creationId xmlns:a16="http://schemas.microsoft.com/office/drawing/2014/main" id="{BFF0A07E-6EA1-0602-C9C7-FD8B4489E6A9}"/>
-                    </a:ext>
-                  </a:extLst>
-                </p:cNvPr>
-                <p:cNvSpPr txBox="1">
-                  <a:spLocks noRot="1" noChangeAspect="1" noMove="1" noResize="1" noEditPoints="1" noAdjustHandles="1" noChangeArrowheads="1" noChangeShapeType="1" noTextEdit="1"/>
-                </p:cNvSpPr>
-                <p:nvPr/>
-              </p:nvSpPr>
-              <p:spPr>
-                <a:xfrm>
-                  <a:off x="4690854" y="3571873"/>
-                  <a:ext cx="2638351" cy="646331"/>
-                </a:xfrm>
-                <a:prstGeom prst="rect">
-                  <a:avLst/>
-                </a:prstGeom>
-                <a:blipFill>
-                  <a:blip r:embed="rId6"/>
-                  <a:stretch>
-                    <a:fillRect l="-1923" t="-3846"/>
-                  </a:stretch>
-                </a:blipFill>
-              </p:spPr>
-              <p:txBody>
-                <a:bodyPr/>
-                <a:lstStyle/>
-                <a:p>
-                  <a:r>
-                    <a:rPr lang="en-US">
-                      <a:noFill/>
-                    </a:rPr>
-                    <a:t> </a:t>
-                  </a:r>
-                </a:p>
-              </p:txBody>
-            </p:sp>
-          </mc:Fallback>
-        </mc:AlternateContent>
-      </p:grpSp>
-    </p:spTree>
-    <p:extLst>
-      <p:ext uri="{BB962C8B-B14F-4D97-AF65-F5344CB8AC3E}">
-        <p14:creationId xmlns:p14="http://schemas.microsoft.com/office/powerpoint/2010/main" val="1825857170"/>
-      </p:ext>
-    </p:extLst>
-  </p:cSld>
-  <p:clrMapOvr>
-    <a:masterClrMapping/>
-  </p:clrMapOvr>
-</p:sld>
-</file>
-
-<file path=ppt/slides/slide50.xml><?xml version="1.0" encoding="utf-8"?>
+<file path=ppt/slides/slide52.xml><?xml version="1.0" encoding="utf-8"?>
 <p:sld xmlns:a="http://schemas.openxmlformats.org/drawingml/2006/main" xmlns:r="http://schemas.openxmlformats.org/officeDocument/2006/relationships" xmlns:p="http://schemas.openxmlformats.org/presentationml/2006/main">
   <p:cSld>
     <p:spTree>
@@ -33024,7 +34086,7 @@
 </p:sld>
 </file>
 
-<file path=ppt/slides/slide51.xml><?xml version="1.0" encoding="utf-8"?>
+<file path=ppt/slides/slide53.xml><?xml version="1.0" encoding="utf-8"?>
 <p:sld xmlns:a="http://schemas.openxmlformats.org/drawingml/2006/main" xmlns:r="http://schemas.openxmlformats.org/officeDocument/2006/relationships" xmlns:p="http://schemas.openxmlformats.org/presentationml/2006/main">
   <p:cSld>
     <p:spTree>
@@ -33107,7 +34169,7 @@
 </p:sld>
 </file>
 
-<file path=ppt/slides/slide52.xml><?xml version="1.0" encoding="utf-8"?>
+<file path=ppt/slides/slide54.xml><?xml version="1.0" encoding="utf-8"?>
 <p:sld xmlns:a="http://schemas.openxmlformats.org/drawingml/2006/main" xmlns:r="http://schemas.openxmlformats.org/officeDocument/2006/relationships" xmlns:p="http://schemas.openxmlformats.org/presentationml/2006/main">
   <p:cSld>
     <p:spTree>
@@ -33199,7 +34261,7 @@
 </p:sld>
 </file>
 
-<file path=ppt/slides/slide53.xml><?xml version="1.0" encoding="utf-8"?>
+<file path=ppt/slides/slide55.xml><?xml version="1.0" encoding="utf-8"?>
 <p:sld xmlns:a="http://schemas.openxmlformats.org/drawingml/2006/main" xmlns:r="http://schemas.openxmlformats.org/officeDocument/2006/relationships" xmlns:p="http://schemas.openxmlformats.org/presentationml/2006/main">
   <p:cSld>
     <p:spTree>
@@ -33476,8 +34538,8 @@
           </p:style>
         </p:cxnSp>
       </p:grpSp>
-      <mc:AlternateContent xmlns:mc="http://schemas.openxmlformats.org/markup-compatibility/2006">
-        <mc:Choice xmlns:a14="http://schemas.microsoft.com/office/drawing/2010/main" Requires="a14">
+      <mc:AlternateContent xmlns:mc="http://schemas.openxmlformats.org/markup-compatibility/2006" xmlns:a14="http://schemas.microsoft.com/office/drawing/2010/main">
+        <mc:Choice Requires="a14">
           <p:sp>
             <p:nvSpPr>
               <p:cNvPr id="10" name="TextBox 9">
@@ -33531,7 +34593,7 @@
             </p:txBody>
           </p:sp>
         </mc:Choice>
-        <mc:Fallback>
+        <mc:Fallback xmlns="">
           <p:sp>
             <p:nvSpPr>
               <p:cNvPr id="10" name="TextBox 9">
@@ -33576,8 +34638,8 @@
           </p:sp>
         </mc:Fallback>
       </mc:AlternateContent>
-      <mc:AlternateContent xmlns:mc="http://schemas.openxmlformats.org/markup-compatibility/2006">
-        <mc:Choice xmlns:a14="http://schemas.microsoft.com/office/drawing/2010/main" Requires="a14">
+      <mc:AlternateContent xmlns:mc="http://schemas.openxmlformats.org/markup-compatibility/2006" xmlns:a14="http://schemas.microsoft.com/office/drawing/2010/main">
+        <mc:Choice Requires="a14">
           <p:sp>
             <p:nvSpPr>
               <p:cNvPr id="11" name="TextBox 10">
@@ -33631,7 +34693,7 @@
             </p:txBody>
           </p:sp>
         </mc:Choice>
-        <mc:Fallback>
+        <mc:Fallback xmlns="">
           <p:sp>
             <p:nvSpPr>
               <p:cNvPr id="11" name="TextBox 10">
@@ -33676,8 +34738,8 @@
           </p:sp>
         </mc:Fallback>
       </mc:AlternateContent>
-      <mc:AlternateContent xmlns:mc="http://schemas.openxmlformats.org/markup-compatibility/2006">
-        <mc:Choice xmlns:a14="http://schemas.microsoft.com/office/drawing/2010/main" Requires="a14">
+      <mc:AlternateContent xmlns:mc="http://schemas.openxmlformats.org/markup-compatibility/2006" xmlns:a14="http://schemas.microsoft.com/office/drawing/2010/main">
+        <mc:Choice Requires="a14">
           <p:sp>
             <p:nvSpPr>
               <p:cNvPr id="12" name="TextBox 11">
@@ -33744,7 +34806,7 @@
             </p:txBody>
           </p:sp>
         </mc:Choice>
-        <mc:Fallback>
+        <mc:Fallback xmlns="">
           <p:sp>
             <p:nvSpPr>
               <p:cNvPr id="12" name="TextBox 11">
@@ -33909,8 +34971,8 @@
             </p:style>
           </p:cxnSp>
         </p:grpSp>
-        <mc:AlternateContent xmlns:mc="http://schemas.openxmlformats.org/markup-compatibility/2006">
-          <mc:Choice xmlns:a14="http://schemas.microsoft.com/office/drawing/2010/main" Requires="a14">
+        <mc:AlternateContent xmlns:mc="http://schemas.openxmlformats.org/markup-compatibility/2006" xmlns:a14="http://schemas.microsoft.com/office/drawing/2010/main">
+          <mc:Choice Requires="a14">
             <p:sp>
               <p:nvSpPr>
                 <p:cNvPr id="28" name="TextBox 27">
@@ -33948,7 +35010,7 @@
                       <m:sSub>
                         <m:sSubPr>
                           <m:ctrlPr>
-                            <a:rPr lang="en-US" b="0" i="0" dirty="0" smtClean="0">
+                            <a:rPr lang="en-US" b="0" i="1" dirty="0" smtClean="0">
                               <a:latin typeface="Cambria Math" panose="02040503050406030204" pitchFamily="18" charset="0"/>
                             </a:rPr>
                           </m:ctrlPr>
@@ -33995,7 +35057,7 @@
               </p:txBody>
             </p:sp>
           </mc:Choice>
-          <mc:Fallback>
+          <mc:Fallback xmlns="">
             <p:sp>
               <p:nvSpPr>
                 <p:cNvPr id="28" name="TextBox 27">
@@ -34170,8 +35232,8 @@
             </p:style>
           </p:cxnSp>
         </p:grpSp>
-        <mc:AlternateContent xmlns:mc="http://schemas.openxmlformats.org/markup-compatibility/2006">
-          <mc:Choice xmlns:a14="http://schemas.microsoft.com/office/drawing/2010/main" Requires="a14">
+        <mc:AlternateContent xmlns:mc="http://schemas.openxmlformats.org/markup-compatibility/2006" xmlns:a14="http://schemas.microsoft.com/office/drawing/2010/main">
+          <mc:Choice Requires="a14">
             <p:sp>
               <p:nvSpPr>
                 <p:cNvPr id="33" name="TextBox 32">
@@ -34209,7 +35271,7 @@
                       <m:sSub>
                         <m:sSubPr>
                           <m:ctrlPr>
-                            <a:rPr lang="en-US" b="0" i="0" dirty="0" smtClean="0">
+                            <a:rPr lang="en-US" b="0" i="1" dirty="0" smtClean="0">
                               <a:latin typeface="Cambria Math" panose="02040503050406030204" pitchFamily="18" charset="0"/>
                             </a:rPr>
                           </m:ctrlPr>
@@ -34256,7 +35318,7 @@
               </p:txBody>
             </p:sp>
           </mc:Choice>
-          <mc:Fallback>
+          <mc:Fallback xmlns="">
             <p:sp>
               <p:nvSpPr>
                 <p:cNvPr id="33" name="TextBox 32">
@@ -34525,8 +35587,8 @@
           </p:style>
         </p:cxnSp>
       </p:grpSp>
-      <mc:AlternateContent xmlns:mc="http://schemas.openxmlformats.org/markup-compatibility/2006">
-        <mc:Choice xmlns:a14="http://schemas.microsoft.com/office/drawing/2010/main" Requires="a14">
+      <mc:AlternateContent xmlns:mc="http://schemas.openxmlformats.org/markup-compatibility/2006" xmlns:a14="http://schemas.microsoft.com/office/drawing/2010/main">
+        <mc:Choice Requires="a14">
           <p:sp>
             <p:nvSpPr>
               <p:cNvPr id="10" name="TextBox 9">
@@ -34580,7 +35642,7 @@
             </p:txBody>
           </p:sp>
         </mc:Choice>
-        <mc:Fallback>
+        <mc:Fallback xmlns="">
           <p:sp>
             <p:nvSpPr>
               <p:cNvPr id="10" name="TextBox 9">
@@ -34625,8 +35687,8 @@
           </p:sp>
         </mc:Fallback>
       </mc:AlternateContent>
-      <mc:AlternateContent xmlns:mc="http://schemas.openxmlformats.org/markup-compatibility/2006">
-        <mc:Choice xmlns:a14="http://schemas.microsoft.com/office/drawing/2010/main" Requires="a14">
+      <mc:AlternateContent xmlns:mc="http://schemas.openxmlformats.org/markup-compatibility/2006" xmlns:a14="http://schemas.microsoft.com/office/drawing/2010/main">
+        <mc:Choice Requires="a14">
           <p:sp>
             <p:nvSpPr>
               <p:cNvPr id="11" name="TextBox 10">
@@ -34680,7 +35742,7 @@
             </p:txBody>
           </p:sp>
         </mc:Choice>
-        <mc:Fallback>
+        <mc:Fallback xmlns="">
           <p:sp>
             <p:nvSpPr>
               <p:cNvPr id="11" name="TextBox 10">
@@ -34725,8 +35787,8 @@
           </p:sp>
         </mc:Fallback>
       </mc:AlternateContent>
-      <mc:AlternateContent xmlns:mc="http://schemas.openxmlformats.org/markup-compatibility/2006">
-        <mc:Choice xmlns:a14="http://schemas.microsoft.com/office/drawing/2010/main" Requires="a14">
+      <mc:AlternateContent xmlns:mc="http://schemas.openxmlformats.org/markup-compatibility/2006" xmlns:a14="http://schemas.microsoft.com/office/drawing/2010/main">
+        <mc:Choice Requires="a14">
           <p:sp>
             <p:nvSpPr>
               <p:cNvPr id="12" name="TextBox 11">
@@ -34793,7 +35855,7 @@
             </p:txBody>
           </p:sp>
         </mc:Choice>
-        <mc:Fallback>
+        <mc:Fallback xmlns="">
           <p:sp>
             <p:nvSpPr>
               <p:cNvPr id="12" name="TextBox 11">
@@ -34958,8 +36020,8 @@
             </p:style>
           </p:cxnSp>
         </p:grpSp>
-        <mc:AlternateContent xmlns:mc="http://schemas.openxmlformats.org/markup-compatibility/2006">
-          <mc:Choice xmlns:a14="http://schemas.microsoft.com/office/drawing/2010/main" Requires="a14">
+        <mc:AlternateContent xmlns:mc="http://schemas.openxmlformats.org/markup-compatibility/2006" xmlns:a14="http://schemas.microsoft.com/office/drawing/2010/main">
+          <mc:Choice Requires="a14">
             <p:sp>
               <p:nvSpPr>
                 <p:cNvPr id="28" name="TextBox 27">
@@ -34997,7 +36059,7 @@
                       <m:sSub>
                         <m:sSubPr>
                           <m:ctrlPr>
-                            <a:rPr lang="en-US" b="0" i="0" dirty="0" smtClean="0">
+                            <a:rPr lang="en-US" b="0" i="1" dirty="0" smtClean="0">
                               <a:latin typeface="Cambria Math" panose="02040503050406030204" pitchFamily="18" charset="0"/>
                             </a:rPr>
                           </m:ctrlPr>
@@ -35044,7 +36106,7 @@
               </p:txBody>
             </p:sp>
           </mc:Choice>
-          <mc:Fallback>
+          <mc:Fallback xmlns="">
             <p:sp>
               <p:nvSpPr>
                 <p:cNvPr id="28" name="TextBox 27">
@@ -35567,8 +36629,8 @@
           </a:p>
         </p:txBody>
       </p:sp>
-      <mc:AlternateContent xmlns:mc="http://schemas.openxmlformats.org/markup-compatibility/2006">
-        <mc:Choice xmlns:a14="http://schemas.microsoft.com/office/drawing/2010/main" Requires="a14">
+      <mc:AlternateContent xmlns:mc="http://schemas.openxmlformats.org/markup-compatibility/2006" xmlns:a14="http://schemas.microsoft.com/office/drawing/2010/main">
+        <mc:Choice Requires="a14">
           <p:sp>
             <p:nvSpPr>
               <p:cNvPr id="3" name="Content Placeholder 2">
@@ -35658,7 +36720,7 @@
             </p:txBody>
           </p:sp>
         </mc:Choice>
-        <mc:Fallback>
+        <mc:Fallback xmlns="">
           <p:sp>
             <p:nvSpPr>
               <p:cNvPr id="3" name="Content Placeholder 2">
@@ -35810,8 +36872,8 @@
           </p:style>
         </p:cxnSp>
       </p:grpSp>
-      <mc:AlternateContent xmlns:mc="http://schemas.openxmlformats.org/markup-compatibility/2006">
-        <mc:Choice xmlns:a14="http://schemas.microsoft.com/office/drawing/2010/main" Requires="a14">
+      <mc:AlternateContent xmlns:mc="http://schemas.openxmlformats.org/markup-compatibility/2006" xmlns:a14="http://schemas.microsoft.com/office/drawing/2010/main">
+        <mc:Choice Requires="a14">
           <p:sp>
             <p:nvSpPr>
               <p:cNvPr id="10" name="TextBox 9">
@@ -35865,7 +36927,7 @@
             </p:txBody>
           </p:sp>
         </mc:Choice>
-        <mc:Fallback>
+        <mc:Fallback xmlns="">
           <p:sp>
             <p:nvSpPr>
               <p:cNvPr id="10" name="TextBox 9">
@@ -35910,8 +36972,8 @@
           </p:sp>
         </mc:Fallback>
       </mc:AlternateContent>
-      <mc:AlternateContent xmlns:mc="http://schemas.openxmlformats.org/markup-compatibility/2006">
-        <mc:Choice xmlns:a14="http://schemas.microsoft.com/office/drawing/2010/main" Requires="a14">
+      <mc:AlternateContent xmlns:mc="http://schemas.openxmlformats.org/markup-compatibility/2006" xmlns:a14="http://schemas.microsoft.com/office/drawing/2010/main">
+        <mc:Choice Requires="a14">
           <p:sp>
             <p:nvSpPr>
               <p:cNvPr id="11" name="TextBox 10">
@@ -35965,7 +37027,7 @@
             </p:txBody>
           </p:sp>
         </mc:Choice>
-        <mc:Fallback>
+        <mc:Fallback xmlns="">
           <p:sp>
             <p:nvSpPr>
               <p:cNvPr id="11" name="TextBox 10">
@@ -36010,8 +37072,8 @@
           </p:sp>
         </mc:Fallback>
       </mc:AlternateContent>
-      <mc:AlternateContent xmlns:mc="http://schemas.openxmlformats.org/markup-compatibility/2006">
-        <mc:Choice xmlns:a14="http://schemas.microsoft.com/office/drawing/2010/main" Requires="a14">
+      <mc:AlternateContent xmlns:mc="http://schemas.openxmlformats.org/markup-compatibility/2006" xmlns:a14="http://schemas.microsoft.com/office/drawing/2010/main">
+        <mc:Choice Requires="a14">
           <p:sp>
             <p:nvSpPr>
               <p:cNvPr id="12" name="TextBox 11">
@@ -36078,7 +37140,7 @@
             </p:txBody>
           </p:sp>
         </mc:Choice>
-        <mc:Fallback>
+        <mc:Fallback xmlns="">
           <p:sp>
             <p:nvSpPr>
               <p:cNvPr id="12" name="TextBox 11">
@@ -36265,8 +37327,8 @@
               </p:style>
             </p:cxnSp>
           </p:grpSp>
-          <mc:AlternateContent xmlns:mc="http://schemas.openxmlformats.org/markup-compatibility/2006">
-            <mc:Choice xmlns:a14="http://schemas.microsoft.com/office/drawing/2010/main" Requires="a14">
+          <mc:AlternateContent xmlns:mc="http://schemas.openxmlformats.org/markup-compatibility/2006" xmlns:a14="http://schemas.microsoft.com/office/drawing/2010/main">
+            <mc:Choice Requires="a14">
               <p:sp>
                 <p:nvSpPr>
                   <p:cNvPr id="28" name="TextBox 27">
@@ -36304,7 +37366,7 @@
                         <m:sSub>
                           <m:sSubPr>
                             <m:ctrlPr>
-                              <a:rPr lang="en-US" b="0" i="0" dirty="0" smtClean="0">
+                              <a:rPr lang="en-US" b="0" i="1" dirty="0" smtClean="0">
                                 <a:latin typeface="Cambria Math" panose="02040503050406030204" pitchFamily="18" charset="0"/>
                               </a:rPr>
                             </m:ctrlPr>
@@ -36351,7 +37413,7 @@
                 </p:txBody>
               </p:sp>
             </mc:Choice>
-            <mc:Fallback>
+            <mc:Fallback xmlns="">
               <p:sp>
                 <p:nvSpPr>
                   <p:cNvPr id="28" name="TextBox 27">
@@ -36457,8 +37519,8 @@
             <a:chExt cx="6211957" cy="1100490"/>
           </a:xfrm>
         </p:grpSpPr>
-        <mc:AlternateContent xmlns:mc="http://schemas.openxmlformats.org/markup-compatibility/2006">
-          <mc:Choice xmlns:a14="http://schemas.microsoft.com/office/drawing/2010/main" Requires="a14">
+        <mc:AlternateContent xmlns:mc="http://schemas.openxmlformats.org/markup-compatibility/2006" xmlns:a14="http://schemas.microsoft.com/office/drawing/2010/main">
+          <mc:Choice Requires="a14">
             <p:sp>
               <p:nvSpPr>
                 <p:cNvPr id="33" name="TextBox 32">
@@ -36496,7 +37558,7 @@
                       <m:sSub>
                         <m:sSubPr>
                           <m:ctrlPr>
-                            <a:rPr lang="en-US" b="0" i="0" dirty="0" smtClean="0">
+                            <a:rPr lang="en-US" b="0" i="1" dirty="0" smtClean="0">
                               <a:latin typeface="Cambria Math" panose="02040503050406030204" pitchFamily="18" charset="0"/>
                             </a:rPr>
                           </m:ctrlPr>
@@ -36543,7 +37605,7 @@
               </p:txBody>
             </p:sp>
           </mc:Choice>
-          <mc:Fallback>
+          <mc:Fallback xmlns="">
             <p:sp>
               <p:nvSpPr>
                 <p:cNvPr id="33" name="TextBox 32">

--- a/Powerpoints/6 DiffnDiff (WIP).pptx
+++ b/Powerpoints/6 DiffnDiff (WIP).pptx
@@ -14485,7 +14485,9 @@
             </p:nvSpPr>
             <p:spPr/>
             <p:txBody>
-              <a:bodyPr/>
+              <a:bodyPr>
+                <a:normAutofit fontScale="92500" lnSpcReduction="10000"/>
+              </a:bodyPr>
               <a:lstStyle/>
               <a:p>
                 <a:r>
@@ -14750,12 +14752,165 @@
               <a:p>
                 <a:r>
                   <a:rPr lang="en-US" dirty="0"/>
-                  <a:t>How do we do inference and get a p-value</a:t>
+                  <a:t>There are two main methods to do inference and get p-values:</a:t>
                 </a:r>
+              </a:p>
+              <a:p>
+                <a:pPr marL="514350" indent="-514350">
+                  <a:buFont typeface="+mj-lt"/>
+                  <a:buAutoNum type="arabicPeriod"/>
+                </a:pPr>
+                <a:r>
+                  <a:rPr lang="en-US" dirty="0"/>
+                  <a:t>Permutation / Fischer Exact Test: pretend other control units </a:t>
+                </a:r>
+                <a14:m>
+                  <m:oMath xmlns:m="http://schemas.openxmlformats.org/officeDocument/2006/math">
+                    <m:r>
+                      <a:rPr lang="en-US" b="0" i="1" smtClean="0">
+                        <a:latin typeface="Cambria Math" panose="02040503050406030204" pitchFamily="18" charset="0"/>
+                      </a:rPr>
+                      <m:t>𝑖</m:t>
+                    </m:r>
+                    <m:r>
+                      <a:rPr lang="en-US" b="0" i="1" smtClean="0">
+                        <a:latin typeface="Cambria Math" panose="02040503050406030204" pitchFamily="18" charset="0"/>
+                      </a:rPr>
+                      <m:t>=1,…,</m:t>
+                    </m:r>
+                    <m:r>
+                      <a:rPr lang="en-US" b="0" i="1" smtClean="0">
+                        <a:latin typeface="Cambria Math" panose="02040503050406030204" pitchFamily="18" charset="0"/>
+                      </a:rPr>
+                      <m:t>𝑁</m:t>
+                    </m:r>
+                  </m:oMath>
+                </a14:m>
+                <a:r>
+                  <a:rPr lang="en-US" dirty="0"/>
+                  <a:t> are treated and estimate a corresponding treatment </a:t>
+                </a:r>
+                <a14:m>
+                  <m:oMath xmlns:m="http://schemas.openxmlformats.org/officeDocument/2006/math">
+                    <m:sSub>
+                      <m:sSubPr>
+                        <m:ctrlPr>
+                          <a:rPr lang="en-US" b="0" i="1" dirty="0" smtClean="0">
+                            <a:latin typeface="Cambria Math" panose="02040503050406030204" pitchFamily="18" charset="0"/>
+                          </a:rPr>
+                        </m:ctrlPr>
+                      </m:sSubPr>
+                      <m:e>
+                        <m:r>
+                          <a:rPr lang="en-US" b="0" i="1" dirty="0" smtClean="0">
+                            <a:latin typeface="Cambria Math" panose="02040503050406030204" pitchFamily="18" charset="0"/>
+                          </a:rPr>
+                          <m:t>𝜏</m:t>
+                        </m:r>
+                      </m:e>
+                      <m:sub>
+                        <m:r>
+                          <a:rPr lang="en-US" b="0" i="1" dirty="0" smtClean="0">
+                            <a:latin typeface="Cambria Math" panose="02040503050406030204" pitchFamily="18" charset="0"/>
+                          </a:rPr>
+                          <m:t>1</m:t>
+                        </m:r>
+                      </m:sub>
+                    </m:sSub>
+                    <m:r>
+                      <a:rPr lang="en-US" b="0" i="1" dirty="0" smtClean="0">
+                        <a:latin typeface="Cambria Math" panose="02040503050406030204" pitchFamily="18" charset="0"/>
+                      </a:rPr>
+                      <m:t>,…,</m:t>
+                    </m:r>
+                    <m:sSub>
+                      <m:sSubPr>
+                        <m:ctrlPr>
+                          <a:rPr lang="en-US" b="0" i="1" dirty="0" smtClean="0">
+                            <a:latin typeface="Cambria Math" panose="02040503050406030204" pitchFamily="18" charset="0"/>
+                          </a:rPr>
+                        </m:ctrlPr>
+                      </m:sSubPr>
+                      <m:e>
+                        <m:r>
+                          <a:rPr lang="en-US" b="0" i="1" dirty="0" smtClean="0">
+                            <a:latin typeface="Cambria Math" panose="02040503050406030204" pitchFamily="18" charset="0"/>
+                          </a:rPr>
+                          <m:t>𝜏</m:t>
+                        </m:r>
+                      </m:e>
+                      <m:sub>
+                        <m:r>
+                          <a:rPr lang="en-US" b="0" i="1" dirty="0" smtClean="0">
+                            <a:latin typeface="Cambria Math" panose="02040503050406030204" pitchFamily="18" charset="0"/>
+                          </a:rPr>
+                          <m:t>𝑁</m:t>
+                        </m:r>
+                      </m:sub>
+                    </m:sSub>
+                  </m:oMath>
+                </a14:m>
+                <a:r>
+                  <a:rPr lang="en-US" dirty="0"/>
+                  <a:t>. Compare </a:t>
+                </a:r>
+                <a14:m>
+                  <m:oMath xmlns:m="http://schemas.openxmlformats.org/officeDocument/2006/math">
+                    <m:r>
+                      <a:rPr lang="en-US" i="1" dirty="0">
+                        <a:latin typeface="Cambria Math" panose="02040503050406030204" pitchFamily="18" charset="0"/>
+                      </a:rPr>
+                      <m:t>𝜏</m:t>
+                    </m:r>
+                  </m:oMath>
+                </a14:m>
+                <a:r>
+                  <a:rPr lang="en-US" dirty="0"/>
+                  <a:t> to these ”control effects.”</a:t>
+                </a:r>
+              </a:p>
+              <a:p>
+                <a:pPr marL="971550" lvl="1" indent="-514350">
+                  <a:buFont typeface="+mj-lt"/>
+                  <a:buAutoNum type="arabicPeriod"/>
+                </a:pPr>
+                <a:r>
+                  <a:rPr lang="en-US" dirty="0"/>
+                  <a:t>A modified version is to weight each “control effect” with a propensity score.</a:t>
+                </a:r>
+              </a:p>
+              <a:p>
+                <a:pPr marL="971550" lvl="1" indent="-514350">
+                  <a:buFont typeface="+mj-lt"/>
+                  <a:buAutoNum type="arabicPeriod"/>
+                </a:pPr>
+                <a:r>
+                  <a:rPr lang="en-US" dirty="0"/>
+                  <a:t>Instead of permuting over control units, you can permute over treatment periods.</a:t>
+                </a:r>
+              </a:p>
+              <a:p>
+                <a:pPr marL="514350" indent="-514350">
+                  <a:buFont typeface="+mj-lt"/>
+                  <a:buAutoNum type="arabicPeriod"/>
+                </a:pPr>
                 <a:r>
                   <a:rPr lang="en-US"/>
-                  <a:t>/confidence-interval?</a:t>
+                  <a:t>Conformal Inference: </a:t>
                 </a:r>
+              </a:p>
+              <a:p>
+                <a:pPr marL="514350" indent="-514350">
+                  <a:buFont typeface="+mj-lt"/>
+                  <a:buAutoNum type="arabicPeriod"/>
+                </a:pPr>
+                <a:endParaRPr lang="en-US" dirty="0"/>
+              </a:p>
+              <a:p>
+                <a:pPr marL="514350" indent="-514350">
+                  <a:buFont typeface="+mj-lt"/>
+                  <a:buAutoNum type="arabicPeriod"/>
+                </a:pPr>
                 <a:endParaRPr lang="en-US" dirty="0"/>
               </a:p>
             </p:txBody>
@@ -14782,7 +14937,7 @@
               <a:blipFill>
                 <a:blip r:embed="rId2"/>
                 <a:stretch>
-                  <a:fillRect l="-1086" t="-18314"/>
+                  <a:fillRect l="-1086" t="-19186" b="-872"/>
                 </a:stretch>
               </a:blipFill>
             </p:spPr>

--- a/Powerpoints/6 DiffnDiff (WIP).pptx
+++ b/Powerpoints/6 DiffnDiff (WIP).pptx
@@ -14486,7 +14486,7 @@
             <p:spPr/>
             <p:txBody>
               <a:bodyPr>
-                <a:normAutofit fontScale="92500" lnSpcReduction="10000"/>
+                <a:normAutofit fontScale="77500" lnSpcReduction="20000"/>
               </a:bodyPr>
               <a:lstStyle/>
               <a:p>
@@ -14895,9 +14895,32 @@
                   <a:buAutoNum type="arabicPeriod"/>
                 </a:pPr>
                 <a:r>
+                  <a:rPr lang="en-US" dirty="0"/>
+                  <a:t>Conformal Inference: this follows </a:t>
+                </a:r>
+                <a:r>
+                  <a:rPr lang="en-US" dirty="0" err="1"/>
+                  <a:t>Chernozhukov</a:t>
+                </a:r>
+                <a:r>
+                  <a:rPr lang="en-US" dirty="0"/>
+                  <a:t>, Wuthrich, and Zhu (2017). The high-level approach is that given the predicted pre-trend, what is the likelihood of seeing the observed post-treatment trend?</a:t>
+                </a:r>
+              </a:p>
+              <a:p>
+                <a:pPr marL="971550" lvl="1" indent="-514350">
+                  <a:buFont typeface="+mj-lt"/>
+                  <a:buAutoNum type="arabicPeriod"/>
+                </a:pPr>
+                <a:r>
+                  <a:rPr lang="en-US" dirty="0"/>
+                  <a:t>Compared to the permutation-based methods, this method is much faster and can </a:t>
+                </a:r>
+                <a:r>
                   <a:rPr lang="en-US"/>
-                  <a:t>Conformal Inference: </a:t>
+                  <a:t>be applied to any SC model.</a:t>
                 </a:r>
+                <a:endParaRPr lang="en-US" dirty="0"/>
               </a:p>
               <a:p>
                 <a:pPr marL="514350" indent="-514350">
@@ -14937,7 +14960,7 @@
               <a:blipFill>
                 <a:blip r:embed="rId2"/>
                 <a:stretch>
-                  <a:fillRect l="-1086" t="-19186" b="-872"/>
+                  <a:fillRect l="-844" t="-17442" b="-1744"/>
                 </a:stretch>
               </a:blipFill>
             </p:spPr>

--- a/Powerpoints/6 DiffnDiff (WIP).pptx
+++ b/Powerpoints/6 DiffnDiff (WIP).pptx
@@ -5,7 +5,7 @@
     <p:sldMasterId id="2147483648" r:id="rId1"/>
   </p:sldMasterIdLst>
   <p:notesMasterIdLst>
-    <p:notesMasterId r:id="rId57"/>
+    <p:notesMasterId r:id="rId59"/>
   </p:notesMasterIdLst>
   <p:sldIdLst>
     <p:sldId id="257" r:id="rId2"/>
@@ -34,35 +34,37 @@
     <p:sldId id="353" r:id="rId25"/>
     <p:sldId id="361" r:id="rId26"/>
     <p:sldId id="362" r:id="rId27"/>
-    <p:sldId id="356" r:id="rId28"/>
-    <p:sldId id="354" r:id="rId29"/>
-    <p:sldId id="317" r:id="rId30"/>
-    <p:sldId id="302" r:id="rId31"/>
-    <p:sldId id="307" r:id="rId32"/>
-    <p:sldId id="308" r:id="rId33"/>
-    <p:sldId id="309" r:id="rId34"/>
-    <p:sldId id="310" r:id="rId35"/>
-    <p:sldId id="311" r:id="rId36"/>
-    <p:sldId id="312" r:id="rId37"/>
-    <p:sldId id="313" r:id="rId38"/>
-    <p:sldId id="314" r:id="rId39"/>
-    <p:sldId id="315" r:id="rId40"/>
-    <p:sldId id="332" r:id="rId41"/>
-    <p:sldId id="329" r:id="rId42"/>
-    <p:sldId id="330" r:id="rId43"/>
-    <p:sldId id="331" r:id="rId44"/>
-    <p:sldId id="319" r:id="rId45"/>
-    <p:sldId id="316" r:id="rId46"/>
-    <p:sldId id="324" r:id="rId47"/>
-    <p:sldId id="325" r:id="rId48"/>
-    <p:sldId id="326" r:id="rId49"/>
-    <p:sldId id="327" r:id="rId50"/>
-    <p:sldId id="328" r:id="rId51"/>
-    <p:sldId id="333" r:id="rId52"/>
-    <p:sldId id="321" r:id="rId53"/>
-    <p:sldId id="322" r:id="rId54"/>
-    <p:sldId id="305" r:id="rId55"/>
-    <p:sldId id="323" r:id="rId56"/>
+    <p:sldId id="363" r:id="rId28"/>
+    <p:sldId id="364" r:id="rId29"/>
+    <p:sldId id="356" r:id="rId30"/>
+    <p:sldId id="354" r:id="rId31"/>
+    <p:sldId id="317" r:id="rId32"/>
+    <p:sldId id="302" r:id="rId33"/>
+    <p:sldId id="307" r:id="rId34"/>
+    <p:sldId id="308" r:id="rId35"/>
+    <p:sldId id="309" r:id="rId36"/>
+    <p:sldId id="310" r:id="rId37"/>
+    <p:sldId id="311" r:id="rId38"/>
+    <p:sldId id="312" r:id="rId39"/>
+    <p:sldId id="313" r:id="rId40"/>
+    <p:sldId id="314" r:id="rId41"/>
+    <p:sldId id="315" r:id="rId42"/>
+    <p:sldId id="332" r:id="rId43"/>
+    <p:sldId id="329" r:id="rId44"/>
+    <p:sldId id="330" r:id="rId45"/>
+    <p:sldId id="331" r:id="rId46"/>
+    <p:sldId id="319" r:id="rId47"/>
+    <p:sldId id="316" r:id="rId48"/>
+    <p:sldId id="324" r:id="rId49"/>
+    <p:sldId id="325" r:id="rId50"/>
+    <p:sldId id="326" r:id="rId51"/>
+    <p:sldId id="327" r:id="rId52"/>
+    <p:sldId id="328" r:id="rId53"/>
+    <p:sldId id="333" r:id="rId54"/>
+    <p:sldId id="321" r:id="rId55"/>
+    <p:sldId id="322" r:id="rId56"/>
+    <p:sldId id="305" r:id="rId57"/>
+    <p:sldId id="323" r:id="rId58"/>
   </p:sldIdLst>
   <p:sldSz cx="12192000" cy="6858000"/>
   <p:notesSz cx="6858000" cy="9144000"/>
@@ -251,7 +253,7 @@
           <a:p>
             <a:fld id="{BC90CB22-C839-6149-99A7-A90D8892B5C9}" type="datetimeFigureOut">
               <a:rPr lang="en-US" smtClean="0"/>
-              <a:t>10/24/22</a:t>
+              <a:t>10/25/22</a:t>
             </a:fld>
             <a:endParaRPr lang="en-US"/>
           </a:p>
@@ -602,7 +604,7 @@
           <a:p>
             <a:fld id="{34814EBF-23B0-C640-95FE-808FB0AFD5B4}" type="slidenum">
               <a:rPr lang="en-US" smtClean="0"/>
-              <a:t>39</a:t>
+              <a:t>41</a:t>
             </a:fld>
             <a:endParaRPr lang="en-US"/>
           </a:p>
@@ -725,7 +727,7 @@
           <a:p>
             <a:fld id="{34814EBF-23B0-C640-95FE-808FB0AFD5B4}" type="slidenum">
               <a:rPr lang="en-US" smtClean="0"/>
-              <a:t>42</a:t>
+              <a:t>44</a:t>
             </a:fld>
             <a:endParaRPr lang="en-US"/>
           </a:p>
@@ -891,7 +893,7 @@
           <a:p>
             <a:fld id="{6A51730C-A43A-674C-AA66-C618CC514046}" type="datetimeFigureOut">
               <a:rPr lang="en-US" smtClean="0"/>
-              <a:t>10/24/22</a:t>
+              <a:t>10/25/22</a:t>
             </a:fld>
             <a:endParaRPr lang="en-US"/>
           </a:p>
@@ -1089,7 +1091,7 @@
           <a:p>
             <a:fld id="{6A51730C-A43A-674C-AA66-C618CC514046}" type="datetimeFigureOut">
               <a:rPr lang="en-US" smtClean="0"/>
-              <a:t>10/24/22</a:t>
+              <a:t>10/25/22</a:t>
             </a:fld>
             <a:endParaRPr lang="en-US"/>
           </a:p>
@@ -1297,7 +1299,7 @@
           <a:p>
             <a:fld id="{6A51730C-A43A-674C-AA66-C618CC514046}" type="datetimeFigureOut">
               <a:rPr lang="en-US" smtClean="0"/>
-              <a:t>10/24/22</a:t>
+              <a:t>10/25/22</a:t>
             </a:fld>
             <a:endParaRPr lang="en-US"/>
           </a:p>
@@ -1495,7 +1497,7 @@
           <a:p>
             <a:fld id="{6A51730C-A43A-674C-AA66-C618CC514046}" type="datetimeFigureOut">
               <a:rPr lang="en-US" smtClean="0"/>
-              <a:t>10/24/22</a:t>
+              <a:t>10/25/22</a:t>
             </a:fld>
             <a:endParaRPr lang="en-US"/>
           </a:p>
@@ -1770,7 +1772,7 @@
           <a:p>
             <a:fld id="{6A51730C-A43A-674C-AA66-C618CC514046}" type="datetimeFigureOut">
               <a:rPr lang="en-US" smtClean="0"/>
-              <a:t>10/24/22</a:t>
+              <a:t>10/25/22</a:t>
             </a:fld>
             <a:endParaRPr lang="en-US"/>
           </a:p>
@@ -2035,7 +2037,7 @@
           <a:p>
             <a:fld id="{6A51730C-A43A-674C-AA66-C618CC514046}" type="datetimeFigureOut">
               <a:rPr lang="en-US" smtClean="0"/>
-              <a:t>10/24/22</a:t>
+              <a:t>10/25/22</a:t>
             </a:fld>
             <a:endParaRPr lang="en-US"/>
           </a:p>
@@ -2447,7 +2449,7 @@
           <a:p>
             <a:fld id="{6A51730C-A43A-674C-AA66-C618CC514046}" type="datetimeFigureOut">
               <a:rPr lang="en-US" smtClean="0"/>
-              <a:t>10/24/22</a:t>
+              <a:t>10/25/22</a:t>
             </a:fld>
             <a:endParaRPr lang="en-US"/>
           </a:p>
@@ -2588,7 +2590,7 @@
           <a:p>
             <a:fld id="{6A51730C-A43A-674C-AA66-C618CC514046}" type="datetimeFigureOut">
               <a:rPr lang="en-US" smtClean="0"/>
-              <a:t>10/24/22</a:t>
+              <a:t>10/25/22</a:t>
             </a:fld>
             <a:endParaRPr lang="en-US"/>
           </a:p>
@@ -2701,7 +2703,7 @@
           <a:p>
             <a:fld id="{6A51730C-A43A-674C-AA66-C618CC514046}" type="datetimeFigureOut">
               <a:rPr lang="en-US" smtClean="0"/>
-              <a:t>10/24/22</a:t>
+              <a:t>10/25/22</a:t>
             </a:fld>
             <a:endParaRPr lang="en-US"/>
           </a:p>
@@ -3012,7 +3014,7 @@
           <a:p>
             <a:fld id="{6A51730C-A43A-674C-AA66-C618CC514046}" type="datetimeFigureOut">
               <a:rPr lang="en-US" smtClean="0"/>
-              <a:t>10/24/22</a:t>
+              <a:t>10/25/22</a:t>
             </a:fld>
             <a:endParaRPr lang="en-US"/>
           </a:p>
@@ -3300,7 +3302,7 @@
           <a:p>
             <a:fld id="{6A51730C-A43A-674C-AA66-C618CC514046}" type="datetimeFigureOut">
               <a:rPr lang="en-US" smtClean="0"/>
-              <a:t>10/24/22</a:t>
+              <a:t>10/25/22</a:t>
             </a:fld>
             <a:endParaRPr lang="en-US"/>
           </a:p>
@@ -3541,7 +3543,7 @@
           <a:p>
             <a:fld id="{6A51730C-A43A-674C-AA66-C618CC514046}" type="datetimeFigureOut">
               <a:rPr lang="en-US" smtClean="0"/>
-              <a:t>10/24/22</a:t>
+              <a:t>10/25/22</a:t>
             </a:fld>
             <a:endParaRPr lang="en-US"/>
           </a:p>
@@ -10284,7 +10286,7 @@
           <a:p>
             <a:r>
               <a:rPr lang="en-US" dirty="0"/>
-              <a:t>Extended Topic: Time-Varying Covariates</a:t>
+              <a:t>Including Time-Varying Covariates</a:t>
             </a:r>
           </a:p>
         </p:txBody>
@@ -13801,8 +13803,8 @@
           </a:p>
         </p:txBody>
       </p:sp>
-      <mc:AlternateContent xmlns:mc="http://schemas.openxmlformats.org/markup-compatibility/2006">
-        <mc:Choice xmlns:a14="http://schemas.microsoft.com/office/drawing/2010/main" Requires="a14">
+      <mc:AlternateContent xmlns:mc="http://schemas.openxmlformats.org/markup-compatibility/2006" xmlns:a14="http://schemas.microsoft.com/office/drawing/2010/main">
+        <mc:Choice Requires="a14">
           <p:sp>
             <p:nvSpPr>
               <p:cNvPr id="3" name="Content Placeholder 2">
@@ -14090,7 +14092,7 @@
             </p:txBody>
           </p:sp>
         </mc:Choice>
-        <mc:Fallback>
+        <mc:Fallback xmlns="">
           <p:sp>
             <p:nvSpPr>
               <p:cNvPr id="3" name="Content Placeholder 2">
@@ -14200,8 +14202,8 @@
           </a:p>
         </p:txBody>
       </p:sp>
-      <mc:AlternateContent xmlns:mc="http://schemas.openxmlformats.org/markup-compatibility/2006">
-        <mc:Choice xmlns:a14="http://schemas.microsoft.com/office/drawing/2010/main" Requires="a14">
+      <mc:AlternateContent xmlns:mc="http://schemas.openxmlformats.org/markup-compatibility/2006" xmlns:a14="http://schemas.microsoft.com/office/drawing/2010/main">
+        <mc:Choice Requires="a14">
           <p:sp>
             <p:nvSpPr>
               <p:cNvPr id="3" name="Content Placeholder 2">
@@ -14367,7 +14369,7 @@
             </p:txBody>
           </p:sp>
         </mc:Choice>
-        <mc:Fallback>
+        <mc:Fallback xmlns="">
           <p:sp>
             <p:nvSpPr>
               <p:cNvPr id="3" name="Content Placeholder 2">
@@ -14465,8 +14467,8 @@
           </a:p>
         </p:txBody>
       </p:sp>
-      <mc:AlternateContent xmlns:mc="http://schemas.openxmlformats.org/markup-compatibility/2006">
-        <mc:Choice xmlns:a14="http://schemas.microsoft.com/office/drawing/2010/main" Requires="a14">
+      <mc:AlternateContent xmlns:mc="http://schemas.openxmlformats.org/markup-compatibility/2006" xmlns:a14="http://schemas.microsoft.com/office/drawing/2010/main">
+        <mc:Choice Requires="a14">
           <p:sp>
             <p:nvSpPr>
               <p:cNvPr id="3" name="Content Placeholder 2">
@@ -14914,13 +14916,8 @@
                 </a:pPr>
                 <a:r>
                   <a:rPr lang="en-US" dirty="0"/>
-                  <a:t>Compared to the permutation-based methods, this method is much faster and can </a:t>
+                  <a:t>Compared to the permutation-based methods, this method is much faster and can be applied to any SC model.</a:t>
                 </a:r>
-                <a:r>
-                  <a:rPr lang="en-US"/>
-                  <a:t>be applied to any SC model.</a:t>
-                </a:r>
-                <a:endParaRPr lang="en-US" dirty="0"/>
               </a:p>
               <a:p>
                 <a:pPr marL="514350" indent="-514350">
@@ -14939,7 +14936,7 @@
             </p:txBody>
           </p:sp>
         </mc:Choice>
-        <mc:Fallback>
+        <mc:Fallback xmlns="">
           <p:sp>
             <p:nvSpPr>
               <p:cNvPr id="3" name="Content Placeholder 2">
@@ -15014,6 +15011,432 @@
           <p:cNvPr id="2" name="Title 1">
             <a:extLst>
               <a:ext uri="{FF2B5EF4-FFF2-40B4-BE49-F238E27FC236}">
+                <a16:creationId xmlns:a16="http://schemas.microsoft.com/office/drawing/2014/main" id="{ADBBD678-124E-CA7E-0572-DB093BA9E6A9}"/>
+              </a:ext>
+            </a:extLst>
+          </p:cNvPr>
+          <p:cNvSpPr>
+            <a:spLocks noGrp="1"/>
+          </p:cNvSpPr>
+          <p:nvPr>
+            <p:ph type="title"/>
+          </p:nvPr>
+        </p:nvSpPr>
+        <p:spPr/>
+        <p:txBody>
+          <a:bodyPr/>
+          <a:lstStyle/>
+          <a:p>
+            <a:r>
+              <a:rPr lang="en-US" dirty="0"/>
+              <a:t>Including Time-Varying Covariates</a:t>
+            </a:r>
+          </a:p>
+        </p:txBody>
+      </p:sp>
+      <mc:AlternateContent xmlns:mc="http://schemas.openxmlformats.org/markup-compatibility/2006">
+        <mc:Choice xmlns:a14="http://schemas.microsoft.com/office/drawing/2010/main" Requires="a14">
+          <p:sp>
+            <p:nvSpPr>
+              <p:cNvPr id="3" name="Content Placeholder 2">
+                <a:extLst>
+                  <a:ext uri="{FF2B5EF4-FFF2-40B4-BE49-F238E27FC236}">
+                    <a16:creationId xmlns:a16="http://schemas.microsoft.com/office/drawing/2014/main" id="{D7BE9892-F74C-7FF6-A677-9E2C5BDA8455}"/>
+                  </a:ext>
+                </a:extLst>
+              </p:cNvPr>
+              <p:cNvSpPr>
+                <a:spLocks noGrp="1"/>
+              </p:cNvSpPr>
+              <p:nvPr>
+                <p:ph idx="1"/>
+              </p:nvPr>
+            </p:nvSpPr>
+            <p:spPr/>
+            <p:txBody>
+              <a:bodyPr/>
+              <a:lstStyle/>
+              <a:p>
+                <a:r>
+                  <a:rPr lang="en-US" dirty="0"/>
+                  <a:t>We may want to incorporate time-varying covariates to increase our prediction of the pre-treatment and post-treatment outcome. </a:t>
+                </a:r>
+              </a:p>
+              <a:p>
+                <a:r>
+                  <a:rPr lang="en-US" dirty="0"/>
+                  <a:t>We essentially do this by forcing matching the trend of time-varying covariates and outcome.</a:t>
+                </a:r>
+              </a:p>
+              <a:p>
+                <a:pPr lvl="1"/>
+                <a:r>
+                  <a:rPr lang="en-US" dirty="0"/>
+                  <a:t>In ADH, you can estimate </a:t>
+                </a:r>
+                <a14:m>
+                  <m:oMath xmlns:m="http://schemas.openxmlformats.org/officeDocument/2006/math">
+                    <m:sSub>
+                      <m:sSubPr>
+                        <m:ctrlPr>
+                          <a:rPr lang="en-US" b="0" i="1" dirty="0" smtClean="0">
+                            <a:latin typeface="Cambria Math" panose="02040503050406030204" pitchFamily="18" charset="0"/>
+                          </a:rPr>
+                        </m:ctrlPr>
+                      </m:sSubPr>
+                      <m:e>
+                        <m:r>
+                          <a:rPr lang="en-US" b="0" i="1" dirty="0" smtClean="0">
+                            <a:latin typeface="Cambria Math" panose="02040503050406030204" pitchFamily="18" charset="0"/>
+                          </a:rPr>
+                          <m:t>𝜔</m:t>
+                        </m:r>
+                      </m:e>
+                      <m:sub>
+                        <m:r>
+                          <a:rPr lang="en-US" b="0" i="1" dirty="0" smtClean="0">
+                            <a:latin typeface="Cambria Math" panose="02040503050406030204" pitchFamily="18" charset="0"/>
+                          </a:rPr>
+                          <m:t>𝑖</m:t>
+                        </m:r>
+                      </m:sub>
+                    </m:sSub>
+                  </m:oMath>
+                </a14:m>
+                <a:r>
+                  <a:rPr lang="en-US" dirty="0"/>
+                  <a:t> that are a function of covariate specific weights </a:t>
+                </a:r>
+                <a14:m>
+                  <m:oMath xmlns:m="http://schemas.openxmlformats.org/officeDocument/2006/math">
+                    <m:sSub>
+                      <m:sSubPr>
+                        <m:ctrlPr>
+                          <a:rPr lang="en-US" b="0" i="1" dirty="0" smtClean="0">
+                            <a:latin typeface="Cambria Math" panose="02040503050406030204" pitchFamily="18" charset="0"/>
+                          </a:rPr>
+                        </m:ctrlPr>
+                      </m:sSubPr>
+                      <m:e>
+                        <m:r>
+                          <a:rPr lang="en-US" b="0" i="1" dirty="0" smtClean="0">
+                            <a:latin typeface="Cambria Math" panose="02040503050406030204" pitchFamily="18" charset="0"/>
+                          </a:rPr>
+                          <m:t>𝜆</m:t>
+                        </m:r>
+                      </m:e>
+                      <m:sub>
+                        <m:r>
+                          <a:rPr lang="en-US" b="0" i="1" dirty="0" smtClean="0">
+                            <a:latin typeface="Cambria Math" panose="02040503050406030204" pitchFamily="18" charset="0"/>
+                          </a:rPr>
+                          <m:t>𝑘</m:t>
+                        </m:r>
+                      </m:sub>
+                    </m:sSub>
+                  </m:oMath>
+                </a14:m>
+                <a:r>
+                  <a:rPr lang="en-US" dirty="0"/>
+                  <a:t> for covariate </a:t>
+                </a:r>
+                <a14:m>
+                  <m:oMath xmlns:m="http://schemas.openxmlformats.org/officeDocument/2006/math">
+                    <m:r>
+                      <a:rPr lang="en-US" b="0" i="1" dirty="0" smtClean="0">
+                        <a:latin typeface="Cambria Math" panose="02040503050406030204" pitchFamily="18" charset="0"/>
+                      </a:rPr>
+                      <m:t>𝑘</m:t>
+                    </m:r>
+                  </m:oMath>
+                </a14:m>
+                <a:r>
+                  <a:rPr lang="en-US" dirty="0"/>
+                  <a:t>.</a:t>
+                </a:r>
+              </a:p>
+              <a:p>
+                <a:pPr lvl="1"/>
+                <a:r>
+                  <a:rPr lang="en-US" dirty="0"/>
+                  <a:t>In DI, you can </a:t>
+                </a:r>
+                <a:r>
+                  <a:rPr lang="en-US" dirty="0" err="1"/>
+                  <a:t>residualize</a:t>
+                </a:r>
+                <a:r>
+                  <a:rPr lang="en-US" dirty="0"/>
+                  <a:t> </a:t>
+                </a:r>
+                <a14:m>
+                  <m:oMath xmlns:m="http://schemas.openxmlformats.org/officeDocument/2006/math">
+                    <m:sSub>
+                      <m:sSubPr>
+                        <m:ctrlPr>
+                          <a:rPr lang="en-US" b="0" i="1" dirty="0" smtClean="0">
+                            <a:latin typeface="Cambria Math" panose="02040503050406030204" pitchFamily="18" charset="0"/>
+                          </a:rPr>
+                        </m:ctrlPr>
+                      </m:sSubPr>
+                      <m:e>
+                        <m:r>
+                          <a:rPr lang="en-US" b="0" i="1" dirty="0" smtClean="0">
+                            <a:latin typeface="Cambria Math" panose="02040503050406030204" pitchFamily="18" charset="0"/>
+                          </a:rPr>
+                          <m:t>𝑌</m:t>
+                        </m:r>
+                      </m:e>
+                      <m:sub>
+                        <m:r>
+                          <a:rPr lang="en-US" b="0" i="1" dirty="0" smtClean="0">
+                            <a:latin typeface="Cambria Math" panose="02040503050406030204" pitchFamily="18" charset="0"/>
+                          </a:rPr>
+                          <m:t>𝑖𝑡</m:t>
+                        </m:r>
+                      </m:sub>
+                    </m:sSub>
+                  </m:oMath>
+                </a14:m>
+                <a:r>
+                  <a:rPr lang="en-US" dirty="0"/>
+                  <a:t> as a function of covariates.</a:t>
+                </a:r>
+              </a:p>
+              <a:p>
+                <a:r>
+                  <a:rPr lang="en-US" dirty="0"/>
+                  <a:t>We should first consider whether we need to impose these additional restrictions.</a:t>
+                </a:r>
+              </a:p>
+              <a:p>
+                <a:endParaRPr lang="en-US" dirty="0"/>
+              </a:p>
+            </p:txBody>
+          </p:sp>
+        </mc:Choice>
+        <mc:Fallback>
+          <p:sp>
+            <p:nvSpPr>
+              <p:cNvPr id="3" name="Content Placeholder 2">
+                <a:extLst>
+                  <a:ext uri="{FF2B5EF4-FFF2-40B4-BE49-F238E27FC236}">
+                    <a16:creationId xmlns:a16="http://schemas.microsoft.com/office/drawing/2014/main" id="{D7BE9892-F74C-7FF6-A677-9E2C5BDA8455}"/>
+                  </a:ext>
+                </a:extLst>
+              </p:cNvPr>
+              <p:cNvSpPr>
+                <a:spLocks noGrp="1" noRot="1" noChangeAspect="1" noMove="1" noResize="1" noEditPoints="1" noAdjustHandles="1" noChangeArrowheads="1" noChangeShapeType="1" noTextEdit="1"/>
+              </p:cNvSpPr>
+              <p:nvPr>
+                <p:ph idx="1"/>
+              </p:nvPr>
+            </p:nvSpPr>
+            <p:spPr>
+              <a:blipFill>
+                <a:blip r:embed="rId2"/>
+                <a:stretch>
+                  <a:fillRect l="-1086" t="-2326" r="-1206"/>
+                </a:stretch>
+              </a:blipFill>
+            </p:spPr>
+            <p:txBody>
+              <a:bodyPr/>
+              <a:lstStyle/>
+              <a:p>
+                <a:r>
+                  <a:rPr lang="en-US">
+                    <a:noFill/>
+                  </a:rPr>
+                  <a:t> </a:t>
+                </a:r>
+              </a:p>
+            </p:txBody>
+          </p:sp>
+        </mc:Fallback>
+      </mc:AlternateContent>
+    </p:spTree>
+    <p:extLst>
+      <p:ext uri="{BB962C8B-B14F-4D97-AF65-F5344CB8AC3E}">
+        <p14:creationId xmlns:p14="http://schemas.microsoft.com/office/powerpoint/2010/main" val="3766778159"/>
+      </p:ext>
+    </p:extLst>
+  </p:cSld>
+  <p:clrMapOvr>
+    <a:masterClrMapping/>
+  </p:clrMapOvr>
+</p:sld>
+</file>
+
+<file path=ppt/slides/slide28.xml><?xml version="1.0" encoding="utf-8"?>
+<p:sld xmlns:a="http://schemas.openxmlformats.org/drawingml/2006/main" xmlns:r="http://schemas.openxmlformats.org/officeDocument/2006/relationships" xmlns:p="http://schemas.openxmlformats.org/presentationml/2006/main">
+  <p:cSld>
+    <p:spTree>
+      <p:nvGrpSpPr>
+        <p:cNvPr id="1" name=""/>
+        <p:cNvGrpSpPr/>
+        <p:nvPr/>
+      </p:nvGrpSpPr>
+      <p:grpSpPr>
+        <a:xfrm>
+          <a:off x="0" y="0"/>
+          <a:ext cx="0" cy="0"/>
+          <a:chOff x="0" y="0"/>
+          <a:chExt cx="0" cy="0"/>
+        </a:xfrm>
+      </p:grpSpPr>
+      <p:sp>
+        <p:nvSpPr>
+          <p:cNvPr id="2" name="Title 1">
+            <a:extLst>
+              <a:ext uri="{FF2B5EF4-FFF2-40B4-BE49-F238E27FC236}">
+                <a16:creationId xmlns:a16="http://schemas.microsoft.com/office/drawing/2014/main" id="{D964ADED-A2B0-0114-B81D-D4E7E34433FB}"/>
+              </a:ext>
+            </a:extLst>
+          </p:cNvPr>
+          <p:cNvSpPr>
+            <a:spLocks noGrp="1"/>
+          </p:cNvSpPr>
+          <p:nvPr>
+            <p:ph type="title"/>
+          </p:nvPr>
+        </p:nvSpPr>
+        <p:spPr/>
+        <p:txBody>
+          <a:bodyPr/>
+          <a:lstStyle/>
+          <a:p>
+            <a:r>
+              <a:rPr lang="en-US" dirty="0"/>
+              <a:t>Extended SC Topics</a:t>
+            </a:r>
+          </a:p>
+        </p:txBody>
+      </p:sp>
+      <p:sp>
+        <p:nvSpPr>
+          <p:cNvPr id="3" name="Content Placeholder 2">
+            <a:extLst>
+              <a:ext uri="{FF2B5EF4-FFF2-40B4-BE49-F238E27FC236}">
+                <a16:creationId xmlns:a16="http://schemas.microsoft.com/office/drawing/2014/main" id="{21246E41-9BDB-C6DF-D123-714275F183C8}"/>
+              </a:ext>
+            </a:extLst>
+          </p:cNvPr>
+          <p:cNvSpPr>
+            <a:spLocks noGrp="1"/>
+          </p:cNvSpPr>
+          <p:nvPr>
+            <p:ph idx="1"/>
+          </p:nvPr>
+        </p:nvSpPr>
+        <p:spPr/>
+        <p:txBody>
+          <a:bodyPr/>
+          <a:lstStyle/>
+          <a:p>
+            <a:r>
+              <a:rPr lang="en-US" dirty="0"/>
+              <a:t>Check out </a:t>
+            </a:r>
+            <a:r>
+              <a:rPr lang="en-US" dirty="0">
+                <a:hlinkClick r:id="rId2"/>
+              </a:rPr>
+              <a:t>Abadie 2021</a:t>
+            </a:r>
+            <a:r>
+              <a:rPr lang="en-US" dirty="0"/>
+              <a:t> for a review of the literature.</a:t>
+            </a:r>
+          </a:p>
+          <a:p>
+            <a:r>
+              <a:rPr lang="en-US" dirty="0"/>
+              <a:t>Multiple treatment units</a:t>
+            </a:r>
+          </a:p>
+          <a:p>
+            <a:pPr lvl="1"/>
+            <a:r>
+              <a:rPr lang="en-US"/>
+              <a:t>TBD</a:t>
+            </a:r>
+            <a:endParaRPr lang="en-US" dirty="0"/>
+          </a:p>
+          <a:p>
+            <a:r>
+              <a:rPr lang="en-US" dirty="0"/>
+              <a:t>K-Fold approach to estimating SC Models</a:t>
+            </a:r>
+          </a:p>
+          <a:p>
+            <a:pPr lvl="1"/>
+            <a:r>
+              <a:rPr lang="en-US" dirty="0">
+                <a:hlinkClick r:id="rId3"/>
+              </a:rPr>
+              <a:t>Chernozhukov, Wuthrich, Zhu 2018</a:t>
+            </a:r>
+            <a:endParaRPr lang="en-US" dirty="0"/>
+          </a:p>
+          <a:p>
+            <a:r>
+              <a:rPr lang="en-US" dirty="0"/>
+              <a:t>Time-specific weights via synthetic </a:t>
+            </a:r>
+            <a:r>
+              <a:rPr lang="en-US" dirty="0" err="1"/>
+              <a:t>DiD</a:t>
+            </a:r>
+            <a:endParaRPr lang="en-US" dirty="0"/>
+          </a:p>
+          <a:p>
+            <a:pPr lvl="1"/>
+            <a:r>
+              <a:rPr lang="en-US" dirty="0">
+                <a:hlinkClick r:id="rId4"/>
+              </a:rPr>
+              <a:t>Arkhangelsky, Athey, Hirschberg, Imbens, Wager 2021</a:t>
+            </a:r>
+            <a:endParaRPr lang="en-US" dirty="0"/>
+          </a:p>
+        </p:txBody>
+      </p:sp>
+    </p:spTree>
+    <p:extLst>
+      <p:ext uri="{BB962C8B-B14F-4D97-AF65-F5344CB8AC3E}">
+        <p14:creationId xmlns:p14="http://schemas.microsoft.com/office/powerpoint/2010/main" val="4052162497"/>
+      </p:ext>
+    </p:extLst>
+  </p:cSld>
+  <p:clrMapOvr>
+    <a:masterClrMapping/>
+  </p:clrMapOvr>
+</p:sld>
+</file>
+
+<file path=ppt/slides/slide29.xml><?xml version="1.0" encoding="utf-8"?>
+<p:sld xmlns:a="http://schemas.openxmlformats.org/drawingml/2006/main" xmlns:r="http://schemas.openxmlformats.org/officeDocument/2006/relationships" xmlns:p="http://schemas.openxmlformats.org/presentationml/2006/main">
+  <p:cSld>
+    <p:spTree>
+      <p:nvGrpSpPr>
+        <p:cNvPr id="1" name=""/>
+        <p:cNvGrpSpPr/>
+        <p:nvPr/>
+      </p:nvGrpSpPr>
+      <p:grpSpPr>
+        <a:xfrm>
+          <a:off x="0" y="0"/>
+          <a:ext cx="0" cy="0"/>
+          <a:chOff x="0" y="0"/>
+          <a:chExt cx="0" cy="0"/>
+        </a:xfrm>
+      </p:grpSpPr>
+      <p:sp>
+        <p:nvSpPr>
+          <p:cNvPr id="2" name="Title 1">
+            <a:extLst>
+              <a:ext uri="{FF2B5EF4-FFF2-40B4-BE49-F238E27FC236}">
                 <a16:creationId xmlns:a16="http://schemas.microsoft.com/office/drawing/2014/main" id="{051E8942-EF9C-18D0-F01A-147A190CBFA6}"/>
               </a:ext>
             </a:extLst>
@@ -15057,14 +15480,14 @@
             <p:ph idx="1"/>
             <p:extLst>
               <p:ext uri="{D42A27DB-BD31-4B8C-83A1-F6EECF244321}">
-                <p14:modId xmlns:p14="http://schemas.microsoft.com/office/powerpoint/2010/main" val="2975225079"/>
+                <p14:modId xmlns:p14="http://schemas.microsoft.com/office/powerpoint/2010/main" val="1737288920"/>
               </p:ext>
             </p:extLst>
           </p:nvPr>
         </p:nvGraphicFramePr>
         <p:xfrm>
-          <a:off x="838199" y="1825625"/>
-          <a:ext cx="9846366" cy="3037840"/>
+          <a:off x="838199" y="1825624"/>
+          <a:ext cx="10739513" cy="4197855"/>
         </p:xfrm>
         <a:graphic>
           <a:graphicData uri="http://schemas.openxmlformats.org/drawingml/2006/table">
@@ -15073,21 +15496,21 @@
                 <a:tableStyleId>{5C22544A-7EE6-4342-B048-85BDC9FD1C3A}</a:tableStyleId>
               </a:tblPr>
               <a:tblGrid>
-                <a:gridCol w="3282122">
+                <a:gridCol w="2614831">
                   <a:extLst>
                     <a:ext uri="{9D8B030D-6E8A-4147-A177-3AD203B41FA5}">
                       <a16:colId xmlns:a16="http://schemas.microsoft.com/office/drawing/2014/main" val="59118072"/>
                     </a:ext>
                   </a:extLst>
                 </a:gridCol>
-                <a:gridCol w="3282122">
+                <a:gridCol w="4062341">
                   <a:extLst>
                     <a:ext uri="{9D8B030D-6E8A-4147-A177-3AD203B41FA5}">
                       <a16:colId xmlns:a16="http://schemas.microsoft.com/office/drawing/2014/main" val="2221220880"/>
                     </a:ext>
                   </a:extLst>
                 </a:gridCol>
-                <a:gridCol w="3282122">
+                <a:gridCol w="4062341">
                   <a:extLst>
                     <a:ext uri="{9D8B030D-6E8A-4147-A177-3AD203B41FA5}">
                       <a16:colId xmlns:a16="http://schemas.microsoft.com/office/drawing/2014/main" val="4250904754"/>
@@ -15095,7 +15518,7 @@
                   </a:extLst>
                 </a:gridCol>
               </a:tblGrid>
-              <a:tr h="370840">
+              <a:tr h="491534">
                 <a:tc>
                   <a:txBody>
                     <a:bodyPr/>
@@ -15139,7 +15562,7 @@
                   </a:ext>
                 </a:extLst>
               </a:tr>
-              <a:tr h="370840">
+              <a:tr h="848400">
                 <a:tc>
                   <a:txBody>
                     <a:bodyPr/>
@@ -15147,7 +15570,7 @@
                     <a:p>
                       <a:r>
                         <a:rPr lang="en-US" dirty="0"/>
-                        <a:t>Control Group?</a:t>
+                        <a:t>Control Group Definition</a:t>
                       </a:r>
                     </a:p>
                   </a:txBody>
@@ -15185,7 +15608,7 @@
                   </a:ext>
                 </a:extLst>
               </a:tr>
-              <a:tr h="370840">
+              <a:tr h="126282">
                 <a:tc>
                   <a:txBody>
                     <a:bodyPr/>
@@ -15193,7 +15616,53 @@
                     <a:p>
                       <a:r>
                         <a:rPr lang="en-US" dirty="0"/>
-                        <a:t>Inference?</a:t>
+                        <a:t>Computation Speed</a:t>
+                      </a:r>
+                    </a:p>
+                  </a:txBody>
+                  <a:tcPr/>
+                </a:tc>
+                <a:tc>
+                  <a:txBody>
+                    <a:bodyPr/>
+                    <a:lstStyle/>
+                    <a:p>
+                      <a:r>
+                        <a:rPr lang="en-US" dirty="0"/>
+                        <a:t>OLS is fast.</a:t>
+                      </a:r>
+                    </a:p>
+                  </a:txBody>
+                  <a:tcPr/>
+                </a:tc>
+                <a:tc>
+                  <a:txBody>
+                    <a:bodyPr/>
+                    <a:lstStyle/>
+                    <a:p>
+                      <a:r>
+                        <a:rPr lang="en-US" dirty="0"/>
+                        <a:t>Optimizers can take a while.</a:t>
+                      </a:r>
+                    </a:p>
+                  </a:txBody>
+                  <a:tcPr/>
+                </a:tc>
+                <a:extLst>
+                  <a:ext uri="{0D108BD9-81ED-4DB2-BD59-A6C34878D82A}">
+                    <a16:rowId xmlns:a16="http://schemas.microsoft.com/office/drawing/2014/main" val="2500651340"/>
+                  </a:ext>
+                </a:extLst>
+              </a:tr>
+              <a:tr h="1212001">
+                <a:tc>
+                  <a:txBody>
+                    <a:bodyPr/>
+                    <a:lstStyle/>
+                    <a:p>
+                      <a:r>
+                        <a:rPr lang="en-US" dirty="0"/>
+                        <a:t>Inference Procedure</a:t>
                       </a:r>
                     </a:p>
                   </a:txBody>
@@ -15233,7 +15702,27 @@
                       </a:br>
                       <a:r>
                         <a:rPr lang="en-US" dirty="0"/>
-                        <a:t>(3) others</a:t>
+                        <a:t>(3) Others (</a:t>
+                      </a:r>
+                      <a:r>
+                        <a:rPr lang="en-US" dirty="0">
+                          <a:hlinkClick r:id="rId2"/>
+                        </a:rPr>
+                        <a:t>Chernozhukov, Wuthrich, Zhu (2018</a:t>
+                      </a:r>
+                      <a:r>
+                        <a:rPr lang="en-US" dirty="0"/>
+                        <a:t>), </a:t>
+                      </a:r>
+                      <a:r>
+                        <a:rPr lang="en-US" dirty="0">
+                          <a:hlinkClick r:id="rId3"/>
+                        </a:rPr>
+                        <a:t>Cattangeo, Feng, Titiunik (2019)</a:t>
+                      </a:r>
+                      <a:r>
+                        <a:rPr lang="en-US" dirty="0"/>
+                        <a:t>. )</a:t>
                       </a:r>
                     </a:p>
                   </a:txBody>
@@ -15245,13 +15734,16 @@
                   </a:ext>
                 </a:extLst>
               </a:tr>
-              <a:tr h="370840">
+              <a:tr h="491534">
                 <a:tc>
                   <a:txBody>
                     <a:bodyPr/>
                     <a:lstStyle/>
                     <a:p>
-                      <a:endParaRPr lang="en-US" dirty="0"/>
+                      <a:r>
+                        <a:rPr lang="en-US" dirty="0"/>
+                        <a:t>Validation</a:t>
+                      </a:r>
                     </a:p>
                   </a:txBody>
                   <a:tcPr/>
@@ -15261,7 +15753,10 @@
                     <a:bodyPr/>
                     <a:lstStyle/>
                     <a:p>
-                      <a:endParaRPr lang="en-US"/>
+                      <a:r>
+                        <a:rPr lang="en-US" dirty="0"/>
+                        <a:t>Parallel Trends Test with event study model</a:t>
+                      </a:r>
                     </a:p>
                   </a:txBody>
                   <a:tcPr/>
@@ -15271,7 +15766,10 @@
                     <a:bodyPr/>
                     <a:lstStyle/>
                     <a:p>
-                      <a:endParaRPr lang="en-US" dirty="0"/>
+                      <a:r>
+                        <a:rPr lang="en-US" dirty="0"/>
+                        <a:t>Prediction validation of hold-out pre-treatment outcomes</a:t>
+                      </a:r>
                     </a:p>
                   </a:txBody>
                   <a:tcPr/>
@@ -15282,13 +15780,16 @@
                   </a:ext>
                 </a:extLst>
               </a:tr>
-              <a:tr h="370840">
+              <a:tr h="491534">
                 <a:tc>
                   <a:txBody>
                     <a:bodyPr/>
                     <a:lstStyle/>
                     <a:p>
-                      <a:endParaRPr lang="en-US"/>
+                      <a:r>
+                        <a:rPr lang="en-US" dirty="0"/>
+                        <a:t>Time-Varying Covariates</a:t>
+                      </a:r>
                     </a:p>
                   </a:txBody>
                   <a:tcPr/>
@@ -15298,7 +15799,10 @@
                     <a:bodyPr/>
                     <a:lstStyle/>
                     <a:p>
-                      <a:endParaRPr lang="en-US"/>
+                      <a:r>
+                        <a:rPr lang="en-US" dirty="0"/>
+                        <a:t>Linearly, or with ML models via doubly robust methods.</a:t>
+                      </a:r>
                     </a:p>
                   </a:txBody>
                   <a:tcPr/>
@@ -15308,51 +15812,17 @@
                     <a:bodyPr/>
                     <a:lstStyle/>
                     <a:p>
-                      <a:endParaRPr lang="en-US"/>
+                      <a:r>
+                        <a:rPr lang="en-US" dirty="0"/>
+                        <a:t>Depends on the SC model</a:t>
+                      </a:r>
                     </a:p>
                   </a:txBody>
                   <a:tcPr/>
                 </a:tc>
                 <a:extLst>
                   <a:ext uri="{0D108BD9-81ED-4DB2-BD59-A6C34878D82A}">
-                    <a16:rowId xmlns:a16="http://schemas.microsoft.com/office/drawing/2014/main" val="821971422"/>
-                  </a:ext>
-                </a:extLst>
-              </a:tr>
-              <a:tr h="370840">
-                <a:tc>
-                  <a:txBody>
-                    <a:bodyPr/>
-                    <a:lstStyle/>
-                    <a:p>
-                      <a:endParaRPr lang="en-US"/>
-                    </a:p>
-                  </a:txBody>
-                  <a:tcPr/>
-                </a:tc>
-                <a:tc>
-                  <a:txBody>
-                    <a:bodyPr/>
-                    <a:lstStyle/>
-                    <a:p>
-                      <a:endParaRPr lang="en-US" dirty="0"/>
-                    </a:p>
-                  </a:txBody>
-                  <a:tcPr/>
-                </a:tc>
-                <a:tc>
-                  <a:txBody>
-                    <a:bodyPr/>
-                    <a:lstStyle/>
-                    <a:p>
-                      <a:endParaRPr lang="en-US" dirty="0"/>
-                    </a:p>
-                  </a:txBody>
-                  <a:tcPr/>
-                </a:tc>
-                <a:extLst>
-                  <a:ext uri="{0D108BD9-81ED-4DB2-BD59-A6C34878D82A}">
-                    <a16:rowId xmlns:a16="http://schemas.microsoft.com/office/drawing/2014/main" val="3695234358"/>
+                    <a16:rowId xmlns:a16="http://schemas.microsoft.com/office/drawing/2014/main" val="3374636039"/>
                   </a:ext>
                 </a:extLst>
               </a:tr>
@@ -15364,172 +15834,6 @@
     <p:extLst>
       <p:ext uri="{BB962C8B-B14F-4D97-AF65-F5344CB8AC3E}">
         <p14:creationId xmlns:p14="http://schemas.microsoft.com/office/powerpoint/2010/main" val="1248565831"/>
-      </p:ext>
-    </p:extLst>
-  </p:cSld>
-  <p:clrMapOvr>
-    <a:masterClrMapping/>
-  </p:clrMapOvr>
-</p:sld>
-</file>
-
-<file path=ppt/slides/slide28.xml><?xml version="1.0" encoding="utf-8"?>
-<p:sld xmlns:a="http://schemas.openxmlformats.org/drawingml/2006/main" xmlns:r="http://schemas.openxmlformats.org/officeDocument/2006/relationships" xmlns:p="http://schemas.openxmlformats.org/presentationml/2006/main">
-  <p:cSld>
-    <p:spTree>
-      <p:nvGrpSpPr>
-        <p:cNvPr id="1" name=""/>
-        <p:cNvGrpSpPr/>
-        <p:nvPr/>
-      </p:nvGrpSpPr>
-      <p:grpSpPr>
-        <a:xfrm>
-          <a:off x="0" y="0"/>
-          <a:ext cx="0" cy="0"/>
-          <a:chOff x="0" y="0"/>
-          <a:chExt cx="0" cy="0"/>
-        </a:xfrm>
-      </p:grpSpPr>
-      <p:sp>
-        <p:nvSpPr>
-          <p:cNvPr id="4" name="Title 3">
-            <a:extLst>
-              <a:ext uri="{FF2B5EF4-FFF2-40B4-BE49-F238E27FC236}">
-                <a16:creationId xmlns:a16="http://schemas.microsoft.com/office/drawing/2014/main" id="{9A32FD1E-E2F2-7CF7-5111-EA464D426F4E}"/>
-              </a:ext>
-            </a:extLst>
-          </p:cNvPr>
-          <p:cNvSpPr>
-            <a:spLocks noGrp="1"/>
-          </p:cNvSpPr>
-          <p:nvPr>
-            <p:ph type="title"/>
-          </p:nvPr>
-        </p:nvSpPr>
-        <p:spPr/>
-        <p:txBody>
-          <a:bodyPr/>
-          <a:lstStyle/>
-          <a:p>
-            <a:r>
-              <a:rPr lang="en-US" dirty="0"/>
-              <a:t>Appendix and Old Slides</a:t>
-            </a:r>
-          </a:p>
-        </p:txBody>
-      </p:sp>
-      <p:sp>
-        <p:nvSpPr>
-          <p:cNvPr id="5" name="Text Placeholder 4">
-            <a:extLst>
-              <a:ext uri="{FF2B5EF4-FFF2-40B4-BE49-F238E27FC236}">
-                <a16:creationId xmlns:a16="http://schemas.microsoft.com/office/drawing/2014/main" id="{37BB626C-AEE8-FE3C-7949-4EF5C5F29B35}"/>
-              </a:ext>
-            </a:extLst>
-          </p:cNvPr>
-          <p:cNvSpPr>
-            <a:spLocks noGrp="1"/>
-          </p:cNvSpPr>
-          <p:nvPr>
-            <p:ph type="body" idx="1"/>
-          </p:nvPr>
-        </p:nvSpPr>
-        <p:spPr/>
-        <p:txBody>
-          <a:bodyPr/>
-          <a:lstStyle/>
-          <a:p>
-            <a:endParaRPr lang="en-US"/>
-          </a:p>
-        </p:txBody>
-      </p:sp>
-    </p:spTree>
-    <p:extLst>
-      <p:ext uri="{BB962C8B-B14F-4D97-AF65-F5344CB8AC3E}">
-        <p14:creationId xmlns:p14="http://schemas.microsoft.com/office/powerpoint/2010/main" val="753926389"/>
-      </p:ext>
-    </p:extLst>
-  </p:cSld>
-  <p:clrMapOvr>
-    <a:masterClrMapping/>
-  </p:clrMapOvr>
-</p:sld>
-</file>
-
-<file path=ppt/slides/slide29.xml><?xml version="1.0" encoding="utf-8"?>
-<p:sld xmlns:a="http://schemas.openxmlformats.org/drawingml/2006/main" xmlns:r="http://schemas.openxmlformats.org/officeDocument/2006/relationships" xmlns:p="http://schemas.openxmlformats.org/presentationml/2006/main">
-  <p:cSld>
-    <p:spTree>
-      <p:nvGrpSpPr>
-        <p:cNvPr id="1" name=""/>
-        <p:cNvGrpSpPr/>
-        <p:nvPr/>
-      </p:nvGrpSpPr>
-      <p:grpSpPr>
-        <a:xfrm>
-          <a:off x="0" y="0"/>
-          <a:ext cx="0" cy="0"/>
-          <a:chOff x="0" y="0"/>
-          <a:chExt cx="0" cy="0"/>
-        </a:xfrm>
-      </p:grpSpPr>
-      <p:sp>
-        <p:nvSpPr>
-          <p:cNvPr id="4" name="Title 3">
-            <a:extLst>
-              <a:ext uri="{FF2B5EF4-FFF2-40B4-BE49-F238E27FC236}">
-                <a16:creationId xmlns:a16="http://schemas.microsoft.com/office/drawing/2014/main" id="{A874D084-21E5-1E41-9FC5-755BC0AC4F53}"/>
-              </a:ext>
-            </a:extLst>
-          </p:cNvPr>
-          <p:cNvSpPr>
-            <a:spLocks noGrp="1"/>
-          </p:cNvSpPr>
-          <p:nvPr>
-            <p:ph type="title"/>
-          </p:nvPr>
-        </p:nvSpPr>
-        <p:spPr/>
-        <p:txBody>
-          <a:bodyPr/>
-          <a:lstStyle/>
-          <a:p>
-            <a:r>
-              <a:rPr lang="en-US" dirty="0"/>
-              <a:t>Defining the difference-in-difference estimator</a:t>
-            </a:r>
-          </a:p>
-        </p:txBody>
-      </p:sp>
-      <p:sp>
-        <p:nvSpPr>
-          <p:cNvPr id="5" name="Text Placeholder 4">
-            <a:extLst>
-              <a:ext uri="{FF2B5EF4-FFF2-40B4-BE49-F238E27FC236}">
-                <a16:creationId xmlns:a16="http://schemas.microsoft.com/office/drawing/2014/main" id="{AD01BC9D-24E6-444C-B92A-395C40769A55}"/>
-              </a:ext>
-            </a:extLst>
-          </p:cNvPr>
-          <p:cNvSpPr>
-            <a:spLocks noGrp="1"/>
-          </p:cNvSpPr>
-          <p:nvPr>
-            <p:ph type="body" idx="1"/>
-          </p:nvPr>
-        </p:nvSpPr>
-        <p:spPr/>
-        <p:txBody>
-          <a:bodyPr/>
-          <a:lstStyle/>
-          <a:p>
-            <a:endParaRPr lang="en-US"/>
-          </a:p>
-        </p:txBody>
-      </p:sp>
-    </p:spTree>
-    <p:extLst>
-      <p:ext uri="{BB962C8B-B14F-4D97-AF65-F5344CB8AC3E}">
-        <p14:creationId xmlns:p14="http://schemas.microsoft.com/office/powerpoint/2010/main" val="1240564907"/>
       </p:ext>
     </p:extLst>
   </p:cSld>
@@ -15693,6 +15997,172 @@
       </p:grpSpPr>
       <p:sp>
         <p:nvSpPr>
+          <p:cNvPr id="4" name="Title 3">
+            <a:extLst>
+              <a:ext uri="{FF2B5EF4-FFF2-40B4-BE49-F238E27FC236}">
+                <a16:creationId xmlns:a16="http://schemas.microsoft.com/office/drawing/2014/main" id="{9A32FD1E-E2F2-7CF7-5111-EA464D426F4E}"/>
+              </a:ext>
+            </a:extLst>
+          </p:cNvPr>
+          <p:cNvSpPr>
+            <a:spLocks noGrp="1"/>
+          </p:cNvSpPr>
+          <p:nvPr>
+            <p:ph type="title"/>
+          </p:nvPr>
+        </p:nvSpPr>
+        <p:spPr/>
+        <p:txBody>
+          <a:bodyPr/>
+          <a:lstStyle/>
+          <a:p>
+            <a:r>
+              <a:rPr lang="en-US" dirty="0"/>
+              <a:t>Appendix and Old Slides</a:t>
+            </a:r>
+          </a:p>
+        </p:txBody>
+      </p:sp>
+      <p:sp>
+        <p:nvSpPr>
+          <p:cNvPr id="5" name="Text Placeholder 4">
+            <a:extLst>
+              <a:ext uri="{FF2B5EF4-FFF2-40B4-BE49-F238E27FC236}">
+                <a16:creationId xmlns:a16="http://schemas.microsoft.com/office/drawing/2014/main" id="{37BB626C-AEE8-FE3C-7949-4EF5C5F29B35}"/>
+              </a:ext>
+            </a:extLst>
+          </p:cNvPr>
+          <p:cNvSpPr>
+            <a:spLocks noGrp="1"/>
+          </p:cNvSpPr>
+          <p:nvPr>
+            <p:ph type="body" idx="1"/>
+          </p:nvPr>
+        </p:nvSpPr>
+        <p:spPr/>
+        <p:txBody>
+          <a:bodyPr/>
+          <a:lstStyle/>
+          <a:p>
+            <a:endParaRPr lang="en-US"/>
+          </a:p>
+        </p:txBody>
+      </p:sp>
+    </p:spTree>
+    <p:extLst>
+      <p:ext uri="{BB962C8B-B14F-4D97-AF65-F5344CB8AC3E}">
+        <p14:creationId xmlns:p14="http://schemas.microsoft.com/office/powerpoint/2010/main" val="753926389"/>
+      </p:ext>
+    </p:extLst>
+  </p:cSld>
+  <p:clrMapOvr>
+    <a:masterClrMapping/>
+  </p:clrMapOvr>
+</p:sld>
+</file>
+
+<file path=ppt/slides/slide31.xml><?xml version="1.0" encoding="utf-8"?>
+<p:sld xmlns:a="http://schemas.openxmlformats.org/drawingml/2006/main" xmlns:r="http://schemas.openxmlformats.org/officeDocument/2006/relationships" xmlns:p="http://schemas.openxmlformats.org/presentationml/2006/main">
+  <p:cSld>
+    <p:spTree>
+      <p:nvGrpSpPr>
+        <p:cNvPr id="1" name=""/>
+        <p:cNvGrpSpPr/>
+        <p:nvPr/>
+      </p:nvGrpSpPr>
+      <p:grpSpPr>
+        <a:xfrm>
+          <a:off x="0" y="0"/>
+          <a:ext cx="0" cy="0"/>
+          <a:chOff x="0" y="0"/>
+          <a:chExt cx="0" cy="0"/>
+        </a:xfrm>
+      </p:grpSpPr>
+      <p:sp>
+        <p:nvSpPr>
+          <p:cNvPr id="4" name="Title 3">
+            <a:extLst>
+              <a:ext uri="{FF2B5EF4-FFF2-40B4-BE49-F238E27FC236}">
+                <a16:creationId xmlns:a16="http://schemas.microsoft.com/office/drawing/2014/main" id="{A874D084-21E5-1E41-9FC5-755BC0AC4F53}"/>
+              </a:ext>
+            </a:extLst>
+          </p:cNvPr>
+          <p:cNvSpPr>
+            <a:spLocks noGrp="1"/>
+          </p:cNvSpPr>
+          <p:nvPr>
+            <p:ph type="title"/>
+          </p:nvPr>
+        </p:nvSpPr>
+        <p:spPr/>
+        <p:txBody>
+          <a:bodyPr/>
+          <a:lstStyle/>
+          <a:p>
+            <a:r>
+              <a:rPr lang="en-US" dirty="0"/>
+              <a:t>Defining the difference-in-difference estimator</a:t>
+            </a:r>
+          </a:p>
+        </p:txBody>
+      </p:sp>
+      <p:sp>
+        <p:nvSpPr>
+          <p:cNvPr id="5" name="Text Placeholder 4">
+            <a:extLst>
+              <a:ext uri="{FF2B5EF4-FFF2-40B4-BE49-F238E27FC236}">
+                <a16:creationId xmlns:a16="http://schemas.microsoft.com/office/drawing/2014/main" id="{AD01BC9D-24E6-444C-B92A-395C40769A55}"/>
+              </a:ext>
+            </a:extLst>
+          </p:cNvPr>
+          <p:cNvSpPr>
+            <a:spLocks noGrp="1"/>
+          </p:cNvSpPr>
+          <p:nvPr>
+            <p:ph type="body" idx="1"/>
+          </p:nvPr>
+        </p:nvSpPr>
+        <p:spPr/>
+        <p:txBody>
+          <a:bodyPr/>
+          <a:lstStyle/>
+          <a:p>
+            <a:endParaRPr lang="en-US"/>
+          </a:p>
+        </p:txBody>
+      </p:sp>
+    </p:spTree>
+    <p:extLst>
+      <p:ext uri="{BB962C8B-B14F-4D97-AF65-F5344CB8AC3E}">
+        <p14:creationId xmlns:p14="http://schemas.microsoft.com/office/powerpoint/2010/main" val="1240564907"/>
+      </p:ext>
+    </p:extLst>
+  </p:cSld>
+  <p:clrMapOvr>
+    <a:masterClrMapping/>
+  </p:clrMapOvr>
+</p:sld>
+</file>
+
+<file path=ppt/slides/slide32.xml><?xml version="1.0" encoding="utf-8"?>
+<p:sld xmlns:a="http://schemas.openxmlformats.org/drawingml/2006/main" xmlns:r="http://schemas.openxmlformats.org/officeDocument/2006/relationships" xmlns:p="http://schemas.openxmlformats.org/presentationml/2006/main">
+  <p:cSld>
+    <p:spTree>
+      <p:nvGrpSpPr>
+        <p:cNvPr id="1" name=""/>
+        <p:cNvGrpSpPr/>
+        <p:nvPr/>
+      </p:nvGrpSpPr>
+      <p:grpSpPr>
+        <a:xfrm>
+          <a:off x="0" y="0"/>
+          <a:ext cx="0" cy="0"/>
+          <a:chOff x="0" y="0"/>
+          <a:chExt cx="0" cy="0"/>
+        </a:xfrm>
+      </p:grpSpPr>
+      <p:sp>
+        <p:nvSpPr>
           <p:cNvPr id="2" name="Title 1">
             <a:extLst>
               <a:ext uri="{FF2B5EF4-FFF2-40B4-BE49-F238E27FC236}">
@@ -15770,7 +16240,7 @@
 </p:sld>
 </file>
 
-<file path=ppt/slides/slide31.xml><?xml version="1.0" encoding="utf-8"?>
+<file path=ppt/slides/slide33.xml><?xml version="1.0" encoding="utf-8"?>
 <p:sld xmlns:a="http://schemas.openxmlformats.org/drawingml/2006/main" xmlns:r="http://schemas.openxmlformats.org/officeDocument/2006/relationships" xmlns:p="http://schemas.openxmlformats.org/presentationml/2006/main">
   <p:cSld>
     <p:spTree>
@@ -16475,7 +16945,7 @@
 </p:sld>
 </file>
 
-<file path=ppt/slides/slide32.xml><?xml version="1.0" encoding="utf-8"?>
+<file path=ppt/slides/slide34.xml><?xml version="1.0" encoding="utf-8"?>
 <p:sld xmlns:a="http://schemas.openxmlformats.org/drawingml/2006/main" xmlns:r="http://schemas.openxmlformats.org/officeDocument/2006/relationships" xmlns:p="http://schemas.openxmlformats.org/presentationml/2006/main">
   <p:cSld>
     <p:spTree>
@@ -17314,7 +17784,7 @@
 </p:sld>
 </file>
 
-<file path=ppt/slides/slide33.xml><?xml version="1.0" encoding="utf-8"?>
+<file path=ppt/slides/slide35.xml><?xml version="1.0" encoding="utf-8"?>
 <p:sld xmlns:a="http://schemas.openxmlformats.org/drawingml/2006/main" xmlns:r="http://schemas.openxmlformats.org/officeDocument/2006/relationships" xmlns:p="http://schemas.openxmlformats.org/presentationml/2006/main">
   <p:cSld>
     <p:spTree>
@@ -17871,7 +18341,7 @@
 </p:sld>
 </file>
 
-<file path=ppt/slides/slide34.xml><?xml version="1.0" encoding="utf-8"?>
+<file path=ppt/slides/slide36.xml><?xml version="1.0" encoding="utf-8"?>
 <p:sld xmlns:a="http://schemas.openxmlformats.org/drawingml/2006/main" xmlns:r="http://schemas.openxmlformats.org/officeDocument/2006/relationships" xmlns:p="http://schemas.openxmlformats.org/presentationml/2006/main">
   <p:cSld>
     <p:spTree>
@@ -19543,7 +20013,7 @@
 </p:sld>
 </file>
 
-<file path=ppt/slides/slide35.xml><?xml version="1.0" encoding="utf-8"?>
+<file path=ppt/slides/slide37.xml><?xml version="1.0" encoding="utf-8"?>
 <p:sld xmlns:a="http://schemas.openxmlformats.org/drawingml/2006/main" xmlns:r="http://schemas.openxmlformats.org/officeDocument/2006/relationships" xmlns:p="http://schemas.openxmlformats.org/presentationml/2006/main">
   <p:cSld>
     <p:spTree>
@@ -21176,7 +21646,7 @@
 </p:sld>
 </file>
 
-<file path=ppt/slides/slide36.xml><?xml version="1.0" encoding="utf-8"?>
+<file path=ppt/slides/slide38.xml><?xml version="1.0" encoding="utf-8"?>
 <p:sld xmlns:a="http://schemas.openxmlformats.org/drawingml/2006/main" xmlns:r="http://schemas.openxmlformats.org/officeDocument/2006/relationships" xmlns:p="http://schemas.openxmlformats.org/presentationml/2006/main">
   <p:cSld>
     <p:spTree>
@@ -21298,7 +21768,7 @@
 </p:sld>
 </file>
 
-<file path=ppt/slides/slide37.xml><?xml version="1.0" encoding="utf-8"?>
+<file path=ppt/slides/slide39.xml><?xml version="1.0" encoding="utf-8"?>
 <p:sld xmlns:a="http://schemas.openxmlformats.org/drawingml/2006/main" xmlns:r="http://schemas.openxmlformats.org/officeDocument/2006/relationships" xmlns:p="http://schemas.openxmlformats.org/presentationml/2006/main">
   <p:cSld>
     <p:spTree>
@@ -23445,7 +23915,90 @@
 </p:sld>
 </file>
 
-<file path=ppt/slides/slide38.xml><?xml version="1.0" encoding="utf-8"?>
+<file path=ppt/slides/slide4.xml><?xml version="1.0" encoding="utf-8"?>
+<p:sld xmlns:a="http://schemas.openxmlformats.org/drawingml/2006/main" xmlns:r="http://schemas.openxmlformats.org/officeDocument/2006/relationships" xmlns:p="http://schemas.openxmlformats.org/presentationml/2006/main">
+  <p:cSld>
+    <p:spTree>
+      <p:nvGrpSpPr>
+        <p:cNvPr id="1" name=""/>
+        <p:cNvGrpSpPr/>
+        <p:nvPr/>
+      </p:nvGrpSpPr>
+      <p:grpSpPr>
+        <a:xfrm>
+          <a:off x="0" y="0"/>
+          <a:ext cx="0" cy="0"/>
+          <a:chOff x="0" y="0"/>
+          <a:chExt cx="0" cy="0"/>
+        </a:xfrm>
+      </p:grpSpPr>
+      <p:sp>
+        <p:nvSpPr>
+          <p:cNvPr id="2" name="Title 1">
+            <a:extLst>
+              <a:ext uri="{FF2B5EF4-FFF2-40B4-BE49-F238E27FC236}">
+                <a16:creationId xmlns:a16="http://schemas.microsoft.com/office/drawing/2014/main" id="{864D7FAD-5F9A-B22A-54C0-7675F1160B89}"/>
+              </a:ext>
+            </a:extLst>
+          </p:cNvPr>
+          <p:cNvSpPr>
+            <a:spLocks noGrp="1"/>
+          </p:cNvSpPr>
+          <p:nvPr>
+            <p:ph type="title"/>
+          </p:nvPr>
+        </p:nvSpPr>
+        <p:spPr/>
+        <p:txBody>
+          <a:bodyPr/>
+          <a:lstStyle/>
+          <a:p>
+            <a:r>
+              <a:rPr lang="en-US" dirty="0"/>
+              <a:t>Panel Data</a:t>
+            </a:r>
+          </a:p>
+        </p:txBody>
+      </p:sp>
+      <p:sp>
+        <p:nvSpPr>
+          <p:cNvPr id="3" name="Text Placeholder 2">
+            <a:extLst>
+              <a:ext uri="{FF2B5EF4-FFF2-40B4-BE49-F238E27FC236}">
+                <a16:creationId xmlns:a16="http://schemas.microsoft.com/office/drawing/2014/main" id="{971234BC-A8A6-76BA-6036-A2E7B653B008}"/>
+              </a:ext>
+            </a:extLst>
+          </p:cNvPr>
+          <p:cNvSpPr>
+            <a:spLocks noGrp="1"/>
+          </p:cNvSpPr>
+          <p:nvPr>
+            <p:ph type="body" idx="1"/>
+          </p:nvPr>
+        </p:nvSpPr>
+        <p:spPr/>
+        <p:txBody>
+          <a:bodyPr/>
+          <a:lstStyle/>
+          <a:p>
+            <a:endParaRPr lang="en-US"/>
+          </a:p>
+        </p:txBody>
+      </p:sp>
+    </p:spTree>
+    <p:extLst>
+      <p:ext uri="{BB962C8B-B14F-4D97-AF65-F5344CB8AC3E}">
+        <p14:creationId xmlns:p14="http://schemas.microsoft.com/office/powerpoint/2010/main" val="4092594043"/>
+      </p:ext>
+    </p:extLst>
+  </p:cSld>
+  <p:clrMapOvr>
+    <a:masterClrMapping/>
+  </p:clrMapOvr>
+</p:sld>
+</file>
+
+<file path=ppt/slides/slide40.xml><?xml version="1.0" encoding="utf-8"?>
 <p:sld xmlns:a="http://schemas.openxmlformats.org/drawingml/2006/main" xmlns:r="http://schemas.openxmlformats.org/officeDocument/2006/relationships" xmlns:p="http://schemas.openxmlformats.org/presentationml/2006/main">
   <p:cSld>
     <p:spTree>
@@ -25628,7 +26181,7 @@
 </p:sld>
 </file>
 
-<file path=ppt/slides/slide39.xml><?xml version="1.0" encoding="utf-8"?>
+<file path=ppt/slides/slide41.xml><?xml version="1.0" encoding="utf-8"?>
 <p:sld xmlns:a="http://schemas.openxmlformats.org/drawingml/2006/main" xmlns:r="http://schemas.openxmlformats.org/officeDocument/2006/relationships" xmlns:p="http://schemas.openxmlformats.org/presentationml/2006/main">
   <p:cSld>
     <p:spTree>
@@ -26523,90 +27076,7 @@
 </p:sld>
 </file>
 
-<file path=ppt/slides/slide4.xml><?xml version="1.0" encoding="utf-8"?>
-<p:sld xmlns:a="http://schemas.openxmlformats.org/drawingml/2006/main" xmlns:r="http://schemas.openxmlformats.org/officeDocument/2006/relationships" xmlns:p="http://schemas.openxmlformats.org/presentationml/2006/main">
-  <p:cSld>
-    <p:spTree>
-      <p:nvGrpSpPr>
-        <p:cNvPr id="1" name=""/>
-        <p:cNvGrpSpPr/>
-        <p:nvPr/>
-      </p:nvGrpSpPr>
-      <p:grpSpPr>
-        <a:xfrm>
-          <a:off x="0" y="0"/>
-          <a:ext cx="0" cy="0"/>
-          <a:chOff x="0" y="0"/>
-          <a:chExt cx="0" cy="0"/>
-        </a:xfrm>
-      </p:grpSpPr>
-      <p:sp>
-        <p:nvSpPr>
-          <p:cNvPr id="2" name="Title 1">
-            <a:extLst>
-              <a:ext uri="{FF2B5EF4-FFF2-40B4-BE49-F238E27FC236}">
-                <a16:creationId xmlns:a16="http://schemas.microsoft.com/office/drawing/2014/main" id="{864D7FAD-5F9A-B22A-54C0-7675F1160B89}"/>
-              </a:ext>
-            </a:extLst>
-          </p:cNvPr>
-          <p:cNvSpPr>
-            <a:spLocks noGrp="1"/>
-          </p:cNvSpPr>
-          <p:nvPr>
-            <p:ph type="title"/>
-          </p:nvPr>
-        </p:nvSpPr>
-        <p:spPr/>
-        <p:txBody>
-          <a:bodyPr/>
-          <a:lstStyle/>
-          <a:p>
-            <a:r>
-              <a:rPr lang="en-US" dirty="0"/>
-              <a:t>Panel Data</a:t>
-            </a:r>
-          </a:p>
-        </p:txBody>
-      </p:sp>
-      <p:sp>
-        <p:nvSpPr>
-          <p:cNvPr id="3" name="Text Placeholder 2">
-            <a:extLst>
-              <a:ext uri="{FF2B5EF4-FFF2-40B4-BE49-F238E27FC236}">
-                <a16:creationId xmlns:a16="http://schemas.microsoft.com/office/drawing/2014/main" id="{971234BC-A8A6-76BA-6036-A2E7B653B008}"/>
-              </a:ext>
-            </a:extLst>
-          </p:cNvPr>
-          <p:cNvSpPr>
-            <a:spLocks noGrp="1"/>
-          </p:cNvSpPr>
-          <p:nvPr>
-            <p:ph type="body" idx="1"/>
-          </p:nvPr>
-        </p:nvSpPr>
-        <p:spPr/>
-        <p:txBody>
-          <a:bodyPr/>
-          <a:lstStyle/>
-          <a:p>
-            <a:endParaRPr lang="en-US"/>
-          </a:p>
-        </p:txBody>
-      </p:sp>
-    </p:spTree>
-    <p:extLst>
-      <p:ext uri="{BB962C8B-B14F-4D97-AF65-F5344CB8AC3E}">
-        <p14:creationId xmlns:p14="http://schemas.microsoft.com/office/powerpoint/2010/main" val="4092594043"/>
-      </p:ext>
-    </p:extLst>
-  </p:cSld>
-  <p:clrMapOvr>
-    <a:masterClrMapping/>
-  </p:clrMapOvr>
-</p:sld>
-</file>
-
-<file path=ppt/slides/slide40.xml><?xml version="1.0" encoding="utf-8"?>
+<file path=ppt/slides/slide42.xml><?xml version="1.0" encoding="utf-8"?>
 <p:sld xmlns:a="http://schemas.openxmlformats.org/drawingml/2006/main" xmlns:r="http://schemas.openxmlformats.org/officeDocument/2006/relationships" xmlns:p="http://schemas.openxmlformats.org/presentationml/2006/main">
   <p:cSld>
     <p:spTree>
@@ -27154,7 +27624,7 @@
 </p:sld>
 </file>
 
-<file path=ppt/slides/slide41.xml><?xml version="1.0" encoding="utf-8"?>
+<file path=ppt/slides/slide43.xml><?xml version="1.0" encoding="utf-8"?>
 <p:sld xmlns:a="http://schemas.openxmlformats.org/drawingml/2006/main" xmlns:r="http://schemas.openxmlformats.org/officeDocument/2006/relationships" xmlns:p="http://schemas.openxmlformats.org/presentationml/2006/main">
   <p:cSld>
     <p:spTree>
@@ -27426,7 +27896,7 @@
 </p:sld>
 </file>
 
-<file path=ppt/slides/slide42.xml><?xml version="1.0" encoding="utf-8"?>
+<file path=ppt/slides/slide44.xml><?xml version="1.0" encoding="utf-8"?>
 <p:sld xmlns:a="http://schemas.openxmlformats.org/drawingml/2006/main" xmlns:r="http://schemas.openxmlformats.org/officeDocument/2006/relationships" xmlns:p="http://schemas.openxmlformats.org/presentationml/2006/main">
   <p:cSld>
     <p:spTree>
@@ -27919,7 +28389,7 @@
 </p:sld>
 </file>
 
-<file path=ppt/slides/slide43.xml><?xml version="1.0" encoding="utf-8"?>
+<file path=ppt/slides/slide45.xml><?xml version="1.0" encoding="utf-8"?>
 <p:sld xmlns:a="http://schemas.openxmlformats.org/drawingml/2006/main" xmlns:r="http://schemas.openxmlformats.org/officeDocument/2006/relationships" xmlns:p="http://schemas.openxmlformats.org/presentationml/2006/main">
   <p:cSld>
     <p:spTree>
@@ -28973,7 +29443,7 @@
 </p:sld>
 </file>
 
-<file path=ppt/slides/slide44.xml><?xml version="1.0" encoding="utf-8"?>
+<file path=ppt/slides/slide46.xml><?xml version="1.0" encoding="utf-8"?>
 <p:sld xmlns:a="http://schemas.openxmlformats.org/drawingml/2006/main" xmlns:r="http://schemas.openxmlformats.org/officeDocument/2006/relationships" xmlns:p="http://schemas.openxmlformats.org/presentationml/2006/main">
   <p:cSld>
     <p:spTree>
@@ -29056,7 +29526,7 @@
 </p:sld>
 </file>
 
-<file path=ppt/slides/slide45.xml><?xml version="1.0" encoding="utf-8"?>
+<file path=ppt/slides/slide47.xml><?xml version="1.0" encoding="utf-8"?>
 <p:sld xmlns:a="http://schemas.openxmlformats.org/drawingml/2006/main" xmlns:r="http://schemas.openxmlformats.org/officeDocument/2006/relationships" xmlns:p="http://schemas.openxmlformats.org/presentationml/2006/main">
   <p:cSld>
     <p:spTree>
@@ -29223,7 +29693,7 @@
 </p:sld>
 </file>
 
-<file path=ppt/slides/slide46.xml><?xml version="1.0" encoding="utf-8"?>
+<file path=ppt/slides/slide48.xml><?xml version="1.0" encoding="utf-8"?>
 <p:sld xmlns:a="http://schemas.openxmlformats.org/drawingml/2006/main" xmlns:r="http://schemas.openxmlformats.org/officeDocument/2006/relationships" xmlns:p="http://schemas.openxmlformats.org/presentationml/2006/main">
   <p:cSld>
     <p:spTree>
@@ -30070,7 +30540,7 @@
 </p:sld>
 </file>
 
-<file path=ppt/slides/slide47.xml><?xml version="1.0" encoding="utf-8"?>
+<file path=ppt/slides/slide49.xml><?xml version="1.0" encoding="utf-8"?>
 <p:sld xmlns:a="http://schemas.openxmlformats.org/drawingml/2006/main" xmlns:r="http://schemas.openxmlformats.org/officeDocument/2006/relationships" xmlns:p="http://schemas.openxmlformats.org/presentationml/2006/main">
   <p:cSld>
     <p:spTree>
@@ -31008,7 +31478,1054 @@
 </p:sld>
 </file>
 
-<file path=ppt/slides/slide48.xml><?xml version="1.0" encoding="utf-8"?>
+<file path=ppt/slides/slide5.xml><?xml version="1.0" encoding="utf-8"?>
+<p:sld xmlns:a="http://schemas.openxmlformats.org/drawingml/2006/main" xmlns:r="http://schemas.openxmlformats.org/officeDocument/2006/relationships" xmlns:p="http://schemas.openxmlformats.org/presentationml/2006/main">
+  <p:cSld>
+    <p:spTree>
+      <p:nvGrpSpPr>
+        <p:cNvPr id="1" name=""/>
+        <p:cNvGrpSpPr/>
+        <p:nvPr/>
+      </p:nvGrpSpPr>
+      <p:grpSpPr>
+        <a:xfrm>
+          <a:off x="0" y="0"/>
+          <a:ext cx="0" cy="0"/>
+          <a:chOff x="0" y="0"/>
+          <a:chExt cx="0" cy="0"/>
+        </a:xfrm>
+      </p:grpSpPr>
+      <p:sp>
+        <p:nvSpPr>
+          <p:cNvPr id="2" name="Title 1">
+            <a:extLst>
+              <a:ext uri="{FF2B5EF4-FFF2-40B4-BE49-F238E27FC236}">
+                <a16:creationId xmlns:a16="http://schemas.microsoft.com/office/drawing/2014/main" id="{8F3E3A31-C929-9471-D0A0-9A621F73217F}"/>
+              </a:ext>
+            </a:extLst>
+          </p:cNvPr>
+          <p:cNvSpPr>
+            <a:spLocks noGrp="1"/>
+          </p:cNvSpPr>
+          <p:nvPr>
+            <p:ph type="title"/>
+          </p:nvPr>
+        </p:nvSpPr>
+        <p:spPr/>
+        <p:txBody>
+          <a:bodyPr/>
+          <a:lstStyle/>
+          <a:p>
+            <a:r>
+              <a:rPr lang="en-US" dirty="0"/>
+              <a:t>The big picture</a:t>
+            </a:r>
+          </a:p>
+        </p:txBody>
+      </p:sp>
+      <p:sp>
+        <p:nvSpPr>
+          <p:cNvPr id="3" name="Content Placeholder 2">
+            <a:extLst>
+              <a:ext uri="{FF2B5EF4-FFF2-40B4-BE49-F238E27FC236}">
+                <a16:creationId xmlns:a16="http://schemas.microsoft.com/office/drawing/2014/main" id="{7D12C2C0-0B0C-E4E0-E5C9-6ED6B940A91D}"/>
+              </a:ext>
+            </a:extLst>
+          </p:cNvPr>
+          <p:cNvSpPr>
+            <a:spLocks noGrp="1"/>
+          </p:cNvSpPr>
+          <p:nvPr>
+            <p:ph idx="1"/>
+          </p:nvPr>
+        </p:nvSpPr>
+        <p:spPr>
+          <a:xfrm>
+            <a:off x="838200" y="1825624"/>
+            <a:ext cx="3672840" cy="4667239"/>
+          </a:xfrm>
+        </p:spPr>
+        <p:txBody>
+          <a:bodyPr>
+            <a:normAutofit lnSpcReduction="10000"/>
+          </a:bodyPr>
+          <a:lstStyle/>
+          <a:p>
+            <a:r>
+              <a:rPr lang="en-US" dirty="0"/>
+              <a:t>We track treated and control units over time, and see their outcomes before and after they are treated.</a:t>
+            </a:r>
+          </a:p>
+          <a:p>
+            <a:r>
+              <a:rPr lang="en-US" dirty="0"/>
+              <a:t>Before treatment, their outcomes have the </a:t>
+            </a:r>
+            <a:r>
+              <a:rPr lang="en-US" u="sng" dirty="0"/>
+              <a:t>exact same</a:t>
+            </a:r>
+            <a:r>
+              <a:rPr lang="en-US" dirty="0"/>
+              <a:t> trend.</a:t>
+            </a:r>
+          </a:p>
+          <a:p>
+            <a:r>
+              <a:rPr lang="en-US" dirty="0"/>
+              <a:t>We assume that the difference in trends after treatment is due to treatment.</a:t>
+            </a:r>
+          </a:p>
+        </p:txBody>
+      </p:sp>
+      <p:grpSp>
+        <p:nvGrpSpPr>
+          <p:cNvPr id="9" name="Group 8">
+            <a:extLst>
+              <a:ext uri="{FF2B5EF4-FFF2-40B4-BE49-F238E27FC236}">
+                <a16:creationId xmlns:a16="http://schemas.microsoft.com/office/drawing/2014/main" id="{4BA0EDC2-AD6C-AF3A-1602-704D4B103E9A}"/>
+              </a:ext>
+            </a:extLst>
+          </p:cNvPr>
+          <p:cNvGrpSpPr/>
+          <p:nvPr/>
+        </p:nvGrpSpPr>
+        <p:grpSpPr>
+          <a:xfrm>
+            <a:off x="4597180" y="1690688"/>
+            <a:ext cx="7508681" cy="3767455"/>
+            <a:chOff x="4597180" y="1690688"/>
+            <a:chExt cx="7508681" cy="3767455"/>
+          </a:xfrm>
+        </p:grpSpPr>
+        <p:cxnSp>
+          <p:nvCxnSpPr>
+            <p:cNvPr id="5" name="Straight Arrow Connector 4">
+              <a:extLst>
+                <a:ext uri="{FF2B5EF4-FFF2-40B4-BE49-F238E27FC236}">
+                  <a16:creationId xmlns:a16="http://schemas.microsoft.com/office/drawing/2014/main" id="{BE8E495F-8680-1ADC-CF34-E70F66290E18}"/>
+                </a:ext>
+              </a:extLst>
+            </p:cNvPr>
+            <p:cNvCxnSpPr/>
+            <p:nvPr/>
+          </p:nvCxnSpPr>
+          <p:spPr>
+            <a:xfrm flipV="1">
+              <a:off x="8847151" y="1690688"/>
+              <a:ext cx="0" cy="3767455"/>
+            </a:xfrm>
+            <a:prstGeom prst="straightConnector1">
+              <a:avLst/>
+            </a:prstGeom>
+            <a:ln w="38100">
+              <a:solidFill>
+                <a:schemeClr val="tx1"/>
+              </a:solidFill>
+              <a:tailEnd type="triangle"/>
+            </a:ln>
+          </p:spPr>
+          <p:style>
+            <a:lnRef idx="1">
+              <a:schemeClr val="accent1"/>
+            </a:lnRef>
+            <a:fillRef idx="0">
+              <a:schemeClr val="accent1"/>
+            </a:fillRef>
+            <a:effectRef idx="0">
+              <a:schemeClr val="accent1"/>
+            </a:effectRef>
+            <a:fontRef idx="minor">
+              <a:schemeClr val="tx1"/>
+            </a:fontRef>
+          </p:style>
+        </p:cxnSp>
+        <p:cxnSp>
+          <p:nvCxnSpPr>
+            <p:cNvPr id="6" name="Straight Arrow Connector 5">
+              <a:extLst>
+                <a:ext uri="{FF2B5EF4-FFF2-40B4-BE49-F238E27FC236}">
+                  <a16:creationId xmlns:a16="http://schemas.microsoft.com/office/drawing/2014/main" id="{75A93846-1185-281F-B86C-4C2C7793B136}"/>
+                </a:ext>
+              </a:extLst>
+            </p:cNvPr>
+            <p:cNvCxnSpPr>
+              <a:cxnSpLocks/>
+            </p:cNvCxnSpPr>
+            <p:nvPr/>
+          </p:nvCxnSpPr>
+          <p:spPr>
+            <a:xfrm flipH="1">
+              <a:off x="4597180" y="5024632"/>
+              <a:ext cx="7508681" cy="0"/>
+            </a:xfrm>
+            <a:prstGeom prst="straightConnector1">
+              <a:avLst/>
+            </a:prstGeom>
+            <a:ln w="38100">
+              <a:solidFill>
+                <a:schemeClr val="tx1"/>
+              </a:solidFill>
+              <a:headEnd type="triangle" w="med" len="med"/>
+              <a:tailEnd type="triangle" w="med" len="med"/>
+            </a:ln>
+          </p:spPr>
+          <p:style>
+            <a:lnRef idx="1">
+              <a:schemeClr val="accent1"/>
+            </a:lnRef>
+            <a:fillRef idx="0">
+              <a:schemeClr val="accent1"/>
+            </a:fillRef>
+            <a:effectRef idx="0">
+              <a:schemeClr val="accent1"/>
+            </a:effectRef>
+            <a:fontRef idx="minor">
+              <a:schemeClr val="tx1"/>
+            </a:fontRef>
+          </p:style>
+        </p:cxnSp>
+      </p:grpSp>
+      <mc:AlternateContent xmlns:mc="http://schemas.openxmlformats.org/markup-compatibility/2006" xmlns:a14="http://schemas.microsoft.com/office/drawing/2010/main">
+        <mc:Choice Requires="a14">
+          <p:sp>
+            <p:nvSpPr>
+              <p:cNvPr id="10" name="TextBox 9">
+                <a:extLst>
+                  <a:ext uri="{FF2B5EF4-FFF2-40B4-BE49-F238E27FC236}">
+                    <a16:creationId xmlns:a16="http://schemas.microsoft.com/office/drawing/2014/main" id="{8AF6BBD9-2648-997C-B880-C6596286D13D}"/>
+                  </a:ext>
+                </a:extLst>
+              </p:cNvPr>
+              <p:cNvSpPr txBox="1"/>
+              <p:nvPr/>
+            </p:nvSpPr>
+            <p:spPr>
+              <a:xfrm>
+                <a:off x="4661452" y="5347252"/>
+                <a:ext cx="2977610" cy="369332"/>
+              </a:xfrm>
+              <a:prstGeom prst="rect">
+                <a:avLst/>
+              </a:prstGeom>
+              <a:noFill/>
+            </p:spPr>
+            <p:txBody>
+              <a:bodyPr wrap="none" rtlCol="0">
+                <a:spAutoFit/>
+              </a:bodyPr>
+              <a:lstStyle/>
+              <a:p>
+                <a:r>
+                  <a:rPr lang="en-US" dirty="0"/>
+                  <a:t>Pre-Treatment Periods , </a:t>
+                </a:r>
+                <a14:m>
+                  <m:oMath xmlns:m="http://schemas.openxmlformats.org/officeDocument/2006/math">
+                    <m:r>
+                      <a:rPr lang="en-US" b="0" i="1" dirty="0" smtClean="0">
+                        <a:latin typeface="Cambria Math" panose="02040503050406030204" pitchFamily="18" charset="0"/>
+                      </a:rPr>
+                      <m:t>𝑡</m:t>
+                    </m:r>
+                    <m:r>
+                      <a:rPr lang="en-US" b="0" i="1" dirty="0" smtClean="0">
+                        <a:latin typeface="Cambria Math" panose="02040503050406030204" pitchFamily="18" charset="0"/>
+                      </a:rPr>
+                      <m:t>&lt;0</m:t>
+                    </m:r>
+                  </m:oMath>
+                </a14:m>
+                <a:endParaRPr lang="en-US" dirty="0"/>
+              </a:p>
+            </p:txBody>
+          </p:sp>
+        </mc:Choice>
+        <mc:Fallback xmlns="">
+          <p:sp>
+            <p:nvSpPr>
+              <p:cNvPr id="10" name="TextBox 9">
+                <a:extLst>
+                  <a:ext uri="{FF2B5EF4-FFF2-40B4-BE49-F238E27FC236}">
+                    <a16:creationId xmlns:a16="http://schemas.microsoft.com/office/drawing/2014/main" id="{8AF6BBD9-2648-997C-B880-C6596286D13D}"/>
+                  </a:ext>
+                </a:extLst>
+              </p:cNvPr>
+              <p:cNvSpPr txBox="1">
+                <a:spLocks noRot="1" noChangeAspect="1" noMove="1" noResize="1" noEditPoints="1" noAdjustHandles="1" noChangeArrowheads="1" noChangeShapeType="1" noTextEdit="1"/>
+              </p:cNvSpPr>
+              <p:nvPr/>
+            </p:nvSpPr>
+            <p:spPr>
+              <a:xfrm>
+                <a:off x="4661452" y="5347252"/>
+                <a:ext cx="2977610" cy="369332"/>
+              </a:xfrm>
+              <a:prstGeom prst="rect">
+                <a:avLst/>
+              </a:prstGeom>
+              <a:blipFill>
+                <a:blip r:embed="rId2"/>
+                <a:stretch>
+                  <a:fillRect l="-2128" t="-3226" b="-22581"/>
+                </a:stretch>
+              </a:blipFill>
+            </p:spPr>
+            <p:txBody>
+              <a:bodyPr/>
+              <a:lstStyle/>
+              <a:p>
+                <a:r>
+                  <a:rPr lang="en-US">
+                    <a:noFill/>
+                  </a:rPr>
+                  <a:t> </a:t>
+                </a:r>
+              </a:p>
+            </p:txBody>
+          </p:sp>
+        </mc:Fallback>
+      </mc:AlternateContent>
+      <mc:AlternateContent xmlns:mc="http://schemas.openxmlformats.org/markup-compatibility/2006" xmlns:a14="http://schemas.microsoft.com/office/drawing/2010/main">
+        <mc:Choice Requires="a14">
+          <p:sp>
+            <p:nvSpPr>
+              <p:cNvPr id="11" name="TextBox 10">
+                <a:extLst>
+                  <a:ext uri="{FF2B5EF4-FFF2-40B4-BE49-F238E27FC236}">
+                    <a16:creationId xmlns:a16="http://schemas.microsoft.com/office/drawing/2014/main" id="{35C54765-1528-3CF1-EE47-6C4589E7C979}"/>
+                  </a:ext>
+                </a:extLst>
+              </p:cNvPr>
+              <p:cNvSpPr txBox="1"/>
+              <p:nvPr/>
+            </p:nvSpPr>
+            <p:spPr>
+              <a:xfrm>
+                <a:off x="9077739" y="5347252"/>
+                <a:ext cx="3110595" cy="369332"/>
+              </a:xfrm>
+              <a:prstGeom prst="rect">
+                <a:avLst/>
+              </a:prstGeom>
+              <a:noFill/>
+            </p:spPr>
+            <p:txBody>
+              <a:bodyPr wrap="none" rtlCol="0">
+                <a:spAutoFit/>
+              </a:bodyPr>
+              <a:lstStyle/>
+              <a:p>
+                <a:r>
+                  <a:rPr lang="en-US" dirty="0"/>
+                  <a:t>Post-Treatment Periods , </a:t>
+                </a:r>
+                <a14:m>
+                  <m:oMath xmlns:m="http://schemas.openxmlformats.org/officeDocument/2006/math">
+                    <m:r>
+                      <a:rPr lang="en-US" b="0" i="1" dirty="0" smtClean="0">
+                        <a:latin typeface="Cambria Math" panose="02040503050406030204" pitchFamily="18" charset="0"/>
+                      </a:rPr>
+                      <m:t>𝑡</m:t>
+                    </m:r>
+                    <m:r>
+                      <a:rPr lang="en-US" b="0" i="1" dirty="0" smtClean="0">
+                        <a:latin typeface="Cambria Math" panose="02040503050406030204" pitchFamily="18" charset="0"/>
+                      </a:rPr>
+                      <m:t>≥0 </m:t>
+                    </m:r>
+                  </m:oMath>
+                </a14:m>
+                <a:endParaRPr lang="en-US" dirty="0"/>
+              </a:p>
+            </p:txBody>
+          </p:sp>
+        </mc:Choice>
+        <mc:Fallback xmlns="">
+          <p:sp>
+            <p:nvSpPr>
+              <p:cNvPr id="11" name="TextBox 10">
+                <a:extLst>
+                  <a:ext uri="{FF2B5EF4-FFF2-40B4-BE49-F238E27FC236}">
+                    <a16:creationId xmlns:a16="http://schemas.microsoft.com/office/drawing/2014/main" id="{35C54765-1528-3CF1-EE47-6C4589E7C979}"/>
+                  </a:ext>
+                </a:extLst>
+              </p:cNvPr>
+              <p:cNvSpPr txBox="1">
+                <a:spLocks noRot="1" noChangeAspect="1" noMove="1" noResize="1" noEditPoints="1" noAdjustHandles="1" noChangeArrowheads="1" noChangeShapeType="1" noTextEdit="1"/>
+              </p:cNvSpPr>
+              <p:nvPr/>
+            </p:nvSpPr>
+            <p:spPr>
+              <a:xfrm>
+                <a:off x="9077739" y="5347252"/>
+                <a:ext cx="3110595" cy="369332"/>
+              </a:xfrm>
+              <a:prstGeom prst="rect">
+                <a:avLst/>
+              </a:prstGeom>
+              <a:blipFill>
+                <a:blip r:embed="rId3"/>
+                <a:stretch>
+                  <a:fillRect l="-1626" t="-3226" b="-22581"/>
+                </a:stretch>
+              </a:blipFill>
+            </p:spPr>
+            <p:txBody>
+              <a:bodyPr/>
+              <a:lstStyle/>
+              <a:p>
+                <a:r>
+                  <a:rPr lang="en-US">
+                    <a:noFill/>
+                  </a:rPr>
+                  <a:t> </a:t>
+                </a:r>
+              </a:p>
+            </p:txBody>
+          </p:sp>
+        </mc:Fallback>
+      </mc:AlternateContent>
+      <mc:AlternateContent xmlns:mc="http://schemas.openxmlformats.org/markup-compatibility/2006" xmlns:a14="http://schemas.microsoft.com/office/drawing/2010/main">
+        <mc:Choice Requires="a14">
+          <p:sp>
+            <p:nvSpPr>
+              <p:cNvPr id="12" name="TextBox 11">
+                <a:extLst>
+                  <a:ext uri="{FF2B5EF4-FFF2-40B4-BE49-F238E27FC236}">
+                    <a16:creationId xmlns:a16="http://schemas.microsoft.com/office/drawing/2014/main" id="{33681B2F-705C-A98D-DA86-2D6744F55E28}"/>
+                  </a:ext>
+                </a:extLst>
+              </p:cNvPr>
+              <p:cNvSpPr txBox="1"/>
+              <p:nvPr/>
+            </p:nvSpPr>
+            <p:spPr>
+              <a:xfrm>
+                <a:off x="8151867" y="1288463"/>
+                <a:ext cx="1409617" cy="369332"/>
+              </a:xfrm>
+              <a:prstGeom prst="rect">
+                <a:avLst/>
+              </a:prstGeom>
+              <a:noFill/>
+            </p:spPr>
+            <p:txBody>
+              <a:bodyPr wrap="none" rtlCol="0">
+                <a:spAutoFit/>
+              </a:bodyPr>
+              <a:lstStyle/>
+              <a:p>
+                <a:r>
+                  <a:rPr lang="en-US" dirty="0"/>
+                  <a:t>Outcome, </a:t>
+                </a:r>
+                <a14:m>
+                  <m:oMath xmlns:m="http://schemas.openxmlformats.org/officeDocument/2006/math">
+                    <m:sSub>
+                      <m:sSubPr>
+                        <m:ctrlPr>
+                          <a:rPr lang="en-US" b="0" i="1" dirty="0" smtClean="0">
+                            <a:latin typeface="Cambria Math" panose="02040503050406030204" pitchFamily="18" charset="0"/>
+                          </a:rPr>
+                        </m:ctrlPr>
+                      </m:sSubPr>
+                      <m:e>
+                        <m:r>
+                          <a:rPr lang="en-US" b="0" i="1" dirty="0" smtClean="0">
+                            <a:latin typeface="Cambria Math" panose="02040503050406030204" pitchFamily="18" charset="0"/>
+                          </a:rPr>
+                          <m:t>𝑌</m:t>
+                        </m:r>
+                      </m:e>
+                      <m:sub>
+                        <m:r>
+                          <a:rPr lang="en-US" b="0" i="1" dirty="0" smtClean="0">
+                            <a:latin typeface="Cambria Math" panose="02040503050406030204" pitchFamily="18" charset="0"/>
+                          </a:rPr>
+                          <m:t>𝑖𝑡</m:t>
+                        </m:r>
+                      </m:sub>
+                    </m:sSub>
+                  </m:oMath>
+                </a14:m>
+                <a:endParaRPr lang="en-US" dirty="0"/>
+              </a:p>
+            </p:txBody>
+          </p:sp>
+        </mc:Choice>
+        <mc:Fallback xmlns="">
+          <p:sp>
+            <p:nvSpPr>
+              <p:cNvPr id="12" name="TextBox 11">
+                <a:extLst>
+                  <a:ext uri="{FF2B5EF4-FFF2-40B4-BE49-F238E27FC236}">
+                    <a16:creationId xmlns:a16="http://schemas.microsoft.com/office/drawing/2014/main" id="{33681B2F-705C-A98D-DA86-2D6744F55E28}"/>
+                  </a:ext>
+                </a:extLst>
+              </p:cNvPr>
+              <p:cNvSpPr txBox="1">
+                <a:spLocks noRot="1" noChangeAspect="1" noMove="1" noResize="1" noEditPoints="1" noAdjustHandles="1" noChangeArrowheads="1" noChangeShapeType="1" noTextEdit="1"/>
+              </p:cNvSpPr>
+              <p:nvPr/>
+            </p:nvSpPr>
+            <p:spPr>
+              <a:xfrm>
+                <a:off x="8151867" y="1288463"/>
+                <a:ext cx="1409617" cy="369332"/>
+              </a:xfrm>
+              <a:prstGeom prst="rect">
+                <a:avLst/>
+              </a:prstGeom>
+              <a:blipFill>
+                <a:blip r:embed="rId4"/>
+                <a:stretch>
+                  <a:fillRect l="-3571" t="-6667" b="-26667"/>
+                </a:stretch>
+              </a:blipFill>
+            </p:spPr>
+            <p:txBody>
+              <a:bodyPr/>
+              <a:lstStyle/>
+              <a:p>
+                <a:r>
+                  <a:rPr lang="en-US">
+                    <a:noFill/>
+                  </a:rPr>
+                  <a:t> </a:t>
+                </a:r>
+              </a:p>
+            </p:txBody>
+          </p:sp>
+        </mc:Fallback>
+      </mc:AlternateContent>
+      <p:grpSp>
+        <p:nvGrpSpPr>
+          <p:cNvPr id="30" name="Group 29">
+            <a:extLst>
+              <a:ext uri="{FF2B5EF4-FFF2-40B4-BE49-F238E27FC236}">
+                <a16:creationId xmlns:a16="http://schemas.microsoft.com/office/drawing/2014/main" id="{5653368C-4D7C-51C9-E2EF-6333B111947A}"/>
+              </a:ext>
+            </a:extLst>
+          </p:cNvPr>
+          <p:cNvGrpSpPr/>
+          <p:nvPr/>
+        </p:nvGrpSpPr>
+        <p:grpSpPr>
+          <a:xfrm>
+            <a:off x="4681330" y="2534478"/>
+            <a:ext cx="6211957" cy="1312253"/>
+            <a:chOff x="4681330" y="2534478"/>
+            <a:chExt cx="6211957" cy="1312253"/>
+          </a:xfrm>
+        </p:grpSpPr>
+        <p:grpSp>
+          <p:nvGrpSpPr>
+            <p:cNvPr id="27" name="Group 26">
+              <a:extLst>
+                <a:ext uri="{FF2B5EF4-FFF2-40B4-BE49-F238E27FC236}">
+                  <a16:creationId xmlns:a16="http://schemas.microsoft.com/office/drawing/2014/main" id="{77BCD3DF-E10C-2266-B43E-C594BAC92A12}"/>
+                </a:ext>
+              </a:extLst>
+            </p:cNvPr>
+            <p:cNvGrpSpPr/>
+            <p:nvPr/>
+          </p:nvGrpSpPr>
+          <p:grpSpPr>
+            <a:xfrm>
+              <a:off x="5188226" y="2534478"/>
+              <a:ext cx="5705061" cy="1039937"/>
+              <a:chOff x="5188226" y="2534478"/>
+              <a:chExt cx="5705061" cy="1039937"/>
+            </a:xfrm>
+          </p:grpSpPr>
+          <p:cxnSp>
+            <p:nvCxnSpPr>
+              <p:cNvPr id="24" name="Straight Connector 23">
+                <a:extLst>
+                  <a:ext uri="{FF2B5EF4-FFF2-40B4-BE49-F238E27FC236}">
+                    <a16:creationId xmlns:a16="http://schemas.microsoft.com/office/drawing/2014/main" id="{2655C7AD-AAC9-BC71-1672-80C52A66CDB4}"/>
+                  </a:ext>
+                </a:extLst>
+              </p:cNvPr>
+              <p:cNvCxnSpPr/>
+              <p:nvPr/>
+            </p:nvCxnSpPr>
+            <p:spPr>
+              <a:xfrm>
+                <a:off x="5188226" y="3574415"/>
+                <a:ext cx="3658925" cy="0"/>
+              </a:xfrm>
+              <a:prstGeom prst="line">
+                <a:avLst/>
+              </a:prstGeom>
+              <a:ln w="38100"/>
+            </p:spPr>
+            <p:style>
+              <a:lnRef idx="1">
+                <a:schemeClr val="accent1"/>
+              </a:lnRef>
+              <a:fillRef idx="0">
+                <a:schemeClr val="accent1"/>
+              </a:fillRef>
+              <a:effectRef idx="0">
+                <a:schemeClr val="accent1"/>
+              </a:effectRef>
+              <a:fontRef idx="minor">
+                <a:schemeClr val="tx1"/>
+              </a:fontRef>
+            </p:style>
+          </p:cxnSp>
+          <p:cxnSp>
+            <p:nvCxnSpPr>
+              <p:cNvPr id="25" name="Straight Connector 24">
+                <a:extLst>
+                  <a:ext uri="{FF2B5EF4-FFF2-40B4-BE49-F238E27FC236}">
+                    <a16:creationId xmlns:a16="http://schemas.microsoft.com/office/drawing/2014/main" id="{9DE45EE6-538E-6753-17D6-8D55413E465E}"/>
+                  </a:ext>
+                </a:extLst>
+              </p:cNvPr>
+              <p:cNvCxnSpPr>
+                <a:cxnSpLocks/>
+              </p:cNvCxnSpPr>
+              <p:nvPr/>
+            </p:nvCxnSpPr>
+            <p:spPr>
+              <a:xfrm flipV="1">
+                <a:off x="8856676" y="2534478"/>
+                <a:ext cx="2036611" cy="1039937"/>
+              </a:xfrm>
+              <a:prstGeom prst="line">
+                <a:avLst/>
+              </a:prstGeom>
+              <a:ln w="38100">
+                <a:headEnd type="none" w="med" len="med"/>
+                <a:tailEnd type="triangle" w="med" len="med"/>
+              </a:ln>
+            </p:spPr>
+            <p:style>
+              <a:lnRef idx="1">
+                <a:schemeClr val="accent1"/>
+              </a:lnRef>
+              <a:fillRef idx="0">
+                <a:schemeClr val="accent1"/>
+              </a:fillRef>
+              <a:effectRef idx="0">
+                <a:schemeClr val="accent1"/>
+              </a:effectRef>
+              <a:fontRef idx="minor">
+                <a:schemeClr val="tx1"/>
+              </a:fontRef>
+            </p:style>
+          </p:cxnSp>
+        </p:grpSp>
+        <mc:AlternateContent xmlns:mc="http://schemas.openxmlformats.org/markup-compatibility/2006" xmlns:a14="http://schemas.microsoft.com/office/drawing/2010/main">
+          <mc:Choice Requires="a14">
+            <p:sp>
+              <p:nvSpPr>
+                <p:cNvPr id="28" name="TextBox 27">
+                  <a:extLst>
+                    <a:ext uri="{FF2B5EF4-FFF2-40B4-BE49-F238E27FC236}">
+                      <a16:creationId xmlns:a16="http://schemas.microsoft.com/office/drawing/2014/main" id="{A2C92CAB-FA65-97BB-3F64-1FB0A539897E}"/>
+                    </a:ext>
+                  </a:extLst>
+                </p:cNvPr>
+                <p:cNvSpPr txBox="1"/>
+                <p:nvPr/>
+              </p:nvSpPr>
+              <p:spPr>
+                <a:xfrm>
+                  <a:off x="4681330" y="3200400"/>
+                  <a:ext cx="2144561" cy="646331"/>
+                </a:xfrm>
+                <a:prstGeom prst="rect">
+                  <a:avLst/>
+                </a:prstGeom>
+                <a:noFill/>
+              </p:spPr>
+              <p:txBody>
+                <a:bodyPr wrap="none" rtlCol="0">
+                  <a:spAutoFit/>
+                </a:bodyPr>
+                <a:lstStyle/>
+                <a:p>
+                  <a:r>
+                    <a:rPr lang="en-US" dirty="0"/>
+                    <a:t>Treated Unit, </a:t>
+                  </a:r>
+                  <a14:m>
+                    <m:oMath xmlns:m="http://schemas.openxmlformats.org/officeDocument/2006/math">
+                      <m:sSub>
+                        <m:sSubPr>
+                          <m:ctrlPr>
+                            <a:rPr lang="en-US" b="0" i="1" dirty="0" smtClean="0">
+                              <a:latin typeface="Cambria Math" panose="02040503050406030204" pitchFamily="18" charset="0"/>
+                            </a:rPr>
+                          </m:ctrlPr>
+                        </m:sSubPr>
+                        <m:e>
+                          <m:r>
+                            <m:rPr>
+                              <m:sty m:val="p"/>
+                            </m:rPr>
+                            <a:rPr lang="en-US" b="0" i="0" dirty="0" smtClean="0">
+                              <a:latin typeface="Cambria Math" panose="02040503050406030204" pitchFamily="18" charset="0"/>
+                            </a:rPr>
+                            <m:t>W</m:t>
+                          </m:r>
+                        </m:e>
+                        <m:sub>
+                          <m:r>
+                            <m:rPr>
+                              <m:sty m:val="p"/>
+                            </m:rPr>
+                            <a:rPr lang="en-US" b="0" i="0" dirty="0" smtClean="0">
+                              <a:latin typeface="Cambria Math" panose="02040503050406030204" pitchFamily="18" charset="0"/>
+                            </a:rPr>
+                            <m:t>i</m:t>
+                          </m:r>
+                        </m:sub>
+                      </m:sSub>
+                      <m:r>
+                        <a:rPr lang="en-US" b="0" i="1" dirty="0" smtClean="0">
+                          <a:latin typeface="Cambria Math" panose="02040503050406030204" pitchFamily="18" charset="0"/>
+                        </a:rPr>
+                        <m:t>=1</m:t>
+                      </m:r>
+                    </m:oMath>
+                  </a14:m>
+                  <a:endParaRPr lang="en-US" dirty="0"/>
+                </a:p>
+                <a:p>
+                  <a:r>
+                    <a:rPr lang="en-US" dirty="0"/>
+                    <a:t> </a:t>
+                  </a:r>
+                </a:p>
+              </p:txBody>
+            </p:sp>
+          </mc:Choice>
+          <mc:Fallback xmlns="">
+            <p:sp>
+              <p:nvSpPr>
+                <p:cNvPr id="28" name="TextBox 27">
+                  <a:extLst>
+                    <a:ext uri="{FF2B5EF4-FFF2-40B4-BE49-F238E27FC236}">
+                      <a16:creationId xmlns:a16="http://schemas.microsoft.com/office/drawing/2014/main" id="{A2C92CAB-FA65-97BB-3F64-1FB0A539897E}"/>
+                    </a:ext>
+                  </a:extLst>
+                </p:cNvPr>
+                <p:cNvSpPr txBox="1">
+                  <a:spLocks noRot="1" noChangeAspect="1" noMove="1" noResize="1" noEditPoints="1" noAdjustHandles="1" noChangeArrowheads="1" noChangeShapeType="1" noTextEdit="1"/>
+                </p:cNvSpPr>
+                <p:nvPr/>
+              </p:nvSpPr>
+              <p:spPr>
+                <a:xfrm>
+                  <a:off x="4681330" y="3200400"/>
+                  <a:ext cx="2144561" cy="646331"/>
+                </a:xfrm>
+                <a:prstGeom prst="rect">
+                  <a:avLst/>
+                </a:prstGeom>
+                <a:blipFill>
+                  <a:blip r:embed="rId5"/>
+                  <a:stretch>
+                    <a:fillRect l="-2353" t="-3922"/>
+                  </a:stretch>
+                </a:blipFill>
+              </p:spPr>
+              <p:txBody>
+                <a:bodyPr/>
+                <a:lstStyle/>
+                <a:p>
+                  <a:r>
+                    <a:rPr lang="en-US">
+                      <a:noFill/>
+                    </a:rPr>
+                    <a:t> </a:t>
+                  </a:r>
+                </a:p>
+              </p:txBody>
+            </p:sp>
+          </mc:Fallback>
+        </mc:AlternateContent>
+      </p:grpSp>
+      <p:grpSp>
+        <p:nvGrpSpPr>
+          <p:cNvPr id="31" name="Group 30">
+            <a:extLst>
+              <a:ext uri="{FF2B5EF4-FFF2-40B4-BE49-F238E27FC236}">
+                <a16:creationId xmlns:a16="http://schemas.microsoft.com/office/drawing/2014/main" id="{7CA571B0-E146-9618-CF3A-79A28C95FA81}"/>
+              </a:ext>
+            </a:extLst>
+          </p:cNvPr>
+          <p:cNvGrpSpPr/>
+          <p:nvPr/>
+        </p:nvGrpSpPr>
+        <p:grpSpPr>
+          <a:xfrm>
+            <a:off x="4690854" y="3637659"/>
+            <a:ext cx="6385008" cy="646331"/>
+            <a:chOff x="4690854" y="3571873"/>
+            <a:chExt cx="6385008" cy="646331"/>
+          </a:xfrm>
+        </p:grpSpPr>
+        <p:grpSp>
+          <p:nvGrpSpPr>
+            <p:cNvPr id="32" name="Group 31">
+              <a:extLst>
+                <a:ext uri="{FF2B5EF4-FFF2-40B4-BE49-F238E27FC236}">
+                  <a16:creationId xmlns:a16="http://schemas.microsoft.com/office/drawing/2014/main" id="{ED6683C6-023A-CAB8-0432-0B6B2A917D7A}"/>
+                </a:ext>
+              </a:extLst>
+            </p:cNvPr>
+            <p:cNvGrpSpPr/>
+            <p:nvPr/>
+          </p:nvGrpSpPr>
+          <p:grpSpPr>
+            <a:xfrm>
+              <a:off x="5188226" y="3574415"/>
+              <a:ext cx="5887636" cy="21874"/>
+              <a:chOff x="5188226" y="3574415"/>
+              <a:chExt cx="5887636" cy="21874"/>
+            </a:xfrm>
+          </p:grpSpPr>
+          <p:cxnSp>
+            <p:nvCxnSpPr>
+              <p:cNvPr id="34" name="Straight Connector 33">
+                <a:extLst>
+                  <a:ext uri="{FF2B5EF4-FFF2-40B4-BE49-F238E27FC236}">
+                    <a16:creationId xmlns:a16="http://schemas.microsoft.com/office/drawing/2014/main" id="{A19C91AD-6611-D351-B0D3-225BFDFB017F}"/>
+                  </a:ext>
+                </a:extLst>
+              </p:cNvPr>
+              <p:cNvCxnSpPr/>
+              <p:nvPr/>
+            </p:nvCxnSpPr>
+            <p:spPr>
+              <a:xfrm>
+                <a:off x="5188226" y="3574415"/>
+                <a:ext cx="3658925" cy="0"/>
+              </a:xfrm>
+              <a:prstGeom prst="line">
+                <a:avLst/>
+              </a:prstGeom>
+              <a:ln w="38100">
+                <a:solidFill>
+                  <a:srgbClr val="00B050"/>
+                </a:solidFill>
+                <a:prstDash val="dash"/>
+              </a:ln>
+            </p:spPr>
+            <p:style>
+              <a:lnRef idx="1">
+                <a:schemeClr val="accent1"/>
+              </a:lnRef>
+              <a:fillRef idx="0">
+                <a:schemeClr val="accent1"/>
+              </a:fillRef>
+              <a:effectRef idx="0">
+                <a:schemeClr val="accent1"/>
+              </a:effectRef>
+              <a:fontRef idx="minor">
+                <a:schemeClr val="tx1"/>
+              </a:fontRef>
+            </p:style>
+          </p:cxnSp>
+          <p:cxnSp>
+            <p:nvCxnSpPr>
+              <p:cNvPr id="35" name="Straight Connector 34">
+                <a:extLst>
+                  <a:ext uri="{FF2B5EF4-FFF2-40B4-BE49-F238E27FC236}">
+                    <a16:creationId xmlns:a16="http://schemas.microsoft.com/office/drawing/2014/main" id="{86C9D997-534B-AEF3-54FA-ECCDBB3D52B1}"/>
+                  </a:ext>
+                </a:extLst>
+              </p:cNvPr>
+              <p:cNvCxnSpPr>
+                <a:cxnSpLocks/>
+              </p:cNvCxnSpPr>
+              <p:nvPr/>
+            </p:nvCxnSpPr>
+            <p:spPr>
+              <a:xfrm>
+                <a:off x="8856676" y="3574415"/>
+                <a:ext cx="2219186" cy="21874"/>
+              </a:xfrm>
+              <a:prstGeom prst="line">
+                <a:avLst/>
+              </a:prstGeom>
+              <a:ln w="38100">
+                <a:solidFill>
+                  <a:srgbClr val="00B050"/>
+                </a:solidFill>
+                <a:prstDash val="dash"/>
+                <a:headEnd type="none" w="med" len="med"/>
+                <a:tailEnd type="triangle" w="med" len="med"/>
+              </a:ln>
+            </p:spPr>
+            <p:style>
+              <a:lnRef idx="1">
+                <a:schemeClr val="accent1"/>
+              </a:lnRef>
+              <a:fillRef idx="0">
+                <a:schemeClr val="accent1"/>
+              </a:fillRef>
+              <a:effectRef idx="0">
+                <a:schemeClr val="accent1"/>
+              </a:effectRef>
+              <a:fontRef idx="minor">
+                <a:schemeClr val="tx1"/>
+              </a:fontRef>
+            </p:style>
+          </p:cxnSp>
+        </p:grpSp>
+        <mc:AlternateContent xmlns:mc="http://schemas.openxmlformats.org/markup-compatibility/2006" xmlns:a14="http://schemas.microsoft.com/office/drawing/2010/main">
+          <mc:Choice Requires="a14">
+            <p:sp>
+              <p:nvSpPr>
+                <p:cNvPr id="33" name="TextBox 32">
+                  <a:extLst>
+                    <a:ext uri="{FF2B5EF4-FFF2-40B4-BE49-F238E27FC236}">
+                      <a16:creationId xmlns:a16="http://schemas.microsoft.com/office/drawing/2014/main" id="{BFF0A07E-6EA1-0602-C9C7-FD8B4489E6A9}"/>
+                    </a:ext>
+                  </a:extLst>
+                </p:cNvPr>
+                <p:cNvSpPr txBox="1"/>
+                <p:nvPr/>
+              </p:nvSpPr>
+              <p:spPr>
+                <a:xfrm>
+                  <a:off x="4690854" y="3571873"/>
+                  <a:ext cx="2638351" cy="646331"/>
+                </a:xfrm>
+                <a:prstGeom prst="rect">
+                  <a:avLst/>
+                </a:prstGeom>
+                <a:noFill/>
+              </p:spPr>
+              <p:txBody>
+                <a:bodyPr wrap="none" rtlCol="0">
+                  <a:spAutoFit/>
+                </a:bodyPr>
+                <a:lstStyle/>
+                <a:p>
+                  <a:r>
+                    <a:rPr lang="en-US" dirty="0"/>
+                    <a:t>Ideal Control Unit, </a:t>
+                  </a:r>
+                  <a14:m>
+                    <m:oMath xmlns:m="http://schemas.openxmlformats.org/officeDocument/2006/math">
+                      <m:sSub>
+                        <m:sSubPr>
+                          <m:ctrlPr>
+                            <a:rPr lang="en-US" b="0" i="1" dirty="0" smtClean="0">
+                              <a:latin typeface="Cambria Math" panose="02040503050406030204" pitchFamily="18" charset="0"/>
+                            </a:rPr>
+                          </m:ctrlPr>
+                        </m:sSubPr>
+                        <m:e>
+                          <m:r>
+                            <m:rPr>
+                              <m:sty m:val="p"/>
+                            </m:rPr>
+                            <a:rPr lang="en-US" b="0" i="0" dirty="0" smtClean="0">
+                              <a:latin typeface="Cambria Math" panose="02040503050406030204" pitchFamily="18" charset="0"/>
+                            </a:rPr>
+                            <m:t>W</m:t>
+                          </m:r>
+                        </m:e>
+                        <m:sub>
+                          <m:r>
+                            <m:rPr>
+                              <m:sty m:val="p"/>
+                            </m:rPr>
+                            <a:rPr lang="en-US" b="0" i="0" dirty="0" smtClean="0">
+                              <a:latin typeface="Cambria Math" panose="02040503050406030204" pitchFamily="18" charset="0"/>
+                            </a:rPr>
+                            <m:t>i</m:t>
+                          </m:r>
+                        </m:sub>
+                      </m:sSub>
+                      <m:r>
+                        <a:rPr lang="en-US" b="0" i="1" dirty="0" smtClean="0">
+                          <a:latin typeface="Cambria Math" panose="02040503050406030204" pitchFamily="18" charset="0"/>
+                        </a:rPr>
+                        <m:t>=0</m:t>
+                      </m:r>
+                    </m:oMath>
+                  </a14:m>
+                  <a:endParaRPr lang="en-US" dirty="0"/>
+                </a:p>
+                <a:p>
+                  <a:r>
+                    <a:rPr lang="en-US" dirty="0"/>
+                    <a:t> </a:t>
+                  </a:r>
+                </a:p>
+              </p:txBody>
+            </p:sp>
+          </mc:Choice>
+          <mc:Fallback xmlns="">
+            <p:sp>
+              <p:nvSpPr>
+                <p:cNvPr id="33" name="TextBox 32">
+                  <a:extLst>
+                    <a:ext uri="{FF2B5EF4-FFF2-40B4-BE49-F238E27FC236}">
+                      <a16:creationId xmlns:a16="http://schemas.microsoft.com/office/drawing/2014/main" id="{BFF0A07E-6EA1-0602-C9C7-FD8B4489E6A9}"/>
+                    </a:ext>
+                  </a:extLst>
+                </p:cNvPr>
+                <p:cNvSpPr txBox="1">
+                  <a:spLocks noRot="1" noChangeAspect="1" noMove="1" noResize="1" noEditPoints="1" noAdjustHandles="1" noChangeArrowheads="1" noChangeShapeType="1" noTextEdit="1"/>
+                </p:cNvSpPr>
+                <p:nvPr/>
+              </p:nvSpPr>
+              <p:spPr>
+                <a:xfrm>
+                  <a:off x="4690854" y="3571873"/>
+                  <a:ext cx="2638351" cy="646331"/>
+                </a:xfrm>
+                <a:prstGeom prst="rect">
+                  <a:avLst/>
+                </a:prstGeom>
+                <a:blipFill>
+                  <a:blip r:embed="rId6"/>
+                  <a:stretch>
+                    <a:fillRect l="-1923" t="-3846"/>
+                  </a:stretch>
+                </a:blipFill>
+              </p:spPr>
+              <p:txBody>
+                <a:bodyPr/>
+                <a:lstStyle/>
+                <a:p>
+                  <a:r>
+                    <a:rPr lang="en-US">
+                      <a:noFill/>
+                    </a:rPr>
+                    <a:t> </a:t>
+                  </a:r>
+                </a:p>
+              </p:txBody>
+            </p:sp>
+          </mc:Fallback>
+        </mc:AlternateContent>
+      </p:grpSp>
+    </p:spTree>
+    <p:extLst>
+      <p:ext uri="{BB962C8B-B14F-4D97-AF65-F5344CB8AC3E}">
+        <p14:creationId xmlns:p14="http://schemas.microsoft.com/office/powerpoint/2010/main" val="1825857170"/>
+      </p:ext>
+    </p:extLst>
+  </p:cSld>
+  <p:clrMapOvr>
+    <a:masterClrMapping/>
+  </p:clrMapOvr>
+</p:sld>
+</file>
+
+<file path=ppt/slides/slide50.xml><?xml version="1.0" encoding="utf-8"?>
 <p:sld xmlns:a="http://schemas.openxmlformats.org/drawingml/2006/main" xmlns:r="http://schemas.openxmlformats.org/officeDocument/2006/relationships" xmlns:p="http://schemas.openxmlformats.org/presentationml/2006/main">
   <p:cSld>
     <p:spTree>
@@ -31100,7 +32617,7 @@
 </p:sld>
 </file>
 
-<file path=ppt/slides/slide49.xml><?xml version="1.0" encoding="utf-8"?>
+<file path=ppt/slides/slide51.xml><?xml version="1.0" encoding="utf-8"?>
 <p:sld xmlns:a="http://schemas.openxmlformats.org/drawingml/2006/main" xmlns:r="http://schemas.openxmlformats.org/officeDocument/2006/relationships" xmlns:p="http://schemas.openxmlformats.org/presentationml/2006/main">
   <p:cSld>
     <p:spTree>
@@ -32044,1054 +33561,7 @@
 </p:sld>
 </file>
 
-<file path=ppt/slides/slide5.xml><?xml version="1.0" encoding="utf-8"?>
-<p:sld xmlns:a="http://schemas.openxmlformats.org/drawingml/2006/main" xmlns:r="http://schemas.openxmlformats.org/officeDocument/2006/relationships" xmlns:p="http://schemas.openxmlformats.org/presentationml/2006/main">
-  <p:cSld>
-    <p:spTree>
-      <p:nvGrpSpPr>
-        <p:cNvPr id="1" name=""/>
-        <p:cNvGrpSpPr/>
-        <p:nvPr/>
-      </p:nvGrpSpPr>
-      <p:grpSpPr>
-        <a:xfrm>
-          <a:off x="0" y="0"/>
-          <a:ext cx="0" cy="0"/>
-          <a:chOff x="0" y="0"/>
-          <a:chExt cx="0" cy="0"/>
-        </a:xfrm>
-      </p:grpSpPr>
-      <p:sp>
-        <p:nvSpPr>
-          <p:cNvPr id="2" name="Title 1">
-            <a:extLst>
-              <a:ext uri="{FF2B5EF4-FFF2-40B4-BE49-F238E27FC236}">
-                <a16:creationId xmlns:a16="http://schemas.microsoft.com/office/drawing/2014/main" id="{8F3E3A31-C929-9471-D0A0-9A621F73217F}"/>
-              </a:ext>
-            </a:extLst>
-          </p:cNvPr>
-          <p:cNvSpPr>
-            <a:spLocks noGrp="1"/>
-          </p:cNvSpPr>
-          <p:nvPr>
-            <p:ph type="title"/>
-          </p:nvPr>
-        </p:nvSpPr>
-        <p:spPr/>
-        <p:txBody>
-          <a:bodyPr/>
-          <a:lstStyle/>
-          <a:p>
-            <a:r>
-              <a:rPr lang="en-US" dirty="0"/>
-              <a:t>The big picture</a:t>
-            </a:r>
-          </a:p>
-        </p:txBody>
-      </p:sp>
-      <p:sp>
-        <p:nvSpPr>
-          <p:cNvPr id="3" name="Content Placeholder 2">
-            <a:extLst>
-              <a:ext uri="{FF2B5EF4-FFF2-40B4-BE49-F238E27FC236}">
-                <a16:creationId xmlns:a16="http://schemas.microsoft.com/office/drawing/2014/main" id="{7D12C2C0-0B0C-E4E0-E5C9-6ED6B940A91D}"/>
-              </a:ext>
-            </a:extLst>
-          </p:cNvPr>
-          <p:cNvSpPr>
-            <a:spLocks noGrp="1"/>
-          </p:cNvSpPr>
-          <p:nvPr>
-            <p:ph idx="1"/>
-          </p:nvPr>
-        </p:nvSpPr>
-        <p:spPr>
-          <a:xfrm>
-            <a:off x="838200" y="1825624"/>
-            <a:ext cx="3672840" cy="4667239"/>
-          </a:xfrm>
-        </p:spPr>
-        <p:txBody>
-          <a:bodyPr>
-            <a:normAutofit lnSpcReduction="10000"/>
-          </a:bodyPr>
-          <a:lstStyle/>
-          <a:p>
-            <a:r>
-              <a:rPr lang="en-US" dirty="0"/>
-              <a:t>We track treated and control units over time, and see their outcomes before and after they are treated.</a:t>
-            </a:r>
-          </a:p>
-          <a:p>
-            <a:r>
-              <a:rPr lang="en-US" dirty="0"/>
-              <a:t>Before treatment, their outcomes have the </a:t>
-            </a:r>
-            <a:r>
-              <a:rPr lang="en-US" u="sng" dirty="0"/>
-              <a:t>exact same</a:t>
-            </a:r>
-            <a:r>
-              <a:rPr lang="en-US" dirty="0"/>
-              <a:t> trend.</a:t>
-            </a:r>
-          </a:p>
-          <a:p>
-            <a:r>
-              <a:rPr lang="en-US" dirty="0"/>
-              <a:t>We assume that the difference in trends after treatment is due to treatment.</a:t>
-            </a:r>
-          </a:p>
-        </p:txBody>
-      </p:sp>
-      <p:grpSp>
-        <p:nvGrpSpPr>
-          <p:cNvPr id="9" name="Group 8">
-            <a:extLst>
-              <a:ext uri="{FF2B5EF4-FFF2-40B4-BE49-F238E27FC236}">
-                <a16:creationId xmlns:a16="http://schemas.microsoft.com/office/drawing/2014/main" id="{4BA0EDC2-AD6C-AF3A-1602-704D4B103E9A}"/>
-              </a:ext>
-            </a:extLst>
-          </p:cNvPr>
-          <p:cNvGrpSpPr/>
-          <p:nvPr/>
-        </p:nvGrpSpPr>
-        <p:grpSpPr>
-          <a:xfrm>
-            <a:off x="4597180" y="1690688"/>
-            <a:ext cx="7508681" cy="3767455"/>
-            <a:chOff x="4597180" y="1690688"/>
-            <a:chExt cx="7508681" cy="3767455"/>
-          </a:xfrm>
-        </p:grpSpPr>
-        <p:cxnSp>
-          <p:nvCxnSpPr>
-            <p:cNvPr id="5" name="Straight Arrow Connector 4">
-              <a:extLst>
-                <a:ext uri="{FF2B5EF4-FFF2-40B4-BE49-F238E27FC236}">
-                  <a16:creationId xmlns:a16="http://schemas.microsoft.com/office/drawing/2014/main" id="{BE8E495F-8680-1ADC-CF34-E70F66290E18}"/>
-                </a:ext>
-              </a:extLst>
-            </p:cNvPr>
-            <p:cNvCxnSpPr/>
-            <p:nvPr/>
-          </p:nvCxnSpPr>
-          <p:spPr>
-            <a:xfrm flipV="1">
-              <a:off x="8847151" y="1690688"/>
-              <a:ext cx="0" cy="3767455"/>
-            </a:xfrm>
-            <a:prstGeom prst="straightConnector1">
-              <a:avLst/>
-            </a:prstGeom>
-            <a:ln w="38100">
-              <a:solidFill>
-                <a:schemeClr val="tx1"/>
-              </a:solidFill>
-              <a:tailEnd type="triangle"/>
-            </a:ln>
-          </p:spPr>
-          <p:style>
-            <a:lnRef idx="1">
-              <a:schemeClr val="accent1"/>
-            </a:lnRef>
-            <a:fillRef idx="0">
-              <a:schemeClr val="accent1"/>
-            </a:fillRef>
-            <a:effectRef idx="0">
-              <a:schemeClr val="accent1"/>
-            </a:effectRef>
-            <a:fontRef idx="minor">
-              <a:schemeClr val="tx1"/>
-            </a:fontRef>
-          </p:style>
-        </p:cxnSp>
-        <p:cxnSp>
-          <p:nvCxnSpPr>
-            <p:cNvPr id="6" name="Straight Arrow Connector 5">
-              <a:extLst>
-                <a:ext uri="{FF2B5EF4-FFF2-40B4-BE49-F238E27FC236}">
-                  <a16:creationId xmlns:a16="http://schemas.microsoft.com/office/drawing/2014/main" id="{75A93846-1185-281F-B86C-4C2C7793B136}"/>
-                </a:ext>
-              </a:extLst>
-            </p:cNvPr>
-            <p:cNvCxnSpPr>
-              <a:cxnSpLocks/>
-            </p:cNvCxnSpPr>
-            <p:nvPr/>
-          </p:nvCxnSpPr>
-          <p:spPr>
-            <a:xfrm flipH="1">
-              <a:off x="4597180" y="5024632"/>
-              <a:ext cx="7508681" cy="0"/>
-            </a:xfrm>
-            <a:prstGeom prst="straightConnector1">
-              <a:avLst/>
-            </a:prstGeom>
-            <a:ln w="38100">
-              <a:solidFill>
-                <a:schemeClr val="tx1"/>
-              </a:solidFill>
-              <a:headEnd type="triangle" w="med" len="med"/>
-              <a:tailEnd type="triangle" w="med" len="med"/>
-            </a:ln>
-          </p:spPr>
-          <p:style>
-            <a:lnRef idx="1">
-              <a:schemeClr val="accent1"/>
-            </a:lnRef>
-            <a:fillRef idx="0">
-              <a:schemeClr val="accent1"/>
-            </a:fillRef>
-            <a:effectRef idx="0">
-              <a:schemeClr val="accent1"/>
-            </a:effectRef>
-            <a:fontRef idx="minor">
-              <a:schemeClr val="tx1"/>
-            </a:fontRef>
-          </p:style>
-        </p:cxnSp>
-      </p:grpSp>
-      <mc:AlternateContent xmlns:mc="http://schemas.openxmlformats.org/markup-compatibility/2006" xmlns:a14="http://schemas.microsoft.com/office/drawing/2010/main">
-        <mc:Choice Requires="a14">
-          <p:sp>
-            <p:nvSpPr>
-              <p:cNvPr id="10" name="TextBox 9">
-                <a:extLst>
-                  <a:ext uri="{FF2B5EF4-FFF2-40B4-BE49-F238E27FC236}">
-                    <a16:creationId xmlns:a16="http://schemas.microsoft.com/office/drawing/2014/main" id="{8AF6BBD9-2648-997C-B880-C6596286D13D}"/>
-                  </a:ext>
-                </a:extLst>
-              </p:cNvPr>
-              <p:cNvSpPr txBox="1"/>
-              <p:nvPr/>
-            </p:nvSpPr>
-            <p:spPr>
-              <a:xfrm>
-                <a:off x="4661452" y="5347252"/>
-                <a:ext cx="2977610" cy="369332"/>
-              </a:xfrm>
-              <a:prstGeom prst="rect">
-                <a:avLst/>
-              </a:prstGeom>
-              <a:noFill/>
-            </p:spPr>
-            <p:txBody>
-              <a:bodyPr wrap="none" rtlCol="0">
-                <a:spAutoFit/>
-              </a:bodyPr>
-              <a:lstStyle/>
-              <a:p>
-                <a:r>
-                  <a:rPr lang="en-US" dirty="0"/>
-                  <a:t>Pre-Treatment Periods , </a:t>
-                </a:r>
-                <a14:m>
-                  <m:oMath xmlns:m="http://schemas.openxmlformats.org/officeDocument/2006/math">
-                    <m:r>
-                      <a:rPr lang="en-US" b="0" i="1" dirty="0" smtClean="0">
-                        <a:latin typeface="Cambria Math" panose="02040503050406030204" pitchFamily="18" charset="0"/>
-                      </a:rPr>
-                      <m:t>𝑡</m:t>
-                    </m:r>
-                    <m:r>
-                      <a:rPr lang="en-US" b="0" i="1" dirty="0" smtClean="0">
-                        <a:latin typeface="Cambria Math" panose="02040503050406030204" pitchFamily="18" charset="0"/>
-                      </a:rPr>
-                      <m:t>&lt;0</m:t>
-                    </m:r>
-                  </m:oMath>
-                </a14:m>
-                <a:endParaRPr lang="en-US" dirty="0"/>
-              </a:p>
-            </p:txBody>
-          </p:sp>
-        </mc:Choice>
-        <mc:Fallback xmlns="">
-          <p:sp>
-            <p:nvSpPr>
-              <p:cNvPr id="10" name="TextBox 9">
-                <a:extLst>
-                  <a:ext uri="{FF2B5EF4-FFF2-40B4-BE49-F238E27FC236}">
-                    <a16:creationId xmlns:a16="http://schemas.microsoft.com/office/drawing/2014/main" id="{8AF6BBD9-2648-997C-B880-C6596286D13D}"/>
-                  </a:ext>
-                </a:extLst>
-              </p:cNvPr>
-              <p:cNvSpPr txBox="1">
-                <a:spLocks noRot="1" noChangeAspect="1" noMove="1" noResize="1" noEditPoints="1" noAdjustHandles="1" noChangeArrowheads="1" noChangeShapeType="1" noTextEdit="1"/>
-              </p:cNvSpPr>
-              <p:nvPr/>
-            </p:nvSpPr>
-            <p:spPr>
-              <a:xfrm>
-                <a:off x="4661452" y="5347252"/>
-                <a:ext cx="2977610" cy="369332"/>
-              </a:xfrm>
-              <a:prstGeom prst="rect">
-                <a:avLst/>
-              </a:prstGeom>
-              <a:blipFill>
-                <a:blip r:embed="rId2"/>
-                <a:stretch>
-                  <a:fillRect l="-2128" t="-3226" b="-22581"/>
-                </a:stretch>
-              </a:blipFill>
-            </p:spPr>
-            <p:txBody>
-              <a:bodyPr/>
-              <a:lstStyle/>
-              <a:p>
-                <a:r>
-                  <a:rPr lang="en-US">
-                    <a:noFill/>
-                  </a:rPr>
-                  <a:t> </a:t>
-                </a:r>
-              </a:p>
-            </p:txBody>
-          </p:sp>
-        </mc:Fallback>
-      </mc:AlternateContent>
-      <mc:AlternateContent xmlns:mc="http://schemas.openxmlformats.org/markup-compatibility/2006" xmlns:a14="http://schemas.microsoft.com/office/drawing/2010/main">
-        <mc:Choice Requires="a14">
-          <p:sp>
-            <p:nvSpPr>
-              <p:cNvPr id="11" name="TextBox 10">
-                <a:extLst>
-                  <a:ext uri="{FF2B5EF4-FFF2-40B4-BE49-F238E27FC236}">
-                    <a16:creationId xmlns:a16="http://schemas.microsoft.com/office/drawing/2014/main" id="{35C54765-1528-3CF1-EE47-6C4589E7C979}"/>
-                  </a:ext>
-                </a:extLst>
-              </p:cNvPr>
-              <p:cNvSpPr txBox="1"/>
-              <p:nvPr/>
-            </p:nvSpPr>
-            <p:spPr>
-              <a:xfrm>
-                <a:off x="9077739" y="5347252"/>
-                <a:ext cx="3110595" cy="369332"/>
-              </a:xfrm>
-              <a:prstGeom prst="rect">
-                <a:avLst/>
-              </a:prstGeom>
-              <a:noFill/>
-            </p:spPr>
-            <p:txBody>
-              <a:bodyPr wrap="none" rtlCol="0">
-                <a:spAutoFit/>
-              </a:bodyPr>
-              <a:lstStyle/>
-              <a:p>
-                <a:r>
-                  <a:rPr lang="en-US" dirty="0"/>
-                  <a:t>Post-Treatment Periods , </a:t>
-                </a:r>
-                <a14:m>
-                  <m:oMath xmlns:m="http://schemas.openxmlformats.org/officeDocument/2006/math">
-                    <m:r>
-                      <a:rPr lang="en-US" b="0" i="1" dirty="0" smtClean="0">
-                        <a:latin typeface="Cambria Math" panose="02040503050406030204" pitchFamily="18" charset="0"/>
-                      </a:rPr>
-                      <m:t>𝑡</m:t>
-                    </m:r>
-                    <m:r>
-                      <a:rPr lang="en-US" b="0" i="1" dirty="0" smtClean="0">
-                        <a:latin typeface="Cambria Math" panose="02040503050406030204" pitchFamily="18" charset="0"/>
-                      </a:rPr>
-                      <m:t>≥0 </m:t>
-                    </m:r>
-                  </m:oMath>
-                </a14:m>
-                <a:endParaRPr lang="en-US" dirty="0"/>
-              </a:p>
-            </p:txBody>
-          </p:sp>
-        </mc:Choice>
-        <mc:Fallback xmlns="">
-          <p:sp>
-            <p:nvSpPr>
-              <p:cNvPr id="11" name="TextBox 10">
-                <a:extLst>
-                  <a:ext uri="{FF2B5EF4-FFF2-40B4-BE49-F238E27FC236}">
-                    <a16:creationId xmlns:a16="http://schemas.microsoft.com/office/drawing/2014/main" id="{35C54765-1528-3CF1-EE47-6C4589E7C979}"/>
-                  </a:ext>
-                </a:extLst>
-              </p:cNvPr>
-              <p:cNvSpPr txBox="1">
-                <a:spLocks noRot="1" noChangeAspect="1" noMove="1" noResize="1" noEditPoints="1" noAdjustHandles="1" noChangeArrowheads="1" noChangeShapeType="1" noTextEdit="1"/>
-              </p:cNvSpPr>
-              <p:nvPr/>
-            </p:nvSpPr>
-            <p:spPr>
-              <a:xfrm>
-                <a:off x="9077739" y="5347252"/>
-                <a:ext cx="3110595" cy="369332"/>
-              </a:xfrm>
-              <a:prstGeom prst="rect">
-                <a:avLst/>
-              </a:prstGeom>
-              <a:blipFill>
-                <a:blip r:embed="rId3"/>
-                <a:stretch>
-                  <a:fillRect l="-1626" t="-3226" b="-22581"/>
-                </a:stretch>
-              </a:blipFill>
-            </p:spPr>
-            <p:txBody>
-              <a:bodyPr/>
-              <a:lstStyle/>
-              <a:p>
-                <a:r>
-                  <a:rPr lang="en-US">
-                    <a:noFill/>
-                  </a:rPr>
-                  <a:t> </a:t>
-                </a:r>
-              </a:p>
-            </p:txBody>
-          </p:sp>
-        </mc:Fallback>
-      </mc:AlternateContent>
-      <mc:AlternateContent xmlns:mc="http://schemas.openxmlformats.org/markup-compatibility/2006" xmlns:a14="http://schemas.microsoft.com/office/drawing/2010/main">
-        <mc:Choice Requires="a14">
-          <p:sp>
-            <p:nvSpPr>
-              <p:cNvPr id="12" name="TextBox 11">
-                <a:extLst>
-                  <a:ext uri="{FF2B5EF4-FFF2-40B4-BE49-F238E27FC236}">
-                    <a16:creationId xmlns:a16="http://schemas.microsoft.com/office/drawing/2014/main" id="{33681B2F-705C-A98D-DA86-2D6744F55E28}"/>
-                  </a:ext>
-                </a:extLst>
-              </p:cNvPr>
-              <p:cNvSpPr txBox="1"/>
-              <p:nvPr/>
-            </p:nvSpPr>
-            <p:spPr>
-              <a:xfrm>
-                <a:off x="8151867" y="1288463"/>
-                <a:ext cx="1409617" cy="369332"/>
-              </a:xfrm>
-              <a:prstGeom prst="rect">
-                <a:avLst/>
-              </a:prstGeom>
-              <a:noFill/>
-            </p:spPr>
-            <p:txBody>
-              <a:bodyPr wrap="none" rtlCol="0">
-                <a:spAutoFit/>
-              </a:bodyPr>
-              <a:lstStyle/>
-              <a:p>
-                <a:r>
-                  <a:rPr lang="en-US" dirty="0"/>
-                  <a:t>Outcome, </a:t>
-                </a:r>
-                <a14:m>
-                  <m:oMath xmlns:m="http://schemas.openxmlformats.org/officeDocument/2006/math">
-                    <m:sSub>
-                      <m:sSubPr>
-                        <m:ctrlPr>
-                          <a:rPr lang="en-US" b="0" i="1" dirty="0" smtClean="0">
-                            <a:latin typeface="Cambria Math" panose="02040503050406030204" pitchFamily="18" charset="0"/>
-                          </a:rPr>
-                        </m:ctrlPr>
-                      </m:sSubPr>
-                      <m:e>
-                        <m:r>
-                          <a:rPr lang="en-US" b="0" i="1" dirty="0" smtClean="0">
-                            <a:latin typeface="Cambria Math" panose="02040503050406030204" pitchFamily="18" charset="0"/>
-                          </a:rPr>
-                          <m:t>𝑌</m:t>
-                        </m:r>
-                      </m:e>
-                      <m:sub>
-                        <m:r>
-                          <a:rPr lang="en-US" b="0" i="1" dirty="0" smtClean="0">
-                            <a:latin typeface="Cambria Math" panose="02040503050406030204" pitchFamily="18" charset="0"/>
-                          </a:rPr>
-                          <m:t>𝑖𝑡</m:t>
-                        </m:r>
-                      </m:sub>
-                    </m:sSub>
-                  </m:oMath>
-                </a14:m>
-                <a:endParaRPr lang="en-US" dirty="0"/>
-              </a:p>
-            </p:txBody>
-          </p:sp>
-        </mc:Choice>
-        <mc:Fallback xmlns="">
-          <p:sp>
-            <p:nvSpPr>
-              <p:cNvPr id="12" name="TextBox 11">
-                <a:extLst>
-                  <a:ext uri="{FF2B5EF4-FFF2-40B4-BE49-F238E27FC236}">
-                    <a16:creationId xmlns:a16="http://schemas.microsoft.com/office/drawing/2014/main" id="{33681B2F-705C-A98D-DA86-2D6744F55E28}"/>
-                  </a:ext>
-                </a:extLst>
-              </p:cNvPr>
-              <p:cNvSpPr txBox="1">
-                <a:spLocks noRot="1" noChangeAspect="1" noMove="1" noResize="1" noEditPoints="1" noAdjustHandles="1" noChangeArrowheads="1" noChangeShapeType="1" noTextEdit="1"/>
-              </p:cNvSpPr>
-              <p:nvPr/>
-            </p:nvSpPr>
-            <p:spPr>
-              <a:xfrm>
-                <a:off x="8151867" y="1288463"/>
-                <a:ext cx="1409617" cy="369332"/>
-              </a:xfrm>
-              <a:prstGeom prst="rect">
-                <a:avLst/>
-              </a:prstGeom>
-              <a:blipFill>
-                <a:blip r:embed="rId4"/>
-                <a:stretch>
-                  <a:fillRect l="-3571" t="-6667" b="-26667"/>
-                </a:stretch>
-              </a:blipFill>
-            </p:spPr>
-            <p:txBody>
-              <a:bodyPr/>
-              <a:lstStyle/>
-              <a:p>
-                <a:r>
-                  <a:rPr lang="en-US">
-                    <a:noFill/>
-                  </a:rPr>
-                  <a:t> </a:t>
-                </a:r>
-              </a:p>
-            </p:txBody>
-          </p:sp>
-        </mc:Fallback>
-      </mc:AlternateContent>
-      <p:grpSp>
-        <p:nvGrpSpPr>
-          <p:cNvPr id="30" name="Group 29">
-            <a:extLst>
-              <a:ext uri="{FF2B5EF4-FFF2-40B4-BE49-F238E27FC236}">
-                <a16:creationId xmlns:a16="http://schemas.microsoft.com/office/drawing/2014/main" id="{5653368C-4D7C-51C9-E2EF-6333B111947A}"/>
-              </a:ext>
-            </a:extLst>
-          </p:cNvPr>
-          <p:cNvGrpSpPr/>
-          <p:nvPr/>
-        </p:nvGrpSpPr>
-        <p:grpSpPr>
-          <a:xfrm>
-            <a:off x="4681330" y="2534478"/>
-            <a:ext cx="6211957" cy="1312253"/>
-            <a:chOff x="4681330" y="2534478"/>
-            <a:chExt cx="6211957" cy="1312253"/>
-          </a:xfrm>
-        </p:grpSpPr>
-        <p:grpSp>
-          <p:nvGrpSpPr>
-            <p:cNvPr id="27" name="Group 26">
-              <a:extLst>
-                <a:ext uri="{FF2B5EF4-FFF2-40B4-BE49-F238E27FC236}">
-                  <a16:creationId xmlns:a16="http://schemas.microsoft.com/office/drawing/2014/main" id="{77BCD3DF-E10C-2266-B43E-C594BAC92A12}"/>
-                </a:ext>
-              </a:extLst>
-            </p:cNvPr>
-            <p:cNvGrpSpPr/>
-            <p:nvPr/>
-          </p:nvGrpSpPr>
-          <p:grpSpPr>
-            <a:xfrm>
-              <a:off x="5188226" y="2534478"/>
-              <a:ext cx="5705061" cy="1039937"/>
-              <a:chOff x="5188226" y="2534478"/>
-              <a:chExt cx="5705061" cy="1039937"/>
-            </a:xfrm>
-          </p:grpSpPr>
-          <p:cxnSp>
-            <p:nvCxnSpPr>
-              <p:cNvPr id="24" name="Straight Connector 23">
-                <a:extLst>
-                  <a:ext uri="{FF2B5EF4-FFF2-40B4-BE49-F238E27FC236}">
-                    <a16:creationId xmlns:a16="http://schemas.microsoft.com/office/drawing/2014/main" id="{2655C7AD-AAC9-BC71-1672-80C52A66CDB4}"/>
-                  </a:ext>
-                </a:extLst>
-              </p:cNvPr>
-              <p:cNvCxnSpPr/>
-              <p:nvPr/>
-            </p:nvCxnSpPr>
-            <p:spPr>
-              <a:xfrm>
-                <a:off x="5188226" y="3574415"/>
-                <a:ext cx="3658925" cy="0"/>
-              </a:xfrm>
-              <a:prstGeom prst="line">
-                <a:avLst/>
-              </a:prstGeom>
-              <a:ln w="38100"/>
-            </p:spPr>
-            <p:style>
-              <a:lnRef idx="1">
-                <a:schemeClr val="accent1"/>
-              </a:lnRef>
-              <a:fillRef idx="0">
-                <a:schemeClr val="accent1"/>
-              </a:fillRef>
-              <a:effectRef idx="0">
-                <a:schemeClr val="accent1"/>
-              </a:effectRef>
-              <a:fontRef idx="minor">
-                <a:schemeClr val="tx1"/>
-              </a:fontRef>
-            </p:style>
-          </p:cxnSp>
-          <p:cxnSp>
-            <p:nvCxnSpPr>
-              <p:cNvPr id="25" name="Straight Connector 24">
-                <a:extLst>
-                  <a:ext uri="{FF2B5EF4-FFF2-40B4-BE49-F238E27FC236}">
-                    <a16:creationId xmlns:a16="http://schemas.microsoft.com/office/drawing/2014/main" id="{9DE45EE6-538E-6753-17D6-8D55413E465E}"/>
-                  </a:ext>
-                </a:extLst>
-              </p:cNvPr>
-              <p:cNvCxnSpPr>
-                <a:cxnSpLocks/>
-              </p:cNvCxnSpPr>
-              <p:nvPr/>
-            </p:nvCxnSpPr>
-            <p:spPr>
-              <a:xfrm flipV="1">
-                <a:off x="8856676" y="2534478"/>
-                <a:ext cx="2036611" cy="1039937"/>
-              </a:xfrm>
-              <a:prstGeom prst="line">
-                <a:avLst/>
-              </a:prstGeom>
-              <a:ln w="38100">
-                <a:headEnd type="none" w="med" len="med"/>
-                <a:tailEnd type="triangle" w="med" len="med"/>
-              </a:ln>
-            </p:spPr>
-            <p:style>
-              <a:lnRef idx="1">
-                <a:schemeClr val="accent1"/>
-              </a:lnRef>
-              <a:fillRef idx="0">
-                <a:schemeClr val="accent1"/>
-              </a:fillRef>
-              <a:effectRef idx="0">
-                <a:schemeClr val="accent1"/>
-              </a:effectRef>
-              <a:fontRef idx="minor">
-                <a:schemeClr val="tx1"/>
-              </a:fontRef>
-            </p:style>
-          </p:cxnSp>
-        </p:grpSp>
-        <mc:AlternateContent xmlns:mc="http://schemas.openxmlformats.org/markup-compatibility/2006" xmlns:a14="http://schemas.microsoft.com/office/drawing/2010/main">
-          <mc:Choice Requires="a14">
-            <p:sp>
-              <p:nvSpPr>
-                <p:cNvPr id="28" name="TextBox 27">
-                  <a:extLst>
-                    <a:ext uri="{FF2B5EF4-FFF2-40B4-BE49-F238E27FC236}">
-                      <a16:creationId xmlns:a16="http://schemas.microsoft.com/office/drawing/2014/main" id="{A2C92CAB-FA65-97BB-3F64-1FB0A539897E}"/>
-                    </a:ext>
-                  </a:extLst>
-                </p:cNvPr>
-                <p:cNvSpPr txBox="1"/>
-                <p:nvPr/>
-              </p:nvSpPr>
-              <p:spPr>
-                <a:xfrm>
-                  <a:off x="4681330" y="3200400"/>
-                  <a:ext cx="2144561" cy="646331"/>
-                </a:xfrm>
-                <a:prstGeom prst="rect">
-                  <a:avLst/>
-                </a:prstGeom>
-                <a:noFill/>
-              </p:spPr>
-              <p:txBody>
-                <a:bodyPr wrap="none" rtlCol="0">
-                  <a:spAutoFit/>
-                </a:bodyPr>
-                <a:lstStyle/>
-                <a:p>
-                  <a:r>
-                    <a:rPr lang="en-US" dirty="0"/>
-                    <a:t>Treated Unit, </a:t>
-                  </a:r>
-                  <a14:m>
-                    <m:oMath xmlns:m="http://schemas.openxmlformats.org/officeDocument/2006/math">
-                      <m:sSub>
-                        <m:sSubPr>
-                          <m:ctrlPr>
-                            <a:rPr lang="en-US" b="0" i="1" dirty="0" smtClean="0">
-                              <a:latin typeface="Cambria Math" panose="02040503050406030204" pitchFamily="18" charset="0"/>
-                            </a:rPr>
-                          </m:ctrlPr>
-                        </m:sSubPr>
-                        <m:e>
-                          <m:r>
-                            <m:rPr>
-                              <m:sty m:val="p"/>
-                            </m:rPr>
-                            <a:rPr lang="en-US" b="0" i="0" dirty="0" smtClean="0">
-                              <a:latin typeface="Cambria Math" panose="02040503050406030204" pitchFamily="18" charset="0"/>
-                            </a:rPr>
-                            <m:t>W</m:t>
-                          </m:r>
-                        </m:e>
-                        <m:sub>
-                          <m:r>
-                            <m:rPr>
-                              <m:sty m:val="p"/>
-                            </m:rPr>
-                            <a:rPr lang="en-US" b="0" i="0" dirty="0" smtClean="0">
-                              <a:latin typeface="Cambria Math" panose="02040503050406030204" pitchFamily="18" charset="0"/>
-                            </a:rPr>
-                            <m:t>i</m:t>
-                          </m:r>
-                        </m:sub>
-                      </m:sSub>
-                      <m:r>
-                        <a:rPr lang="en-US" b="0" i="1" dirty="0" smtClean="0">
-                          <a:latin typeface="Cambria Math" panose="02040503050406030204" pitchFamily="18" charset="0"/>
-                        </a:rPr>
-                        <m:t>=1</m:t>
-                      </m:r>
-                    </m:oMath>
-                  </a14:m>
-                  <a:endParaRPr lang="en-US" dirty="0"/>
-                </a:p>
-                <a:p>
-                  <a:r>
-                    <a:rPr lang="en-US" dirty="0"/>
-                    <a:t> </a:t>
-                  </a:r>
-                </a:p>
-              </p:txBody>
-            </p:sp>
-          </mc:Choice>
-          <mc:Fallback xmlns="">
-            <p:sp>
-              <p:nvSpPr>
-                <p:cNvPr id="28" name="TextBox 27">
-                  <a:extLst>
-                    <a:ext uri="{FF2B5EF4-FFF2-40B4-BE49-F238E27FC236}">
-                      <a16:creationId xmlns:a16="http://schemas.microsoft.com/office/drawing/2014/main" id="{A2C92CAB-FA65-97BB-3F64-1FB0A539897E}"/>
-                    </a:ext>
-                  </a:extLst>
-                </p:cNvPr>
-                <p:cNvSpPr txBox="1">
-                  <a:spLocks noRot="1" noChangeAspect="1" noMove="1" noResize="1" noEditPoints="1" noAdjustHandles="1" noChangeArrowheads="1" noChangeShapeType="1" noTextEdit="1"/>
-                </p:cNvSpPr>
-                <p:nvPr/>
-              </p:nvSpPr>
-              <p:spPr>
-                <a:xfrm>
-                  <a:off x="4681330" y="3200400"/>
-                  <a:ext cx="2144561" cy="646331"/>
-                </a:xfrm>
-                <a:prstGeom prst="rect">
-                  <a:avLst/>
-                </a:prstGeom>
-                <a:blipFill>
-                  <a:blip r:embed="rId5"/>
-                  <a:stretch>
-                    <a:fillRect l="-2353" t="-3922"/>
-                  </a:stretch>
-                </a:blipFill>
-              </p:spPr>
-              <p:txBody>
-                <a:bodyPr/>
-                <a:lstStyle/>
-                <a:p>
-                  <a:r>
-                    <a:rPr lang="en-US">
-                      <a:noFill/>
-                    </a:rPr>
-                    <a:t> </a:t>
-                  </a:r>
-                </a:p>
-              </p:txBody>
-            </p:sp>
-          </mc:Fallback>
-        </mc:AlternateContent>
-      </p:grpSp>
-      <p:grpSp>
-        <p:nvGrpSpPr>
-          <p:cNvPr id="31" name="Group 30">
-            <a:extLst>
-              <a:ext uri="{FF2B5EF4-FFF2-40B4-BE49-F238E27FC236}">
-                <a16:creationId xmlns:a16="http://schemas.microsoft.com/office/drawing/2014/main" id="{7CA571B0-E146-9618-CF3A-79A28C95FA81}"/>
-              </a:ext>
-            </a:extLst>
-          </p:cNvPr>
-          <p:cNvGrpSpPr/>
-          <p:nvPr/>
-        </p:nvGrpSpPr>
-        <p:grpSpPr>
-          <a:xfrm>
-            <a:off x="4690854" y="3637659"/>
-            <a:ext cx="6385008" cy="646331"/>
-            <a:chOff x="4690854" y="3571873"/>
-            <a:chExt cx="6385008" cy="646331"/>
-          </a:xfrm>
-        </p:grpSpPr>
-        <p:grpSp>
-          <p:nvGrpSpPr>
-            <p:cNvPr id="32" name="Group 31">
-              <a:extLst>
-                <a:ext uri="{FF2B5EF4-FFF2-40B4-BE49-F238E27FC236}">
-                  <a16:creationId xmlns:a16="http://schemas.microsoft.com/office/drawing/2014/main" id="{ED6683C6-023A-CAB8-0432-0B6B2A917D7A}"/>
-                </a:ext>
-              </a:extLst>
-            </p:cNvPr>
-            <p:cNvGrpSpPr/>
-            <p:nvPr/>
-          </p:nvGrpSpPr>
-          <p:grpSpPr>
-            <a:xfrm>
-              <a:off x="5188226" y="3574415"/>
-              <a:ext cx="5887636" cy="21874"/>
-              <a:chOff x="5188226" y="3574415"/>
-              <a:chExt cx="5887636" cy="21874"/>
-            </a:xfrm>
-          </p:grpSpPr>
-          <p:cxnSp>
-            <p:nvCxnSpPr>
-              <p:cNvPr id="34" name="Straight Connector 33">
-                <a:extLst>
-                  <a:ext uri="{FF2B5EF4-FFF2-40B4-BE49-F238E27FC236}">
-                    <a16:creationId xmlns:a16="http://schemas.microsoft.com/office/drawing/2014/main" id="{A19C91AD-6611-D351-B0D3-225BFDFB017F}"/>
-                  </a:ext>
-                </a:extLst>
-              </p:cNvPr>
-              <p:cNvCxnSpPr/>
-              <p:nvPr/>
-            </p:nvCxnSpPr>
-            <p:spPr>
-              <a:xfrm>
-                <a:off x="5188226" y="3574415"/>
-                <a:ext cx="3658925" cy="0"/>
-              </a:xfrm>
-              <a:prstGeom prst="line">
-                <a:avLst/>
-              </a:prstGeom>
-              <a:ln w="38100">
-                <a:solidFill>
-                  <a:srgbClr val="00B050"/>
-                </a:solidFill>
-                <a:prstDash val="dash"/>
-              </a:ln>
-            </p:spPr>
-            <p:style>
-              <a:lnRef idx="1">
-                <a:schemeClr val="accent1"/>
-              </a:lnRef>
-              <a:fillRef idx="0">
-                <a:schemeClr val="accent1"/>
-              </a:fillRef>
-              <a:effectRef idx="0">
-                <a:schemeClr val="accent1"/>
-              </a:effectRef>
-              <a:fontRef idx="minor">
-                <a:schemeClr val="tx1"/>
-              </a:fontRef>
-            </p:style>
-          </p:cxnSp>
-          <p:cxnSp>
-            <p:nvCxnSpPr>
-              <p:cNvPr id="35" name="Straight Connector 34">
-                <a:extLst>
-                  <a:ext uri="{FF2B5EF4-FFF2-40B4-BE49-F238E27FC236}">
-                    <a16:creationId xmlns:a16="http://schemas.microsoft.com/office/drawing/2014/main" id="{86C9D997-534B-AEF3-54FA-ECCDBB3D52B1}"/>
-                  </a:ext>
-                </a:extLst>
-              </p:cNvPr>
-              <p:cNvCxnSpPr>
-                <a:cxnSpLocks/>
-              </p:cNvCxnSpPr>
-              <p:nvPr/>
-            </p:nvCxnSpPr>
-            <p:spPr>
-              <a:xfrm>
-                <a:off x="8856676" y="3574415"/>
-                <a:ext cx="2219186" cy="21874"/>
-              </a:xfrm>
-              <a:prstGeom prst="line">
-                <a:avLst/>
-              </a:prstGeom>
-              <a:ln w="38100">
-                <a:solidFill>
-                  <a:srgbClr val="00B050"/>
-                </a:solidFill>
-                <a:prstDash val="dash"/>
-                <a:headEnd type="none" w="med" len="med"/>
-                <a:tailEnd type="triangle" w="med" len="med"/>
-              </a:ln>
-            </p:spPr>
-            <p:style>
-              <a:lnRef idx="1">
-                <a:schemeClr val="accent1"/>
-              </a:lnRef>
-              <a:fillRef idx="0">
-                <a:schemeClr val="accent1"/>
-              </a:fillRef>
-              <a:effectRef idx="0">
-                <a:schemeClr val="accent1"/>
-              </a:effectRef>
-              <a:fontRef idx="minor">
-                <a:schemeClr val="tx1"/>
-              </a:fontRef>
-            </p:style>
-          </p:cxnSp>
-        </p:grpSp>
-        <mc:AlternateContent xmlns:mc="http://schemas.openxmlformats.org/markup-compatibility/2006" xmlns:a14="http://schemas.microsoft.com/office/drawing/2010/main">
-          <mc:Choice Requires="a14">
-            <p:sp>
-              <p:nvSpPr>
-                <p:cNvPr id="33" name="TextBox 32">
-                  <a:extLst>
-                    <a:ext uri="{FF2B5EF4-FFF2-40B4-BE49-F238E27FC236}">
-                      <a16:creationId xmlns:a16="http://schemas.microsoft.com/office/drawing/2014/main" id="{BFF0A07E-6EA1-0602-C9C7-FD8B4489E6A9}"/>
-                    </a:ext>
-                  </a:extLst>
-                </p:cNvPr>
-                <p:cNvSpPr txBox="1"/>
-                <p:nvPr/>
-              </p:nvSpPr>
-              <p:spPr>
-                <a:xfrm>
-                  <a:off x="4690854" y="3571873"/>
-                  <a:ext cx="2638351" cy="646331"/>
-                </a:xfrm>
-                <a:prstGeom prst="rect">
-                  <a:avLst/>
-                </a:prstGeom>
-                <a:noFill/>
-              </p:spPr>
-              <p:txBody>
-                <a:bodyPr wrap="none" rtlCol="0">
-                  <a:spAutoFit/>
-                </a:bodyPr>
-                <a:lstStyle/>
-                <a:p>
-                  <a:r>
-                    <a:rPr lang="en-US" dirty="0"/>
-                    <a:t>Ideal Control Unit, </a:t>
-                  </a:r>
-                  <a14:m>
-                    <m:oMath xmlns:m="http://schemas.openxmlformats.org/officeDocument/2006/math">
-                      <m:sSub>
-                        <m:sSubPr>
-                          <m:ctrlPr>
-                            <a:rPr lang="en-US" b="0" i="1" dirty="0" smtClean="0">
-                              <a:latin typeface="Cambria Math" panose="02040503050406030204" pitchFamily="18" charset="0"/>
-                            </a:rPr>
-                          </m:ctrlPr>
-                        </m:sSubPr>
-                        <m:e>
-                          <m:r>
-                            <m:rPr>
-                              <m:sty m:val="p"/>
-                            </m:rPr>
-                            <a:rPr lang="en-US" b="0" i="0" dirty="0" smtClean="0">
-                              <a:latin typeface="Cambria Math" panose="02040503050406030204" pitchFamily="18" charset="0"/>
-                            </a:rPr>
-                            <m:t>W</m:t>
-                          </m:r>
-                        </m:e>
-                        <m:sub>
-                          <m:r>
-                            <m:rPr>
-                              <m:sty m:val="p"/>
-                            </m:rPr>
-                            <a:rPr lang="en-US" b="0" i="0" dirty="0" smtClean="0">
-                              <a:latin typeface="Cambria Math" panose="02040503050406030204" pitchFamily="18" charset="0"/>
-                            </a:rPr>
-                            <m:t>i</m:t>
-                          </m:r>
-                        </m:sub>
-                      </m:sSub>
-                      <m:r>
-                        <a:rPr lang="en-US" b="0" i="1" dirty="0" smtClean="0">
-                          <a:latin typeface="Cambria Math" panose="02040503050406030204" pitchFamily="18" charset="0"/>
-                        </a:rPr>
-                        <m:t>=0</m:t>
-                      </m:r>
-                    </m:oMath>
-                  </a14:m>
-                  <a:endParaRPr lang="en-US" dirty="0"/>
-                </a:p>
-                <a:p>
-                  <a:r>
-                    <a:rPr lang="en-US" dirty="0"/>
-                    <a:t> </a:t>
-                  </a:r>
-                </a:p>
-              </p:txBody>
-            </p:sp>
-          </mc:Choice>
-          <mc:Fallback xmlns="">
-            <p:sp>
-              <p:nvSpPr>
-                <p:cNvPr id="33" name="TextBox 32">
-                  <a:extLst>
-                    <a:ext uri="{FF2B5EF4-FFF2-40B4-BE49-F238E27FC236}">
-                      <a16:creationId xmlns:a16="http://schemas.microsoft.com/office/drawing/2014/main" id="{BFF0A07E-6EA1-0602-C9C7-FD8B4489E6A9}"/>
-                    </a:ext>
-                  </a:extLst>
-                </p:cNvPr>
-                <p:cNvSpPr txBox="1">
-                  <a:spLocks noRot="1" noChangeAspect="1" noMove="1" noResize="1" noEditPoints="1" noAdjustHandles="1" noChangeArrowheads="1" noChangeShapeType="1" noTextEdit="1"/>
-                </p:cNvSpPr>
-                <p:nvPr/>
-              </p:nvSpPr>
-              <p:spPr>
-                <a:xfrm>
-                  <a:off x="4690854" y="3571873"/>
-                  <a:ext cx="2638351" cy="646331"/>
-                </a:xfrm>
-                <a:prstGeom prst="rect">
-                  <a:avLst/>
-                </a:prstGeom>
-                <a:blipFill>
-                  <a:blip r:embed="rId6"/>
-                  <a:stretch>
-                    <a:fillRect l="-1923" t="-3846"/>
-                  </a:stretch>
-                </a:blipFill>
-              </p:spPr>
-              <p:txBody>
-                <a:bodyPr/>
-                <a:lstStyle/>
-                <a:p>
-                  <a:r>
-                    <a:rPr lang="en-US">
-                      <a:noFill/>
-                    </a:rPr>
-                    <a:t> </a:t>
-                  </a:r>
-                </a:p>
-              </p:txBody>
-            </p:sp>
-          </mc:Fallback>
-        </mc:AlternateContent>
-      </p:grpSp>
-    </p:spTree>
-    <p:extLst>
-      <p:ext uri="{BB962C8B-B14F-4D97-AF65-F5344CB8AC3E}">
-        <p14:creationId xmlns:p14="http://schemas.microsoft.com/office/powerpoint/2010/main" val="1825857170"/>
-      </p:ext>
-    </p:extLst>
-  </p:cSld>
-  <p:clrMapOvr>
-    <a:masterClrMapping/>
-  </p:clrMapOvr>
-</p:sld>
-</file>
-
-<file path=ppt/slides/slide50.xml><?xml version="1.0" encoding="utf-8"?>
+<file path=ppt/slides/slide52.xml><?xml version="1.0" encoding="utf-8"?>
 <p:sld xmlns:a="http://schemas.openxmlformats.org/drawingml/2006/main" xmlns:r="http://schemas.openxmlformats.org/officeDocument/2006/relationships" xmlns:p="http://schemas.openxmlformats.org/presentationml/2006/main">
   <p:cSld>
     <p:spTree>
@@ -34101,7 +34571,7 @@
 </p:sld>
 </file>
 
-<file path=ppt/slides/slide51.xml><?xml version="1.0" encoding="utf-8"?>
+<file path=ppt/slides/slide53.xml><?xml version="1.0" encoding="utf-8"?>
 <p:sld xmlns:a="http://schemas.openxmlformats.org/drawingml/2006/main" xmlns:r="http://schemas.openxmlformats.org/officeDocument/2006/relationships" xmlns:p="http://schemas.openxmlformats.org/presentationml/2006/main">
   <p:cSld>
     <p:spTree>
@@ -34181,7 +34651,7 @@
 </p:sld>
 </file>
 
-<file path=ppt/slides/slide52.xml><?xml version="1.0" encoding="utf-8"?>
+<file path=ppt/slides/slide54.xml><?xml version="1.0" encoding="utf-8"?>
 <p:sld xmlns:a="http://schemas.openxmlformats.org/drawingml/2006/main" xmlns:r="http://schemas.openxmlformats.org/officeDocument/2006/relationships" xmlns:p="http://schemas.openxmlformats.org/presentationml/2006/main">
   <p:cSld>
     <p:spTree>
@@ -34264,7 +34734,7 @@
 </p:sld>
 </file>
 
-<file path=ppt/slides/slide53.xml><?xml version="1.0" encoding="utf-8"?>
+<file path=ppt/slides/slide55.xml><?xml version="1.0" encoding="utf-8"?>
 <p:sld xmlns:a="http://schemas.openxmlformats.org/drawingml/2006/main" xmlns:r="http://schemas.openxmlformats.org/officeDocument/2006/relationships" xmlns:p="http://schemas.openxmlformats.org/presentationml/2006/main">
   <p:cSld>
     <p:spTree>
@@ -34347,7 +34817,7 @@
 </p:sld>
 </file>
 
-<file path=ppt/slides/slide54.xml><?xml version="1.0" encoding="utf-8"?>
+<file path=ppt/slides/slide56.xml><?xml version="1.0" encoding="utf-8"?>
 <p:sld xmlns:a="http://schemas.openxmlformats.org/drawingml/2006/main" xmlns:r="http://schemas.openxmlformats.org/officeDocument/2006/relationships" xmlns:p="http://schemas.openxmlformats.org/presentationml/2006/main">
   <p:cSld>
     <p:spTree>
@@ -34439,7 +34909,7 @@
 </p:sld>
 </file>
 
-<file path=ppt/slides/slide55.xml><?xml version="1.0" encoding="utf-8"?>
+<file path=ppt/slides/slide57.xml><?xml version="1.0" encoding="utf-8"?>
 <p:sld xmlns:a="http://schemas.openxmlformats.org/drawingml/2006/main" xmlns:r="http://schemas.openxmlformats.org/officeDocument/2006/relationships" xmlns:p="http://schemas.openxmlformats.org/presentationml/2006/main">
   <p:cSld>
     <p:spTree>

--- a/Powerpoints/6 DiffnDiff (WIP).pptx
+++ b/Powerpoints/6 DiffnDiff (WIP).pptx
@@ -253,7 +253,7 @@
           <a:p>
             <a:fld id="{BC90CB22-C839-6149-99A7-A90D8892B5C9}" type="datetimeFigureOut">
               <a:rPr lang="en-US" smtClean="0"/>
-              <a:t>10/25/22</a:t>
+              <a:t>10/26/22</a:t>
             </a:fld>
             <a:endParaRPr lang="en-US"/>
           </a:p>
@@ -893,7 +893,7 @@
           <a:p>
             <a:fld id="{6A51730C-A43A-674C-AA66-C618CC514046}" type="datetimeFigureOut">
               <a:rPr lang="en-US" smtClean="0"/>
-              <a:t>10/25/22</a:t>
+              <a:t>10/26/22</a:t>
             </a:fld>
             <a:endParaRPr lang="en-US"/>
           </a:p>
@@ -1091,7 +1091,7 @@
           <a:p>
             <a:fld id="{6A51730C-A43A-674C-AA66-C618CC514046}" type="datetimeFigureOut">
               <a:rPr lang="en-US" smtClean="0"/>
-              <a:t>10/25/22</a:t>
+              <a:t>10/26/22</a:t>
             </a:fld>
             <a:endParaRPr lang="en-US"/>
           </a:p>
@@ -1299,7 +1299,7 @@
           <a:p>
             <a:fld id="{6A51730C-A43A-674C-AA66-C618CC514046}" type="datetimeFigureOut">
               <a:rPr lang="en-US" smtClean="0"/>
-              <a:t>10/25/22</a:t>
+              <a:t>10/26/22</a:t>
             </a:fld>
             <a:endParaRPr lang="en-US"/>
           </a:p>
@@ -1497,7 +1497,7 @@
           <a:p>
             <a:fld id="{6A51730C-A43A-674C-AA66-C618CC514046}" type="datetimeFigureOut">
               <a:rPr lang="en-US" smtClean="0"/>
-              <a:t>10/25/22</a:t>
+              <a:t>10/26/22</a:t>
             </a:fld>
             <a:endParaRPr lang="en-US"/>
           </a:p>
@@ -1772,7 +1772,7 @@
           <a:p>
             <a:fld id="{6A51730C-A43A-674C-AA66-C618CC514046}" type="datetimeFigureOut">
               <a:rPr lang="en-US" smtClean="0"/>
-              <a:t>10/25/22</a:t>
+              <a:t>10/26/22</a:t>
             </a:fld>
             <a:endParaRPr lang="en-US"/>
           </a:p>
@@ -2037,7 +2037,7 @@
           <a:p>
             <a:fld id="{6A51730C-A43A-674C-AA66-C618CC514046}" type="datetimeFigureOut">
               <a:rPr lang="en-US" smtClean="0"/>
-              <a:t>10/25/22</a:t>
+              <a:t>10/26/22</a:t>
             </a:fld>
             <a:endParaRPr lang="en-US"/>
           </a:p>
@@ -2449,7 +2449,7 @@
           <a:p>
             <a:fld id="{6A51730C-A43A-674C-AA66-C618CC514046}" type="datetimeFigureOut">
               <a:rPr lang="en-US" smtClean="0"/>
-              <a:t>10/25/22</a:t>
+              <a:t>10/26/22</a:t>
             </a:fld>
             <a:endParaRPr lang="en-US"/>
           </a:p>
@@ -2590,7 +2590,7 @@
           <a:p>
             <a:fld id="{6A51730C-A43A-674C-AA66-C618CC514046}" type="datetimeFigureOut">
               <a:rPr lang="en-US" smtClean="0"/>
-              <a:t>10/25/22</a:t>
+              <a:t>10/26/22</a:t>
             </a:fld>
             <a:endParaRPr lang="en-US"/>
           </a:p>
@@ -2703,7 +2703,7 @@
           <a:p>
             <a:fld id="{6A51730C-A43A-674C-AA66-C618CC514046}" type="datetimeFigureOut">
               <a:rPr lang="en-US" smtClean="0"/>
-              <a:t>10/25/22</a:t>
+              <a:t>10/26/22</a:t>
             </a:fld>
             <a:endParaRPr lang="en-US"/>
           </a:p>
@@ -3014,7 +3014,7 @@
           <a:p>
             <a:fld id="{6A51730C-A43A-674C-AA66-C618CC514046}" type="datetimeFigureOut">
               <a:rPr lang="en-US" smtClean="0"/>
-              <a:t>10/25/22</a:t>
+              <a:t>10/26/22</a:t>
             </a:fld>
             <a:endParaRPr lang="en-US"/>
           </a:p>
@@ -3302,7 +3302,7 @@
           <a:p>
             <a:fld id="{6A51730C-A43A-674C-AA66-C618CC514046}" type="datetimeFigureOut">
               <a:rPr lang="en-US" smtClean="0"/>
-              <a:t>10/25/22</a:t>
+              <a:t>10/26/22</a:t>
             </a:fld>
             <a:endParaRPr lang="en-US"/>
           </a:p>
@@ -3543,7 +3543,7 @@
           <a:p>
             <a:fld id="{6A51730C-A43A-674C-AA66-C618CC514046}" type="datetimeFigureOut">
               <a:rPr lang="en-US" smtClean="0"/>
-              <a:t>10/25/22</a:t>
+              <a:t>10/26/22</a:t>
             </a:fld>
             <a:endParaRPr lang="en-US"/>
           </a:p>
@@ -15034,8 +15034,8 @@
           </a:p>
         </p:txBody>
       </p:sp>
-      <mc:AlternateContent xmlns:mc="http://schemas.openxmlformats.org/markup-compatibility/2006">
-        <mc:Choice xmlns:a14="http://schemas.microsoft.com/office/drawing/2010/main" Requires="a14">
+      <mc:AlternateContent xmlns:mc="http://schemas.openxmlformats.org/markup-compatibility/2006" xmlns:a14="http://schemas.microsoft.com/office/drawing/2010/main">
+        <mc:Choice Requires="a14">
           <p:sp>
             <p:nvSpPr>
               <p:cNvPr id="3" name="Content Placeholder 2">
@@ -15215,7 +15215,7 @@
             </p:txBody>
           </p:sp>
         </mc:Choice>
-        <mc:Fallback>
+        <mc:Fallback xmlns="">
           <p:sp>
             <p:nvSpPr>
               <p:cNvPr id="3" name="Content Placeholder 2">
@@ -15358,10 +15358,9 @@
           <a:p>
             <a:pPr lvl="1"/>
             <a:r>
-              <a:rPr lang="en-US"/>
+              <a:rPr lang="en-US" dirty="0"/>
               <a:t>TBD</a:t>
             </a:r>
-            <a:endParaRPr lang="en-US" dirty="0"/>
           </a:p>
           <a:p>
             <a:r>
@@ -15480,14 +15479,14 @@
             <p:ph idx="1"/>
             <p:extLst>
               <p:ext uri="{D42A27DB-BD31-4B8C-83A1-F6EECF244321}">
-                <p14:modId xmlns:p14="http://schemas.microsoft.com/office/powerpoint/2010/main" val="1737288920"/>
+                <p14:modId xmlns:p14="http://schemas.microsoft.com/office/powerpoint/2010/main" val="3712397347"/>
               </p:ext>
             </p:extLst>
           </p:nvPr>
         </p:nvGraphicFramePr>
         <p:xfrm>
           <a:off x="838199" y="1825624"/>
-          <a:ext cx="10739513" cy="4197855"/>
+          <a:ext cx="10739513" cy="4263855"/>
         </p:xfrm>
         <a:graphic>
           <a:graphicData uri="http://schemas.openxmlformats.org/drawingml/2006/table">
@@ -15583,7 +15582,7 @@
                     <a:p>
                       <a:r>
                         <a:rPr lang="en-US" dirty="0"/>
-                        <a:t>Unweighted average of all potential controls</a:t>
+                        <a:t>Unweighted average of all potential controls, allowing for a time-invariant difference</a:t>
                       </a:r>
                     </a:p>
                   </a:txBody>
@@ -15596,8 +15595,13 @@
                     <a:p>
                       <a:r>
                         <a:rPr lang="en-US" dirty="0"/>
-                        <a:t>Weighted average for a subset of all potential controls</a:t>
+                        <a:t>Weighted average for a subset of all potential controls to exactly </a:t>
                       </a:r>
+                      <a:r>
+                        <a:rPr lang="en-US"/>
+                        <a:t>match treatment</a:t>
+                      </a:r>
+                      <a:endParaRPr lang="en-US" dirty="0"/>
                     </a:p>
                   </a:txBody>
                   <a:tcPr/>
